--- a/Web前端教学记录.pptx
+++ b/Web前端教学记录.pptx
@@ -10,29 +10,32 @@
     <p:sldId id="280" r:id="rId4"/>
     <p:sldId id="281" r:id="rId5"/>
     <p:sldId id="283" r:id="rId6"/>
-    <p:sldId id="257" r:id="rId7"/>
-    <p:sldId id="258" r:id="rId8"/>
-    <p:sldId id="259" r:id="rId9"/>
-    <p:sldId id="260" r:id="rId10"/>
-    <p:sldId id="261" r:id="rId11"/>
-    <p:sldId id="262" r:id="rId12"/>
-    <p:sldId id="263" r:id="rId13"/>
-    <p:sldId id="264" r:id="rId14"/>
-    <p:sldId id="266" r:id="rId15"/>
-    <p:sldId id="268" r:id="rId16"/>
-    <p:sldId id="269" r:id="rId17"/>
-    <p:sldId id="271" r:id="rId18"/>
-    <p:sldId id="265" r:id="rId19"/>
-    <p:sldId id="267" r:id="rId20"/>
-    <p:sldId id="273" r:id="rId21"/>
-    <p:sldId id="274" r:id="rId22"/>
-    <p:sldId id="275" r:id="rId23"/>
-    <p:sldId id="272" r:id="rId24"/>
-    <p:sldId id="270" r:id="rId25"/>
-    <p:sldId id="276" r:id="rId26"/>
-    <p:sldId id="277" r:id="rId27"/>
-    <p:sldId id="278" r:id="rId28"/>
-    <p:sldId id="279" r:id="rId29"/>
+    <p:sldId id="284" r:id="rId7"/>
+    <p:sldId id="257" r:id="rId8"/>
+    <p:sldId id="258" r:id="rId9"/>
+    <p:sldId id="259" r:id="rId10"/>
+    <p:sldId id="260" r:id="rId11"/>
+    <p:sldId id="261" r:id="rId12"/>
+    <p:sldId id="262" r:id="rId13"/>
+    <p:sldId id="263" r:id="rId14"/>
+    <p:sldId id="264" r:id="rId15"/>
+    <p:sldId id="266" r:id="rId16"/>
+    <p:sldId id="268" r:id="rId17"/>
+    <p:sldId id="269" r:id="rId18"/>
+    <p:sldId id="271" r:id="rId19"/>
+    <p:sldId id="265" r:id="rId20"/>
+    <p:sldId id="267" r:id="rId21"/>
+    <p:sldId id="273" r:id="rId22"/>
+    <p:sldId id="274" r:id="rId23"/>
+    <p:sldId id="275" r:id="rId24"/>
+    <p:sldId id="272" r:id="rId25"/>
+    <p:sldId id="270" r:id="rId26"/>
+    <p:sldId id="276" r:id="rId27"/>
+    <p:sldId id="277" r:id="rId28"/>
+    <p:sldId id="278" r:id="rId29"/>
+    <p:sldId id="279" r:id="rId30"/>
+    <p:sldId id="285" r:id="rId31"/>
+    <p:sldId id="286" r:id="rId32"/>
   </p:sldIdLst>
   <p:sldSz cx="9144000" cy="6858000" type="screen4x3"/>
   <p:notesSz cx="6858000" cy="9144000"/>
@@ -145,6 +148,7 @@
             <p14:sldId id="280"/>
             <p14:sldId id="281"/>
             <p14:sldId id="283"/>
+            <p14:sldId id="284"/>
           </p14:sldIdLst>
         </p14:section>
         <p14:section name="JavaScript代码写在哪里" id="{8A1F6922-5986-1246-ADEC-59687573DBEE}">
@@ -176,6 +180,8 @@
             <p14:sldId id="277"/>
             <p14:sldId id="278"/>
             <p14:sldId id="279"/>
+            <p14:sldId id="285"/>
+            <p14:sldId id="286"/>
           </p14:sldIdLst>
         </p14:section>
       </p14:sectionLst>
@@ -3275,8 +3281,8 @@
           <a:lstStyle/>
           <a:p>
             <a:r>
-              <a:rPr kumimoji="1" lang="zh-CN" altLang="en-US" dirty="0" smtClean="0"/>
-              <a:t>常用运算符</a:t>
+              <a:rPr kumimoji="1" lang="en-US" altLang="en-US" dirty="0" smtClean="0"/>
+              <a:t>变量与常量</a:t>
             </a:r>
             <a:endParaRPr kumimoji="1" lang="zh-CN" altLang="en-US" dirty="0"/>
           </a:p>
@@ -3292,103 +3298,128 @@
             <p:ph idx="1"/>
           </p:nvPr>
         </p:nvSpPr>
-        <p:spPr/>
-        <p:txBody>
-          <a:bodyPr>
-            <a:normAutofit lnSpcReduction="10000"/>
+        <p:spPr>
+          <a:xfrm>
+            <a:off x="457200" y="1600201"/>
+            <a:ext cx="8229600" cy="1476022"/>
+          </a:xfrm>
+        </p:spPr>
+        <p:txBody>
+          <a:bodyPr/>
+          <a:lstStyle/>
+          <a:p>
+            <a:r>
+              <a:rPr kumimoji="1" lang="zh-CN" altLang="en-US" dirty="0" smtClean="0"/>
+              <a:t>定义变量示例</a:t>
+            </a:r>
+            <a:r>
+              <a:rPr kumimoji="1" lang="en-US" altLang="zh-CN" dirty="0" smtClean="0"/>
+              <a:t> </a:t>
+            </a:r>
+            <a:r>
+              <a:rPr kumimoji="1" lang="en-US" altLang="zh-CN" dirty="0" err="1" smtClean="0"/>
+              <a:t>var</a:t>
+            </a:r>
+            <a:r>
+              <a:rPr kumimoji="1" lang="en-US" altLang="zh-CN" dirty="0" smtClean="0"/>
+              <a:t> a = 10</a:t>
+            </a:r>
+          </a:p>
+          <a:p>
+            <a:r>
+              <a:rPr kumimoji="1" lang="zh-CN" altLang="en-US" dirty="0" smtClean="0"/>
+              <a:t>定义常量示例</a:t>
+            </a:r>
+            <a:r>
+              <a:rPr kumimoji="1" lang="en-US" altLang="zh-CN" dirty="0" smtClean="0"/>
+              <a:t> </a:t>
+            </a:r>
+            <a:r>
+              <a:rPr kumimoji="1" lang="en-US" altLang="zh-CN" dirty="0" err="1" smtClean="0"/>
+              <a:t>var</a:t>
+            </a:r>
+            <a:r>
+              <a:rPr kumimoji="1" lang="en-US" altLang="zh-CN" dirty="0" smtClean="0"/>
+              <a:t> MATH_PI = 3.14</a:t>
+            </a:r>
+            <a:endParaRPr kumimoji="1" lang="zh-CN" altLang="en-US" dirty="0"/>
+          </a:p>
+        </p:txBody>
+      </p:sp>
+      <p:sp>
+        <p:nvSpPr>
+          <p:cNvPr id="4" name="文本框 3"/>
+          <p:cNvSpPr txBox="1"/>
+          <p:nvPr/>
+        </p:nvSpPr>
+        <p:spPr>
+          <a:xfrm>
+            <a:off x="804334" y="3104446"/>
+            <a:ext cx="7135111" cy="369332"/>
+          </a:xfrm>
+          <a:prstGeom prst="rect">
+            <a:avLst/>
+          </a:prstGeom>
+          <a:noFill/>
+        </p:spPr>
+        <p:txBody>
+          <a:bodyPr wrap="none" rtlCol="0">
+            <a:spAutoFit/>
           </a:bodyPr>
           <a:lstStyle/>
           <a:p>
             <a:r>
               <a:rPr kumimoji="1" lang="zh-CN" altLang="en-US" dirty="0" smtClean="0"/>
-              <a:t>四则</a:t>
+              <a:t>说明：</a:t>
             </a:r>
             <a:r>
               <a:rPr kumimoji="1" lang="en-US" altLang="zh-CN" dirty="0" smtClean="0"/>
-              <a:t> +  -  *  /</a:t>
-            </a:r>
+              <a:t>JavaScript(ES5)</a:t>
+            </a:r>
+            <a:r>
+              <a:rPr kumimoji="1" lang="zh-CN" altLang="en-US" dirty="0" smtClean="0"/>
+              <a:t>原生不支持常量定义，这里的常量是指编码规范</a:t>
+            </a:r>
+            <a:endParaRPr kumimoji="1" lang="zh-CN" altLang="en-US" dirty="0"/>
+          </a:p>
+        </p:txBody>
+      </p:sp>
+      <p:sp>
+        <p:nvSpPr>
+          <p:cNvPr id="5" name="文本框 4"/>
+          <p:cNvSpPr txBox="1"/>
+          <p:nvPr/>
+        </p:nvSpPr>
+        <p:spPr>
+          <a:xfrm>
+            <a:off x="654756" y="4984002"/>
+            <a:ext cx="1685077" cy="646331"/>
+          </a:xfrm>
+          <a:prstGeom prst="rect">
+            <a:avLst/>
+          </a:prstGeom>
+          <a:noFill/>
+        </p:spPr>
+        <p:txBody>
+          <a:bodyPr wrap="none" rtlCol="0">
+            <a:spAutoFit/>
+          </a:bodyPr>
+          <a:lstStyle/>
+          <a:p>
+            <a:r>
+              <a:rPr kumimoji="1" lang="zh-CN" altLang="en-US" dirty="0" smtClean="0"/>
+              <a:t>相关名词：</a:t>
+            </a:r>
+            <a:endParaRPr kumimoji="1" lang="en-US" altLang="zh-CN" dirty="0" smtClean="0"/>
           </a:p>
           <a:p>
             <a:r>
               <a:rPr kumimoji="1" lang="en-US" altLang="zh-CN" dirty="0" smtClean="0"/>
-              <a:t>++  --(</a:t>
+              <a:t>ES - </a:t>
             </a:r>
             <a:r>
               <a:rPr kumimoji="1" lang="en-US" altLang="zh-CN" dirty="0" err="1" smtClean="0"/>
-              <a:t>i</a:t>
-            </a:r>
-            <a:r>
-              <a:rPr kumimoji="1" lang="en-US" altLang="zh-CN" dirty="0" smtClean="0"/>
-              <a:t>++</a:t>
-            </a:r>
-            <a:r>
-              <a:rPr kumimoji="1" lang="zh-CN" altLang="en-US" dirty="0" smtClean="0"/>
-              <a:t>指先返回值，再自加。</a:t>
-            </a:r>
-            <a:r>
-              <a:rPr kumimoji="1" lang="en-US" altLang="zh-CN" dirty="0" smtClean="0"/>
-              <a:t>++</a:t>
-            </a:r>
-            <a:r>
-              <a:rPr kumimoji="1" lang="en-US" altLang="zh-CN" dirty="0" err="1" smtClean="0"/>
-              <a:t>i</a:t>
-            </a:r>
-            <a:r>
-              <a:rPr kumimoji="1" lang="zh-CN" altLang="en-US" dirty="0" smtClean="0"/>
-              <a:t>，先自加，再返回值</a:t>
-            </a:r>
-            <a:r>
-              <a:rPr kumimoji="1" lang="en-US" altLang="zh-CN" dirty="0" smtClean="0"/>
-              <a:t>)</a:t>
-            </a:r>
-          </a:p>
-          <a:p>
-            <a:r>
-              <a:rPr kumimoji="1" lang="en-US" altLang="zh-CN" dirty="0" smtClean="0"/>
-              <a:t>+=  -=  *=  /=</a:t>
-            </a:r>
-          </a:p>
-          <a:p>
-            <a:r>
-              <a:rPr kumimoji="1" lang="en-US" altLang="zh-CN" dirty="0" smtClean="0"/>
-              <a:t>== </a:t>
-            </a:r>
-            <a:r>
-              <a:rPr kumimoji="1" lang="zh-CN" altLang="en-US" dirty="0" smtClean="0"/>
-              <a:t>测试等</a:t>
-            </a:r>
-            <a:endParaRPr kumimoji="1" lang="en-US" altLang="zh-CN" dirty="0" smtClean="0"/>
-          </a:p>
-          <a:p>
-            <a:r>
-              <a:rPr kumimoji="1" lang="en-US" altLang="zh-CN" dirty="0" smtClean="0"/>
-              <a:t>= </a:t>
-            </a:r>
-            <a:r>
-              <a:rPr kumimoji="1" lang="zh-CN" altLang="en-US" dirty="0" smtClean="0"/>
-              <a:t>赋值等</a:t>
-            </a:r>
-            <a:endParaRPr kumimoji="1" lang="en-US" altLang="zh-CN" dirty="0" smtClean="0"/>
-          </a:p>
-          <a:p>
-            <a:r>
-              <a:rPr kumimoji="1" lang="en-US" altLang="zh-CN" dirty="0" smtClean="0"/>
-              <a:t>% </a:t>
-            </a:r>
-            <a:r>
-              <a:rPr kumimoji="1" lang="zh-CN" altLang="en-US" dirty="0" smtClean="0"/>
-              <a:t>求余</a:t>
-            </a:r>
-            <a:endParaRPr kumimoji="1" lang="en-US" altLang="zh-CN" dirty="0" smtClean="0"/>
-          </a:p>
-          <a:p>
-            <a:r>
-              <a:rPr kumimoji="1" lang="zh-CN" altLang="en-US" dirty="0" smtClean="0"/>
-              <a:t>逻辑运算</a:t>
-            </a:r>
-            <a:r>
-              <a:rPr kumimoji="1" lang="en-US" altLang="zh-CN" dirty="0" smtClean="0"/>
-              <a:t> &amp;&amp;  ||  !</a:t>
+              <a:t>ECMAScript</a:t>
             </a:r>
             <a:endParaRPr kumimoji="1" lang="zh-CN" altLang="en-US" dirty="0"/>
           </a:p>
@@ -3397,7 +3428,7 @@
     </p:spTree>
     <p:extLst>
       <p:ext uri="{BB962C8B-B14F-4D97-AF65-F5344CB8AC3E}">
-        <p14:creationId xmlns:p14="http://schemas.microsoft.com/office/powerpoint/2010/main" val="2250714791"/>
+        <p14:creationId xmlns:p14="http://schemas.microsoft.com/office/powerpoint/2010/main" val="2862649872"/>
       </p:ext>
     </p:extLst>
   </p:cSld>
@@ -3447,104 +3478,120 @@
           <a:lstStyle/>
           <a:p>
             <a:r>
-              <a:rPr kumimoji="1" lang="en-US" altLang="zh-CN" dirty="0"/>
-              <a:t>f</a:t>
+              <a:rPr kumimoji="1" lang="zh-CN" altLang="en-US" dirty="0" smtClean="0"/>
+              <a:t>常用运算符</a:t>
+            </a:r>
+            <a:endParaRPr kumimoji="1" lang="zh-CN" altLang="en-US" dirty="0"/>
+          </a:p>
+        </p:txBody>
+      </p:sp>
+      <p:sp>
+        <p:nvSpPr>
+          <p:cNvPr id="3" name="内容占位符 2"/>
+          <p:cNvSpPr>
+            <a:spLocks noGrp="1"/>
+          </p:cNvSpPr>
+          <p:nvPr>
+            <p:ph idx="1"/>
+          </p:nvPr>
+        </p:nvSpPr>
+        <p:spPr/>
+        <p:txBody>
+          <a:bodyPr>
+            <a:normAutofit lnSpcReduction="10000"/>
+          </a:bodyPr>
+          <a:lstStyle/>
+          <a:p>
+            <a:r>
+              <a:rPr kumimoji="1" lang="zh-CN" altLang="en-US" dirty="0" smtClean="0"/>
+              <a:t>四则</a:t>
             </a:r>
             <a:r>
               <a:rPr kumimoji="1" lang="en-US" altLang="zh-CN" dirty="0" smtClean="0"/>
-              <a:t>or</a:t>
-            </a:r>
-            <a:r>
-              <a:rPr kumimoji="1" lang="zh-CN" altLang="en-US" dirty="0" smtClean="0"/>
-              <a:t>循环</a:t>
-            </a:r>
-            <a:endParaRPr kumimoji="1" lang="zh-CN" altLang="en-US" dirty="0"/>
-          </a:p>
-        </p:txBody>
-      </p:sp>
-      <p:sp>
-        <p:nvSpPr>
-          <p:cNvPr id="3" name="内容占位符 2"/>
-          <p:cNvSpPr>
-            <a:spLocks noGrp="1"/>
-          </p:cNvSpPr>
-          <p:nvPr>
-            <p:ph idx="1"/>
-          </p:nvPr>
-        </p:nvSpPr>
-        <p:spPr/>
-        <p:txBody>
-          <a:bodyPr/>
-          <a:lstStyle/>
-          <a:p>
-            <a:pPr marL="0" indent="0">
-              <a:buNone/>
-            </a:pPr>
-            <a:r>
-              <a:rPr lang="ro-RO" altLang="zh-CN" b="1" dirty="0"/>
-              <a:t>for </a:t>
-            </a:r>
-            <a:r>
-              <a:rPr lang="ro-RO" altLang="zh-CN" dirty="0"/>
-              <a:t>(</a:t>
-            </a:r>
-            <a:r>
-              <a:rPr lang="ro-RO" altLang="zh-CN" b="1" dirty="0"/>
-              <a:t>var </a:t>
-            </a:r>
-            <a:r>
-              <a:rPr lang="ro-RO" altLang="zh-CN" b="1" i="1" dirty="0"/>
-              <a:t>i </a:t>
-            </a:r>
-            <a:r>
-              <a:rPr lang="ro-RO" altLang="zh-CN" dirty="0"/>
-              <a:t>= 0; </a:t>
-            </a:r>
-            <a:r>
-              <a:rPr lang="ro-RO" altLang="zh-CN" b="1" i="1" dirty="0"/>
-              <a:t>i </a:t>
-            </a:r>
-            <a:r>
-              <a:rPr lang="ro-RO" altLang="zh-CN" dirty="0"/>
-              <a:t>&lt; 100; </a:t>
-            </a:r>
-            <a:r>
-              <a:rPr lang="ro-RO" altLang="zh-CN" b="1" i="1" dirty="0"/>
+              <a:t> +  -  *  /</a:t>
+            </a:r>
+          </a:p>
+          <a:p>
+            <a:r>
+              <a:rPr kumimoji="1" lang="en-US" altLang="zh-CN" dirty="0" smtClean="0"/>
+              <a:t>++  --(</a:t>
+            </a:r>
+            <a:r>
+              <a:rPr kumimoji="1" lang="en-US" altLang="zh-CN" dirty="0" err="1" smtClean="0"/>
               <a:t>i</a:t>
             </a:r>
             <a:r>
-              <a:rPr lang="ro-RO" altLang="zh-CN" dirty="0"/>
-              <a:t>++) {</a:t>
-            </a:r>
-            <a:br>
-              <a:rPr lang="ro-RO" altLang="zh-CN" dirty="0"/>
-            </a:br>
-            <a:r>
-              <a:rPr lang="ro-RO" altLang="zh-CN" dirty="0"/>
-              <a:t>    </a:t>
-            </a:r>
-            <a:r>
-              <a:rPr lang="ro-RO" altLang="zh-CN" b="1" dirty="0"/>
-              <a:t>console</a:t>
-            </a:r>
-            <a:r>
-              <a:rPr lang="ro-RO" altLang="zh-CN" dirty="0"/>
-              <a:t>.log(</a:t>
-            </a:r>
-            <a:r>
-              <a:rPr lang="ro-RO" altLang="zh-CN" b="1" i="1" dirty="0"/>
+              <a:rPr kumimoji="1" lang="en-US" altLang="zh-CN" dirty="0" smtClean="0"/>
+              <a:t>++</a:t>
+            </a:r>
+            <a:r>
+              <a:rPr kumimoji="1" lang="zh-CN" altLang="en-US" dirty="0" smtClean="0"/>
+              <a:t>指先返回值，再自加。</a:t>
+            </a:r>
+            <a:r>
+              <a:rPr kumimoji="1" lang="en-US" altLang="zh-CN" dirty="0" smtClean="0"/>
+              <a:t>++</a:t>
+            </a:r>
+            <a:r>
+              <a:rPr kumimoji="1" lang="en-US" altLang="zh-CN" dirty="0" err="1" smtClean="0"/>
               <a:t>i</a:t>
             </a:r>
             <a:r>
-              <a:rPr lang="ro-RO" altLang="zh-CN" dirty="0"/>
-              <a:t>);</a:t>
-            </a:r>
-            <a:br>
-              <a:rPr lang="ro-RO" altLang="zh-CN" dirty="0"/>
-            </a:br>
-            <a:r>
-              <a:rPr lang="ro-RO" altLang="zh-CN" dirty="0"/>
-              <a:t>}</a:t>
+              <a:rPr kumimoji="1" lang="zh-CN" altLang="en-US" dirty="0" smtClean="0"/>
+              <a:t>，先自加，再返回值</a:t>
+            </a:r>
+            <a:r>
+              <a:rPr kumimoji="1" lang="en-US" altLang="zh-CN" dirty="0" smtClean="0"/>
+              <a:t>)</a:t>
+            </a:r>
+          </a:p>
+          <a:p>
+            <a:r>
+              <a:rPr kumimoji="1" lang="en-US" altLang="zh-CN" dirty="0" smtClean="0"/>
+              <a:t>+=  -=  *=  /=</a:t>
+            </a:r>
+          </a:p>
+          <a:p>
+            <a:r>
+              <a:rPr kumimoji="1" lang="en-US" altLang="zh-CN" dirty="0" smtClean="0"/>
+              <a:t>== </a:t>
+            </a:r>
+            <a:r>
+              <a:rPr kumimoji="1" lang="zh-CN" altLang="en-US" dirty="0" smtClean="0"/>
+              <a:t>测试等</a:t>
+            </a:r>
+            <a:endParaRPr kumimoji="1" lang="en-US" altLang="zh-CN" dirty="0" smtClean="0"/>
+          </a:p>
+          <a:p>
+            <a:r>
+              <a:rPr kumimoji="1" lang="en-US" altLang="zh-CN" dirty="0" smtClean="0"/>
+              <a:t>= </a:t>
+            </a:r>
+            <a:r>
+              <a:rPr kumimoji="1" lang="zh-CN" altLang="en-US" dirty="0" smtClean="0"/>
+              <a:t>赋值等</a:t>
+            </a:r>
+            <a:endParaRPr kumimoji="1" lang="en-US" altLang="zh-CN" dirty="0" smtClean="0"/>
+          </a:p>
+          <a:p>
+            <a:r>
+              <a:rPr kumimoji="1" lang="en-US" altLang="zh-CN" dirty="0" smtClean="0"/>
+              <a:t>% </a:t>
+            </a:r>
+            <a:r>
+              <a:rPr kumimoji="1" lang="zh-CN" altLang="en-US" dirty="0" smtClean="0"/>
+              <a:t>求余</a:t>
+            </a:r>
+            <a:endParaRPr kumimoji="1" lang="en-US" altLang="zh-CN" dirty="0" smtClean="0"/>
+          </a:p>
+          <a:p>
+            <a:r>
+              <a:rPr kumimoji="1" lang="zh-CN" altLang="en-US" dirty="0" smtClean="0"/>
+              <a:t>逻辑运算</a:t>
+            </a:r>
+            <a:r>
+              <a:rPr kumimoji="1" lang="en-US" altLang="zh-CN" dirty="0" smtClean="0"/>
+              <a:t> &amp;&amp;  ||  !</a:t>
             </a:r>
             <a:endParaRPr kumimoji="1" lang="zh-CN" altLang="en-US" dirty="0"/>
           </a:p>
@@ -3553,7 +3600,7 @@
     </p:spTree>
     <p:extLst>
       <p:ext uri="{BB962C8B-B14F-4D97-AF65-F5344CB8AC3E}">
-        <p14:creationId xmlns:p14="http://schemas.microsoft.com/office/powerpoint/2010/main" val="4095024301"/>
+        <p14:creationId xmlns:p14="http://schemas.microsoft.com/office/powerpoint/2010/main" val="2250714791"/>
       </p:ext>
     </p:extLst>
   </p:cSld>
@@ -3604,11 +3651,11 @@
           <a:p>
             <a:r>
               <a:rPr kumimoji="1" lang="en-US" altLang="zh-CN" dirty="0"/>
-              <a:t>w</a:t>
+              <a:t>f</a:t>
             </a:r>
             <a:r>
               <a:rPr kumimoji="1" lang="en-US" altLang="zh-CN" dirty="0" smtClean="0"/>
-              <a:t>hile</a:t>
+              <a:t>or</a:t>
             </a:r>
             <a:r>
               <a:rPr kumimoji="1" lang="zh-CN" altLang="en-US" dirty="0" smtClean="0"/>
@@ -3637,100 +3684,71 @@
               <a:buNone/>
             </a:pPr>
             <a:r>
-              <a:rPr lang="en-US" altLang="zh-CN" b="1" dirty="0" err="1"/>
-              <a:t>var</a:t>
-            </a:r>
-            <a:r>
-              <a:rPr lang="en-US" altLang="zh-CN" b="1" dirty="0"/>
-              <a:t> </a:t>
-            </a:r>
-            <a:r>
-              <a:rPr lang="en-US" altLang="zh-CN" b="1" i="1" dirty="0" err="1"/>
+              <a:rPr lang="ro-RO" altLang="zh-CN" b="1" dirty="0"/>
+              <a:t>for </a:t>
+            </a:r>
+            <a:r>
+              <a:rPr lang="ro-RO" altLang="zh-CN" dirty="0"/>
+              <a:t>(</a:t>
+            </a:r>
+            <a:r>
+              <a:rPr lang="ro-RO" altLang="zh-CN" b="1" dirty="0"/>
+              <a:t>var </a:t>
+            </a:r>
+            <a:r>
+              <a:rPr lang="ro-RO" altLang="zh-CN" b="1" i="1" dirty="0"/>
+              <a:t>i </a:t>
+            </a:r>
+            <a:r>
+              <a:rPr lang="ro-RO" altLang="zh-CN" dirty="0"/>
+              <a:t>= 0; </a:t>
+            </a:r>
+            <a:r>
+              <a:rPr lang="ro-RO" altLang="zh-CN" b="1" i="1" dirty="0"/>
+              <a:t>i </a:t>
+            </a:r>
+            <a:r>
+              <a:rPr lang="ro-RO" altLang="zh-CN" dirty="0"/>
+              <a:t>&lt; 100; </a:t>
+            </a:r>
+            <a:r>
+              <a:rPr lang="ro-RO" altLang="zh-CN" b="1" i="1" dirty="0"/>
               <a:t>i</a:t>
             </a:r>
             <a:r>
-              <a:rPr lang="en-US" altLang="zh-CN" b="1" i="1" dirty="0"/>
-              <a:t> </a:t>
-            </a:r>
-            <a:r>
-              <a:rPr lang="en-US" altLang="zh-CN" dirty="0"/>
-              <a:t>= 0;</a:t>
+              <a:rPr lang="ro-RO" altLang="zh-CN" dirty="0"/>
+              <a:t>++) {</a:t>
             </a:r>
             <a:br>
-              <a:rPr lang="en-US" altLang="zh-CN" dirty="0"/>
+              <a:rPr lang="ro-RO" altLang="zh-CN" dirty="0"/>
             </a:br>
             <a:r>
-              <a:rPr lang="en-US" altLang="zh-CN" b="1" dirty="0"/>
-              <a:t>while </a:t>
-            </a:r>
-            <a:r>
-              <a:rPr lang="en-US" altLang="zh-CN" dirty="0"/>
-              <a:t>(</a:t>
-            </a:r>
-            <a:r>
-              <a:rPr lang="en-US" altLang="zh-CN" b="1" i="1" dirty="0" err="1"/>
+              <a:rPr lang="ro-RO" altLang="zh-CN" dirty="0"/>
+              <a:t>    </a:t>
+            </a:r>
+            <a:r>
+              <a:rPr lang="ro-RO" altLang="zh-CN" b="1" dirty="0"/>
+              <a:t>console</a:t>
+            </a:r>
+            <a:r>
+              <a:rPr lang="ro-RO" altLang="zh-CN" dirty="0"/>
+              <a:t>.log(</a:t>
+            </a:r>
+            <a:r>
+              <a:rPr lang="ro-RO" altLang="zh-CN" b="1" i="1" dirty="0"/>
               <a:t>i</a:t>
             </a:r>
             <a:r>
-              <a:rPr lang="en-US" altLang="zh-CN" b="1" i="1" dirty="0"/>
-              <a:t> </a:t>
-            </a:r>
-            <a:r>
-              <a:rPr lang="en-US" altLang="zh-CN" dirty="0"/>
-              <a:t>&lt; 100) {</a:t>
+              <a:rPr lang="ro-RO" altLang="zh-CN" dirty="0"/>
+              <a:t>);</a:t>
             </a:r>
             <a:br>
-              <a:rPr lang="en-US" altLang="zh-CN" dirty="0"/>
+              <a:rPr lang="ro-RO" altLang="zh-CN" dirty="0"/>
             </a:br>
             <a:r>
-              <a:rPr lang="en-US" altLang="zh-CN" dirty="0"/>
-              <a:t>    </a:t>
-            </a:r>
-            <a:r>
-              <a:rPr lang="en-US" altLang="zh-CN" b="1" dirty="0" err="1"/>
-              <a:t>console</a:t>
-            </a:r>
-            <a:r>
-              <a:rPr lang="en-US" altLang="zh-CN" dirty="0" err="1"/>
-              <a:t>.log</a:t>
-            </a:r>
-            <a:r>
-              <a:rPr lang="en-US" altLang="zh-CN" dirty="0"/>
-              <a:t>(</a:t>
-            </a:r>
-            <a:r>
-              <a:rPr lang="en-US" altLang="zh-CN" b="1" i="1" dirty="0" err="1"/>
-              <a:t>i</a:t>
-            </a:r>
-            <a:r>
-              <a:rPr lang="en-US" altLang="zh-CN" dirty="0"/>
-              <a:t>);</a:t>
-            </a:r>
-            <a:br>
-              <a:rPr lang="en-US" altLang="zh-CN" dirty="0"/>
-            </a:br>
-            <a:r>
-              <a:rPr lang="en-US" altLang="zh-CN" dirty="0"/>
-              <a:t>    </a:t>
-            </a:r>
-            <a:r>
-              <a:rPr lang="en-US" altLang="zh-CN" b="1" i="1" dirty="0" err="1"/>
-              <a:t>i</a:t>
-            </a:r>
-            <a:r>
-              <a:rPr lang="en-US" altLang="zh-CN" dirty="0"/>
-              <a:t>++;</a:t>
-            </a:r>
-            <a:br>
-              <a:rPr lang="en-US" altLang="zh-CN" dirty="0"/>
-            </a:br>
-            <a:r>
-              <a:rPr lang="en-US" altLang="zh-CN" dirty="0"/>
+              <a:rPr lang="ro-RO" altLang="zh-CN" dirty="0"/>
               <a:t>}</a:t>
             </a:r>
-            <a:br>
-              <a:rPr lang="en-US" altLang="zh-CN" dirty="0"/>
-            </a:br>
             <a:endParaRPr kumimoji="1" lang="zh-CN" altLang="en-US" dirty="0"/>
           </a:p>
         </p:txBody>
@@ -3738,13 +3756,20 @@
     </p:spTree>
     <p:extLst>
       <p:ext uri="{BB962C8B-B14F-4D97-AF65-F5344CB8AC3E}">
-        <p14:creationId xmlns:p14="http://schemas.microsoft.com/office/powerpoint/2010/main" val="3253623059"/>
+        <p14:creationId xmlns:p14="http://schemas.microsoft.com/office/powerpoint/2010/main" val="4095024301"/>
       </p:ext>
     </p:extLst>
   </p:cSld>
   <p:clrMapOvr>
     <a:masterClrMapping/>
   </p:clrMapOvr>
+  <p:timing>
+    <p:tnLst>
+      <p:par>
+        <p:cTn xmlns:p14="http://schemas.microsoft.com/office/powerpoint/2010/main" id="1" dur="indefinite" restart="never" nodeType="tmRoot"/>
+      </p:par>
+    </p:tnLst>
+  </p:timing>
 </p:sld>
 </file>
 
@@ -3782,18 +3807,14 @@
           <a:p>
             <a:r>
               <a:rPr kumimoji="1" lang="en-US" altLang="zh-CN" dirty="0"/>
-              <a:t>d</a:t>
+              <a:t>w</a:t>
             </a:r>
             <a:r>
               <a:rPr kumimoji="1" lang="en-US" altLang="zh-CN" dirty="0" smtClean="0"/>
-              <a:t>o </a:t>
-            </a:r>
-            <a:r>
-              <a:rPr kumimoji="1" lang="is-IS" altLang="zh-CN" dirty="0" smtClean="0"/>
-              <a:t>… while </a:t>
-            </a:r>
-            <a:r>
-              <a:rPr kumimoji="1" lang="zh-CN" altLang="is-IS" dirty="0" smtClean="0"/>
+              <a:t>hile</a:t>
+            </a:r>
+            <a:r>
+              <a:rPr kumimoji="1" lang="zh-CN" altLang="en-US" dirty="0" smtClean="0"/>
               <a:t>循环</a:t>
             </a:r>
             <a:endParaRPr kumimoji="1" lang="zh-CN" altLang="en-US" dirty="0"/>
@@ -3843,11 +3864,23 @@
             </a:br>
             <a:r>
               <a:rPr lang="en-US" altLang="zh-CN" b="1" dirty="0"/>
-              <a:t>do </a:t>
+              <a:t>while </a:t>
             </a:r>
             <a:r>
               <a:rPr lang="en-US" altLang="zh-CN" dirty="0"/>
-              <a:t>{</a:t>
+              <a:t>(</a:t>
+            </a:r>
+            <a:r>
+              <a:rPr lang="en-US" altLang="zh-CN" b="1" i="1" dirty="0" err="1"/>
+              <a:t>i</a:t>
+            </a:r>
+            <a:r>
+              <a:rPr lang="en-US" altLang="zh-CN" b="1" i="1" dirty="0"/>
+              <a:t> </a:t>
+            </a:r>
+            <a:r>
+              <a:rPr lang="en-US" altLang="zh-CN" dirty="0"/>
+              <a:t>&lt; 100) {</a:t>
             </a:r>
             <a:br>
               <a:rPr lang="en-US" altLang="zh-CN" dirty="0"/>
@@ -3896,28 +3929,11 @@
             </a:br>
             <a:r>
               <a:rPr lang="en-US" altLang="zh-CN" dirty="0"/>
-              <a:t>} </a:t>
-            </a:r>
-            <a:r>
-              <a:rPr lang="en-US" altLang="zh-CN" b="1" dirty="0"/>
-              <a:t>while </a:t>
-            </a:r>
-            <a:r>
+              <a:t>}</a:t>
+            </a:r>
+            <a:br>
               <a:rPr lang="en-US" altLang="zh-CN" dirty="0"/>
-              <a:t>(</a:t>
-            </a:r>
-            <a:r>
-              <a:rPr lang="en-US" altLang="zh-CN" b="1" i="1" dirty="0" err="1"/>
-              <a:t>i</a:t>
-            </a:r>
-            <a:r>
-              <a:rPr lang="en-US" altLang="zh-CN" b="1" i="1" dirty="0"/>
-              <a:t> </a:t>
-            </a:r>
-            <a:r>
-              <a:rPr lang="en-US" altLang="zh-CN" dirty="0"/>
-              <a:t>&lt; 100);</a:t>
-            </a:r>
+            </a:br>
             <a:endParaRPr kumimoji="1" lang="zh-CN" altLang="en-US" dirty="0"/>
           </a:p>
         </p:txBody>
@@ -3925,7 +3941,7 @@
     </p:spTree>
     <p:extLst>
       <p:ext uri="{BB962C8B-B14F-4D97-AF65-F5344CB8AC3E}">
-        <p14:creationId xmlns:p14="http://schemas.microsoft.com/office/powerpoint/2010/main" val="2216607771"/>
+        <p14:creationId xmlns:p14="http://schemas.microsoft.com/office/powerpoint/2010/main" val="3253623059"/>
       </p:ext>
     </p:extLst>
   </p:cSld>
@@ -3968,8 +3984,20 @@
           <a:lstStyle/>
           <a:p>
             <a:r>
-              <a:rPr kumimoji="1" lang="zh-CN" altLang="en-US" dirty="0" smtClean="0"/>
-              <a:t>中断循环</a:t>
+              <a:rPr kumimoji="1" lang="en-US" altLang="zh-CN" dirty="0"/>
+              <a:t>d</a:t>
+            </a:r>
+            <a:r>
+              <a:rPr kumimoji="1" lang="en-US" altLang="zh-CN" dirty="0" smtClean="0"/>
+              <a:t>o </a:t>
+            </a:r>
+            <a:r>
+              <a:rPr kumimoji="1" lang="is-IS" altLang="zh-CN" dirty="0" smtClean="0"/>
+              <a:t>… while </a:t>
+            </a:r>
+            <a:r>
+              <a:rPr kumimoji="1" lang="zh-CN" altLang="is-IS" dirty="0" smtClean="0"/>
+              <a:t>循环</a:t>
             </a:r>
             <a:endParaRPr kumimoji="1" lang="zh-CN" altLang="en-US" dirty="0"/>
           </a:p>
@@ -3990,32 +4018,108 @@
           <a:bodyPr/>
           <a:lstStyle/>
           <a:p>
-            <a:r>
-              <a:rPr kumimoji="1" lang="en-US" altLang="zh-CN" dirty="0"/>
-              <a:t>b</a:t>
-            </a:r>
-            <a:r>
-              <a:rPr kumimoji="1" lang="en-US" altLang="zh-CN" dirty="0" smtClean="0"/>
-              <a:t>reak </a:t>
-            </a:r>
-            <a:r>
-              <a:rPr kumimoji="1" lang="zh-CN" altLang="en-US" dirty="0" smtClean="0"/>
-              <a:t>跳出循环</a:t>
-            </a:r>
-            <a:endParaRPr kumimoji="1" lang="en-US" altLang="zh-CN" dirty="0" smtClean="0"/>
-          </a:p>
-          <a:p>
-            <a:r>
-              <a:rPr kumimoji="1" lang="en-US" altLang="zh-CN" dirty="0"/>
-              <a:t>c</a:t>
-            </a:r>
-            <a:r>
-              <a:rPr kumimoji="1" lang="en-US" altLang="zh-CN" dirty="0" smtClean="0"/>
-              <a:t>ontinue </a:t>
-            </a:r>
-            <a:r>
-              <a:rPr kumimoji="1" lang="zh-CN" altLang="en-US" dirty="0" smtClean="0"/>
-              <a:t>跳出当前循环</a:t>
+            <a:pPr marL="0" indent="0">
+              <a:buNone/>
+            </a:pPr>
+            <a:r>
+              <a:rPr lang="en-US" altLang="zh-CN" b="1" dirty="0" err="1"/>
+              <a:t>var</a:t>
+            </a:r>
+            <a:r>
+              <a:rPr lang="en-US" altLang="zh-CN" b="1" dirty="0"/>
+              <a:t> </a:t>
+            </a:r>
+            <a:r>
+              <a:rPr lang="en-US" altLang="zh-CN" b="1" i="1" dirty="0" err="1"/>
+              <a:t>i</a:t>
+            </a:r>
+            <a:r>
+              <a:rPr lang="en-US" altLang="zh-CN" b="1" i="1" dirty="0"/>
+              <a:t> </a:t>
+            </a:r>
+            <a:r>
+              <a:rPr lang="en-US" altLang="zh-CN" dirty="0"/>
+              <a:t>= 0;</a:t>
+            </a:r>
+            <a:br>
+              <a:rPr lang="en-US" altLang="zh-CN" dirty="0"/>
+            </a:br>
+            <a:r>
+              <a:rPr lang="en-US" altLang="zh-CN" b="1" dirty="0"/>
+              <a:t>do </a:t>
+            </a:r>
+            <a:r>
+              <a:rPr lang="en-US" altLang="zh-CN" dirty="0"/>
+              <a:t>{</a:t>
+            </a:r>
+            <a:br>
+              <a:rPr lang="en-US" altLang="zh-CN" dirty="0"/>
+            </a:br>
+            <a:r>
+              <a:rPr lang="en-US" altLang="zh-CN" dirty="0"/>
+              <a:t>    </a:t>
+            </a:r>
+            <a:r>
+              <a:rPr lang="en-US" altLang="zh-CN" b="1" dirty="0" err="1"/>
+              <a:t>console</a:t>
+            </a:r>
+            <a:r>
+              <a:rPr lang="en-US" altLang="zh-CN" dirty="0" err="1"/>
+              <a:t>.log</a:t>
+            </a:r>
+            <a:r>
+              <a:rPr lang="en-US" altLang="zh-CN" dirty="0"/>
+              <a:t>(</a:t>
+            </a:r>
+            <a:r>
+              <a:rPr lang="en-US" altLang="zh-CN" b="1" i="1" dirty="0" err="1"/>
+              <a:t>i</a:t>
+            </a:r>
+            <a:r>
+              <a:rPr lang="en-US" altLang="zh-CN" dirty="0"/>
+              <a:t>);</a:t>
+            </a:r>
+            <a:br>
+              <a:rPr lang="en-US" altLang="zh-CN" dirty="0"/>
+            </a:br>
+            <a:r>
+              <a:rPr lang="en-US" altLang="zh-CN" dirty="0"/>
+              <a:t>    </a:t>
+            </a:r>
+            <a:r>
+              <a:rPr lang="en-US" altLang="zh-CN" b="1" i="1" dirty="0" err="1"/>
+              <a:t>i</a:t>
+            </a:r>
+            <a:r>
+              <a:rPr lang="en-US" altLang="zh-CN" dirty="0"/>
+              <a:t>++;</a:t>
+            </a:r>
+            <a:br>
+              <a:rPr lang="en-US" altLang="zh-CN" dirty="0"/>
+            </a:br>
+            <a:r>
+              <a:rPr lang="en-US" altLang="zh-CN" dirty="0"/>
+              <a:t>} </a:t>
+            </a:r>
+            <a:r>
+              <a:rPr lang="en-US" altLang="zh-CN" b="1" dirty="0"/>
+              <a:t>while </a:t>
+            </a:r>
+            <a:r>
+              <a:rPr lang="en-US" altLang="zh-CN" dirty="0"/>
+              <a:t>(</a:t>
+            </a:r>
+            <a:r>
+              <a:rPr lang="en-US" altLang="zh-CN" b="1" i="1" dirty="0" err="1"/>
+              <a:t>i</a:t>
+            </a:r>
+            <a:r>
+              <a:rPr lang="en-US" altLang="zh-CN" b="1" i="1" dirty="0"/>
+              <a:t> </a:t>
+            </a:r>
+            <a:r>
+              <a:rPr lang="en-US" altLang="zh-CN" dirty="0"/>
+              <a:t>&lt; 100);</a:t>
             </a:r>
             <a:endParaRPr kumimoji="1" lang="zh-CN" altLang="en-US" dirty="0"/>
           </a:p>
@@ -4024,7 +4128,7 @@
     </p:spTree>
     <p:extLst>
       <p:ext uri="{BB962C8B-B14F-4D97-AF65-F5344CB8AC3E}">
-        <p14:creationId xmlns:p14="http://schemas.microsoft.com/office/powerpoint/2010/main" val="3359016660"/>
+        <p14:creationId xmlns:p14="http://schemas.microsoft.com/office/powerpoint/2010/main" val="2216607771"/>
       </p:ext>
     </p:extLst>
   </p:cSld>
@@ -4068,7 +4172,7 @@
           <a:p>
             <a:r>
               <a:rPr kumimoji="1" lang="zh-CN" altLang="en-US" dirty="0" smtClean="0"/>
-              <a:t>流程控制</a:t>
+              <a:t>中断循环</a:t>
             </a:r>
             <a:endParaRPr kumimoji="1" lang="zh-CN" altLang="en-US" dirty="0"/>
           </a:p>
@@ -4091,33 +4195,30 @@
           <a:p>
             <a:r>
               <a:rPr kumimoji="1" lang="en-US" altLang="zh-CN" dirty="0"/>
-              <a:t>i</a:t>
+              <a:t>b</a:t>
             </a:r>
             <a:r>
               <a:rPr kumimoji="1" lang="en-US" altLang="zh-CN" dirty="0" smtClean="0"/>
-              <a:t>f </a:t>
-            </a:r>
-            <a:r>
-              <a:rPr kumimoji="1" lang="is-IS" altLang="zh-CN" dirty="0" smtClean="0"/>
-              <a:t>… else</a:t>
-            </a:r>
+              <a:t>reak </a:t>
+            </a:r>
+            <a:r>
+              <a:rPr kumimoji="1" lang="zh-CN" altLang="en-US" dirty="0" smtClean="0"/>
+              <a:t>跳出循环</a:t>
+            </a:r>
+            <a:endParaRPr kumimoji="1" lang="en-US" altLang="zh-CN" dirty="0" smtClean="0"/>
           </a:p>
           <a:p>
             <a:r>
               <a:rPr kumimoji="1" lang="en-US" altLang="zh-CN" dirty="0"/>
-              <a:t>s</a:t>
-            </a:r>
-            <a:r>
-              <a:rPr kumimoji="1" lang="is-IS" altLang="zh-CN" dirty="0" smtClean="0"/>
-              <a:t>witch ... </a:t>
+              <a:t>c</a:t>
             </a:r>
             <a:r>
               <a:rPr kumimoji="1" lang="en-US" altLang="zh-CN" dirty="0" smtClean="0"/>
-              <a:t>c</a:t>
-            </a:r>
-            <a:r>
-              <a:rPr kumimoji="1" lang="is-IS" altLang="zh-CN" dirty="0" smtClean="0"/>
-              <a:t>ase </a:t>
+              <a:t>ontinue </a:t>
+            </a:r>
+            <a:r>
+              <a:rPr kumimoji="1" lang="zh-CN" altLang="en-US" dirty="0" smtClean="0"/>
+              <a:t>跳出当前循环</a:t>
             </a:r>
             <a:endParaRPr kumimoji="1" lang="zh-CN" altLang="en-US" dirty="0"/>
           </a:p>
@@ -4126,7 +4227,7 @@
     </p:spTree>
     <p:extLst>
       <p:ext uri="{BB962C8B-B14F-4D97-AF65-F5344CB8AC3E}">
-        <p14:creationId xmlns:p14="http://schemas.microsoft.com/office/powerpoint/2010/main" val="2533741950"/>
+        <p14:creationId xmlns:p14="http://schemas.microsoft.com/office/powerpoint/2010/main" val="3359016660"/>
       </p:ext>
     </p:extLst>
   </p:cSld>
@@ -4170,7 +4271,7 @@
           <a:p>
             <a:r>
               <a:rPr kumimoji="1" lang="zh-CN" altLang="en-US" dirty="0" smtClean="0"/>
-              <a:t>函数</a:t>
+              <a:t>流程控制</a:t>
             </a:r>
             <a:endParaRPr kumimoji="1" lang="zh-CN" altLang="en-US" dirty="0"/>
           </a:p>
@@ -4192,69 +4293,43 @@
           <a:lstStyle/>
           <a:p>
             <a:r>
-              <a:rPr kumimoji="1" lang="zh-CN" altLang="en-US" dirty="0" smtClean="0"/>
-              <a:t>定义函数</a:t>
-            </a:r>
-            <a:endParaRPr kumimoji="1" lang="en-US" altLang="zh-CN" dirty="0" smtClean="0"/>
-          </a:p>
-          <a:p>
-            <a:r>
-              <a:rPr kumimoji="1" lang="zh-CN" altLang="en-US" dirty="0" smtClean="0"/>
-              <a:t>传入参数</a:t>
-            </a:r>
-            <a:endParaRPr kumimoji="1" lang="en-US" altLang="zh-CN" dirty="0" smtClean="0"/>
-          </a:p>
-          <a:p>
-            <a:r>
-              <a:rPr lang="en-US" altLang="zh-CN" dirty="0"/>
-              <a:t>a</a:t>
-            </a:r>
-            <a:r>
-              <a:rPr lang="en-US" altLang="zh-CN" dirty="0" smtClean="0"/>
-              <a:t>rguments </a:t>
-            </a:r>
-            <a:r>
-              <a:rPr lang="zh-CN" altLang="en-US" dirty="0" smtClean="0"/>
-              <a:t>关键字</a:t>
-            </a:r>
-            <a:endParaRPr lang="en-US" altLang="zh-CN" dirty="0" smtClean="0"/>
-          </a:p>
-          <a:p>
-            <a:r>
-              <a:rPr lang="en-US" altLang="zh-CN" dirty="0" err="1"/>
+              <a:rPr kumimoji="1" lang="en-US" altLang="zh-CN" dirty="0"/>
+              <a:t>i</a:t>
+            </a:r>
+            <a:r>
+              <a:rPr kumimoji="1" lang="en-US" altLang="zh-CN" dirty="0" smtClean="0"/>
+              <a:t>f </a:t>
+            </a:r>
+            <a:r>
+              <a:rPr kumimoji="1" lang="is-IS" altLang="zh-CN" dirty="0" smtClean="0"/>
+              <a:t>… else</a:t>
+            </a:r>
+          </a:p>
+          <a:p>
+            <a:r>
+              <a:rPr kumimoji="1" lang="en-US" altLang="zh-CN" dirty="0"/>
+              <a:t>s</a:t>
+            </a:r>
+            <a:r>
+              <a:rPr kumimoji="1" lang="is-IS" altLang="zh-CN" dirty="0" smtClean="0"/>
+              <a:t>witch ... </a:t>
+            </a:r>
+            <a:r>
+              <a:rPr kumimoji="1" lang="en-US" altLang="zh-CN" dirty="0" smtClean="0"/>
               <a:t>c</a:t>
             </a:r>
             <a:r>
-              <a:rPr lang="en-US" altLang="zh-CN" dirty="0" err="1" smtClean="0"/>
-              <a:t>all</a:t>
-            </a:r>
-            <a:r>
-              <a:rPr lang="en-US" altLang="en-US" dirty="0" err="1" smtClean="0"/>
-              <a:t>方法</a:t>
-            </a:r>
-            <a:endParaRPr lang="en-US" altLang="en-US" dirty="0" smtClean="0"/>
-          </a:p>
-          <a:p>
-            <a:r>
-              <a:rPr lang="en-US" altLang="zh-CN" dirty="0"/>
-              <a:t>a</a:t>
-            </a:r>
-            <a:r>
-              <a:rPr lang="en-US" altLang="zh-CN" dirty="0" smtClean="0"/>
-              <a:t>pply</a:t>
-            </a:r>
-            <a:r>
-              <a:rPr lang="zh-CN" altLang="en-US" dirty="0" smtClean="0"/>
-              <a:t>方法</a:t>
-            </a:r>
-            <a:endParaRPr lang="en-US" altLang="zh-CN" dirty="0" smtClean="0"/>
+              <a:rPr kumimoji="1" lang="is-IS" altLang="zh-CN" dirty="0" smtClean="0"/>
+              <a:t>ase </a:t>
+            </a:r>
+            <a:endParaRPr kumimoji="1" lang="zh-CN" altLang="en-US" dirty="0"/>
           </a:p>
         </p:txBody>
       </p:sp>
     </p:spTree>
     <p:extLst>
       <p:ext uri="{BB962C8B-B14F-4D97-AF65-F5344CB8AC3E}">
-        <p14:creationId xmlns:p14="http://schemas.microsoft.com/office/powerpoint/2010/main" val="3534894108"/>
+        <p14:creationId xmlns:p14="http://schemas.microsoft.com/office/powerpoint/2010/main" val="2533741950"/>
       </p:ext>
     </p:extLst>
   </p:cSld>
@@ -4298,7 +4373,7 @@
           <a:p>
             <a:r>
               <a:rPr kumimoji="1" lang="zh-CN" altLang="en-US" dirty="0" smtClean="0"/>
-              <a:t>常用关键字</a:t>
+              <a:t>函数</a:t>
             </a:r>
             <a:endParaRPr kumimoji="1" lang="zh-CN" altLang="en-US" dirty="0"/>
           </a:p>
@@ -4320,44 +4395,69 @@
           <a:lstStyle/>
           <a:p>
             <a:r>
-              <a:rPr kumimoji="1" lang="en-US" altLang="zh-CN" dirty="0" err="1"/>
-              <a:t>t</a:t>
-            </a:r>
-            <a:r>
-              <a:rPr kumimoji="1" lang="en-US" altLang="zh-CN" dirty="0" err="1" smtClean="0"/>
-              <a:t>ypeof</a:t>
-            </a:r>
-            <a:r>
-              <a:rPr kumimoji="1" lang="en-US" altLang="zh-CN" dirty="0" smtClean="0"/>
-              <a:t> </a:t>
-            </a:r>
-            <a:r>
-              <a:rPr kumimoji="1" lang="zh-CN" altLang="en-US" dirty="0" smtClean="0"/>
-              <a:t>用于判断数据的类型</a:t>
+              <a:rPr kumimoji="1" lang="zh-CN" altLang="en-US" dirty="0" smtClean="0"/>
+              <a:t>定义函数</a:t>
             </a:r>
             <a:endParaRPr kumimoji="1" lang="en-US" altLang="zh-CN" dirty="0" smtClean="0"/>
           </a:p>
           <a:p>
             <a:r>
-              <a:rPr kumimoji="1" lang="en-US" altLang="zh-CN" dirty="0"/>
-              <a:t>d</a:t>
-            </a:r>
-            <a:r>
-              <a:rPr kumimoji="1" lang="en-US" altLang="zh-CN" dirty="0" smtClean="0"/>
-              <a:t>elete </a:t>
-            </a:r>
-            <a:r>
-              <a:rPr kumimoji="1" lang="zh-CN" altLang="en-US" dirty="0" smtClean="0"/>
-              <a:t>用于删除对象的成员</a:t>
-            </a:r>
-            <a:endParaRPr kumimoji="1" lang="zh-CN" altLang="en-US" dirty="0"/>
+              <a:rPr kumimoji="1" lang="zh-CN" altLang="en-US" dirty="0" smtClean="0"/>
+              <a:t>传入参数</a:t>
+            </a:r>
+            <a:endParaRPr kumimoji="1" lang="en-US" altLang="zh-CN" dirty="0" smtClean="0"/>
+          </a:p>
+          <a:p>
+            <a:r>
+              <a:rPr lang="en-US" altLang="zh-CN" dirty="0"/>
+              <a:t>a</a:t>
+            </a:r>
+            <a:r>
+              <a:rPr lang="en-US" altLang="zh-CN" dirty="0" smtClean="0"/>
+              <a:t>rguments </a:t>
+            </a:r>
+            <a:r>
+              <a:rPr lang="zh-CN" altLang="en-US" dirty="0" smtClean="0"/>
+              <a:t>关键字</a:t>
+            </a:r>
+            <a:endParaRPr lang="en-US" altLang="zh-CN" dirty="0" smtClean="0"/>
+          </a:p>
+          <a:p>
+            <a:r>
+              <a:rPr lang="en-US" altLang="zh-CN" dirty="0" err="1"/>
+              <a:t>c</a:t>
+            </a:r>
+            <a:r>
+              <a:rPr lang="en-US" altLang="zh-CN" dirty="0" err="1" smtClean="0"/>
+              <a:t>all</a:t>
+            </a:r>
+            <a:r>
+              <a:rPr lang="en-US" altLang="en-US" dirty="0" err="1" smtClean="0"/>
+              <a:t>方法</a:t>
+            </a:r>
+            <a:endParaRPr lang="en-US" altLang="en-US" dirty="0" smtClean="0"/>
+          </a:p>
+          <a:p>
+            <a:r>
+              <a:rPr lang="en-US" altLang="zh-CN" dirty="0"/>
+              <a:t>a</a:t>
+            </a:r>
+            <a:r>
+              <a:rPr lang="en-US" altLang="zh-CN" dirty="0" smtClean="0"/>
+              <a:t>pply</a:t>
+            </a:r>
+            <a:r>
+              <a:rPr lang="zh-CN" altLang="en-US" dirty="0" smtClean="0"/>
+              <a:t>方法</a:t>
+            </a:r>
+            <a:endParaRPr lang="en-US" altLang="zh-CN" dirty="0" smtClean="0"/>
           </a:p>
         </p:txBody>
       </p:sp>
     </p:spTree>
     <p:extLst>
       <p:ext uri="{BB962C8B-B14F-4D97-AF65-F5344CB8AC3E}">
-        <p14:creationId xmlns:p14="http://schemas.microsoft.com/office/powerpoint/2010/main" val="1551902160"/>
+        <p14:creationId xmlns:p14="http://schemas.microsoft.com/office/powerpoint/2010/main" val="3534894108"/>
       </p:ext>
     </p:extLst>
   </p:cSld>
@@ -4401,7 +4501,7 @@
           <a:p>
             <a:r>
               <a:rPr kumimoji="1" lang="zh-CN" altLang="en-US" dirty="0" smtClean="0"/>
-              <a:t>课后作业</a:t>
+              <a:t>常用关键字</a:t>
             </a:r>
             <a:endParaRPr kumimoji="1" lang="zh-CN" altLang="en-US" dirty="0"/>
           </a:p>
@@ -4423,8 +4523,35 @@
           <a:lstStyle/>
           <a:p>
             <a:r>
-              <a:rPr kumimoji="1" lang="zh-CN" altLang="en-US" dirty="0" smtClean="0"/>
-              <a:t>九九乘法表</a:t>
+              <a:rPr kumimoji="1" lang="en-US" altLang="zh-CN" dirty="0" err="1"/>
+              <a:t>t</a:t>
+            </a:r>
+            <a:r>
+              <a:rPr kumimoji="1" lang="en-US" altLang="zh-CN" dirty="0" err="1" smtClean="0"/>
+              <a:t>ypeof</a:t>
+            </a:r>
+            <a:r>
+              <a:rPr kumimoji="1" lang="en-US" altLang="zh-CN" dirty="0" smtClean="0"/>
+              <a:t> </a:t>
+            </a:r>
+            <a:r>
+              <a:rPr kumimoji="1" lang="zh-CN" altLang="en-US" dirty="0" smtClean="0"/>
+              <a:t>用于判断数据的类型</a:t>
+            </a:r>
+            <a:endParaRPr kumimoji="1" lang="en-US" altLang="zh-CN" dirty="0" smtClean="0"/>
+          </a:p>
+          <a:p>
+            <a:r>
+              <a:rPr kumimoji="1" lang="en-US" altLang="zh-CN" dirty="0"/>
+              <a:t>d</a:t>
+            </a:r>
+            <a:r>
+              <a:rPr kumimoji="1" lang="en-US" altLang="zh-CN" dirty="0" smtClean="0"/>
+              <a:t>elete </a:t>
+            </a:r>
+            <a:r>
+              <a:rPr kumimoji="1" lang="zh-CN" altLang="en-US" dirty="0" smtClean="0"/>
+              <a:t>用于删除对象的成员</a:t>
             </a:r>
             <a:endParaRPr kumimoji="1" lang="zh-CN" altLang="en-US" dirty="0"/>
           </a:p>
@@ -4433,7 +4560,7 @@
     </p:spTree>
     <p:extLst>
       <p:ext uri="{BB962C8B-B14F-4D97-AF65-F5344CB8AC3E}">
-        <p14:creationId xmlns:p14="http://schemas.microsoft.com/office/powerpoint/2010/main" val="2591768518"/>
+        <p14:creationId xmlns:p14="http://schemas.microsoft.com/office/powerpoint/2010/main" val="1551902160"/>
       </p:ext>
     </p:extLst>
   </p:cSld>
@@ -4477,7 +4604,7 @@
           <a:p>
             <a:r>
               <a:rPr kumimoji="1" lang="zh-CN" altLang="en-US" dirty="0" smtClean="0"/>
-              <a:t>字符串</a:t>
+              <a:t>课后作业</a:t>
             </a:r>
             <a:endParaRPr kumimoji="1" lang="zh-CN" altLang="en-US" dirty="0"/>
           </a:p>
@@ -4495,157 +4622,12 @@
         </p:nvSpPr>
         <p:spPr/>
         <p:txBody>
-          <a:bodyPr>
-            <a:normAutofit fontScale="92500" lnSpcReduction="10000"/>
-          </a:bodyPr>
-          <a:lstStyle/>
-          <a:p>
-            <a:r>
-              <a:rPr kumimoji="1" lang="zh-CN" altLang="en-US" dirty="0" smtClean="0"/>
-              <a:t>任何值与字符串相加结果都是字符串</a:t>
-            </a:r>
-            <a:endParaRPr kumimoji="1" lang="en-US" altLang="zh-CN" dirty="0" smtClean="0"/>
-          </a:p>
-          <a:p>
-            <a:r>
-              <a:rPr kumimoji="1" lang="zh-CN" altLang="en-US" dirty="0" smtClean="0"/>
-              <a:t>字符串连接</a:t>
-            </a:r>
-            <a:r>
-              <a:rPr kumimoji="1" lang="en-US" altLang="zh-CN" dirty="0" smtClean="0"/>
-              <a:t>(+  +=)</a:t>
-            </a:r>
-          </a:p>
-          <a:p>
-            <a:r>
-              <a:rPr kumimoji="1" lang="zh-CN" altLang="en-US" dirty="0" smtClean="0"/>
-              <a:t>截取字符串</a:t>
-            </a:r>
-            <a:r>
-              <a:rPr kumimoji="1" lang="en-US" altLang="zh-CN" dirty="0" smtClean="0"/>
-              <a:t>(</a:t>
-            </a:r>
-            <a:r>
-              <a:rPr kumimoji="1" lang="en-US" altLang="zh-CN" dirty="0" err="1" smtClean="0"/>
-              <a:t>substr</a:t>
-            </a:r>
-            <a:r>
-              <a:rPr kumimoji="1" lang="en-US" altLang="zh-CN" dirty="0" smtClean="0"/>
-              <a:t>  </a:t>
-            </a:r>
-            <a:r>
-              <a:rPr kumimoji="1" lang="en-US" altLang="zh-CN" dirty="0" err="1" smtClean="0"/>
-              <a:t>strstring</a:t>
-            </a:r>
-            <a:r>
-              <a:rPr kumimoji="1" lang="en-US" altLang="zh-CN" dirty="0" smtClean="0"/>
-              <a:t>)</a:t>
-            </a:r>
-          </a:p>
-          <a:p>
-            <a:r>
-              <a:rPr kumimoji="1" lang="zh-CN" altLang="en-US" dirty="0" smtClean="0"/>
-              <a:t>搜索字符串</a:t>
-            </a:r>
-            <a:r>
-              <a:rPr kumimoji="1" lang="en-US" altLang="zh-CN" dirty="0" smtClean="0"/>
-              <a:t>(</a:t>
-            </a:r>
-            <a:r>
-              <a:rPr kumimoji="1" lang="en-US" altLang="zh-CN" dirty="0" err="1" smtClean="0"/>
-              <a:t>indexOf</a:t>
-            </a:r>
-            <a:r>
-              <a:rPr kumimoji="1" lang="en-US" altLang="zh-CN" dirty="0" smtClean="0"/>
-              <a:t>  </a:t>
-            </a:r>
-            <a:r>
-              <a:rPr kumimoji="1" lang="en-US" altLang="zh-CN" dirty="0" err="1" smtClean="0"/>
-              <a:t>lastIndexOf</a:t>
-            </a:r>
-            <a:r>
-              <a:rPr kumimoji="1" lang="en-US" altLang="zh-CN" dirty="0" smtClean="0"/>
-              <a:t>(</a:t>
-            </a:r>
-            <a:r>
-              <a:rPr kumimoji="1" lang="zh-CN" altLang="en-US" dirty="0" smtClean="0"/>
-              <a:t>从后往前搜索</a:t>
-            </a:r>
-            <a:r>
-              <a:rPr kumimoji="1" lang="en-US" altLang="zh-CN" dirty="0" smtClean="0"/>
-              <a:t>))</a:t>
-            </a:r>
-            <a:r>
-              <a:rPr kumimoji="1" lang="zh-CN" altLang="en-US" dirty="0" smtClean="0"/>
-              <a:t>，如果搜索不到，返回值为</a:t>
-            </a:r>
-            <a:r>
-              <a:rPr kumimoji="1" lang="en-US" altLang="zh-CN" dirty="0" smtClean="0"/>
-              <a:t>-1</a:t>
-            </a:r>
-          </a:p>
-          <a:p>
-            <a:r>
-              <a:rPr kumimoji="1" lang="zh-CN" altLang="en-US" dirty="0" smtClean="0"/>
-              <a:t>获取字符</a:t>
-            </a:r>
-            <a:r>
-              <a:rPr kumimoji="1" lang="en-US" altLang="zh-CN" dirty="0" smtClean="0"/>
-              <a:t>(</a:t>
-            </a:r>
-            <a:r>
-              <a:rPr kumimoji="1" lang="en-US" altLang="zh-CN" dirty="0" err="1" smtClean="0"/>
-              <a:t>charAt</a:t>
-            </a:r>
-            <a:r>
-              <a:rPr kumimoji="1" lang="en-US" altLang="zh-CN" dirty="0" smtClean="0"/>
-              <a:t>)</a:t>
-            </a:r>
-          </a:p>
-          <a:p>
-            <a:r>
-              <a:rPr kumimoji="1" lang="zh-CN" altLang="en-US" dirty="0" smtClean="0"/>
-              <a:t>获取字符编码</a:t>
-            </a:r>
-            <a:r>
-              <a:rPr kumimoji="1" lang="en-US" altLang="zh-CN" dirty="0" smtClean="0"/>
-              <a:t>(</a:t>
-            </a:r>
-            <a:r>
-              <a:rPr kumimoji="1" lang="en-US" altLang="zh-CN" dirty="0" err="1" smtClean="0"/>
-              <a:t>charCodeAt</a:t>
-            </a:r>
-            <a:r>
-              <a:rPr kumimoji="1" lang="en-US" altLang="zh-CN" dirty="0" smtClean="0"/>
-              <a:t>)</a:t>
-            </a:r>
-          </a:p>
-          <a:p>
-            <a:r>
-              <a:rPr kumimoji="1" lang="zh-CN" altLang="en-US" dirty="0" smtClean="0"/>
-              <a:t>字符编码转成字符</a:t>
-            </a:r>
-            <a:r>
-              <a:rPr kumimoji="1" lang="en-US" altLang="zh-CN" dirty="0" smtClean="0"/>
-              <a:t>(</a:t>
-            </a:r>
-            <a:r>
-              <a:rPr kumimoji="1" lang="en-US" altLang="zh-CN" dirty="0" err="1" smtClean="0"/>
-              <a:t>String.fromCharCode</a:t>
-            </a:r>
-            <a:r>
-              <a:rPr kumimoji="1" lang="en-US" altLang="zh-CN" dirty="0" smtClean="0"/>
-              <a:t>)</a:t>
-            </a:r>
-          </a:p>
-          <a:p>
-            <a:r>
-              <a:rPr kumimoji="1" lang="zh-CN" altLang="en-US" dirty="0" smtClean="0"/>
-              <a:t>替换字符串</a:t>
-            </a:r>
-            <a:r>
-              <a:rPr kumimoji="1" lang="en-US" altLang="zh-CN" dirty="0" smtClean="0"/>
-              <a:t>(replace)</a:t>
+          <a:bodyPr/>
+          <a:lstStyle/>
+          <a:p>
+            <a:r>
+              <a:rPr kumimoji="1" lang="zh-CN" altLang="en-US" dirty="0" smtClean="0"/>
+              <a:t>九九乘法表</a:t>
             </a:r>
             <a:endParaRPr kumimoji="1" lang="zh-CN" altLang="en-US" dirty="0"/>
           </a:p>
@@ -4654,7 +4636,7 @@
     </p:spTree>
     <p:extLst>
       <p:ext uri="{BB962C8B-B14F-4D97-AF65-F5344CB8AC3E}">
-        <p14:creationId xmlns:p14="http://schemas.microsoft.com/office/powerpoint/2010/main" val="2376229056"/>
+        <p14:creationId xmlns:p14="http://schemas.microsoft.com/office/powerpoint/2010/main" val="2591768518"/>
       </p:ext>
     </p:extLst>
   </p:cSld>
@@ -4777,7 +4759,7 @@
           <a:p>
             <a:r>
               <a:rPr kumimoji="1" lang="zh-CN" altLang="en-US" dirty="0" smtClean="0"/>
-              <a:t>数组</a:t>
+              <a:t>字符串</a:t>
             </a:r>
             <a:endParaRPr kumimoji="1" lang="zh-CN" altLang="en-US" dirty="0"/>
           </a:p>
@@ -4796,126 +4778,165 @@
         <p:spPr/>
         <p:txBody>
           <a:bodyPr>
-            <a:normAutofit lnSpcReduction="10000"/>
+            <a:normAutofit fontScale="92500" lnSpcReduction="10000"/>
           </a:bodyPr>
           <a:lstStyle/>
           <a:p>
             <a:r>
-              <a:rPr kumimoji="1" lang="en-US" altLang="zh-CN" dirty="0"/>
-              <a:t>p</a:t>
+              <a:rPr kumimoji="1" lang="zh-CN" altLang="en-US" dirty="0" smtClean="0"/>
+              <a:t>任何值与字符串相加结果都是字符串</a:t>
+            </a:r>
+            <a:endParaRPr kumimoji="1" lang="en-US" altLang="zh-CN" dirty="0" smtClean="0"/>
+          </a:p>
+          <a:p>
+            <a:r>
+              <a:rPr kumimoji="1" lang="zh-CN" altLang="en-US" dirty="0" smtClean="0"/>
+              <a:t>字符串连接</a:t>
             </a:r>
             <a:r>
               <a:rPr kumimoji="1" lang="en-US" altLang="zh-CN" dirty="0" smtClean="0"/>
-              <a:t>ush </a:t>
-            </a:r>
-            <a:r>
-              <a:rPr kumimoji="1" lang="zh-CN" altLang="en-US" dirty="0" smtClean="0"/>
-              <a:t>在末尾添加一个元素</a:t>
-            </a:r>
-            <a:endParaRPr kumimoji="1" lang="en-US" altLang="zh-CN" dirty="0" smtClean="0"/>
-          </a:p>
-          <a:p>
-            <a:r>
-              <a:rPr kumimoji="1" lang="en-US" altLang="zh-CN" dirty="0"/>
-              <a:t>s</a:t>
+              <a:t>(+  +=)</a:t>
+            </a:r>
+          </a:p>
+          <a:p>
+            <a:r>
+              <a:rPr kumimoji="1" lang="zh-CN" altLang="en-US" dirty="0" smtClean="0"/>
+              <a:t>截取字符串</a:t>
             </a:r>
             <a:r>
               <a:rPr kumimoji="1" lang="en-US" altLang="zh-CN" dirty="0" smtClean="0"/>
-              <a:t>plice </a:t>
-            </a:r>
-            <a:r>
-              <a:rPr kumimoji="1" lang="zh-CN" altLang="en-US" dirty="0" smtClean="0"/>
-              <a:t>修改数组元素（添加、删除）</a:t>
-            </a:r>
-            <a:endParaRPr kumimoji="1" lang="en-US" altLang="zh-CN" dirty="0" smtClean="0"/>
-          </a:p>
-          <a:p>
-            <a:r>
-              <a:rPr lang="en-US" altLang="zh-CN" dirty="0" err="1"/>
-              <a:t>c</a:t>
-            </a:r>
-            <a:r>
-              <a:rPr lang="en-US" altLang="zh-CN" dirty="0" err="1" smtClean="0"/>
-              <a:t>oncat</a:t>
-            </a:r>
-            <a:r>
-              <a:rPr lang="en-US" altLang="zh-CN" dirty="0" smtClean="0"/>
-              <a:t> </a:t>
-            </a:r>
-            <a:r>
-              <a:rPr lang="zh-CN" altLang="en-US" dirty="0" smtClean="0"/>
-              <a:t>连接数组</a:t>
-            </a:r>
-            <a:endParaRPr lang="en-US" altLang="zh-CN" dirty="0" smtClean="0"/>
-          </a:p>
-          <a:p>
-            <a:r>
-              <a:rPr lang="en-US" altLang="zh-CN" dirty="0"/>
-              <a:t>j</a:t>
-            </a:r>
-            <a:r>
-              <a:rPr lang="en-US" altLang="zh-CN" dirty="0" smtClean="0"/>
-              <a:t>oin </a:t>
-            </a:r>
-            <a:r>
-              <a:rPr lang="zh-CN" altLang="en-US" dirty="0" smtClean="0"/>
-              <a:t>将数组转成字符串</a:t>
-            </a:r>
-            <a:endParaRPr lang="en-US" altLang="zh-CN" dirty="0" smtClean="0"/>
-          </a:p>
-          <a:p>
-            <a:r>
-              <a:rPr lang="en-US" altLang="zh-CN" dirty="0" err="1" smtClean="0"/>
-              <a:t>forEach</a:t>
-            </a:r>
-            <a:r>
-              <a:rPr lang="en-US" altLang="zh-CN" dirty="0" smtClean="0"/>
-              <a:t> </a:t>
-            </a:r>
-            <a:r>
-              <a:rPr lang="zh-CN" altLang="en-US" dirty="0" smtClean="0"/>
-              <a:t>遍历数组</a:t>
-            </a:r>
-            <a:endParaRPr lang="en-US" altLang="zh-CN" dirty="0" smtClean="0"/>
-          </a:p>
-          <a:p>
+              <a:t>(</a:t>
+            </a:r>
+            <a:r>
+              <a:rPr kumimoji="1" lang="en-US" altLang="zh-CN" dirty="0" err="1" smtClean="0"/>
+              <a:t>substr</a:t>
+            </a:r>
             <a:r>
               <a:rPr kumimoji="1" lang="en-US" altLang="zh-CN" dirty="0" smtClean="0"/>
-              <a:t>pop </a:t>
-            </a:r>
-            <a:r>
-              <a:rPr kumimoji="1" lang="en-US" altLang="en-US" dirty="0" smtClean="0"/>
-              <a:t>删除末尾元素</a:t>
-            </a:r>
-          </a:p>
-          <a:p>
+              <a:t>  </a:t>
+            </a:r>
+            <a:r>
+              <a:rPr kumimoji="1" lang="en-US" altLang="zh-CN" dirty="0" err="1" smtClean="0"/>
+              <a:t>strstring</a:t>
+            </a:r>
             <a:r>
               <a:rPr kumimoji="1" lang="en-US" altLang="zh-CN" dirty="0" smtClean="0"/>
-              <a:t>shift</a:t>
-            </a:r>
-            <a:r>
-              <a:rPr kumimoji="1" lang="zh-CN" altLang="en-US" dirty="0" smtClean="0"/>
-              <a:t> 删除第一个元素</a:t>
-            </a:r>
-            <a:endParaRPr kumimoji="1" lang="en-US" altLang="zh-CN" dirty="0" smtClean="0"/>
-          </a:p>
-          <a:p>
-            <a:r>
-              <a:rPr lang="en-US" altLang="zh-CN" dirty="0" smtClean="0"/>
-              <a:t>sort </a:t>
-            </a:r>
-            <a:r>
-              <a:rPr lang="zh-CN" altLang="en-US" dirty="0" smtClean="0"/>
-              <a:t>排序</a:t>
-            </a:r>
-            <a:endParaRPr kumimoji="1" lang="en-US" altLang="en-US" dirty="0" smtClean="0"/>
+              <a:t>)</a:t>
+            </a:r>
+          </a:p>
+          <a:p>
+            <a:r>
+              <a:rPr kumimoji="1" lang="zh-CN" altLang="en-US" dirty="0" smtClean="0"/>
+              <a:t>搜索字符串</a:t>
+            </a:r>
+            <a:r>
+              <a:rPr kumimoji="1" lang="en-US" altLang="zh-CN" dirty="0" smtClean="0"/>
+              <a:t>(</a:t>
+            </a:r>
+            <a:r>
+              <a:rPr kumimoji="1" lang="en-US" altLang="zh-CN" dirty="0" err="1" smtClean="0"/>
+              <a:t>indexOf</a:t>
+            </a:r>
+            <a:r>
+              <a:rPr kumimoji="1" lang="en-US" altLang="zh-CN" dirty="0" smtClean="0"/>
+              <a:t>  </a:t>
+            </a:r>
+            <a:r>
+              <a:rPr kumimoji="1" lang="en-US" altLang="zh-CN" dirty="0" err="1" smtClean="0"/>
+              <a:t>lastIndexOf</a:t>
+            </a:r>
+            <a:r>
+              <a:rPr kumimoji="1" lang="en-US" altLang="zh-CN" dirty="0" smtClean="0"/>
+              <a:t>(</a:t>
+            </a:r>
+            <a:r>
+              <a:rPr kumimoji="1" lang="zh-CN" altLang="en-US" dirty="0" smtClean="0"/>
+              <a:t>从后往前搜索</a:t>
+            </a:r>
+            <a:r>
+              <a:rPr kumimoji="1" lang="en-US" altLang="zh-CN" dirty="0" smtClean="0"/>
+              <a:t>))</a:t>
+            </a:r>
+            <a:r>
+              <a:rPr kumimoji="1" lang="zh-CN" altLang="en-US" dirty="0" smtClean="0"/>
+              <a:t>，如果搜索不到，返回值为</a:t>
+            </a:r>
+            <a:r>
+              <a:rPr kumimoji="1" lang="en-US" altLang="zh-CN" dirty="0" smtClean="0"/>
+              <a:t>-1</a:t>
+            </a:r>
+          </a:p>
+          <a:p>
+            <a:r>
+              <a:rPr kumimoji="1" lang="zh-CN" altLang="en-US" dirty="0" smtClean="0"/>
+              <a:t>获取字符</a:t>
+            </a:r>
+            <a:r>
+              <a:rPr kumimoji="1" lang="en-US" altLang="zh-CN" dirty="0" smtClean="0"/>
+              <a:t>(</a:t>
+            </a:r>
+            <a:r>
+              <a:rPr kumimoji="1" lang="en-US" altLang="zh-CN" dirty="0" err="1" smtClean="0"/>
+              <a:t>charAt</a:t>
+            </a:r>
+            <a:r>
+              <a:rPr kumimoji="1" lang="en-US" altLang="zh-CN" dirty="0" smtClean="0"/>
+              <a:t>)</a:t>
+            </a:r>
+          </a:p>
+          <a:p>
+            <a:r>
+              <a:rPr kumimoji="1" lang="zh-CN" altLang="en-US" dirty="0" smtClean="0"/>
+              <a:t>获取字符编码</a:t>
+            </a:r>
+            <a:r>
+              <a:rPr kumimoji="1" lang="en-US" altLang="zh-CN" dirty="0" smtClean="0"/>
+              <a:t>(</a:t>
+            </a:r>
+            <a:r>
+              <a:rPr kumimoji="1" lang="en-US" altLang="zh-CN" dirty="0" err="1" smtClean="0"/>
+              <a:t>charCodeAt</a:t>
+            </a:r>
+            <a:r>
+              <a:rPr kumimoji="1" lang="en-US" altLang="zh-CN" dirty="0" smtClean="0"/>
+              <a:t>)</a:t>
+            </a:r>
+          </a:p>
+          <a:p>
+            <a:r>
+              <a:rPr kumimoji="1" lang="zh-CN" altLang="en-US" dirty="0" smtClean="0"/>
+              <a:t>字符编码转成字符</a:t>
+            </a:r>
+            <a:r>
+              <a:rPr kumimoji="1" lang="en-US" altLang="zh-CN" dirty="0" smtClean="0"/>
+              <a:t>(</a:t>
+            </a:r>
+            <a:r>
+              <a:rPr kumimoji="1" lang="en-US" altLang="zh-CN" dirty="0" err="1" smtClean="0"/>
+              <a:t>String.fromCharCode</a:t>
+            </a:r>
+            <a:r>
+              <a:rPr kumimoji="1" lang="en-US" altLang="zh-CN" dirty="0" smtClean="0"/>
+              <a:t>)</a:t>
+            </a:r>
+          </a:p>
+          <a:p>
+            <a:r>
+              <a:rPr kumimoji="1" lang="zh-CN" altLang="en-US" dirty="0" smtClean="0"/>
+              <a:t>替换字符串</a:t>
+            </a:r>
+            <a:r>
+              <a:rPr kumimoji="1" lang="en-US" altLang="zh-CN" dirty="0" smtClean="0"/>
+              <a:t>(replace)</a:t>
+            </a:r>
+            <a:endParaRPr kumimoji="1" lang="zh-CN" altLang="en-US" dirty="0"/>
           </a:p>
         </p:txBody>
       </p:sp>
     </p:spTree>
     <p:extLst>
       <p:ext uri="{BB962C8B-B14F-4D97-AF65-F5344CB8AC3E}">
-        <p14:creationId xmlns:p14="http://schemas.microsoft.com/office/powerpoint/2010/main" val="4195235412"/>
+        <p14:creationId xmlns:p14="http://schemas.microsoft.com/office/powerpoint/2010/main" val="2376229056"/>
       </p:ext>
     </p:extLst>
   </p:cSld>
@@ -4959,7 +4980,7 @@
           <a:p>
             <a:r>
               <a:rPr kumimoji="1" lang="zh-CN" altLang="en-US" dirty="0" smtClean="0"/>
-              <a:t>对象</a:t>
+              <a:t>数组</a:t>
             </a:r>
             <a:endParaRPr kumimoji="1" lang="zh-CN" altLang="en-US" dirty="0"/>
           </a:p>
@@ -4977,35 +4998,127 @@
         </p:nvSpPr>
         <p:spPr/>
         <p:txBody>
-          <a:bodyPr/>
-          <a:lstStyle/>
-          <a:p>
-            <a:r>
-              <a:rPr kumimoji="1" lang="zh-CN" altLang="en-US" dirty="0" smtClean="0"/>
-              <a:t>定义对象</a:t>
+          <a:bodyPr>
+            <a:normAutofit lnSpcReduction="10000"/>
+          </a:bodyPr>
+          <a:lstStyle/>
+          <a:p>
+            <a:r>
+              <a:rPr kumimoji="1" lang="en-US" altLang="zh-CN" dirty="0"/>
+              <a:t>p</a:t>
+            </a:r>
+            <a:r>
+              <a:rPr kumimoji="1" lang="en-US" altLang="zh-CN" dirty="0" smtClean="0"/>
+              <a:t>ush </a:t>
+            </a:r>
+            <a:r>
+              <a:rPr kumimoji="1" lang="zh-CN" altLang="en-US" dirty="0" smtClean="0"/>
+              <a:t>在末尾添加一个元素</a:t>
             </a:r>
             <a:endParaRPr kumimoji="1" lang="en-US" altLang="zh-CN" dirty="0" smtClean="0"/>
           </a:p>
           <a:p>
             <a:r>
-              <a:rPr kumimoji="1" lang="zh-CN" altLang="en-US" dirty="0" smtClean="0"/>
-              <a:t>访问对象成员</a:t>
+              <a:rPr kumimoji="1" lang="en-US" altLang="zh-CN" dirty="0"/>
+              <a:t>s</a:t>
+            </a:r>
+            <a:r>
+              <a:rPr kumimoji="1" lang="en-US" altLang="zh-CN" dirty="0" smtClean="0"/>
+              <a:t>plice </a:t>
+            </a:r>
+            <a:r>
+              <a:rPr kumimoji="1" lang="zh-CN" altLang="en-US" dirty="0" smtClean="0"/>
+              <a:t>修改数组元素（添加、删除）</a:t>
             </a:r>
             <a:endParaRPr kumimoji="1" lang="en-US" altLang="zh-CN" dirty="0" smtClean="0"/>
           </a:p>
           <a:p>
             <a:r>
-              <a:rPr kumimoji="1" lang="zh-CN" altLang="en-US" dirty="0" smtClean="0"/>
-              <a:t>删除对象成员</a:t>
-            </a:r>
-            <a:endParaRPr kumimoji="1" lang="zh-CN" altLang="en-US" dirty="0"/>
+              <a:rPr lang="en-US" altLang="zh-CN" dirty="0" err="1"/>
+              <a:t>c</a:t>
+            </a:r>
+            <a:r>
+              <a:rPr lang="en-US" altLang="zh-CN" dirty="0" err="1" smtClean="0"/>
+              <a:t>oncat</a:t>
+            </a:r>
+            <a:r>
+              <a:rPr lang="en-US" altLang="zh-CN" dirty="0" smtClean="0"/>
+              <a:t> </a:t>
+            </a:r>
+            <a:r>
+              <a:rPr lang="zh-CN" altLang="en-US" dirty="0" smtClean="0"/>
+              <a:t>连接数组</a:t>
+            </a:r>
+            <a:endParaRPr lang="en-US" altLang="zh-CN" dirty="0" smtClean="0"/>
+          </a:p>
+          <a:p>
+            <a:r>
+              <a:rPr lang="en-US" altLang="zh-CN" dirty="0"/>
+              <a:t>j</a:t>
+            </a:r>
+            <a:r>
+              <a:rPr lang="en-US" altLang="zh-CN" dirty="0" smtClean="0"/>
+              <a:t>oin </a:t>
+            </a:r>
+            <a:r>
+              <a:rPr lang="zh-CN" altLang="en-US" dirty="0" smtClean="0"/>
+              <a:t>将数组转成字符串</a:t>
+            </a:r>
+            <a:endParaRPr lang="en-US" altLang="zh-CN" dirty="0" smtClean="0"/>
+          </a:p>
+          <a:p>
+            <a:r>
+              <a:rPr lang="en-US" altLang="zh-CN" dirty="0" err="1" smtClean="0"/>
+              <a:t>forEach</a:t>
+            </a:r>
+            <a:r>
+              <a:rPr lang="en-US" altLang="zh-CN" dirty="0" smtClean="0"/>
+              <a:t> </a:t>
+            </a:r>
+            <a:r>
+              <a:rPr lang="zh-CN" altLang="en-US" dirty="0" smtClean="0"/>
+              <a:t>遍历数组</a:t>
+            </a:r>
+            <a:endParaRPr lang="en-US" altLang="zh-CN" dirty="0" smtClean="0"/>
+          </a:p>
+          <a:p>
+            <a:r>
+              <a:rPr kumimoji="1" lang="en-US" altLang="zh-CN" dirty="0" smtClean="0"/>
+              <a:t>pop </a:t>
+            </a:r>
+            <a:r>
+              <a:rPr kumimoji="1" lang="en-US" altLang="en-US" dirty="0" smtClean="0"/>
+              <a:t>删除末尾元素</a:t>
+            </a:r>
+          </a:p>
+          <a:p>
+            <a:r>
+              <a:rPr kumimoji="1" lang="en-US" altLang="zh-CN" dirty="0" smtClean="0"/>
+              <a:t>shift</a:t>
+            </a:r>
+            <a:r>
+              <a:rPr kumimoji="1" lang="zh-CN" altLang="en-US" dirty="0" smtClean="0"/>
+              <a:t> 删除第一个元素</a:t>
+            </a:r>
+            <a:endParaRPr kumimoji="1" lang="en-US" altLang="zh-CN" dirty="0" smtClean="0"/>
+          </a:p>
+          <a:p>
+            <a:r>
+              <a:rPr lang="en-US" altLang="zh-CN" dirty="0" smtClean="0"/>
+              <a:t>sort </a:t>
+            </a:r>
+            <a:r>
+              <a:rPr lang="zh-CN" altLang="en-US" dirty="0" smtClean="0"/>
+              <a:t>排序</a:t>
+            </a:r>
+            <a:endParaRPr kumimoji="1" lang="en-US" altLang="en-US" dirty="0" smtClean="0"/>
           </a:p>
         </p:txBody>
       </p:sp>
     </p:spTree>
     <p:extLst>
       <p:ext uri="{BB962C8B-B14F-4D97-AF65-F5344CB8AC3E}">
-        <p14:creationId xmlns:p14="http://schemas.microsoft.com/office/powerpoint/2010/main" val="2956689127"/>
+        <p14:creationId xmlns:p14="http://schemas.microsoft.com/office/powerpoint/2010/main" val="4195235412"/>
       </p:ext>
     </p:extLst>
   </p:cSld>
@@ -5048,12 +5161,8 @@
           <a:lstStyle/>
           <a:p>
             <a:r>
-              <a:rPr kumimoji="1" lang="en-US" altLang="zh-CN" dirty="0" smtClean="0"/>
-              <a:t>Math</a:t>
-            </a:r>
-            <a:r>
-              <a:rPr kumimoji="1" lang="zh-CN" altLang="en-US" dirty="0" smtClean="0"/>
-              <a:t>类</a:t>
+              <a:rPr kumimoji="1" lang="zh-CN" altLang="en-US" dirty="0" smtClean="0"/>
+              <a:t>对象</a:t>
             </a:r>
             <a:endParaRPr kumimoji="1" lang="zh-CN" altLang="en-US" dirty="0"/>
           </a:p>
@@ -5075,16 +5184,22 @@
           <a:lstStyle/>
           <a:p>
             <a:r>
-              <a:rPr kumimoji="1" lang="en-US" altLang="zh-CN" dirty="0" err="1" smtClean="0"/>
-              <a:t>Math.max</a:t>
-            </a:r>
-            <a:r>
-              <a:rPr kumimoji="1" lang="en-US" altLang="zh-CN" dirty="0" smtClean="0"/>
-              <a:t> </a:t>
-            </a:r>
-            <a:r>
-              <a:rPr kumimoji="1" lang="zh-CN" altLang="en-US" dirty="0" smtClean="0"/>
-              <a:t>求最大值</a:t>
+              <a:rPr kumimoji="1" lang="zh-CN" altLang="en-US" dirty="0" smtClean="0"/>
+              <a:t>定义对象</a:t>
+            </a:r>
+            <a:endParaRPr kumimoji="1" lang="en-US" altLang="zh-CN" dirty="0" smtClean="0"/>
+          </a:p>
+          <a:p>
+            <a:r>
+              <a:rPr kumimoji="1" lang="zh-CN" altLang="en-US" dirty="0" smtClean="0"/>
+              <a:t>访问对象成员</a:t>
+            </a:r>
+            <a:endParaRPr kumimoji="1" lang="en-US" altLang="zh-CN" dirty="0" smtClean="0"/>
+          </a:p>
+          <a:p>
+            <a:r>
+              <a:rPr kumimoji="1" lang="zh-CN" altLang="en-US" dirty="0" smtClean="0"/>
+              <a:t>删除对象成员</a:t>
             </a:r>
             <a:endParaRPr kumimoji="1" lang="zh-CN" altLang="en-US" dirty="0"/>
           </a:p>
@@ -5093,7 +5208,7 @@
     </p:spTree>
     <p:extLst>
       <p:ext uri="{BB962C8B-B14F-4D97-AF65-F5344CB8AC3E}">
-        <p14:creationId xmlns:p14="http://schemas.microsoft.com/office/powerpoint/2010/main" val="2200703862"/>
+        <p14:creationId xmlns:p14="http://schemas.microsoft.com/office/powerpoint/2010/main" val="2956689127"/>
       </p:ext>
     </p:extLst>
   </p:cSld>
@@ -5136,6 +5251,94 @@
           <a:lstStyle/>
           <a:p>
             <a:r>
+              <a:rPr kumimoji="1" lang="en-US" altLang="zh-CN" dirty="0" smtClean="0"/>
+              <a:t>Math</a:t>
+            </a:r>
+            <a:r>
+              <a:rPr kumimoji="1" lang="zh-CN" altLang="en-US" dirty="0" smtClean="0"/>
+              <a:t>类</a:t>
+            </a:r>
+            <a:endParaRPr kumimoji="1" lang="zh-CN" altLang="en-US" dirty="0"/>
+          </a:p>
+        </p:txBody>
+      </p:sp>
+      <p:sp>
+        <p:nvSpPr>
+          <p:cNvPr id="3" name="内容占位符 2"/>
+          <p:cNvSpPr>
+            <a:spLocks noGrp="1"/>
+          </p:cNvSpPr>
+          <p:nvPr>
+            <p:ph idx="1"/>
+          </p:nvPr>
+        </p:nvSpPr>
+        <p:spPr/>
+        <p:txBody>
+          <a:bodyPr/>
+          <a:lstStyle/>
+          <a:p>
+            <a:r>
+              <a:rPr kumimoji="1" lang="en-US" altLang="zh-CN" dirty="0" err="1" smtClean="0"/>
+              <a:t>Math.max</a:t>
+            </a:r>
+            <a:r>
+              <a:rPr kumimoji="1" lang="en-US" altLang="zh-CN" dirty="0" smtClean="0"/>
+              <a:t> </a:t>
+            </a:r>
+            <a:r>
+              <a:rPr kumimoji="1" lang="zh-CN" altLang="en-US" dirty="0" smtClean="0"/>
+              <a:t>求最大值</a:t>
+            </a:r>
+            <a:endParaRPr kumimoji="1" lang="zh-CN" altLang="en-US" dirty="0"/>
+          </a:p>
+        </p:txBody>
+      </p:sp>
+    </p:spTree>
+    <p:extLst>
+      <p:ext uri="{BB962C8B-B14F-4D97-AF65-F5344CB8AC3E}">
+        <p14:creationId xmlns:p14="http://schemas.microsoft.com/office/powerpoint/2010/main" val="2200703862"/>
+      </p:ext>
+    </p:extLst>
+  </p:cSld>
+  <p:clrMapOvr>
+    <a:masterClrMapping/>
+  </p:clrMapOvr>
+</p:sld>
+</file>
+
+<file path=ppt/slides/slide24.xml><?xml version="1.0" encoding="utf-8"?>
+<p:sld xmlns:a="http://schemas.openxmlformats.org/drawingml/2006/main" xmlns:r="http://schemas.openxmlformats.org/officeDocument/2006/relationships" xmlns:p="http://schemas.openxmlformats.org/presentationml/2006/main">
+  <p:cSld>
+    <p:spTree>
+      <p:nvGrpSpPr>
+        <p:cNvPr id="1" name=""/>
+        <p:cNvGrpSpPr/>
+        <p:nvPr/>
+      </p:nvGrpSpPr>
+      <p:grpSpPr>
+        <a:xfrm>
+          <a:off x="0" y="0"/>
+          <a:ext cx="0" cy="0"/>
+          <a:chOff x="0" y="0"/>
+          <a:chExt cx="0" cy="0"/>
+        </a:xfrm>
+      </p:grpSpPr>
+      <p:sp>
+        <p:nvSpPr>
+          <p:cNvPr id="2" name="标题 1"/>
+          <p:cNvSpPr>
+            <a:spLocks noGrp="1"/>
+          </p:cNvSpPr>
+          <p:nvPr>
+            <p:ph type="title"/>
+          </p:nvPr>
+        </p:nvSpPr>
+        <p:spPr/>
+        <p:txBody>
+          <a:bodyPr/>
+          <a:lstStyle/>
+          <a:p>
+            <a:r>
               <a:rPr kumimoji="1" lang="zh-CN" altLang="en-US" dirty="0" smtClean="0"/>
               <a:t>控制台</a:t>
             </a:r>
@@ -5253,7 +5456,7 @@
 </p:sld>
 </file>
 
-<file path=ppt/slides/slide24.xml><?xml version="1.0" encoding="utf-8"?>
+<file path=ppt/slides/slide25.xml><?xml version="1.0" encoding="utf-8"?>
 <p:sld xmlns:a="http://schemas.openxmlformats.org/drawingml/2006/main" xmlns:r="http://schemas.openxmlformats.org/officeDocument/2006/relationships" xmlns:p="http://schemas.openxmlformats.org/presentationml/2006/main">
   <p:cSld>
     <p:spTree>
@@ -5372,100 +5575,6 @@
 </p:sld>
 </file>
 
-<file path=ppt/slides/slide25.xml><?xml version="1.0" encoding="utf-8"?>
-<p:sld xmlns:a="http://schemas.openxmlformats.org/drawingml/2006/main" xmlns:r="http://schemas.openxmlformats.org/officeDocument/2006/relationships" xmlns:p="http://schemas.openxmlformats.org/presentationml/2006/main">
-  <p:cSld>
-    <p:spTree>
-      <p:nvGrpSpPr>
-        <p:cNvPr id="1" name=""/>
-        <p:cNvGrpSpPr/>
-        <p:nvPr/>
-      </p:nvGrpSpPr>
-      <p:grpSpPr>
-        <a:xfrm>
-          <a:off x="0" y="0"/>
-          <a:ext cx="0" cy="0"/>
-          <a:chOff x="0" y="0"/>
-          <a:chExt cx="0" cy="0"/>
-        </a:xfrm>
-      </p:grpSpPr>
-      <p:sp>
-        <p:nvSpPr>
-          <p:cNvPr id="2" name="标题 1"/>
-          <p:cNvSpPr>
-            <a:spLocks noGrp="1"/>
-          </p:cNvSpPr>
-          <p:nvPr>
-            <p:ph type="title"/>
-          </p:nvPr>
-        </p:nvSpPr>
-        <p:spPr/>
-        <p:txBody>
-          <a:bodyPr/>
-          <a:lstStyle/>
-          <a:p>
-            <a:r>
-              <a:rPr kumimoji="1" lang="en-US" altLang="zh-CN" dirty="0" smtClean="0"/>
-              <a:t>DOM</a:t>
-            </a:r>
-            <a:r>
-              <a:rPr kumimoji="1" lang="zh-CN" altLang="en-US" dirty="0" smtClean="0"/>
-              <a:t>操作</a:t>
-            </a:r>
-            <a:endParaRPr kumimoji="1" lang="zh-CN" altLang="en-US" dirty="0"/>
-          </a:p>
-        </p:txBody>
-      </p:sp>
-      <p:sp>
-        <p:nvSpPr>
-          <p:cNvPr id="3" name="内容占位符 2"/>
-          <p:cNvSpPr>
-            <a:spLocks noGrp="1"/>
-          </p:cNvSpPr>
-          <p:nvPr>
-            <p:ph idx="1"/>
-          </p:nvPr>
-        </p:nvSpPr>
-        <p:spPr/>
-        <p:txBody>
-          <a:bodyPr/>
-          <a:lstStyle/>
-          <a:p>
-            <a:r>
-              <a:rPr kumimoji="1" lang="zh-CN" altLang="en-US" dirty="0" smtClean="0"/>
-              <a:t>获取节点</a:t>
-            </a:r>
-            <a:endParaRPr kumimoji="1" lang="en-US" altLang="zh-CN" dirty="0" smtClean="0"/>
-          </a:p>
-          <a:p>
-            <a:r>
-              <a:rPr kumimoji="1" lang="zh-CN" altLang="en-US" dirty="0" smtClean="0"/>
-              <a:t>修改节点</a:t>
-            </a:r>
-            <a:endParaRPr kumimoji="1" lang="en-US" altLang="zh-CN" dirty="0" smtClean="0"/>
-          </a:p>
-          <a:p>
-            <a:r>
-              <a:rPr kumimoji="1" lang="zh-CN" altLang="en-US" dirty="0" smtClean="0"/>
-              <a:t>删除节点</a:t>
-            </a:r>
-            <a:endParaRPr kumimoji="1" lang="zh-CN" altLang="en-US" dirty="0"/>
-          </a:p>
-        </p:txBody>
-      </p:sp>
-    </p:spTree>
-    <p:extLst>
-      <p:ext uri="{BB962C8B-B14F-4D97-AF65-F5344CB8AC3E}">
-        <p14:creationId xmlns:p14="http://schemas.microsoft.com/office/powerpoint/2010/main" val="686156828"/>
-      </p:ext>
-    </p:extLst>
-  </p:cSld>
-  <p:clrMapOvr>
-    <a:masterClrMapping/>
-  </p:clrMapOvr>
-</p:sld>
-</file>
-
 <file path=ppt/slides/slide26.xml><?xml version="1.0" encoding="utf-8"?>
 <p:sld xmlns:a="http://schemas.openxmlformats.org/drawingml/2006/main" xmlns:r="http://schemas.openxmlformats.org/officeDocument/2006/relationships" xmlns:p="http://schemas.openxmlformats.org/presentationml/2006/main">
   <p:cSld>
@@ -5499,8 +5608,12 @@
           <a:lstStyle/>
           <a:p>
             <a:r>
-              <a:rPr kumimoji="1" lang="zh-CN" altLang="en-US" dirty="0" smtClean="0"/>
-              <a:t>作业</a:t>
+              <a:rPr kumimoji="1" lang="en-US" altLang="zh-CN" dirty="0" smtClean="0"/>
+              <a:t>DOM</a:t>
+            </a:r>
+            <a:r>
+              <a:rPr kumimoji="1" lang="zh-CN" altLang="en-US" dirty="0" smtClean="0"/>
+              <a:t>操作</a:t>
             </a:r>
             <a:endParaRPr kumimoji="1" lang="zh-CN" altLang="en-US" dirty="0"/>
           </a:p>
@@ -5521,20 +5634,23 @@
           <a:bodyPr/>
           <a:lstStyle/>
           <a:p>
-            <a:pPr marL="0" indent="0">
-              <a:buNone/>
-            </a:pPr>
-            <a:r>
-              <a:rPr kumimoji="1" lang="zh-CN" altLang="en-US" dirty="0" smtClean="0"/>
-              <a:t>用</a:t>
-            </a:r>
-            <a:r>
-              <a:rPr kumimoji="1" lang="en-US" altLang="zh-CN" dirty="0" err="1" smtClean="0"/>
-              <a:t>js</a:t>
-            </a:r>
-            <a:r>
-              <a:rPr kumimoji="1" lang="zh-CN" altLang="en-US" dirty="0" smtClean="0"/>
-              <a:t>生成学生姓名分数列表，点击分数可以进行正向和反向排序</a:t>
+            <a:r>
+              <a:rPr kumimoji="1" lang="zh-CN" altLang="en-US" dirty="0" smtClean="0"/>
+              <a:t>获取节点</a:t>
+            </a:r>
+            <a:endParaRPr kumimoji="1" lang="en-US" altLang="zh-CN" dirty="0" smtClean="0"/>
+          </a:p>
+          <a:p>
+            <a:r>
+              <a:rPr kumimoji="1" lang="zh-CN" altLang="en-US" dirty="0" smtClean="0"/>
+              <a:t>修改节点</a:t>
+            </a:r>
+            <a:endParaRPr kumimoji="1" lang="en-US" altLang="zh-CN" dirty="0" smtClean="0"/>
+          </a:p>
+          <a:p>
+            <a:r>
+              <a:rPr kumimoji="1" lang="zh-CN" altLang="en-US" dirty="0" smtClean="0"/>
+              <a:t>删除节点</a:t>
             </a:r>
             <a:endParaRPr kumimoji="1" lang="zh-CN" altLang="en-US" dirty="0"/>
           </a:p>
@@ -5543,7 +5659,7 @@
     </p:spTree>
     <p:extLst>
       <p:ext uri="{BB962C8B-B14F-4D97-AF65-F5344CB8AC3E}">
-        <p14:creationId xmlns:p14="http://schemas.microsoft.com/office/powerpoint/2010/main" val="1477416933"/>
+        <p14:creationId xmlns:p14="http://schemas.microsoft.com/office/powerpoint/2010/main" val="686156828"/>
       </p:ext>
     </p:extLst>
   </p:cSld>
@@ -5587,6 +5703,93 @@
           <a:p>
             <a:r>
               <a:rPr kumimoji="1" lang="zh-CN" altLang="en-US" dirty="0" smtClean="0"/>
+              <a:t>作业</a:t>
+            </a:r>
+            <a:endParaRPr kumimoji="1" lang="zh-CN" altLang="en-US" dirty="0"/>
+          </a:p>
+        </p:txBody>
+      </p:sp>
+      <p:sp>
+        <p:nvSpPr>
+          <p:cNvPr id="3" name="内容占位符 2"/>
+          <p:cNvSpPr>
+            <a:spLocks noGrp="1"/>
+          </p:cNvSpPr>
+          <p:nvPr>
+            <p:ph idx="1"/>
+          </p:nvPr>
+        </p:nvSpPr>
+        <p:spPr/>
+        <p:txBody>
+          <a:bodyPr/>
+          <a:lstStyle/>
+          <a:p>
+            <a:pPr marL="0" indent="0">
+              <a:buNone/>
+            </a:pPr>
+            <a:r>
+              <a:rPr kumimoji="1" lang="zh-CN" altLang="en-US" dirty="0" smtClean="0"/>
+              <a:t>用</a:t>
+            </a:r>
+            <a:r>
+              <a:rPr kumimoji="1" lang="en-US" altLang="zh-CN" dirty="0" err="1" smtClean="0"/>
+              <a:t>js</a:t>
+            </a:r>
+            <a:r>
+              <a:rPr kumimoji="1" lang="zh-CN" altLang="en-US" dirty="0" smtClean="0"/>
+              <a:t>生成学生姓名分数列表，点击分数可以进行正向和反向排序</a:t>
+            </a:r>
+            <a:endParaRPr kumimoji="1" lang="zh-CN" altLang="en-US" dirty="0"/>
+          </a:p>
+        </p:txBody>
+      </p:sp>
+    </p:spTree>
+    <p:extLst>
+      <p:ext uri="{BB962C8B-B14F-4D97-AF65-F5344CB8AC3E}">
+        <p14:creationId xmlns:p14="http://schemas.microsoft.com/office/powerpoint/2010/main" val="1477416933"/>
+      </p:ext>
+    </p:extLst>
+  </p:cSld>
+  <p:clrMapOvr>
+    <a:masterClrMapping/>
+  </p:clrMapOvr>
+</p:sld>
+</file>
+
+<file path=ppt/slides/slide28.xml><?xml version="1.0" encoding="utf-8"?>
+<p:sld xmlns:a="http://schemas.openxmlformats.org/drawingml/2006/main" xmlns:r="http://schemas.openxmlformats.org/officeDocument/2006/relationships" xmlns:p="http://schemas.openxmlformats.org/presentationml/2006/main">
+  <p:cSld>
+    <p:spTree>
+      <p:nvGrpSpPr>
+        <p:cNvPr id="1" name=""/>
+        <p:cNvGrpSpPr/>
+        <p:nvPr/>
+      </p:nvGrpSpPr>
+      <p:grpSpPr>
+        <a:xfrm>
+          <a:off x="0" y="0"/>
+          <a:ext cx="0" cy="0"/>
+          <a:chOff x="0" y="0"/>
+          <a:chExt cx="0" cy="0"/>
+        </a:xfrm>
+      </p:grpSpPr>
+      <p:sp>
+        <p:nvSpPr>
+          <p:cNvPr id="2" name="标题 1"/>
+          <p:cNvSpPr>
+            <a:spLocks noGrp="1"/>
+          </p:cNvSpPr>
+          <p:nvPr>
+            <p:ph type="title"/>
+          </p:nvPr>
+        </p:nvSpPr>
+        <p:spPr/>
+        <p:txBody>
+          <a:bodyPr/>
+          <a:lstStyle/>
+          <a:p>
+            <a:r>
+              <a:rPr kumimoji="1" lang="zh-CN" altLang="en-US" dirty="0" smtClean="0"/>
               <a:t>记时器</a:t>
             </a:r>
             <a:endParaRPr kumimoji="1" lang="zh-CN" altLang="en-US" dirty="0"/>
@@ -5652,7 +5855,7 @@
 </p:sld>
 </file>
 
-<file path=ppt/slides/slide28.xml><?xml version="1.0" encoding="utf-8"?>
+<file path=ppt/slides/slide29.xml><?xml version="1.0" encoding="utf-8"?>
 <p:sld xmlns:a="http://schemas.openxmlformats.org/drawingml/2006/main" xmlns:r="http://schemas.openxmlformats.org/officeDocument/2006/relationships" xmlns:p="http://schemas.openxmlformats.org/presentationml/2006/main">
   <p:cSld>
     <p:spTree>
@@ -5816,6 +6019,215 @@
       </p:par>
     </p:tnLst>
   </p:timing>
+</p:sld>
+</file>
+
+<file path=ppt/slides/slide30.xml><?xml version="1.0" encoding="utf-8"?>
+<p:sld xmlns:a="http://schemas.openxmlformats.org/drawingml/2006/main" xmlns:r="http://schemas.openxmlformats.org/officeDocument/2006/relationships" xmlns:p="http://schemas.openxmlformats.org/presentationml/2006/main">
+  <p:cSld>
+    <p:spTree>
+      <p:nvGrpSpPr>
+        <p:cNvPr id="1" name=""/>
+        <p:cNvGrpSpPr/>
+        <p:nvPr/>
+      </p:nvGrpSpPr>
+      <p:grpSpPr>
+        <a:xfrm>
+          <a:off x="0" y="0"/>
+          <a:ext cx="0" cy="0"/>
+          <a:chOff x="0" y="0"/>
+          <a:chExt cx="0" cy="0"/>
+        </a:xfrm>
+      </p:grpSpPr>
+      <p:sp>
+        <p:nvSpPr>
+          <p:cNvPr id="2" name="标题 1"/>
+          <p:cNvSpPr>
+            <a:spLocks noGrp="1"/>
+          </p:cNvSpPr>
+          <p:nvPr>
+            <p:ph type="title"/>
+          </p:nvPr>
+        </p:nvSpPr>
+        <p:spPr/>
+        <p:txBody>
+          <a:bodyPr/>
+          <a:lstStyle/>
+          <a:p>
+            <a:r>
+              <a:rPr kumimoji="1" lang="zh-CN" altLang="en-US" dirty="0" smtClean="0"/>
+              <a:t>作业</a:t>
+            </a:r>
+            <a:endParaRPr kumimoji="1" lang="zh-CN" altLang="en-US" dirty="0"/>
+          </a:p>
+        </p:txBody>
+      </p:sp>
+      <p:sp>
+        <p:nvSpPr>
+          <p:cNvPr id="3" name="内容占位符 2"/>
+          <p:cNvSpPr>
+            <a:spLocks noGrp="1"/>
+          </p:cNvSpPr>
+          <p:nvPr>
+            <p:ph idx="1"/>
+          </p:nvPr>
+        </p:nvSpPr>
+        <p:spPr/>
+        <p:txBody>
+          <a:bodyPr/>
+          <a:lstStyle/>
+          <a:p>
+            <a:r>
+              <a:rPr kumimoji="1" lang="zh-CN" altLang="en-US" dirty="0" smtClean="0"/>
+              <a:t>实现模拟时钟</a:t>
+            </a:r>
+            <a:endParaRPr kumimoji="1" lang="en-US" altLang="zh-CN" dirty="0" smtClean="0"/>
+          </a:p>
+          <a:p>
+            <a:r>
+              <a:rPr kumimoji="1" lang="zh-CN" altLang="en-US" dirty="0" smtClean="0"/>
+              <a:t>用</a:t>
+            </a:r>
+            <a:r>
+              <a:rPr kumimoji="1" lang="en-US" altLang="zh-CN" dirty="0" smtClean="0"/>
+              <a:t>6</a:t>
+            </a:r>
+            <a:r>
+              <a:rPr kumimoji="1" lang="en-US" altLang="en-US" dirty="0" smtClean="0"/>
+              <a:t>个DIV拼成</a:t>
+            </a:r>
+            <a:r>
+              <a:rPr kumimoji="1" lang="zh-CN" altLang="en-US" dirty="0" smtClean="0"/>
+              <a:t>一个正方体</a:t>
+            </a:r>
+            <a:endParaRPr kumimoji="1" lang="en-US" altLang="zh-CN" dirty="0" smtClean="0"/>
+          </a:p>
+          <a:p>
+            <a:r>
+              <a:rPr kumimoji="1" lang="en-US" altLang="zh-CN" dirty="0" smtClean="0"/>
+              <a:t>3D</a:t>
+            </a:r>
+            <a:r>
+              <a:rPr kumimoji="1" lang="zh-CN" altLang="en-US" dirty="0" smtClean="0"/>
+              <a:t>翻转的卡片</a:t>
+            </a:r>
+            <a:r>
+              <a:rPr kumimoji="1" lang="en-US" altLang="zh-CN" dirty="0" smtClean="0"/>
+              <a:t>(</a:t>
+            </a:r>
+            <a:r>
+              <a:rPr kumimoji="1" lang="zh-CN" altLang="en-US" dirty="0" smtClean="0"/>
+              <a:t>效果参考</a:t>
+            </a:r>
+            <a:r>
+              <a:rPr kumimoji="1" lang="en-US" altLang="zh-CN" dirty="0">
+                <a:hlinkClick r:id="rId2"/>
+              </a:rPr>
+              <a:t>http://plter.github.io/learnjs/Css3dCard</a:t>
+            </a:r>
+            <a:r>
+              <a:rPr kumimoji="1" lang="en-US" altLang="zh-CN" dirty="0" smtClean="0">
+                <a:hlinkClick r:id="rId2"/>
+              </a:rPr>
+              <a:t>/</a:t>
+            </a:r>
+            <a:r>
+              <a:rPr kumimoji="1" lang="en-US" altLang="zh-CN" dirty="0" smtClean="0"/>
+              <a:t> )</a:t>
+            </a:r>
+            <a:endParaRPr kumimoji="1" lang="zh-CN" altLang="en-US" dirty="0"/>
+          </a:p>
+        </p:txBody>
+      </p:sp>
+    </p:spTree>
+    <p:extLst>
+      <p:ext uri="{BB962C8B-B14F-4D97-AF65-F5344CB8AC3E}">
+        <p14:creationId xmlns:p14="http://schemas.microsoft.com/office/powerpoint/2010/main" val="541902457"/>
+      </p:ext>
+    </p:extLst>
+  </p:cSld>
+  <p:clrMapOvr>
+    <a:masterClrMapping/>
+  </p:clrMapOvr>
+</p:sld>
+</file>
+
+<file path=ppt/slides/slide31.xml><?xml version="1.0" encoding="utf-8"?>
+<p:sld xmlns:a="http://schemas.openxmlformats.org/drawingml/2006/main" xmlns:r="http://schemas.openxmlformats.org/officeDocument/2006/relationships" xmlns:p="http://schemas.openxmlformats.org/presentationml/2006/main">
+  <p:cSld>
+    <p:spTree>
+      <p:nvGrpSpPr>
+        <p:cNvPr id="1" name=""/>
+        <p:cNvGrpSpPr/>
+        <p:nvPr/>
+      </p:nvGrpSpPr>
+      <p:grpSpPr>
+        <a:xfrm>
+          <a:off x="0" y="0"/>
+          <a:ext cx="0" cy="0"/>
+          <a:chOff x="0" y="0"/>
+          <a:chExt cx="0" cy="0"/>
+        </a:xfrm>
+      </p:grpSpPr>
+      <p:sp>
+        <p:nvSpPr>
+          <p:cNvPr id="2" name="标题 1"/>
+          <p:cNvSpPr>
+            <a:spLocks noGrp="1"/>
+          </p:cNvSpPr>
+          <p:nvPr>
+            <p:ph type="title"/>
+          </p:nvPr>
+        </p:nvSpPr>
+        <p:spPr/>
+        <p:txBody>
+          <a:bodyPr/>
+          <a:lstStyle/>
+          <a:p>
+            <a:r>
+              <a:rPr kumimoji="1" lang="zh-CN" altLang="en-US" dirty="0" smtClean="0"/>
+              <a:t>面向对象</a:t>
+            </a:r>
+            <a:endParaRPr kumimoji="1" lang="zh-CN" altLang="en-US" dirty="0"/>
+          </a:p>
+        </p:txBody>
+      </p:sp>
+      <p:sp>
+        <p:nvSpPr>
+          <p:cNvPr id="3" name="内容占位符 2"/>
+          <p:cNvSpPr>
+            <a:spLocks noGrp="1"/>
+          </p:cNvSpPr>
+          <p:nvPr>
+            <p:ph idx="1"/>
+          </p:nvPr>
+        </p:nvSpPr>
+        <p:spPr/>
+        <p:txBody>
+          <a:bodyPr/>
+          <a:lstStyle/>
+          <a:p>
+            <a:r>
+              <a:rPr kumimoji="1" lang="zh-CN" altLang="en-US" dirty="0" smtClean="0"/>
+              <a:t>继承</a:t>
+            </a:r>
+            <a:endParaRPr kumimoji="1" lang="en-US" altLang="zh-CN" dirty="0" smtClean="0"/>
+          </a:p>
+          <a:p>
+            <a:endParaRPr kumimoji="1" lang="zh-CN" altLang="en-US" dirty="0"/>
+          </a:p>
+        </p:txBody>
+      </p:sp>
+    </p:spTree>
+    <p:extLst>
+      <p:ext uri="{BB962C8B-B14F-4D97-AF65-F5344CB8AC3E}">
+        <p14:creationId xmlns:p14="http://schemas.microsoft.com/office/powerpoint/2010/main" val="2767005544"/>
+      </p:ext>
+    </p:extLst>
+  </p:cSld>
+  <p:clrMapOvr>
+    <a:masterClrMapping/>
+  </p:clrMapOvr>
 </p:sld>
 </file>
 
@@ -5997,10 +6409,111 @@
   <p:clrMapOvr>
     <a:masterClrMapping/>
   </p:clrMapOvr>
+  <p:timing>
+    <p:tnLst>
+      <p:par>
+        <p:cTn xmlns:p14="http://schemas.microsoft.com/office/powerpoint/2010/main" id="1" dur="indefinite" restart="never" nodeType="tmRoot"/>
+      </p:par>
+    </p:tnLst>
+  </p:timing>
 </p:sld>
 </file>
 
 <file path=ppt/slides/slide6.xml><?xml version="1.0" encoding="utf-8"?>
+<p:sld xmlns:a="http://schemas.openxmlformats.org/drawingml/2006/main" xmlns:r="http://schemas.openxmlformats.org/officeDocument/2006/relationships" xmlns:p="http://schemas.openxmlformats.org/presentationml/2006/main">
+  <p:cSld>
+    <p:spTree>
+      <p:nvGrpSpPr>
+        <p:cNvPr id="1" name=""/>
+        <p:cNvGrpSpPr/>
+        <p:nvPr/>
+      </p:nvGrpSpPr>
+      <p:grpSpPr>
+        <a:xfrm>
+          <a:off x="0" y="0"/>
+          <a:ext cx="0" cy="0"/>
+          <a:chOff x="0" y="0"/>
+          <a:chExt cx="0" cy="0"/>
+        </a:xfrm>
+      </p:grpSpPr>
+      <p:sp>
+        <p:nvSpPr>
+          <p:cNvPr id="2" name="标题 1"/>
+          <p:cNvSpPr>
+            <a:spLocks noGrp="1"/>
+          </p:cNvSpPr>
+          <p:nvPr>
+            <p:ph type="title"/>
+          </p:nvPr>
+        </p:nvSpPr>
+        <p:spPr/>
+        <p:txBody>
+          <a:bodyPr/>
+          <a:lstStyle/>
+          <a:p>
+            <a:r>
+              <a:rPr kumimoji="1" lang="en-US" altLang="zh-CN" dirty="0" smtClean="0"/>
+              <a:t>CSS</a:t>
+            </a:r>
+            <a:r>
+              <a:rPr kumimoji="1" lang="zh-CN" altLang="en-US" dirty="0" smtClean="0"/>
+              <a:t>动画</a:t>
+            </a:r>
+            <a:endParaRPr kumimoji="1" lang="zh-CN" altLang="en-US" dirty="0"/>
+          </a:p>
+        </p:txBody>
+      </p:sp>
+      <p:pic>
+        <p:nvPicPr>
+          <p:cNvPr id="4" name="图片 3" descr="Screen Shot 2016-06-15 at 3.28.01 PM.png"/>
+          <p:cNvPicPr>
+            <a:picLocks noChangeAspect="1"/>
+          </p:cNvPicPr>
+          <p:nvPr/>
+        </p:nvPicPr>
+        <p:blipFill>
+          <a:blip r:embed="rId2">
+            <a:extLst>
+              <a:ext uri="{28A0092B-C50C-407E-A947-70E740481C1C}">
+                <a14:useLocalDpi xmlns:a14="http://schemas.microsoft.com/office/drawing/2010/main" val="0"/>
+              </a:ext>
+            </a:extLst>
+          </a:blip>
+          <a:stretch>
+            <a:fillRect/>
+          </a:stretch>
+        </p:blipFill>
+        <p:spPr>
+          <a:xfrm>
+            <a:off x="2116666" y="1245399"/>
+            <a:ext cx="5695244" cy="5372711"/>
+          </a:xfrm>
+          <a:prstGeom prst="rect">
+            <a:avLst/>
+          </a:prstGeom>
+        </p:spPr>
+      </p:pic>
+    </p:spTree>
+    <p:extLst>
+      <p:ext uri="{BB962C8B-B14F-4D97-AF65-F5344CB8AC3E}">
+        <p14:creationId xmlns:p14="http://schemas.microsoft.com/office/powerpoint/2010/main" val="889258853"/>
+      </p:ext>
+    </p:extLst>
+  </p:cSld>
+  <p:clrMapOvr>
+    <a:masterClrMapping/>
+  </p:clrMapOvr>
+  <p:timing>
+    <p:tnLst>
+      <p:par>
+        <p:cTn xmlns:p14="http://schemas.microsoft.com/office/powerpoint/2010/main" id="1" dur="indefinite" restart="never" nodeType="tmRoot"/>
+      </p:par>
+    </p:tnLst>
+  </p:timing>
+</p:sld>
+</file>
+
+<file path=ppt/slides/slide7.xml><?xml version="1.0" encoding="utf-8"?>
 <p:sld xmlns:a="http://schemas.openxmlformats.org/drawingml/2006/main" xmlns:r="http://schemas.openxmlformats.org/officeDocument/2006/relationships" xmlns:p="http://schemas.openxmlformats.org/presentationml/2006/main">
   <p:cSld>
     <p:spTree>
@@ -6096,7 +6609,7 @@
 </p:sld>
 </file>
 
-<file path=ppt/slides/slide7.xml><?xml version="1.0" encoding="utf-8"?>
+<file path=ppt/slides/slide8.xml><?xml version="1.0" encoding="utf-8"?>
 <p:sld xmlns:a="http://schemas.openxmlformats.org/drawingml/2006/main" xmlns:r="http://schemas.openxmlformats.org/officeDocument/2006/relationships" xmlns:p="http://schemas.openxmlformats.org/presentationml/2006/main">
   <p:cSld>
     <p:spTree>
@@ -6218,7 +6731,7 @@
 </p:sld>
 </file>
 
-<file path=ppt/slides/slide8.xml><?xml version="1.0" encoding="utf-8"?>
+<file path=ppt/slides/slide9.xml><?xml version="1.0" encoding="utf-8"?>
 <p:sld xmlns:a="http://schemas.openxmlformats.org/drawingml/2006/main" xmlns:r="http://schemas.openxmlformats.org/officeDocument/2006/relationships" xmlns:p="http://schemas.openxmlformats.org/presentationml/2006/main">
   <p:cSld>
     <p:spTree>
@@ -6324,203 +6837,6 @@
     <p:extLst>
       <p:ext uri="{BB962C8B-B14F-4D97-AF65-F5344CB8AC3E}">
         <p14:creationId xmlns:p14="http://schemas.microsoft.com/office/powerpoint/2010/main" val="1684663856"/>
-      </p:ext>
-    </p:extLst>
-  </p:cSld>
-  <p:clrMapOvr>
-    <a:masterClrMapping/>
-  </p:clrMapOvr>
-  <p:timing>
-    <p:tnLst>
-      <p:par>
-        <p:cTn xmlns:p14="http://schemas.microsoft.com/office/powerpoint/2010/main" id="1" dur="indefinite" restart="never" nodeType="tmRoot"/>
-      </p:par>
-    </p:tnLst>
-  </p:timing>
-</p:sld>
-</file>
-
-<file path=ppt/slides/slide9.xml><?xml version="1.0" encoding="utf-8"?>
-<p:sld xmlns:a="http://schemas.openxmlformats.org/drawingml/2006/main" xmlns:r="http://schemas.openxmlformats.org/officeDocument/2006/relationships" xmlns:p="http://schemas.openxmlformats.org/presentationml/2006/main">
-  <p:cSld>
-    <p:spTree>
-      <p:nvGrpSpPr>
-        <p:cNvPr id="1" name=""/>
-        <p:cNvGrpSpPr/>
-        <p:nvPr/>
-      </p:nvGrpSpPr>
-      <p:grpSpPr>
-        <a:xfrm>
-          <a:off x="0" y="0"/>
-          <a:ext cx="0" cy="0"/>
-          <a:chOff x="0" y="0"/>
-          <a:chExt cx="0" cy="0"/>
-        </a:xfrm>
-      </p:grpSpPr>
-      <p:sp>
-        <p:nvSpPr>
-          <p:cNvPr id="2" name="标题 1"/>
-          <p:cNvSpPr>
-            <a:spLocks noGrp="1"/>
-          </p:cNvSpPr>
-          <p:nvPr>
-            <p:ph type="title"/>
-          </p:nvPr>
-        </p:nvSpPr>
-        <p:spPr/>
-        <p:txBody>
-          <a:bodyPr/>
-          <a:lstStyle/>
-          <a:p>
-            <a:r>
-              <a:rPr kumimoji="1" lang="en-US" altLang="en-US" dirty="0" smtClean="0"/>
-              <a:t>变量与常量</a:t>
-            </a:r>
-            <a:endParaRPr kumimoji="1" lang="zh-CN" altLang="en-US" dirty="0"/>
-          </a:p>
-        </p:txBody>
-      </p:sp>
-      <p:sp>
-        <p:nvSpPr>
-          <p:cNvPr id="3" name="内容占位符 2"/>
-          <p:cNvSpPr>
-            <a:spLocks noGrp="1"/>
-          </p:cNvSpPr>
-          <p:nvPr>
-            <p:ph idx="1"/>
-          </p:nvPr>
-        </p:nvSpPr>
-        <p:spPr>
-          <a:xfrm>
-            <a:off x="457200" y="1600201"/>
-            <a:ext cx="8229600" cy="1476022"/>
-          </a:xfrm>
-        </p:spPr>
-        <p:txBody>
-          <a:bodyPr/>
-          <a:lstStyle/>
-          <a:p>
-            <a:r>
-              <a:rPr kumimoji="1" lang="zh-CN" altLang="en-US" dirty="0" smtClean="0"/>
-              <a:t>定义变量示例</a:t>
-            </a:r>
-            <a:r>
-              <a:rPr kumimoji="1" lang="en-US" altLang="zh-CN" dirty="0" smtClean="0"/>
-              <a:t> </a:t>
-            </a:r>
-            <a:r>
-              <a:rPr kumimoji="1" lang="en-US" altLang="zh-CN" dirty="0" err="1" smtClean="0"/>
-              <a:t>var</a:t>
-            </a:r>
-            <a:r>
-              <a:rPr kumimoji="1" lang="en-US" altLang="zh-CN" dirty="0" smtClean="0"/>
-              <a:t> a = 10</a:t>
-            </a:r>
-          </a:p>
-          <a:p>
-            <a:r>
-              <a:rPr kumimoji="1" lang="zh-CN" altLang="en-US" dirty="0" smtClean="0"/>
-              <a:t>定义常量示例</a:t>
-            </a:r>
-            <a:r>
-              <a:rPr kumimoji="1" lang="en-US" altLang="zh-CN" dirty="0" smtClean="0"/>
-              <a:t> </a:t>
-            </a:r>
-            <a:r>
-              <a:rPr kumimoji="1" lang="en-US" altLang="zh-CN" dirty="0" err="1" smtClean="0"/>
-              <a:t>var</a:t>
-            </a:r>
-            <a:r>
-              <a:rPr kumimoji="1" lang="en-US" altLang="zh-CN" dirty="0" smtClean="0"/>
-              <a:t> MATH_PI = 3.14</a:t>
-            </a:r>
-            <a:endParaRPr kumimoji="1" lang="zh-CN" altLang="en-US" dirty="0"/>
-          </a:p>
-        </p:txBody>
-      </p:sp>
-      <p:sp>
-        <p:nvSpPr>
-          <p:cNvPr id="4" name="文本框 3"/>
-          <p:cNvSpPr txBox="1"/>
-          <p:nvPr/>
-        </p:nvSpPr>
-        <p:spPr>
-          <a:xfrm>
-            <a:off x="804334" y="3104446"/>
-            <a:ext cx="7135111" cy="369332"/>
-          </a:xfrm>
-          <a:prstGeom prst="rect">
-            <a:avLst/>
-          </a:prstGeom>
-          <a:noFill/>
-        </p:spPr>
-        <p:txBody>
-          <a:bodyPr wrap="none" rtlCol="0">
-            <a:spAutoFit/>
-          </a:bodyPr>
-          <a:lstStyle/>
-          <a:p>
-            <a:r>
-              <a:rPr kumimoji="1" lang="zh-CN" altLang="en-US" dirty="0" smtClean="0"/>
-              <a:t>说明：</a:t>
-            </a:r>
-            <a:r>
-              <a:rPr kumimoji="1" lang="en-US" altLang="zh-CN" dirty="0" smtClean="0"/>
-              <a:t>JavaScript(ES5)</a:t>
-            </a:r>
-            <a:r>
-              <a:rPr kumimoji="1" lang="zh-CN" altLang="en-US" dirty="0" smtClean="0"/>
-              <a:t>原生不支持常量定义，这里的常量是指编码规范</a:t>
-            </a:r>
-            <a:endParaRPr kumimoji="1" lang="zh-CN" altLang="en-US" dirty="0"/>
-          </a:p>
-        </p:txBody>
-      </p:sp>
-      <p:sp>
-        <p:nvSpPr>
-          <p:cNvPr id="5" name="文本框 4"/>
-          <p:cNvSpPr txBox="1"/>
-          <p:nvPr/>
-        </p:nvSpPr>
-        <p:spPr>
-          <a:xfrm>
-            <a:off x="654756" y="4984002"/>
-            <a:ext cx="1685077" cy="646331"/>
-          </a:xfrm>
-          <a:prstGeom prst="rect">
-            <a:avLst/>
-          </a:prstGeom>
-          <a:noFill/>
-        </p:spPr>
-        <p:txBody>
-          <a:bodyPr wrap="none" rtlCol="0">
-            <a:spAutoFit/>
-          </a:bodyPr>
-          <a:lstStyle/>
-          <a:p>
-            <a:r>
-              <a:rPr kumimoji="1" lang="zh-CN" altLang="en-US" dirty="0" smtClean="0"/>
-              <a:t>相关名词：</a:t>
-            </a:r>
-            <a:endParaRPr kumimoji="1" lang="en-US" altLang="zh-CN" dirty="0" smtClean="0"/>
-          </a:p>
-          <a:p>
-            <a:r>
-              <a:rPr kumimoji="1" lang="en-US" altLang="zh-CN" dirty="0" smtClean="0"/>
-              <a:t>ES - </a:t>
-            </a:r>
-            <a:r>
-              <a:rPr kumimoji="1" lang="en-US" altLang="zh-CN" dirty="0" err="1" smtClean="0"/>
-              <a:t>ECMAScript</a:t>
-            </a:r>
-            <a:endParaRPr kumimoji="1" lang="zh-CN" altLang="en-US" dirty="0"/>
-          </a:p>
-        </p:txBody>
-      </p:sp>
-    </p:spTree>
-    <p:extLst>
-      <p:ext uri="{BB962C8B-B14F-4D97-AF65-F5344CB8AC3E}">
-        <p14:creationId xmlns:p14="http://schemas.microsoft.com/office/powerpoint/2010/main" val="2862649872"/>
       </p:ext>
     </p:extLst>
   </p:cSld>

--- a/Web前端教学记录.pptx
+++ b/Web前端教学记录.pptx
@@ -371,7 +371,7 @@
           <a:p>
             <a:fld id="{C635D755-6113-1D4F-8A58-71A4F06ADD9C}" type="datetimeFigureOut">
               <a:rPr kumimoji="1" lang="zh-CN" altLang="en-US" smtClean="0"/>
-              <a:t>6/15/16</a:t>
+              <a:t>6/17/16</a:t>
             </a:fld>
             <a:endParaRPr kumimoji="1" lang="zh-CN" altLang="en-US"/>
           </a:p>
@@ -541,7 +541,7 @@
           <a:p>
             <a:fld id="{C635D755-6113-1D4F-8A58-71A4F06ADD9C}" type="datetimeFigureOut">
               <a:rPr kumimoji="1" lang="zh-CN" altLang="en-US" smtClean="0"/>
-              <a:t>6/15/16</a:t>
+              <a:t>6/17/16</a:t>
             </a:fld>
             <a:endParaRPr kumimoji="1" lang="zh-CN" altLang="en-US"/>
           </a:p>
@@ -721,7 +721,7 @@
           <a:p>
             <a:fld id="{C635D755-6113-1D4F-8A58-71A4F06ADD9C}" type="datetimeFigureOut">
               <a:rPr kumimoji="1" lang="zh-CN" altLang="en-US" smtClean="0"/>
-              <a:t>6/15/16</a:t>
+              <a:t>6/17/16</a:t>
             </a:fld>
             <a:endParaRPr kumimoji="1" lang="zh-CN" altLang="en-US"/>
           </a:p>
@@ -891,7 +891,7 @@
           <a:p>
             <a:fld id="{C635D755-6113-1D4F-8A58-71A4F06ADD9C}" type="datetimeFigureOut">
               <a:rPr kumimoji="1" lang="zh-CN" altLang="en-US" smtClean="0"/>
-              <a:t>6/15/16</a:t>
+              <a:t>6/17/16</a:t>
             </a:fld>
             <a:endParaRPr kumimoji="1" lang="zh-CN" altLang="en-US"/>
           </a:p>
@@ -1137,7 +1137,7 @@
           <a:p>
             <a:fld id="{C635D755-6113-1D4F-8A58-71A4F06ADD9C}" type="datetimeFigureOut">
               <a:rPr kumimoji="1" lang="zh-CN" altLang="en-US" smtClean="0"/>
-              <a:t>6/15/16</a:t>
+              <a:t>6/17/16</a:t>
             </a:fld>
             <a:endParaRPr kumimoji="1" lang="zh-CN" altLang="en-US"/>
           </a:p>
@@ -1425,7 +1425,7 @@
           <a:p>
             <a:fld id="{C635D755-6113-1D4F-8A58-71A4F06ADD9C}" type="datetimeFigureOut">
               <a:rPr kumimoji="1" lang="zh-CN" altLang="en-US" smtClean="0"/>
-              <a:t>6/15/16</a:t>
+              <a:t>6/17/16</a:t>
             </a:fld>
             <a:endParaRPr kumimoji="1" lang="zh-CN" altLang="en-US"/>
           </a:p>
@@ -1847,7 +1847,7 @@
           <a:p>
             <a:fld id="{C635D755-6113-1D4F-8A58-71A4F06ADD9C}" type="datetimeFigureOut">
               <a:rPr kumimoji="1" lang="zh-CN" altLang="en-US" smtClean="0"/>
-              <a:t>6/15/16</a:t>
+              <a:t>6/17/16</a:t>
             </a:fld>
             <a:endParaRPr kumimoji="1" lang="zh-CN" altLang="en-US"/>
           </a:p>
@@ -1965,7 +1965,7 @@
           <a:p>
             <a:fld id="{C635D755-6113-1D4F-8A58-71A4F06ADD9C}" type="datetimeFigureOut">
               <a:rPr kumimoji="1" lang="zh-CN" altLang="en-US" smtClean="0"/>
-              <a:t>6/15/16</a:t>
+              <a:t>6/17/16</a:t>
             </a:fld>
             <a:endParaRPr kumimoji="1" lang="zh-CN" altLang="en-US"/>
           </a:p>
@@ -2060,7 +2060,7 @@
           <a:p>
             <a:fld id="{C635D755-6113-1D4F-8A58-71A4F06ADD9C}" type="datetimeFigureOut">
               <a:rPr kumimoji="1" lang="zh-CN" altLang="en-US" smtClean="0"/>
-              <a:t>6/15/16</a:t>
+              <a:t>6/17/16</a:t>
             </a:fld>
             <a:endParaRPr kumimoji="1" lang="zh-CN" altLang="en-US"/>
           </a:p>
@@ -2337,7 +2337,7 @@
           <a:p>
             <a:fld id="{C635D755-6113-1D4F-8A58-71A4F06ADD9C}" type="datetimeFigureOut">
               <a:rPr kumimoji="1" lang="zh-CN" altLang="en-US" smtClean="0"/>
-              <a:t>6/15/16</a:t>
+              <a:t>6/17/16</a:t>
             </a:fld>
             <a:endParaRPr kumimoji="1" lang="zh-CN" altLang="en-US"/>
           </a:p>
@@ -2590,7 +2590,7 @@
           <a:p>
             <a:fld id="{C635D755-6113-1D4F-8A58-71A4F06ADD9C}" type="datetimeFigureOut">
               <a:rPr kumimoji="1" lang="zh-CN" altLang="en-US" smtClean="0"/>
-              <a:t>6/15/16</a:t>
+              <a:t>6/17/16</a:t>
             </a:fld>
             <a:endParaRPr kumimoji="1" lang="zh-CN" altLang="en-US"/>
           </a:p>
@@ -2803,7 +2803,7 @@
           <a:p>
             <a:fld id="{C635D755-6113-1D4F-8A58-71A4F06ADD9C}" type="datetimeFigureOut">
               <a:rPr kumimoji="1" lang="zh-CN" altLang="en-US" smtClean="0"/>
-              <a:t>6/15/16</a:t>
+              <a:t>6/17/16</a:t>
             </a:fld>
             <a:endParaRPr kumimoji="1" lang="zh-CN" altLang="en-US"/>
           </a:p>
@@ -5201,6 +5201,13 @@
               <a:rPr kumimoji="1" lang="zh-CN" altLang="en-US" dirty="0" smtClean="0"/>
               <a:t>删除对象成员</a:t>
             </a:r>
+            <a:endParaRPr kumimoji="1" lang="en-US" altLang="zh-CN" dirty="0" smtClean="0"/>
+          </a:p>
+          <a:p>
+            <a:r>
+              <a:rPr kumimoji="1" lang="zh-CN" altLang="en-US" dirty="0" smtClean="0"/>
+              <a:t>遍历对象</a:t>
+            </a:r>
             <a:endParaRPr kumimoji="1" lang="zh-CN" altLang="en-US" dirty="0"/>
           </a:p>
         </p:txBody>
@@ -6210,6 +6217,53 @@
             <a:r>
               <a:rPr kumimoji="1" lang="zh-CN" altLang="en-US" dirty="0" smtClean="0"/>
               <a:t>继承</a:t>
+            </a:r>
+            <a:endParaRPr kumimoji="1" lang="en-US" altLang="zh-CN" dirty="0" smtClean="0"/>
+          </a:p>
+          <a:p>
+            <a:r>
+              <a:rPr kumimoji="1" lang="zh-CN" altLang="en-US" dirty="0" smtClean="0"/>
+              <a:t>方法重写</a:t>
+            </a:r>
+            <a:endParaRPr kumimoji="1" lang="en-US" altLang="zh-CN" dirty="0" smtClean="0"/>
+          </a:p>
+          <a:p>
+            <a:r>
+              <a:rPr kumimoji="1" lang="zh-CN" altLang="en-US" dirty="0" smtClean="0"/>
+              <a:t>方法重载</a:t>
+            </a:r>
+            <a:endParaRPr kumimoji="1" lang="en-US" altLang="zh-CN" dirty="0" smtClean="0"/>
+          </a:p>
+          <a:p>
+            <a:r>
+              <a:rPr kumimoji="1" lang="zh-CN" altLang="en-US" dirty="0" smtClean="0"/>
+              <a:t>静态成员</a:t>
+            </a:r>
+            <a:endParaRPr kumimoji="1" lang="en-US" altLang="zh-CN" dirty="0" smtClean="0"/>
+          </a:p>
+          <a:p>
+            <a:r>
+              <a:rPr kumimoji="1" lang="zh-CN" altLang="en-US" dirty="0" smtClean="0"/>
+              <a:t>多重继承</a:t>
+            </a:r>
+            <a:endParaRPr kumimoji="1" lang="en-US" altLang="zh-CN" dirty="0" smtClean="0"/>
+          </a:p>
+          <a:p>
+            <a:r>
+              <a:rPr kumimoji="1" lang="en-US" altLang="zh-CN" dirty="0"/>
+              <a:t>s</a:t>
+            </a:r>
+            <a:r>
+              <a:rPr kumimoji="1" lang="en-US" altLang="zh-CN" dirty="0" smtClean="0"/>
+              <a:t>et/get</a:t>
+            </a:r>
+            <a:r>
+              <a:rPr kumimoji="1" lang="zh-CN" altLang="en-US" dirty="0" smtClean="0"/>
+              <a:t>方法</a:t>
+            </a:r>
+            <a:r>
+              <a:rPr kumimoji="1" lang="en-US" altLang="zh-CN" dirty="0" smtClean="0"/>
+              <a:t>(ES5)</a:t>
             </a:r>
             <a:endParaRPr kumimoji="1" lang="en-US" altLang="zh-CN" dirty="0" smtClean="0"/>
           </a:p>

--- a/Web前端教学记录.pptx
+++ b/Web前端教学记录.pptx
@@ -6264,6 +6264,12 @@
             <a:r>
               <a:rPr kumimoji="1" lang="en-US" altLang="zh-CN" dirty="0" smtClean="0"/>
               <a:t>(ES5)</a:t>
+            </a:r>
+          </a:p>
+          <a:p>
+            <a:r>
+              <a:rPr kumimoji="1" lang="zh-CN" altLang="en-US" dirty="0" smtClean="0"/>
+              <a:t>命名空间</a:t>
             </a:r>
             <a:endParaRPr kumimoji="1" lang="en-US" altLang="zh-CN" dirty="0" smtClean="0"/>
           </a:p>

--- a/Web前端教学记录.pptx
+++ b/Web前端教学记录.pptx
@@ -6211,7 +6211,9 @@
         </p:nvSpPr>
         <p:spPr/>
         <p:txBody>
-          <a:bodyPr/>
+          <a:bodyPr>
+            <a:normAutofit lnSpcReduction="10000"/>
+          </a:bodyPr>
           <a:lstStyle/>
           <a:p>
             <a:r>
@@ -6270,6 +6272,13 @@
             <a:r>
               <a:rPr kumimoji="1" lang="zh-CN" altLang="en-US" dirty="0" smtClean="0"/>
               <a:t>命名空间</a:t>
+            </a:r>
+            <a:endParaRPr kumimoji="1" lang="en-US" altLang="zh-CN" dirty="0" smtClean="0"/>
+          </a:p>
+          <a:p>
+            <a:r>
+              <a:rPr kumimoji="1" lang="zh-CN" altLang="en-US" dirty="0" smtClean="0"/>
+              <a:t>原型扩展</a:t>
             </a:r>
             <a:endParaRPr kumimoji="1" lang="en-US" altLang="zh-CN" dirty="0" smtClean="0"/>
           </a:p>

--- a/Web前端教学记录.pptx
+++ b/Web前端教学记录.pptx
@@ -371,7 +371,7 @@
           <a:p>
             <a:fld id="{C635D755-6113-1D4F-8A58-71A4F06ADD9C}" type="datetimeFigureOut">
               <a:rPr kumimoji="1" lang="zh-CN" altLang="en-US" smtClean="0"/>
-              <a:t>6/17/16</a:t>
+              <a:t>6/18/16</a:t>
             </a:fld>
             <a:endParaRPr kumimoji="1" lang="zh-CN" altLang="en-US"/>
           </a:p>
@@ -541,7 +541,7 @@
           <a:p>
             <a:fld id="{C635D755-6113-1D4F-8A58-71A4F06ADD9C}" type="datetimeFigureOut">
               <a:rPr kumimoji="1" lang="zh-CN" altLang="en-US" smtClean="0"/>
-              <a:t>6/17/16</a:t>
+              <a:t>6/18/16</a:t>
             </a:fld>
             <a:endParaRPr kumimoji="1" lang="zh-CN" altLang="en-US"/>
           </a:p>
@@ -721,7 +721,7 @@
           <a:p>
             <a:fld id="{C635D755-6113-1D4F-8A58-71A4F06ADD9C}" type="datetimeFigureOut">
               <a:rPr kumimoji="1" lang="zh-CN" altLang="en-US" smtClean="0"/>
-              <a:t>6/17/16</a:t>
+              <a:t>6/18/16</a:t>
             </a:fld>
             <a:endParaRPr kumimoji="1" lang="zh-CN" altLang="en-US"/>
           </a:p>
@@ -891,7 +891,7 @@
           <a:p>
             <a:fld id="{C635D755-6113-1D4F-8A58-71A4F06ADD9C}" type="datetimeFigureOut">
               <a:rPr kumimoji="1" lang="zh-CN" altLang="en-US" smtClean="0"/>
-              <a:t>6/17/16</a:t>
+              <a:t>6/18/16</a:t>
             </a:fld>
             <a:endParaRPr kumimoji="1" lang="zh-CN" altLang="en-US"/>
           </a:p>
@@ -1137,7 +1137,7 @@
           <a:p>
             <a:fld id="{C635D755-6113-1D4F-8A58-71A4F06ADD9C}" type="datetimeFigureOut">
               <a:rPr kumimoji="1" lang="zh-CN" altLang="en-US" smtClean="0"/>
-              <a:t>6/17/16</a:t>
+              <a:t>6/18/16</a:t>
             </a:fld>
             <a:endParaRPr kumimoji="1" lang="zh-CN" altLang="en-US"/>
           </a:p>
@@ -1425,7 +1425,7 @@
           <a:p>
             <a:fld id="{C635D755-6113-1D4F-8A58-71A4F06ADD9C}" type="datetimeFigureOut">
               <a:rPr kumimoji="1" lang="zh-CN" altLang="en-US" smtClean="0"/>
-              <a:t>6/17/16</a:t>
+              <a:t>6/18/16</a:t>
             </a:fld>
             <a:endParaRPr kumimoji="1" lang="zh-CN" altLang="en-US"/>
           </a:p>
@@ -1847,7 +1847,7 @@
           <a:p>
             <a:fld id="{C635D755-6113-1D4F-8A58-71A4F06ADD9C}" type="datetimeFigureOut">
               <a:rPr kumimoji="1" lang="zh-CN" altLang="en-US" smtClean="0"/>
-              <a:t>6/17/16</a:t>
+              <a:t>6/18/16</a:t>
             </a:fld>
             <a:endParaRPr kumimoji="1" lang="zh-CN" altLang="en-US"/>
           </a:p>
@@ -1965,7 +1965,7 @@
           <a:p>
             <a:fld id="{C635D755-6113-1D4F-8A58-71A4F06ADD9C}" type="datetimeFigureOut">
               <a:rPr kumimoji="1" lang="zh-CN" altLang="en-US" smtClean="0"/>
-              <a:t>6/17/16</a:t>
+              <a:t>6/18/16</a:t>
             </a:fld>
             <a:endParaRPr kumimoji="1" lang="zh-CN" altLang="en-US"/>
           </a:p>
@@ -2060,7 +2060,7 @@
           <a:p>
             <a:fld id="{C635D755-6113-1D4F-8A58-71A4F06ADD9C}" type="datetimeFigureOut">
               <a:rPr kumimoji="1" lang="zh-CN" altLang="en-US" smtClean="0"/>
-              <a:t>6/17/16</a:t>
+              <a:t>6/18/16</a:t>
             </a:fld>
             <a:endParaRPr kumimoji="1" lang="zh-CN" altLang="en-US"/>
           </a:p>
@@ -2337,7 +2337,7 @@
           <a:p>
             <a:fld id="{C635D755-6113-1D4F-8A58-71A4F06ADD9C}" type="datetimeFigureOut">
               <a:rPr kumimoji="1" lang="zh-CN" altLang="en-US" smtClean="0"/>
-              <a:t>6/17/16</a:t>
+              <a:t>6/18/16</a:t>
             </a:fld>
             <a:endParaRPr kumimoji="1" lang="zh-CN" altLang="en-US"/>
           </a:p>
@@ -2590,7 +2590,7 @@
           <a:p>
             <a:fld id="{C635D755-6113-1D4F-8A58-71A4F06ADD9C}" type="datetimeFigureOut">
               <a:rPr kumimoji="1" lang="zh-CN" altLang="en-US" smtClean="0"/>
-              <a:t>6/17/16</a:t>
+              <a:t>6/18/16</a:t>
             </a:fld>
             <a:endParaRPr kumimoji="1" lang="zh-CN" altLang="en-US"/>
           </a:p>
@@ -2803,7 +2803,7 @@
           <a:p>
             <a:fld id="{C635D755-6113-1D4F-8A58-71A4F06ADD9C}" type="datetimeFigureOut">
               <a:rPr kumimoji="1" lang="zh-CN" altLang="en-US" smtClean="0"/>
-              <a:t>6/17/16</a:t>
+              <a:t>6/18/16</a:t>
             </a:fld>
             <a:endParaRPr kumimoji="1" lang="zh-CN" altLang="en-US"/>
           </a:p>
@@ -6212,7 +6212,7 @@
         <p:spPr/>
         <p:txBody>
           <a:bodyPr>
-            <a:normAutofit lnSpcReduction="10000"/>
+            <a:normAutofit fontScale="77500" lnSpcReduction="20000"/>
           </a:bodyPr>
           <a:lstStyle/>
           <a:p>
@@ -6279,6 +6279,38 @@
             <a:r>
               <a:rPr kumimoji="1" lang="zh-CN" altLang="en-US" dirty="0" smtClean="0"/>
               <a:t>原型扩展</a:t>
+            </a:r>
+            <a:endParaRPr kumimoji="1" lang="en-US" altLang="zh-CN" dirty="0" smtClean="0"/>
+          </a:p>
+          <a:p>
+            <a:r>
+              <a:rPr lang="en-US" altLang="zh-CN" b="1" dirty="0" err="1"/>
+              <a:t>i</a:t>
+            </a:r>
+            <a:r>
+              <a:rPr lang="en-US" altLang="zh-CN" b="1" dirty="0" err="1" smtClean="0"/>
+              <a:t>nstanceof</a:t>
+            </a:r>
+            <a:r>
+              <a:rPr lang="en-US" altLang="zh-CN" b="1" dirty="0" smtClean="0"/>
+              <a:t> </a:t>
+            </a:r>
+            <a:r>
+              <a:rPr lang="zh-CN" altLang="en-US" b="1" dirty="0" smtClean="0"/>
+              <a:t>判断对象是否为类的实例</a:t>
+            </a:r>
+            <a:endParaRPr lang="en-US" altLang="zh-CN" b="1" dirty="0" smtClean="0"/>
+          </a:p>
+          <a:p>
+            <a:r>
+              <a:rPr lang="en-US" altLang="zh-CN" dirty="0" smtClean="0"/>
+              <a:t>__proto__</a:t>
+            </a:r>
+          </a:p>
+          <a:p>
+            <a:r>
+              <a:rPr kumimoji="1" lang="en-US" altLang="zh-CN" dirty="0" smtClean="0"/>
+              <a:t>prototype</a:t>
             </a:r>
             <a:endParaRPr kumimoji="1" lang="en-US" altLang="zh-CN" dirty="0" smtClean="0"/>
           </a:p>

--- a/Web前端教学记录.pptx
+++ b/Web前端教学记录.pptx
@@ -36,6 +36,7 @@
     <p:sldId id="279" r:id="rId30"/>
     <p:sldId id="285" r:id="rId31"/>
     <p:sldId id="286" r:id="rId32"/>
+    <p:sldId id="287" r:id="rId33"/>
   </p:sldIdLst>
   <p:sldSz cx="9144000" cy="6858000" type="screen4x3"/>
   <p:notesSz cx="6858000" cy="9144000"/>
@@ -182,6 +183,7 @@
             <p14:sldId id="279"/>
             <p14:sldId id="285"/>
             <p14:sldId id="286"/>
+            <p14:sldId id="287"/>
           </p14:sldIdLst>
         </p14:section>
       </p14:sectionLst>
@@ -6212,7 +6214,7 @@
         <p:spPr/>
         <p:txBody>
           <a:bodyPr>
-            <a:normAutofit fontScale="77500" lnSpcReduction="20000"/>
+            <a:normAutofit fontScale="70000" lnSpcReduction="20000"/>
           </a:bodyPr>
           <a:lstStyle/>
           <a:p>
@@ -6309,12 +6311,30 @@
           </a:p>
           <a:p>
             <a:r>
-              <a:rPr kumimoji="1" lang="en-US" altLang="zh-CN" dirty="0" smtClean="0"/>
-              <a:t>prototype</a:t>
+              <a:rPr kumimoji="1" lang="en-US" altLang="zh-CN" dirty="0"/>
+              <a:t>p</a:t>
+            </a:r>
+            <a:r>
+              <a:rPr kumimoji="1" lang="en-US" altLang="zh-CN" dirty="0" smtClean="0"/>
+              <a:t>rototype</a:t>
+            </a:r>
+          </a:p>
+          <a:p>
+            <a:r>
+              <a:rPr kumimoji="1" lang="en-US" altLang="zh-CN" dirty="0"/>
+              <a:t>n</a:t>
+            </a:r>
+            <a:r>
+              <a:rPr kumimoji="1" lang="en-US" altLang="zh-CN" dirty="0" smtClean="0"/>
+              <a:t>ew </a:t>
             </a:r>
             <a:endParaRPr kumimoji="1" lang="en-US" altLang="zh-CN" dirty="0" smtClean="0"/>
           </a:p>
           <a:p>
+            <a:r>
+              <a:rPr kumimoji="1" lang="en-US" altLang="zh-CN" dirty="0" smtClean="0"/>
+              <a:t>this</a:t>
+            </a:r>
             <a:endParaRPr kumimoji="1" lang="zh-CN" altLang="en-US" dirty="0"/>
           </a:p>
         </p:txBody>
@@ -6323,6 +6343,113 @@
     <p:extLst>
       <p:ext uri="{BB962C8B-B14F-4D97-AF65-F5344CB8AC3E}">
         <p14:creationId xmlns:p14="http://schemas.microsoft.com/office/powerpoint/2010/main" val="2767005544"/>
+      </p:ext>
+    </p:extLst>
+  </p:cSld>
+  <p:clrMapOvr>
+    <a:masterClrMapping/>
+  </p:clrMapOvr>
+</p:sld>
+</file>
+
+<file path=ppt/slides/slide32.xml><?xml version="1.0" encoding="utf-8"?>
+<p:sld xmlns:a="http://schemas.openxmlformats.org/drawingml/2006/main" xmlns:r="http://schemas.openxmlformats.org/officeDocument/2006/relationships" xmlns:p="http://schemas.openxmlformats.org/presentationml/2006/main">
+  <p:cSld>
+    <p:spTree>
+      <p:nvGrpSpPr>
+        <p:cNvPr id="1" name=""/>
+        <p:cNvGrpSpPr/>
+        <p:nvPr/>
+      </p:nvGrpSpPr>
+      <p:grpSpPr>
+        <a:xfrm>
+          <a:off x="0" y="0"/>
+          <a:ext cx="0" cy="0"/>
+          <a:chOff x="0" y="0"/>
+          <a:chExt cx="0" cy="0"/>
+        </a:xfrm>
+      </p:grpSpPr>
+      <p:sp>
+        <p:nvSpPr>
+          <p:cNvPr id="2" name="标题 1"/>
+          <p:cNvSpPr>
+            <a:spLocks noGrp="1"/>
+          </p:cNvSpPr>
+          <p:nvPr>
+            <p:ph type="title"/>
+          </p:nvPr>
+        </p:nvSpPr>
+        <p:spPr/>
+        <p:txBody>
+          <a:bodyPr/>
+          <a:lstStyle/>
+          <a:p>
+            <a:r>
+              <a:rPr kumimoji="1" lang="en-US" altLang="zh-CN" dirty="0"/>
+              <a:t>t</a:t>
+            </a:r>
+            <a:r>
+              <a:rPr kumimoji="1" lang="en-US" altLang="zh-CN" dirty="0" smtClean="0"/>
+              <a:t>his </a:t>
+            </a:r>
+            <a:r>
+              <a:rPr kumimoji="1" lang="zh-CN" altLang="en-US" dirty="0" smtClean="0"/>
+              <a:t>关键字</a:t>
+            </a:r>
+            <a:endParaRPr kumimoji="1" lang="zh-CN" altLang="en-US" dirty="0"/>
+          </a:p>
+        </p:txBody>
+      </p:sp>
+      <p:sp>
+        <p:nvSpPr>
+          <p:cNvPr id="3" name="内容占位符 2"/>
+          <p:cNvSpPr>
+            <a:spLocks noGrp="1"/>
+          </p:cNvSpPr>
+          <p:nvPr>
+            <p:ph idx="1"/>
+          </p:nvPr>
+        </p:nvSpPr>
+        <p:spPr/>
+        <p:txBody>
+          <a:bodyPr/>
+          <a:lstStyle/>
+          <a:p>
+            <a:r>
+              <a:rPr kumimoji="1" lang="en-US" altLang="zh-CN" dirty="0"/>
+              <a:t>t</a:t>
+            </a:r>
+            <a:r>
+              <a:rPr kumimoji="1" lang="en-US" altLang="zh-CN" dirty="0" smtClean="0"/>
+              <a:t>his </a:t>
+            </a:r>
+            <a:r>
+              <a:rPr kumimoji="1" lang="zh-CN" altLang="en-US" dirty="0" smtClean="0"/>
+              <a:t>指向的对象</a:t>
+            </a:r>
+            <a:endParaRPr kumimoji="1" lang="en-US" altLang="zh-CN" dirty="0" smtClean="0"/>
+          </a:p>
+          <a:p>
+            <a:r>
+              <a:rPr kumimoji="1" lang="en-US" altLang="zh-CN" dirty="0" err="1" smtClean="0"/>
+              <a:t>Function.bind</a:t>
+            </a:r>
+            <a:r>
+              <a:rPr kumimoji="1" lang="en-US" altLang="zh-CN" dirty="0" smtClean="0"/>
+              <a:t> </a:t>
+            </a:r>
+            <a:r>
+              <a:rPr kumimoji="1" lang="zh-CN" altLang="en-US" dirty="0" smtClean="0"/>
+              <a:t>函数的用法</a:t>
+            </a:r>
+            <a:endParaRPr kumimoji="1" lang="zh-CN" altLang="en-US" dirty="0"/>
+          </a:p>
+        </p:txBody>
+      </p:sp>
+    </p:spTree>
+    <p:extLst>
+      <p:ext uri="{BB962C8B-B14F-4D97-AF65-F5344CB8AC3E}">
+        <p14:creationId xmlns:p14="http://schemas.microsoft.com/office/powerpoint/2010/main" val="3363011615"/>
       </p:ext>
     </p:extLst>
   </p:cSld>

--- a/Web前端教学记录.pptx
+++ b/Web前端教学记录.pptx
@@ -37,6 +37,7 @@
     <p:sldId id="285" r:id="rId31"/>
     <p:sldId id="286" r:id="rId32"/>
     <p:sldId id="287" r:id="rId33"/>
+    <p:sldId id="288" r:id="rId34"/>
   </p:sldIdLst>
   <p:sldSz cx="9144000" cy="6858000" type="screen4x3"/>
   <p:notesSz cx="6858000" cy="9144000"/>
@@ -184,6 +185,7 @@
             <p14:sldId id="285"/>
             <p14:sldId id="286"/>
             <p14:sldId id="287"/>
+            <p14:sldId id="288"/>
           </p14:sldIdLst>
         </p14:section>
       </p14:sectionLst>
@@ -6328,7 +6330,6 @@
               <a:rPr kumimoji="1" lang="en-US" altLang="zh-CN" dirty="0" smtClean="0"/>
               <a:t>ew </a:t>
             </a:r>
-            <a:endParaRPr kumimoji="1" lang="en-US" altLang="zh-CN" dirty="0" smtClean="0"/>
           </a:p>
           <a:p>
             <a:r>
@@ -6450,6 +6451,119 @@
     <p:extLst>
       <p:ext uri="{BB962C8B-B14F-4D97-AF65-F5344CB8AC3E}">
         <p14:creationId xmlns:p14="http://schemas.microsoft.com/office/powerpoint/2010/main" val="3363011615"/>
+      </p:ext>
+    </p:extLst>
+  </p:cSld>
+  <p:clrMapOvr>
+    <a:masterClrMapping/>
+  </p:clrMapOvr>
+</p:sld>
+</file>
+
+<file path=ppt/slides/slide33.xml><?xml version="1.0" encoding="utf-8"?>
+<p:sld xmlns:a="http://schemas.openxmlformats.org/drawingml/2006/main" xmlns:r="http://schemas.openxmlformats.org/officeDocument/2006/relationships" xmlns:p="http://schemas.openxmlformats.org/presentationml/2006/main">
+  <p:cSld>
+    <p:spTree>
+      <p:nvGrpSpPr>
+        <p:cNvPr id="1" name=""/>
+        <p:cNvGrpSpPr/>
+        <p:nvPr/>
+      </p:nvGrpSpPr>
+      <p:grpSpPr>
+        <a:xfrm>
+          <a:off x="0" y="0"/>
+          <a:ext cx="0" cy="0"/>
+          <a:chOff x="0" y="0"/>
+          <a:chExt cx="0" cy="0"/>
+        </a:xfrm>
+      </p:grpSpPr>
+      <p:sp>
+        <p:nvSpPr>
+          <p:cNvPr id="2" name="标题 1"/>
+          <p:cNvSpPr>
+            <a:spLocks noGrp="1"/>
+          </p:cNvSpPr>
+          <p:nvPr>
+            <p:ph type="title"/>
+          </p:nvPr>
+        </p:nvSpPr>
+        <p:spPr/>
+        <p:txBody>
+          <a:bodyPr/>
+          <a:lstStyle/>
+          <a:p>
+            <a:r>
+              <a:rPr kumimoji="1" lang="zh-CN" altLang="en-US" dirty="0" smtClean="0"/>
+              <a:t>事件</a:t>
+            </a:r>
+            <a:endParaRPr kumimoji="1" lang="zh-CN" altLang="en-US" dirty="0"/>
+          </a:p>
+        </p:txBody>
+      </p:sp>
+      <p:sp>
+        <p:nvSpPr>
+          <p:cNvPr id="3" name="内容占位符 2"/>
+          <p:cNvSpPr>
+            <a:spLocks noGrp="1"/>
+          </p:cNvSpPr>
+          <p:nvPr>
+            <p:ph idx="1"/>
+          </p:nvPr>
+        </p:nvSpPr>
+        <p:spPr/>
+        <p:txBody>
+          <a:bodyPr/>
+          <a:lstStyle/>
+          <a:p>
+            <a:r>
+              <a:rPr kumimoji="1" lang="zh-CN" altLang="en-US" dirty="0" smtClean="0"/>
+              <a:t>在</a:t>
+            </a:r>
+            <a:r>
+              <a:rPr kumimoji="1" lang="en-US" altLang="zh-CN" dirty="0" smtClean="0"/>
+              <a:t>HTML</a:t>
+            </a:r>
+            <a:r>
+              <a:rPr kumimoji="1" lang="zh-CN" altLang="en-US" dirty="0" smtClean="0"/>
+              <a:t>代码中添加事件侦听器</a:t>
+            </a:r>
+            <a:endParaRPr kumimoji="1" lang="en-US" altLang="zh-CN" dirty="0" smtClean="0"/>
+          </a:p>
+          <a:p>
+            <a:r>
+              <a:rPr kumimoji="1" lang="zh-CN" altLang="en-US" dirty="0" smtClean="0"/>
+              <a:t>在</a:t>
+            </a:r>
+            <a:r>
+              <a:rPr kumimoji="1" lang="en-US" altLang="zh-CN" dirty="0" err="1" smtClean="0"/>
+              <a:t>js</a:t>
+            </a:r>
+            <a:r>
+              <a:rPr kumimoji="1" lang="zh-CN" altLang="en-US" dirty="0" smtClean="0"/>
+              <a:t>中添加事件侦听器</a:t>
+            </a:r>
+            <a:endParaRPr kumimoji="1" lang="en-US" altLang="zh-CN" dirty="0" smtClean="0"/>
+          </a:p>
+          <a:p>
+            <a:r>
+              <a:rPr kumimoji="1" lang="en-US" altLang="en-US" dirty="0" err="1" smtClean="0"/>
+              <a:t>使用addEventListener添加侦听器</a:t>
+            </a:r>
+            <a:endParaRPr kumimoji="1" lang="en-US" altLang="en-US" dirty="0" smtClean="0"/>
+          </a:p>
+          <a:p>
+            <a:r>
+              <a:rPr kumimoji="1" lang="en-US" altLang="en-US" dirty="0" smtClean="0"/>
+              <a:t>移除事件侦听器</a:t>
+            </a:r>
+            <a:endParaRPr kumimoji="1" lang="zh-CN" altLang="en-US" dirty="0"/>
+          </a:p>
+        </p:txBody>
+      </p:sp>
+    </p:spTree>
+    <p:extLst>
+      <p:ext uri="{BB962C8B-B14F-4D97-AF65-F5344CB8AC3E}">
+        <p14:creationId xmlns:p14="http://schemas.microsoft.com/office/powerpoint/2010/main" val="1582345249"/>
       </p:ext>
     </p:extLst>
   </p:cSld>

--- a/Web前端教学记录.pptx
+++ b/Web前端教学记录.pptx
@@ -6554,7 +6554,27 @@
           <a:p>
             <a:r>
               <a:rPr kumimoji="1" lang="en-US" altLang="en-US" dirty="0" smtClean="0"/>
-              <a:t>移除事件侦听器</a:t>
+              <a:t>移除事件</a:t>
+            </a:r>
+            <a:r>
+              <a:rPr kumimoji="1" lang="en-US" altLang="en-US" dirty="0" smtClean="0"/>
+              <a:t>侦听器</a:t>
+            </a:r>
+          </a:p>
+          <a:p>
+            <a:r>
+              <a:rPr kumimoji="1" lang="en-US" altLang="en-US" dirty="0" smtClean="0"/>
+              <a:t>事件冒泡</a:t>
+            </a:r>
+          </a:p>
+          <a:p>
+            <a:r>
+              <a:rPr kumimoji="1" lang="en-US" altLang="en-US" dirty="0" smtClean="0"/>
+              <a:t>取消</a:t>
+            </a:r>
+            <a:r>
+              <a:rPr kumimoji="1" lang="zh-CN" altLang="en-US" dirty="0" smtClean="0"/>
+              <a:t>事件默认行为</a:t>
             </a:r>
             <a:endParaRPr kumimoji="1" lang="zh-CN" altLang="en-US" dirty="0"/>
           </a:p>

--- a/Web前端教学记录.pptx
+++ b/Web前端教学记录.pptx
@@ -38,6 +38,7 @@
     <p:sldId id="286" r:id="rId32"/>
     <p:sldId id="287" r:id="rId33"/>
     <p:sldId id="288" r:id="rId34"/>
+    <p:sldId id="289" r:id="rId35"/>
   </p:sldIdLst>
   <p:sldSz cx="9144000" cy="6858000" type="screen4x3"/>
   <p:notesSz cx="6858000" cy="9144000"/>
@@ -188,6 +189,11 @@
             <p14:sldId id="288"/>
           </p14:sldIdLst>
         </p14:section>
+        <p14:section name="Web API" id="{16931332-4F48-DB4E-8217-C756E49C3507}">
+          <p14:sldIdLst>
+            <p14:sldId id="289"/>
+          </p14:sldIdLst>
+        </p14:section>
       </p14:sectionLst>
     </p:ext>
   </p:extLst>
@@ -375,7 +381,7 @@
           <a:p>
             <a:fld id="{C635D755-6113-1D4F-8A58-71A4F06ADD9C}" type="datetimeFigureOut">
               <a:rPr kumimoji="1" lang="zh-CN" altLang="en-US" smtClean="0"/>
-              <a:t>6/18/16</a:t>
+              <a:t>6/19/16</a:t>
             </a:fld>
             <a:endParaRPr kumimoji="1" lang="zh-CN" altLang="en-US"/>
           </a:p>
@@ -545,7 +551,7 @@
           <a:p>
             <a:fld id="{C635D755-6113-1D4F-8A58-71A4F06ADD9C}" type="datetimeFigureOut">
               <a:rPr kumimoji="1" lang="zh-CN" altLang="en-US" smtClean="0"/>
-              <a:t>6/18/16</a:t>
+              <a:t>6/19/16</a:t>
             </a:fld>
             <a:endParaRPr kumimoji="1" lang="zh-CN" altLang="en-US"/>
           </a:p>
@@ -725,7 +731,7 @@
           <a:p>
             <a:fld id="{C635D755-6113-1D4F-8A58-71A4F06ADD9C}" type="datetimeFigureOut">
               <a:rPr kumimoji="1" lang="zh-CN" altLang="en-US" smtClean="0"/>
-              <a:t>6/18/16</a:t>
+              <a:t>6/19/16</a:t>
             </a:fld>
             <a:endParaRPr kumimoji="1" lang="zh-CN" altLang="en-US"/>
           </a:p>
@@ -895,7 +901,7 @@
           <a:p>
             <a:fld id="{C635D755-6113-1D4F-8A58-71A4F06ADD9C}" type="datetimeFigureOut">
               <a:rPr kumimoji="1" lang="zh-CN" altLang="en-US" smtClean="0"/>
-              <a:t>6/18/16</a:t>
+              <a:t>6/19/16</a:t>
             </a:fld>
             <a:endParaRPr kumimoji="1" lang="zh-CN" altLang="en-US"/>
           </a:p>
@@ -1141,7 +1147,7 @@
           <a:p>
             <a:fld id="{C635D755-6113-1D4F-8A58-71A4F06ADD9C}" type="datetimeFigureOut">
               <a:rPr kumimoji="1" lang="zh-CN" altLang="en-US" smtClean="0"/>
-              <a:t>6/18/16</a:t>
+              <a:t>6/19/16</a:t>
             </a:fld>
             <a:endParaRPr kumimoji="1" lang="zh-CN" altLang="en-US"/>
           </a:p>
@@ -1429,7 +1435,7 @@
           <a:p>
             <a:fld id="{C635D755-6113-1D4F-8A58-71A4F06ADD9C}" type="datetimeFigureOut">
               <a:rPr kumimoji="1" lang="zh-CN" altLang="en-US" smtClean="0"/>
-              <a:t>6/18/16</a:t>
+              <a:t>6/19/16</a:t>
             </a:fld>
             <a:endParaRPr kumimoji="1" lang="zh-CN" altLang="en-US"/>
           </a:p>
@@ -1851,7 +1857,7 @@
           <a:p>
             <a:fld id="{C635D755-6113-1D4F-8A58-71A4F06ADD9C}" type="datetimeFigureOut">
               <a:rPr kumimoji="1" lang="zh-CN" altLang="en-US" smtClean="0"/>
-              <a:t>6/18/16</a:t>
+              <a:t>6/19/16</a:t>
             </a:fld>
             <a:endParaRPr kumimoji="1" lang="zh-CN" altLang="en-US"/>
           </a:p>
@@ -1969,7 +1975,7 @@
           <a:p>
             <a:fld id="{C635D755-6113-1D4F-8A58-71A4F06ADD9C}" type="datetimeFigureOut">
               <a:rPr kumimoji="1" lang="zh-CN" altLang="en-US" smtClean="0"/>
-              <a:t>6/18/16</a:t>
+              <a:t>6/19/16</a:t>
             </a:fld>
             <a:endParaRPr kumimoji="1" lang="zh-CN" altLang="en-US"/>
           </a:p>
@@ -2064,7 +2070,7 @@
           <a:p>
             <a:fld id="{C635D755-6113-1D4F-8A58-71A4F06ADD9C}" type="datetimeFigureOut">
               <a:rPr kumimoji="1" lang="zh-CN" altLang="en-US" smtClean="0"/>
-              <a:t>6/18/16</a:t>
+              <a:t>6/19/16</a:t>
             </a:fld>
             <a:endParaRPr kumimoji="1" lang="zh-CN" altLang="en-US"/>
           </a:p>
@@ -2341,7 +2347,7 @@
           <a:p>
             <a:fld id="{C635D755-6113-1D4F-8A58-71A4F06ADD9C}" type="datetimeFigureOut">
               <a:rPr kumimoji="1" lang="zh-CN" altLang="en-US" smtClean="0"/>
-              <a:t>6/18/16</a:t>
+              <a:t>6/19/16</a:t>
             </a:fld>
             <a:endParaRPr kumimoji="1" lang="zh-CN" altLang="en-US"/>
           </a:p>
@@ -2594,7 +2600,7 @@
           <a:p>
             <a:fld id="{C635D755-6113-1D4F-8A58-71A4F06ADD9C}" type="datetimeFigureOut">
               <a:rPr kumimoji="1" lang="zh-CN" altLang="en-US" smtClean="0"/>
-              <a:t>6/18/16</a:t>
+              <a:t>6/19/16</a:t>
             </a:fld>
             <a:endParaRPr kumimoji="1" lang="zh-CN" altLang="en-US"/>
           </a:p>
@@ -2807,7 +2813,7 @@
           <a:p>
             <a:fld id="{C635D755-6113-1D4F-8A58-71A4F06ADD9C}" type="datetimeFigureOut">
               <a:rPr kumimoji="1" lang="zh-CN" altLang="en-US" smtClean="0"/>
-              <a:t>6/18/16</a:t>
+              <a:t>6/19/16</a:t>
             </a:fld>
             <a:endParaRPr kumimoji="1" lang="zh-CN" altLang="en-US"/>
           </a:p>
@@ -6554,11 +6560,7 @@
           <a:p>
             <a:r>
               <a:rPr kumimoji="1" lang="en-US" altLang="en-US" dirty="0" smtClean="0"/>
-              <a:t>移除事件</a:t>
-            </a:r>
-            <a:r>
-              <a:rPr kumimoji="1" lang="en-US" altLang="en-US" dirty="0" smtClean="0"/>
-              <a:t>侦听器</a:t>
+              <a:t>移除事件侦听器</a:t>
             </a:r>
           </a:p>
           <a:p>
@@ -6584,6 +6586,104 @@
     <p:extLst>
       <p:ext uri="{BB962C8B-B14F-4D97-AF65-F5344CB8AC3E}">
         <p14:creationId xmlns:p14="http://schemas.microsoft.com/office/powerpoint/2010/main" val="1582345249"/>
+      </p:ext>
+    </p:extLst>
+  </p:cSld>
+  <p:clrMapOvr>
+    <a:masterClrMapping/>
+  </p:clrMapOvr>
+</p:sld>
+</file>
+
+<file path=ppt/slides/slide34.xml><?xml version="1.0" encoding="utf-8"?>
+<p:sld xmlns:a="http://schemas.openxmlformats.org/drawingml/2006/main" xmlns:r="http://schemas.openxmlformats.org/officeDocument/2006/relationships" xmlns:p="http://schemas.openxmlformats.org/presentationml/2006/main">
+  <p:cSld>
+    <p:spTree>
+      <p:nvGrpSpPr>
+        <p:cNvPr id="1" name=""/>
+        <p:cNvGrpSpPr/>
+        <p:nvPr/>
+      </p:nvGrpSpPr>
+      <p:grpSpPr>
+        <a:xfrm>
+          <a:off x="0" y="0"/>
+          <a:ext cx="0" cy="0"/>
+          <a:chOff x="0" y="0"/>
+          <a:chExt cx="0" cy="0"/>
+        </a:xfrm>
+      </p:grpSpPr>
+      <p:sp>
+        <p:nvSpPr>
+          <p:cNvPr id="2" name="标题 1"/>
+          <p:cNvSpPr>
+            <a:spLocks noGrp="1"/>
+          </p:cNvSpPr>
+          <p:nvPr>
+            <p:ph type="title"/>
+          </p:nvPr>
+        </p:nvSpPr>
+        <p:spPr/>
+        <p:txBody>
+          <a:bodyPr/>
+          <a:lstStyle/>
+          <a:p>
+            <a:r>
+              <a:rPr kumimoji="1" lang="en-US" altLang="zh-CN" dirty="0" smtClean="0"/>
+              <a:t>Audio</a:t>
+            </a:r>
+            <a:endParaRPr kumimoji="1" lang="zh-CN" altLang="en-US" dirty="0"/>
+          </a:p>
+        </p:txBody>
+      </p:sp>
+      <p:sp>
+        <p:nvSpPr>
+          <p:cNvPr id="3" name="内容占位符 2"/>
+          <p:cNvSpPr>
+            <a:spLocks noGrp="1"/>
+          </p:cNvSpPr>
+          <p:nvPr>
+            <p:ph idx="1"/>
+          </p:nvPr>
+        </p:nvSpPr>
+        <p:spPr/>
+        <p:txBody>
+          <a:bodyPr/>
+          <a:lstStyle/>
+          <a:p>
+            <a:r>
+              <a:rPr kumimoji="1" lang="zh-CN" altLang="en-US" dirty="0" smtClean="0"/>
+              <a:t>在页面中插入</a:t>
+            </a:r>
+            <a:r>
+              <a:rPr kumimoji="1" lang="en-US" altLang="zh-CN" dirty="0" smtClean="0"/>
+              <a:t>Audio</a:t>
+            </a:r>
+            <a:r>
+              <a:rPr kumimoji="1" lang="zh-CN" altLang="en-US" dirty="0" smtClean="0"/>
+              <a:t>标签</a:t>
+            </a:r>
+            <a:endParaRPr kumimoji="1" lang="en-US" altLang="zh-CN" dirty="0" smtClean="0"/>
+          </a:p>
+          <a:p>
+            <a:r>
+              <a:rPr kumimoji="1" lang="zh-CN" altLang="en-US" dirty="0" smtClean="0"/>
+              <a:t>浏览器适配</a:t>
+            </a:r>
+            <a:endParaRPr kumimoji="1" lang="en-US" altLang="zh-CN" dirty="0" smtClean="0"/>
+          </a:p>
+          <a:p>
+            <a:r>
+              <a:rPr kumimoji="1" lang="zh-CN" altLang="en-US" dirty="0" smtClean="0"/>
+              <a:t>用代码控制音频播放</a:t>
+            </a:r>
+            <a:endParaRPr kumimoji="1" lang="zh-CN" altLang="en-US" dirty="0"/>
+          </a:p>
+        </p:txBody>
+      </p:sp>
+    </p:spTree>
+    <p:extLst>
+      <p:ext uri="{BB962C8B-B14F-4D97-AF65-F5344CB8AC3E}">
+        <p14:creationId xmlns:p14="http://schemas.microsoft.com/office/powerpoint/2010/main" val="2882053880"/>
       </p:ext>
     </p:extLst>
   </p:cSld>

--- a/Web前端教学记录.pptx
+++ b/Web前端教学记录.pptx
@@ -38,7 +38,8 @@
     <p:sldId id="286" r:id="rId32"/>
     <p:sldId id="287" r:id="rId33"/>
     <p:sldId id="288" r:id="rId34"/>
-    <p:sldId id="289" r:id="rId35"/>
+    <p:sldId id="290" r:id="rId35"/>
+    <p:sldId id="289" r:id="rId36"/>
   </p:sldIdLst>
   <p:sldSz cx="9144000" cy="6858000" type="screen4x3"/>
   <p:notesSz cx="6858000" cy="9144000"/>
@@ -187,6 +188,7 @@
             <p14:sldId id="286"/>
             <p14:sldId id="287"/>
             <p14:sldId id="288"/>
+            <p14:sldId id="290"/>
           </p14:sldIdLst>
         </p14:section>
         <p14:section name="Web API" id="{16931332-4F48-DB4E-8217-C756E49C3507}">
@@ -381,7 +383,7 @@
           <a:p>
             <a:fld id="{C635D755-6113-1D4F-8A58-71A4F06ADD9C}" type="datetimeFigureOut">
               <a:rPr kumimoji="1" lang="zh-CN" altLang="en-US" smtClean="0"/>
-              <a:t>6/19/16</a:t>
+              <a:t>6/20/16</a:t>
             </a:fld>
             <a:endParaRPr kumimoji="1" lang="zh-CN" altLang="en-US"/>
           </a:p>
@@ -551,7 +553,7 @@
           <a:p>
             <a:fld id="{C635D755-6113-1D4F-8A58-71A4F06ADD9C}" type="datetimeFigureOut">
               <a:rPr kumimoji="1" lang="zh-CN" altLang="en-US" smtClean="0"/>
-              <a:t>6/19/16</a:t>
+              <a:t>6/20/16</a:t>
             </a:fld>
             <a:endParaRPr kumimoji="1" lang="zh-CN" altLang="en-US"/>
           </a:p>
@@ -731,7 +733,7 @@
           <a:p>
             <a:fld id="{C635D755-6113-1D4F-8A58-71A4F06ADD9C}" type="datetimeFigureOut">
               <a:rPr kumimoji="1" lang="zh-CN" altLang="en-US" smtClean="0"/>
-              <a:t>6/19/16</a:t>
+              <a:t>6/20/16</a:t>
             </a:fld>
             <a:endParaRPr kumimoji="1" lang="zh-CN" altLang="en-US"/>
           </a:p>
@@ -901,7 +903,7 @@
           <a:p>
             <a:fld id="{C635D755-6113-1D4F-8A58-71A4F06ADD9C}" type="datetimeFigureOut">
               <a:rPr kumimoji="1" lang="zh-CN" altLang="en-US" smtClean="0"/>
-              <a:t>6/19/16</a:t>
+              <a:t>6/20/16</a:t>
             </a:fld>
             <a:endParaRPr kumimoji="1" lang="zh-CN" altLang="en-US"/>
           </a:p>
@@ -1147,7 +1149,7 @@
           <a:p>
             <a:fld id="{C635D755-6113-1D4F-8A58-71A4F06ADD9C}" type="datetimeFigureOut">
               <a:rPr kumimoji="1" lang="zh-CN" altLang="en-US" smtClean="0"/>
-              <a:t>6/19/16</a:t>
+              <a:t>6/20/16</a:t>
             </a:fld>
             <a:endParaRPr kumimoji="1" lang="zh-CN" altLang="en-US"/>
           </a:p>
@@ -1435,7 +1437,7 @@
           <a:p>
             <a:fld id="{C635D755-6113-1D4F-8A58-71A4F06ADD9C}" type="datetimeFigureOut">
               <a:rPr kumimoji="1" lang="zh-CN" altLang="en-US" smtClean="0"/>
-              <a:t>6/19/16</a:t>
+              <a:t>6/20/16</a:t>
             </a:fld>
             <a:endParaRPr kumimoji="1" lang="zh-CN" altLang="en-US"/>
           </a:p>
@@ -1857,7 +1859,7 @@
           <a:p>
             <a:fld id="{C635D755-6113-1D4F-8A58-71A4F06ADD9C}" type="datetimeFigureOut">
               <a:rPr kumimoji="1" lang="zh-CN" altLang="en-US" smtClean="0"/>
-              <a:t>6/19/16</a:t>
+              <a:t>6/20/16</a:t>
             </a:fld>
             <a:endParaRPr kumimoji="1" lang="zh-CN" altLang="en-US"/>
           </a:p>
@@ -1975,7 +1977,7 @@
           <a:p>
             <a:fld id="{C635D755-6113-1D4F-8A58-71A4F06ADD9C}" type="datetimeFigureOut">
               <a:rPr kumimoji="1" lang="zh-CN" altLang="en-US" smtClean="0"/>
-              <a:t>6/19/16</a:t>
+              <a:t>6/20/16</a:t>
             </a:fld>
             <a:endParaRPr kumimoji="1" lang="zh-CN" altLang="en-US"/>
           </a:p>
@@ -2070,7 +2072,7 @@
           <a:p>
             <a:fld id="{C635D755-6113-1D4F-8A58-71A4F06ADD9C}" type="datetimeFigureOut">
               <a:rPr kumimoji="1" lang="zh-CN" altLang="en-US" smtClean="0"/>
-              <a:t>6/19/16</a:t>
+              <a:t>6/20/16</a:t>
             </a:fld>
             <a:endParaRPr kumimoji="1" lang="zh-CN" altLang="en-US"/>
           </a:p>
@@ -2347,7 +2349,7 @@
           <a:p>
             <a:fld id="{C635D755-6113-1D4F-8A58-71A4F06ADD9C}" type="datetimeFigureOut">
               <a:rPr kumimoji="1" lang="zh-CN" altLang="en-US" smtClean="0"/>
-              <a:t>6/19/16</a:t>
+              <a:t>6/20/16</a:t>
             </a:fld>
             <a:endParaRPr kumimoji="1" lang="zh-CN" altLang="en-US"/>
           </a:p>
@@ -2600,7 +2602,7 @@
           <a:p>
             <a:fld id="{C635D755-6113-1D4F-8A58-71A4F06ADD9C}" type="datetimeFigureOut">
               <a:rPr kumimoji="1" lang="zh-CN" altLang="en-US" smtClean="0"/>
-              <a:t>6/19/16</a:t>
+              <a:t>6/20/16</a:t>
             </a:fld>
             <a:endParaRPr kumimoji="1" lang="zh-CN" altLang="en-US"/>
           </a:p>
@@ -2813,7 +2815,7 @@
           <a:p>
             <a:fld id="{C635D755-6113-1D4F-8A58-71A4F06ADD9C}" type="datetimeFigureOut">
               <a:rPr kumimoji="1" lang="zh-CN" altLang="en-US" smtClean="0"/>
-              <a:t>6/19/16</a:t>
+              <a:t>6/20/16</a:t>
             </a:fld>
             <a:endParaRPr kumimoji="1" lang="zh-CN" altLang="en-US"/>
           </a:p>
@@ -6596,6 +6598,117 @@
 </file>
 
 <file path=ppt/slides/slide34.xml><?xml version="1.0" encoding="utf-8"?>
+<p:sld xmlns:a="http://schemas.openxmlformats.org/drawingml/2006/main" xmlns:r="http://schemas.openxmlformats.org/officeDocument/2006/relationships" xmlns:p="http://schemas.openxmlformats.org/presentationml/2006/main">
+  <p:cSld>
+    <p:spTree>
+      <p:nvGrpSpPr>
+        <p:cNvPr id="1" name=""/>
+        <p:cNvGrpSpPr/>
+        <p:nvPr/>
+      </p:nvGrpSpPr>
+      <p:grpSpPr>
+        <a:xfrm>
+          <a:off x="0" y="0"/>
+          <a:ext cx="0" cy="0"/>
+          <a:chOff x="0" y="0"/>
+          <a:chExt cx="0" cy="0"/>
+        </a:xfrm>
+      </p:grpSpPr>
+      <p:sp>
+        <p:nvSpPr>
+          <p:cNvPr id="2" name="标题 1"/>
+          <p:cNvSpPr>
+            <a:spLocks noGrp="1"/>
+          </p:cNvSpPr>
+          <p:nvPr>
+            <p:ph type="title"/>
+          </p:nvPr>
+        </p:nvSpPr>
+        <p:spPr/>
+        <p:txBody>
+          <a:bodyPr/>
+          <a:lstStyle/>
+          <a:p>
+            <a:r>
+              <a:rPr kumimoji="1" lang="zh-CN" altLang="en-US" dirty="0" smtClean="0"/>
+              <a:t>作业</a:t>
+            </a:r>
+            <a:endParaRPr kumimoji="1" lang="zh-CN" altLang="en-US" dirty="0"/>
+          </a:p>
+        </p:txBody>
+      </p:sp>
+      <p:sp>
+        <p:nvSpPr>
+          <p:cNvPr id="3" name="内容占位符 2"/>
+          <p:cNvSpPr>
+            <a:spLocks noGrp="1"/>
+          </p:cNvSpPr>
+          <p:nvPr>
+            <p:ph idx="1"/>
+          </p:nvPr>
+        </p:nvSpPr>
+        <p:spPr/>
+        <p:txBody>
+          <a:bodyPr/>
+          <a:lstStyle/>
+          <a:p>
+            <a:r>
+              <a:rPr kumimoji="1" lang="zh-CN" altLang="en-US" dirty="0" smtClean="0"/>
+              <a:t>自定义右键菜单</a:t>
+            </a:r>
+            <a:endParaRPr kumimoji="1" lang="en-US" altLang="zh-CN" dirty="0" smtClean="0"/>
+          </a:p>
+          <a:p>
+            <a:r>
+              <a:rPr kumimoji="1" lang="zh-CN" altLang="en-US" dirty="0" smtClean="0"/>
+              <a:t>看鼠标的眼睛</a:t>
+            </a:r>
+            <a:r>
+              <a:rPr kumimoji="1" lang="en-US" altLang="zh-CN" dirty="0" smtClean="0"/>
+              <a:t> </a:t>
+            </a:r>
+            <a:r>
+              <a:rPr kumimoji="1" lang="zh-CN" altLang="en-US" dirty="0" smtClean="0"/>
+              <a:t>效果参考</a:t>
+            </a:r>
+            <a:r>
+              <a:rPr kumimoji="1" lang="en-US" altLang="zh-CN" dirty="0"/>
+              <a:t> </a:t>
+            </a:r>
+            <a:r>
+              <a:rPr kumimoji="1" lang="en-US" altLang="zh-CN" dirty="0">
+                <a:hlinkClick r:id="rId2"/>
+              </a:rPr>
+              <a:t>http://plter.github.io/learnjs/Eyes/</a:t>
+            </a:r>
+            <a:r>
+              <a:rPr kumimoji="1" lang="en-US" altLang="zh-CN" dirty="0" smtClean="0">
+                <a:hlinkClick r:id="rId2"/>
+              </a:rPr>
+              <a:t>index.html</a:t>
+            </a:r>
+            <a:r>
+              <a:rPr kumimoji="1" lang="en-US" altLang="zh-CN" dirty="0" smtClean="0"/>
+              <a:t> </a:t>
+            </a:r>
+            <a:endParaRPr kumimoji="1" lang="zh-CN" altLang="en-US" dirty="0"/>
+          </a:p>
+        </p:txBody>
+      </p:sp>
+    </p:spTree>
+    <p:extLst>
+      <p:ext uri="{BB962C8B-B14F-4D97-AF65-F5344CB8AC3E}">
+        <p14:creationId xmlns:p14="http://schemas.microsoft.com/office/powerpoint/2010/main" val="3945161548"/>
+      </p:ext>
+    </p:extLst>
+  </p:cSld>
+  <p:clrMapOvr>
+    <a:masterClrMapping/>
+  </p:clrMapOvr>
+</p:sld>
+</file>
+
+<file path=ppt/slides/slide35.xml><?xml version="1.0" encoding="utf-8"?>
 <p:sld xmlns:a="http://schemas.openxmlformats.org/drawingml/2006/main" xmlns:r="http://schemas.openxmlformats.org/officeDocument/2006/relationships" xmlns:p="http://schemas.openxmlformats.org/presentationml/2006/main">
   <p:cSld>
     <p:spTree>

--- a/Web前端教学记录.pptx
+++ b/Web前端教学记录.pptx
@@ -40,6 +40,7 @@
     <p:sldId id="288" r:id="rId34"/>
     <p:sldId id="290" r:id="rId35"/>
     <p:sldId id="289" r:id="rId36"/>
+    <p:sldId id="291" r:id="rId37"/>
   </p:sldIdLst>
   <p:sldSz cx="9144000" cy="6858000" type="screen4x3"/>
   <p:notesSz cx="6858000" cy="9144000"/>
@@ -194,6 +195,7 @@
         <p14:section name="Web API" id="{16931332-4F48-DB4E-8217-C756E49C3507}">
           <p14:sldIdLst>
             <p14:sldId id="289"/>
+            <p14:sldId id="291"/>
           </p14:sldIdLst>
         </p14:section>
       </p14:sectionLst>
@@ -383,7 +385,7 @@
           <a:p>
             <a:fld id="{C635D755-6113-1D4F-8A58-71A4F06ADD9C}" type="datetimeFigureOut">
               <a:rPr kumimoji="1" lang="zh-CN" altLang="en-US" smtClean="0"/>
-              <a:t>6/20/16</a:t>
+              <a:t>6/21/16</a:t>
             </a:fld>
             <a:endParaRPr kumimoji="1" lang="zh-CN" altLang="en-US"/>
           </a:p>
@@ -553,7 +555,7 @@
           <a:p>
             <a:fld id="{C635D755-6113-1D4F-8A58-71A4F06ADD9C}" type="datetimeFigureOut">
               <a:rPr kumimoji="1" lang="zh-CN" altLang="en-US" smtClean="0"/>
-              <a:t>6/20/16</a:t>
+              <a:t>6/21/16</a:t>
             </a:fld>
             <a:endParaRPr kumimoji="1" lang="zh-CN" altLang="en-US"/>
           </a:p>
@@ -733,7 +735,7 @@
           <a:p>
             <a:fld id="{C635D755-6113-1D4F-8A58-71A4F06ADD9C}" type="datetimeFigureOut">
               <a:rPr kumimoji="1" lang="zh-CN" altLang="en-US" smtClean="0"/>
-              <a:t>6/20/16</a:t>
+              <a:t>6/21/16</a:t>
             </a:fld>
             <a:endParaRPr kumimoji="1" lang="zh-CN" altLang="en-US"/>
           </a:p>
@@ -903,7 +905,7 @@
           <a:p>
             <a:fld id="{C635D755-6113-1D4F-8A58-71A4F06ADD9C}" type="datetimeFigureOut">
               <a:rPr kumimoji="1" lang="zh-CN" altLang="en-US" smtClean="0"/>
-              <a:t>6/20/16</a:t>
+              <a:t>6/21/16</a:t>
             </a:fld>
             <a:endParaRPr kumimoji="1" lang="zh-CN" altLang="en-US"/>
           </a:p>
@@ -1149,7 +1151,7 @@
           <a:p>
             <a:fld id="{C635D755-6113-1D4F-8A58-71A4F06ADD9C}" type="datetimeFigureOut">
               <a:rPr kumimoji="1" lang="zh-CN" altLang="en-US" smtClean="0"/>
-              <a:t>6/20/16</a:t>
+              <a:t>6/21/16</a:t>
             </a:fld>
             <a:endParaRPr kumimoji="1" lang="zh-CN" altLang="en-US"/>
           </a:p>
@@ -1437,7 +1439,7 @@
           <a:p>
             <a:fld id="{C635D755-6113-1D4F-8A58-71A4F06ADD9C}" type="datetimeFigureOut">
               <a:rPr kumimoji="1" lang="zh-CN" altLang="en-US" smtClean="0"/>
-              <a:t>6/20/16</a:t>
+              <a:t>6/21/16</a:t>
             </a:fld>
             <a:endParaRPr kumimoji="1" lang="zh-CN" altLang="en-US"/>
           </a:p>
@@ -1859,7 +1861,7 @@
           <a:p>
             <a:fld id="{C635D755-6113-1D4F-8A58-71A4F06ADD9C}" type="datetimeFigureOut">
               <a:rPr kumimoji="1" lang="zh-CN" altLang="en-US" smtClean="0"/>
-              <a:t>6/20/16</a:t>
+              <a:t>6/21/16</a:t>
             </a:fld>
             <a:endParaRPr kumimoji="1" lang="zh-CN" altLang="en-US"/>
           </a:p>
@@ -1977,7 +1979,7 @@
           <a:p>
             <a:fld id="{C635D755-6113-1D4F-8A58-71A4F06ADD9C}" type="datetimeFigureOut">
               <a:rPr kumimoji="1" lang="zh-CN" altLang="en-US" smtClean="0"/>
-              <a:t>6/20/16</a:t>
+              <a:t>6/21/16</a:t>
             </a:fld>
             <a:endParaRPr kumimoji="1" lang="zh-CN" altLang="en-US"/>
           </a:p>
@@ -2072,7 +2074,7 @@
           <a:p>
             <a:fld id="{C635D755-6113-1D4F-8A58-71A4F06ADD9C}" type="datetimeFigureOut">
               <a:rPr kumimoji="1" lang="zh-CN" altLang="en-US" smtClean="0"/>
-              <a:t>6/20/16</a:t>
+              <a:t>6/21/16</a:t>
             </a:fld>
             <a:endParaRPr kumimoji="1" lang="zh-CN" altLang="en-US"/>
           </a:p>
@@ -2349,7 +2351,7 @@
           <a:p>
             <a:fld id="{C635D755-6113-1D4F-8A58-71A4F06ADD9C}" type="datetimeFigureOut">
               <a:rPr kumimoji="1" lang="zh-CN" altLang="en-US" smtClean="0"/>
-              <a:t>6/20/16</a:t>
+              <a:t>6/21/16</a:t>
             </a:fld>
             <a:endParaRPr kumimoji="1" lang="zh-CN" altLang="en-US"/>
           </a:p>
@@ -2602,7 +2604,7 @@
           <a:p>
             <a:fld id="{C635D755-6113-1D4F-8A58-71A4F06ADD9C}" type="datetimeFigureOut">
               <a:rPr kumimoji="1" lang="zh-CN" altLang="en-US" smtClean="0"/>
-              <a:t>6/20/16</a:t>
+              <a:t>6/21/16</a:t>
             </a:fld>
             <a:endParaRPr kumimoji="1" lang="zh-CN" altLang="en-US"/>
           </a:p>
@@ -2815,7 +2817,7 @@
           <a:p>
             <a:fld id="{C635D755-6113-1D4F-8A58-71A4F06ADD9C}" type="datetimeFigureOut">
               <a:rPr kumimoji="1" lang="zh-CN" altLang="en-US" smtClean="0"/>
-              <a:t>6/20/16</a:t>
+              <a:t>6/21/16</a:t>
             </a:fld>
             <a:endParaRPr kumimoji="1" lang="zh-CN" altLang="en-US"/>
           </a:p>
@@ -6797,6 +6799,82 @@
     <p:extLst>
       <p:ext uri="{BB962C8B-B14F-4D97-AF65-F5344CB8AC3E}">
         <p14:creationId xmlns:p14="http://schemas.microsoft.com/office/powerpoint/2010/main" val="2882053880"/>
+      </p:ext>
+    </p:extLst>
+  </p:cSld>
+  <p:clrMapOvr>
+    <a:masterClrMapping/>
+  </p:clrMapOvr>
+</p:sld>
+</file>
+
+<file path=ppt/slides/slide36.xml><?xml version="1.0" encoding="utf-8"?>
+<p:sld xmlns:a="http://schemas.openxmlformats.org/drawingml/2006/main" xmlns:r="http://schemas.openxmlformats.org/officeDocument/2006/relationships" xmlns:p="http://schemas.openxmlformats.org/presentationml/2006/main">
+  <p:cSld>
+    <p:spTree>
+      <p:nvGrpSpPr>
+        <p:cNvPr id="1" name=""/>
+        <p:cNvGrpSpPr/>
+        <p:nvPr/>
+      </p:nvGrpSpPr>
+      <p:grpSpPr>
+        <a:xfrm>
+          <a:off x="0" y="0"/>
+          <a:ext cx="0" cy="0"/>
+          <a:chOff x="0" y="0"/>
+          <a:chExt cx="0" cy="0"/>
+        </a:xfrm>
+      </p:grpSpPr>
+      <p:sp>
+        <p:nvSpPr>
+          <p:cNvPr id="2" name="标题 1"/>
+          <p:cNvSpPr>
+            <a:spLocks noGrp="1"/>
+          </p:cNvSpPr>
+          <p:nvPr>
+            <p:ph type="title"/>
+          </p:nvPr>
+        </p:nvSpPr>
+        <p:spPr/>
+        <p:txBody>
+          <a:bodyPr/>
+          <a:lstStyle/>
+          <a:p>
+            <a:r>
+              <a:rPr kumimoji="1" lang="zh-CN" altLang="en-US" dirty="0" smtClean="0"/>
+              <a:t>作业</a:t>
+            </a:r>
+            <a:endParaRPr kumimoji="1" lang="zh-CN" altLang="en-US" dirty="0"/>
+          </a:p>
+        </p:txBody>
+      </p:sp>
+      <p:sp>
+        <p:nvSpPr>
+          <p:cNvPr id="3" name="内容占位符 2"/>
+          <p:cNvSpPr>
+            <a:spLocks noGrp="1"/>
+          </p:cNvSpPr>
+          <p:nvPr>
+            <p:ph idx="1"/>
+          </p:nvPr>
+        </p:nvSpPr>
+        <p:spPr/>
+        <p:txBody>
+          <a:bodyPr/>
+          <a:lstStyle/>
+          <a:p>
+            <a:r>
+              <a:rPr kumimoji="1" lang="en-US" altLang="en-US" dirty="0" smtClean="0"/>
+              <a:t>同步播放MP3歌词</a:t>
+            </a:r>
+            <a:endParaRPr kumimoji="1" lang="zh-CN" altLang="en-US" dirty="0"/>
+          </a:p>
+        </p:txBody>
+      </p:sp>
+    </p:spTree>
+    <p:extLst>
+      <p:ext uri="{BB962C8B-B14F-4D97-AF65-F5344CB8AC3E}">
+        <p14:creationId xmlns:p14="http://schemas.microsoft.com/office/powerpoint/2010/main" val="269254045"/>
       </p:ext>
     </p:extLst>
   </p:cSld>

--- a/Web前端教学记录.pptx
+++ b/Web前端教学记录.pptx
@@ -41,6 +41,7 @@
     <p:sldId id="290" r:id="rId35"/>
     <p:sldId id="289" r:id="rId36"/>
     <p:sldId id="291" r:id="rId37"/>
+    <p:sldId id="292" r:id="rId38"/>
   </p:sldIdLst>
   <p:sldSz cx="9144000" cy="6858000" type="screen4x3"/>
   <p:notesSz cx="6858000" cy="9144000"/>
@@ -198,6 +199,11 @@
             <p14:sldId id="291"/>
           </p14:sldIdLst>
         </p14:section>
+        <p14:section name="附加作业" id="{0276C1FC-4F12-C44C-A604-00B09FC2FBCB}">
+          <p14:sldIdLst>
+            <p14:sldId id="292"/>
+          </p14:sldIdLst>
+        </p14:section>
       </p14:sectionLst>
     </p:ext>
   </p:extLst>
@@ -385,7 +391,7 @@
           <a:p>
             <a:fld id="{C635D755-6113-1D4F-8A58-71A4F06ADD9C}" type="datetimeFigureOut">
               <a:rPr kumimoji="1" lang="zh-CN" altLang="en-US" smtClean="0"/>
-              <a:t>6/21/16</a:t>
+              <a:t>6/22/16</a:t>
             </a:fld>
             <a:endParaRPr kumimoji="1" lang="zh-CN" altLang="en-US"/>
           </a:p>
@@ -555,7 +561,7 @@
           <a:p>
             <a:fld id="{C635D755-6113-1D4F-8A58-71A4F06ADD9C}" type="datetimeFigureOut">
               <a:rPr kumimoji="1" lang="zh-CN" altLang="en-US" smtClean="0"/>
-              <a:t>6/21/16</a:t>
+              <a:t>6/22/16</a:t>
             </a:fld>
             <a:endParaRPr kumimoji="1" lang="zh-CN" altLang="en-US"/>
           </a:p>
@@ -735,7 +741,7 @@
           <a:p>
             <a:fld id="{C635D755-6113-1D4F-8A58-71A4F06ADD9C}" type="datetimeFigureOut">
               <a:rPr kumimoji="1" lang="zh-CN" altLang="en-US" smtClean="0"/>
-              <a:t>6/21/16</a:t>
+              <a:t>6/22/16</a:t>
             </a:fld>
             <a:endParaRPr kumimoji="1" lang="zh-CN" altLang="en-US"/>
           </a:p>
@@ -905,7 +911,7 @@
           <a:p>
             <a:fld id="{C635D755-6113-1D4F-8A58-71A4F06ADD9C}" type="datetimeFigureOut">
               <a:rPr kumimoji="1" lang="zh-CN" altLang="en-US" smtClean="0"/>
-              <a:t>6/21/16</a:t>
+              <a:t>6/22/16</a:t>
             </a:fld>
             <a:endParaRPr kumimoji="1" lang="zh-CN" altLang="en-US"/>
           </a:p>
@@ -1151,7 +1157,7 @@
           <a:p>
             <a:fld id="{C635D755-6113-1D4F-8A58-71A4F06ADD9C}" type="datetimeFigureOut">
               <a:rPr kumimoji="1" lang="zh-CN" altLang="en-US" smtClean="0"/>
-              <a:t>6/21/16</a:t>
+              <a:t>6/22/16</a:t>
             </a:fld>
             <a:endParaRPr kumimoji="1" lang="zh-CN" altLang="en-US"/>
           </a:p>
@@ -1439,7 +1445,7 @@
           <a:p>
             <a:fld id="{C635D755-6113-1D4F-8A58-71A4F06ADD9C}" type="datetimeFigureOut">
               <a:rPr kumimoji="1" lang="zh-CN" altLang="en-US" smtClean="0"/>
-              <a:t>6/21/16</a:t>
+              <a:t>6/22/16</a:t>
             </a:fld>
             <a:endParaRPr kumimoji="1" lang="zh-CN" altLang="en-US"/>
           </a:p>
@@ -1861,7 +1867,7 @@
           <a:p>
             <a:fld id="{C635D755-6113-1D4F-8A58-71A4F06ADD9C}" type="datetimeFigureOut">
               <a:rPr kumimoji="1" lang="zh-CN" altLang="en-US" smtClean="0"/>
-              <a:t>6/21/16</a:t>
+              <a:t>6/22/16</a:t>
             </a:fld>
             <a:endParaRPr kumimoji="1" lang="zh-CN" altLang="en-US"/>
           </a:p>
@@ -1979,7 +1985,7 @@
           <a:p>
             <a:fld id="{C635D755-6113-1D4F-8A58-71A4F06ADD9C}" type="datetimeFigureOut">
               <a:rPr kumimoji="1" lang="zh-CN" altLang="en-US" smtClean="0"/>
-              <a:t>6/21/16</a:t>
+              <a:t>6/22/16</a:t>
             </a:fld>
             <a:endParaRPr kumimoji="1" lang="zh-CN" altLang="en-US"/>
           </a:p>
@@ -2074,7 +2080,7 @@
           <a:p>
             <a:fld id="{C635D755-6113-1D4F-8A58-71A4F06ADD9C}" type="datetimeFigureOut">
               <a:rPr kumimoji="1" lang="zh-CN" altLang="en-US" smtClean="0"/>
-              <a:t>6/21/16</a:t>
+              <a:t>6/22/16</a:t>
             </a:fld>
             <a:endParaRPr kumimoji="1" lang="zh-CN" altLang="en-US"/>
           </a:p>
@@ -2351,7 +2357,7 @@
           <a:p>
             <a:fld id="{C635D755-6113-1D4F-8A58-71A4F06ADD9C}" type="datetimeFigureOut">
               <a:rPr kumimoji="1" lang="zh-CN" altLang="en-US" smtClean="0"/>
-              <a:t>6/21/16</a:t>
+              <a:t>6/22/16</a:t>
             </a:fld>
             <a:endParaRPr kumimoji="1" lang="zh-CN" altLang="en-US"/>
           </a:p>
@@ -2604,7 +2610,7 @@
           <a:p>
             <a:fld id="{C635D755-6113-1D4F-8A58-71A4F06ADD9C}" type="datetimeFigureOut">
               <a:rPr kumimoji="1" lang="zh-CN" altLang="en-US" smtClean="0"/>
-              <a:t>6/21/16</a:t>
+              <a:t>6/22/16</a:t>
             </a:fld>
             <a:endParaRPr kumimoji="1" lang="zh-CN" altLang="en-US"/>
           </a:p>
@@ -2817,7 +2823,7 @@
           <a:p>
             <a:fld id="{C635D755-6113-1D4F-8A58-71A4F06ADD9C}" type="datetimeFigureOut">
               <a:rPr kumimoji="1" lang="zh-CN" altLang="en-US" smtClean="0"/>
-              <a:t>6/21/16</a:t>
+              <a:t>6/22/16</a:t>
             </a:fld>
             <a:endParaRPr kumimoji="1" lang="zh-CN" altLang="en-US"/>
           </a:p>
@@ -6875,6 +6881,82 @@
     <p:extLst>
       <p:ext uri="{BB962C8B-B14F-4D97-AF65-F5344CB8AC3E}">
         <p14:creationId xmlns:p14="http://schemas.microsoft.com/office/powerpoint/2010/main" val="269254045"/>
+      </p:ext>
+    </p:extLst>
+  </p:cSld>
+  <p:clrMapOvr>
+    <a:masterClrMapping/>
+  </p:clrMapOvr>
+</p:sld>
+</file>
+
+<file path=ppt/slides/slide37.xml><?xml version="1.0" encoding="utf-8"?>
+<p:sld xmlns:a="http://schemas.openxmlformats.org/drawingml/2006/main" xmlns:r="http://schemas.openxmlformats.org/officeDocument/2006/relationships" xmlns:p="http://schemas.openxmlformats.org/presentationml/2006/main">
+  <p:cSld>
+    <p:spTree>
+      <p:nvGrpSpPr>
+        <p:cNvPr id="1" name=""/>
+        <p:cNvGrpSpPr/>
+        <p:nvPr/>
+      </p:nvGrpSpPr>
+      <p:grpSpPr>
+        <a:xfrm>
+          <a:off x="0" y="0"/>
+          <a:ext cx="0" cy="0"/>
+          <a:chOff x="0" y="0"/>
+          <a:chExt cx="0" cy="0"/>
+        </a:xfrm>
+      </p:grpSpPr>
+      <p:sp>
+        <p:nvSpPr>
+          <p:cNvPr id="2" name="标题 1"/>
+          <p:cNvSpPr>
+            <a:spLocks noGrp="1"/>
+          </p:cNvSpPr>
+          <p:nvPr>
+            <p:ph type="title"/>
+          </p:nvPr>
+        </p:nvSpPr>
+        <p:spPr/>
+        <p:txBody>
+          <a:bodyPr/>
+          <a:lstStyle/>
+          <a:p>
+            <a:r>
+              <a:rPr kumimoji="1" lang="zh-CN" altLang="en-US" dirty="0" smtClean="0"/>
+              <a:t>实战项目</a:t>
+            </a:r>
+            <a:endParaRPr kumimoji="1" lang="zh-CN" altLang="en-US" dirty="0"/>
+          </a:p>
+        </p:txBody>
+      </p:sp>
+      <p:sp>
+        <p:nvSpPr>
+          <p:cNvPr id="3" name="内容占位符 2"/>
+          <p:cNvSpPr>
+            <a:spLocks noGrp="1"/>
+          </p:cNvSpPr>
+          <p:nvPr>
+            <p:ph idx="1"/>
+          </p:nvPr>
+        </p:nvSpPr>
+        <p:spPr/>
+        <p:txBody>
+          <a:bodyPr/>
+          <a:lstStyle/>
+          <a:p>
+            <a:r>
+              <a:rPr kumimoji="1" lang="zh-CN" altLang="en-US" dirty="0" smtClean="0"/>
+              <a:t>科目一考试系统</a:t>
+            </a:r>
+            <a:endParaRPr kumimoji="1" lang="zh-CN" altLang="en-US" dirty="0"/>
+          </a:p>
+        </p:txBody>
+      </p:sp>
+    </p:spTree>
+    <p:extLst>
+      <p:ext uri="{BB962C8B-B14F-4D97-AF65-F5344CB8AC3E}">
+        <p14:creationId xmlns:p14="http://schemas.microsoft.com/office/powerpoint/2010/main" val="1032089496"/>
       </p:ext>
     </p:extLst>
   </p:cSld>

--- a/Web前端教学记录.pptx
+++ b/Web前端教学记录.pptx
@@ -39,9 +39,11 @@
     <p:sldId id="287" r:id="rId33"/>
     <p:sldId id="288" r:id="rId34"/>
     <p:sldId id="290" r:id="rId35"/>
-    <p:sldId id="289" r:id="rId36"/>
-    <p:sldId id="291" r:id="rId37"/>
-    <p:sldId id="292" r:id="rId38"/>
+    <p:sldId id="293" r:id="rId36"/>
+    <p:sldId id="294" r:id="rId37"/>
+    <p:sldId id="289" r:id="rId38"/>
+    <p:sldId id="291" r:id="rId39"/>
+    <p:sldId id="292" r:id="rId40"/>
   </p:sldIdLst>
   <p:sldSz cx="9144000" cy="6858000" type="screen4x3"/>
   <p:notesSz cx="6858000" cy="9144000"/>
@@ -191,6 +193,8 @@
             <p14:sldId id="287"/>
             <p14:sldId id="288"/>
             <p14:sldId id="290"/>
+            <p14:sldId id="293"/>
+            <p14:sldId id="294"/>
           </p14:sldIdLst>
         </p14:section>
         <p14:section name="Web API" id="{16931332-4F48-DB4E-8217-C756E49C3507}">
@@ -391,7 +395,7 @@
           <a:p>
             <a:fld id="{C635D755-6113-1D4F-8A58-71A4F06ADD9C}" type="datetimeFigureOut">
               <a:rPr kumimoji="1" lang="zh-CN" altLang="en-US" smtClean="0"/>
-              <a:t>6/22/16</a:t>
+              <a:t>6/24/16</a:t>
             </a:fld>
             <a:endParaRPr kumimoji="1" lang="zh-CN" altLang="en-US"/>
           </a:p>
@@ -561,7 +565,7 @@
           <a:p>
             <a:fld id="{C635D755-6113-1D4F-8A58-71A4F06ADD9C}" type="datetimeFigureOut">
               <a:rPr kumimoji="1" lang="zh-CN" altLang="en-US" smtClean="0"/>
-              <a:t>6/22/16</a:t>
+              <a:t>6/24/16</a:t>
             </a:fld>
             <a:endParaRPr kumimoji="1" lang="zh-CN" altLang="en-US"/>
           </a:p>
@@ -741,7 +745,7 @@
           <a:p>
             <a:fld id="{C635D755-6113-1D4F-8A58-71A4F06ADD9C}" type="datetimeFigureOut">
               <a:rPr kumimoji="1" lang="zh-CN" altLang="en-US" smtClean="0"/>
-              <a:t>6/22/16</a:t>
+              <a:t>6/24/16</a:t>
             </a:fld>
             <a:endParaRPr kumimoji="1" lang="zh-CN" altLang="en-US"/>
           </a:p>
@@ -911,7 +915,7 @@
           <a:p>
             <a:fld id="{C635D755-6113-1D4F-8A58-71A4F06ADD9C}" type="datetimeFigureOut">
               <a:rPr kumimoji="1" lang="zh-CN" altLang="en-US" smtClean="0"/>
-              <a:t>6/22/16</a:t>
+              <a:t>6/24/16</a:t>
             </a:fld>
             <a:endParaRPr kumimoji="1" lang="zh-CN" altLang="en-US"/>
           </a:p>
@@ -1157,7 +1161,7 @@
           <a:p>
             <a:fld id="{C635D755-6113-1D4F-8A58-71A4F06ADD9C}" type="datetimeFigureOut">
               <a:rPr kumimoji="1" lang="zh-CN" altLang="en-US" smtClean="0"/>
-              <a:t>6/22/16</a:t>
+              <a:t>6/24/16</a:t>
             </a:fld>
             <a:endParaRPr kumimoji="1" lang="zh-CN" altLang="en-US"/>
           </a:p>
@@ -1445,7 +1449,7 @@
           <a:p>
             <a:fld id="{C635D755-6113-1D4F-8A58-71A4F06ADD9C}" type="datetimeFigureOut">
               <a:rPr kumimoji="1" lang="zh-CN" altLang="en-US" smtClean="0"/>
-              <a:t>6/22/16</a:t>
+              <a:t>6/24/16</a:t>
             </a:fld>
             <a:endParaRPr kumimoji="1" lang="zh-CN" altLang="en-US"/>
           </a:p>
@@ -1867,7 +1871,7 @@
           <a:p>
             <a:fld id="{C635D755-6113-1D4F-8A58-71A4F06ADD9C}" type="datetimeFigureOut">
               <a:rPr kumimoji="1" lang="zh-CN" altLang="en-US" smtClean="0"/>
-              <a:t>6/22/16</a:t>
+              <a:t>6/24/16</a:t>
             </a:fld>
             <a:endParaRPr kumimoji="1" lang="zh-CN" altLang="en-US"/>
           </a:p>
@@ -1985,7 +1989,7 @@
           <a:p>
             <a:fld id="{C635D755-6113-1D4F-8A58-71A4F06ADD9C}" type="datetimeFigureOut">
               <a:rPr kumimoji="1" lang="zh-CN" altLang="en-US" smtClean="0"/>
-              <a:t>6/22/16</a:t>
+              <a:t>6/24/16</a:t>
             </a:fld>
             <a:endParaRPr kumimoji="1" lang="zh-CN" altLang="en-US"/>
           </a:p>
@@ -2080,7 +2084,7 @@
           <a:p>
             <a:fld id="{C635D755-6113-1D4F-8A58-71A4F06ADD9C}" type="datetimeFigureOut">
               <a:rPr kumimoji="1" lang="zh-CN" altLang="en-US" smtClean="0"/>
-              <a:t>6/22/16</a:t>
+              <a:t>6/24/16</a:t>
             </a:fld>
             <a:endParaRPr kumimoji="1" lang="zh-CN" altLang="en-US"/>
           </a:p>
@@ -2357,7 +2361,7 @@
           <a:p>
             <a:fld id="{C635D755-6113-1D4F-8A58-71A4F06ADD9C}" type="datetimeFigureOut">
               <a:rPr kumimoji="1" lang="zh-CN" altLang="en-US" smtClean="0"/>
-              <a:t>6/22/16</a:t>
+              <a:t>6/24/16</a:t>
             </a:fld>
             <a:endParaRPr kumimoji="1" lang="zh-CN" altLang="en-US"/>
           </a:p>
@@ -2610,7 +2614,7 @@
           <a:p>
             <a:fld id="{C635D755-6113-1D4F-8A58-71A4F06ADD9C}" type="datetimeFigureOut">
               <a:rPr kumimoji="1" lang="zh-CN" altLang="en-US" smtClean="0"/>
-              <a:t>6/22/16</a:t>
+              <a:t>6/24/16</a:t>
             </a:fld>
             <a:endParaRPr kumimoji="1" lang="zh-CN" altLang="en-US"/>
           </a:p>
@@ -2823,7 +2827,7 @@
           <a:p>
             <a:fld id="{C635D755-6113-1D4F-8A58-71A4F06ADD9C}" type="datetimeFigureOut">
               <a:rPr kumimoji="1" lang="zh-CN" altLang="en-US" smtClean="0"/>
-              <a:t>6/22/16</a:t>
+              <a:t>6/24/16</a:t>
             </a:fld>
             <a:endParaRPr kumimoji="1" lang="zh-CN" altLang="en-US"/>
           </a:p>
@@ -6749,8 +6753,8 @@
           <a:lstStyle/>
           <a:p>
             <a:r>
-              <a:rPr kumimoji="1" lang="en-US" altLang="zh-CN" dirty="0" smtClean="0"/>
-              <a:t>Audio</a:t>
+              <a:rPr kumimoji="1" lang="zh-CN" altLang="en-US" dirty="0" smtClean="0"/>
+              <a:t>正则表达式</a:t>
             </a:r>
             <a:endParaRPr kumimoji="1" lang="zh-CN" altLang="en-US" dirty="0"/>
           </a:p>
@@ -6773,29 +6777,14 @@
           <a:p>
             <a:r>
               <a:rPr kumimoji="1" lang="zh-CN" altLang="en-US" dirty="0" smtClean="0"/>
-              <a:t>在页面中插入</a:t>
-            </a:r>
-            <a:r>
-              <a:rPr kumimoji="1" lang="en-US" altLang="zh-CN" dirty="0" smtClean="0"/>
-              <a:t>Audio</a:t>
-            </a:r>
-            <a:r>
-              <a:rPr kumimoji="1" lang="zh-CN" altLang="en-US" dirty="0" smtClean="0"/>
-              <a:t>标签</a:t>
+              <a:t>测试字符串</a:t>
             </a:r>
             <a:endParaRPr kumimoji="1" lang="en-US" altLang="zh-CN" dirty="0" smtClean="0"/>
           </a:p>
           <a:p>
             <a:r>
               <a:rPr kumimoji="1" lang="zh-CN" altLang="en-US" dirty="0" smtClean="0"/>
-              <a:t>浏览器适配</a:t>
-            </a:r>
-            <a:endParaRPr kumimoji="1" lang="en-US" altLang="zh-CN" dirty="0" smtClean="0"/>
-          </a:p>
-          <a:p>
-            <a:r>
-              <a:rPr kumimoji="1" lang="zh-CN" altLang="en-US" dirty="0" smtClean="0"/>
-              <a:t>用代码控制音频播放</a:t>
+              <a:t>匹配字符串</a:t>
             </a:r>
             <a:endParaRPr kumimoji="1" lang="zh-CN" altLang="en-US" dirty="0"/>
           </a:p>
@@ -6804,7 +6793,7 @@
     </p:spTree>
     <p:extLst>
       <p:ext uri="{BB962C8B-B14F-4D97-AF65-F5344CB8AC3E}">
-        <p14:creationId xmlns:p14="http://schemas.microsoft.com/office/powerpoint/2010/main" val="2882053880"/>
+        <p14:creationId xmlns:p14="http://schemas.microsoft.com/office/powerpoint/2010/main" val="1963680999"/>
       </p:ext>
     </p:extLst>
   </p:cSld>
@@ -6870,6 +6859,188 @@
           <a:lstStyle/>
           <a:p>
             <a:r>
+              <a:rPr kumimoji="1" lang="zh-CN" altLang="en-US" dirty="0" smtClean="0"/>
+              <a:t>使用正则表达解析</a:t>
+            </a:r>
+            <a:r>
+              <a:rPr kumimoji="1" lang="en-US" altLang="zh-CN" dirty="0" err="1" smtClean="0"/>
+              <a:t>ini</a:t>
+            </a:r>
+            <a:r>
+              <a:rPr kumimoji="1" lang="zh-CN" altLang="en-US" dirty="0" smtClean="0"/>
+              <a:t>文件</a:t>
+            </a:r>
+            <a:endParaRPr kumimoji="1" lang="zh-CN" altLang="en-US" dirty="0"/>
+          </a:p>
+        </p:txBody>
+      </p:sp>
+    </p:spTree>
+    <p:extLst>
+      <p:ext uri="{BB962C8B-B14F-4D97-AF65-F5344CB8AC3E}">
+        <p14:creationId xmlns:p14="http://schemas.microsoft.com/office/powerpoint/2010/main" val="3186562600"/>
+      </p:ext>
+    </p:extLst>
+  </p:cSld>
+  <p:clrMapOvr>
+    <a:masterClrMapping/>
+  </p:clrMapOvr>
+</p:sld>
+</file>
+
+<file path=ppt/slides/slide37.xml><?xml version="1.0" encoding="utf-8"?>
+<p:sld xmlns:a="http://schemas.openxmlformats.org/drawingml/2006/main" xmlns:r="http://schemas.openxmlformats.org/officeDocument/2006/relationships" xmlns:p="http://schemas.openxmlformats.org/presentationml/2006/main">
+  <p:cSld>
+    <p:spTree>
+      <p:nvGrpSpPr>
+        <p:cNvPr id="1" name=""/>
+        <p:cNvGrpSpPr/>
+        <p:nvPr/>
+      </p:nvGrpSpPr>
+      <p:grpSpPr>
+        <a:xfrm>
+          <a:off x="0" y="0"/>
+          <a:ext cx="0" cy="0"/>
+          <a:chOff x="0" y="0"/>
+          <a:chExt cx="0" cy="0"/>
+        </a:xfrm>
+      </p:grpSpPr>
+      <p:sp>
+        <p:nvSpPr>
+          <p:cNvPr id="2" name="标题 1"/>
+          <p:cNvSpPr>
+            <a:spLocks noGrp="1"/>
+          </p:cNvSpPr>
+          <p:nvPr>
+            <p:ph type="title"/>
+          </p:nvPr>
+        </p:nvSpPr>
+        <p:spPr/>
+        <p:txBody>
+          <a:bodyPr/>
+          <a:lstStyle/>
+          <a:p>
+            <a:r>
+              <a:rPr kumimoji="1" lang="en-US" altLang="zh-CN" dirty="0" smtClean="0"/>
+              <a:t>Audio</a:t>
+            </a:r>
+            <a:endParaRPr kumimoji="1" lang="zh-CN" altLang="en-US" dirty="0"/>
+          </a:p>
+        </p:txBody>
+      </p:sp>
+      <p:sp>
+        <p:nvSpPr>
+          <p:cNvPr id="3" name="内容占位符 2"/>
+          <p:cNvSpPr>
+            <a:spLocks noGrp="1"/>
+          </p:cNvSpPr>
+          <p:nvPr>
+            <p:ph idx="1"/>
+          </p:nvPr>
+        </p:nvSpPr>
+        <p:spPr/>
+        <p:txBody>
+          <a:bodyPr/>
+          <a:lstStyle/>
+          <a:p>
+            <a:r>
+              <a:rPr kumimoji="1" lang="zh-CN" altLang="en-US" dirty="0" smtClean="0"/>
+              <a:t>在页面中插入</a:t>
+            </a:r>
+            <a:r>
+              <a:rPr kumimoji="1" lang="en-US" altLang="zh-CN" dirty="0" smtClean="0"/>
+              <a:t>Audio</a:t>
+            </a:r>
+            <a:r>
+              <a:rPr kumimoji="1" lang="zh-CN" altLang="en-US" dirty="0" smtClean="0"/>
+              <a:t>标签</a:t>
+            </a:r>
+            <a:endParaRPr kumimoji="1" lang="en-US" altLang="zh-CN" dirty="0" smtClean="0"/>
+          </a:p>
+          <a:p>
+            <a:r>
+              <a:rPr kumimoji="1" lang="zh-CN" altLang="en-US" dirty="0" smtClean="0"/>
+              <a:t>浏览器适配</a:t>
+            </a:r>
+            <a:endParaRPr kumimoji="1" lang="en-US" altLang="zh-CN" dirty="0" smtClean="0"/>
+          </a:p>
+          <a:p>
+            <a:r>
+              <a:rPr kumimoji="1" lang="zh-CN" altLang="en-US" dirty="0" smtClean="0"/>
+              <a:t>用代码控制音频播放</a:t>
+            </a:r>
+            <a:endParaRPr kumimoji="1" lang="zh-CN" altLang="en-US" dirty="0"/>
+          </a:p>
+        </p:txBody>
+      </p:sp>
+    </p:spTree>
+    <p:extLst>
+      <p:ext uri="{BB962C8B-B14F-4D97-AF65-F5344CB8AC3E}">
+        <p14:creationId xmlns:p14="http://schemas.microsoft.com/office/powerpoint/2010/main" val="2882053880"/>
+      </p:ext>
+    </p:extLst>
+  </p:cSld>
+  <p:clrMapOvr>
+    <a:masterClrMapping/>
+  </p:clrMapOvr>
+</p:sld>
+</file>
+
+<file path=ppt/slides/slide38.xml><?xml version="1.0" encoding="utf-8"?>
+<p:sld xmlns:a="http://schemas.openxmlformats.org/drawingml/2006/main" xmlns:r="http://schemas.openxmlformats.org/officeDocument/2006/relationships" xmlns:p="http://schemas.openxmlformats.org/presentationml/2006/main">
+  <p:cSld>
+    <p:spTree>
+      <p:nvGrpSpPr>
+        <p:cNvPr id="1" name=""/>
+        <p:cNvGrpSpPr/>
+        <p:nvPr/>
+      </p:nvGrpSpPr>
+      <p:grpSpPr>
+        <a:xfrm>
+          <a:off x="0" y="0"/>
+          <a:ext cx="0" cy="0"/>
+          <a:chOff x="0" y="0"/>
+          <a:chExt cx="0" cy="0"/>
+        </a:xfrm>
+      </p:grpSpPr>
+      <p:sp>
+        <p:nvSpPr>
+          <p:cNvPr id="2" name="标题 1"/>
+          <p:cNvSpPr>
+            <a:spLocks noGrp="1"/>
+          </p:cNvSpPr>
+          <p:nvPr>
+            <p:ph type="title"/>
+          </p:nvPr>
+        </p:nvSpPr>
+        <p:spPr/>
+        <p:txBody>
+          <a:bodyPr/>
+          <a:lstStyle/>
+          <a:p>
+            <a:r>
+              <a:rPr kumimoji="1" lang="zh-CN" altLang="en-US" dirty="0" smtClean="0"/>
+              <a:t>作业</a:t>
+            </a:r>
+            <a:endParaRPr kumimoji="1" lang="zh-CN" altLang="en-US" dirty="0"/>
+          </a:p>
+        </p:txBody>
+      </p:sp>
+      <p:sp>
+        <p:nvSpPr>
+          <p:cNvPr id="3" name="内容占位符 2"/>
+          <p:cNvSpPr>
+            <a:spLocks noGrp="1"/>
+          </p:cNvSpPr>
+          <p:nvPr>
+            <p:ph idx="1"/>
+          </p:nvPr>
+        </p:nvSpPr>
+        <p:spPr/>
+        <p:txBody>
+          <a:bodyPr/>
+          <a:lstStyle/>
+          <a:p>
+            <a:r>
               <a:rPr kumimoji="1" lang="en-US" altLang="en-US" dirty="0" smtClean="0"/>
               <a:t>同步播放MP3歌词</a:t>
             </a:r>
@@ -6890,7 +7061,7 @@
 </p:sld>
 </file>
 
-<file path=ppt/slides/slide37.xml><?xml version="1.0" encoding="utf-8"?>
+<file path=ppt/slides/slide39.xml><?xml version="1.0" encoding="utf-8"?>
 <p:sld xmlns:a="http://schemas.openxmlformats.org/drawingml/2006/main" xmlns:r="http://schemas.openxmlformats.org/officeDocument/2006/relationships" xmlns:p="http://schemas.openxmlformats.org/presentationml/2006/main">
   <p:cSld>
     <p:spTree>

--- a/Web前端教学记录.pptx
+++ b/Web前端教学记录.pptx
@@ -43,7 +43,9 @@
     <p:sldId id="294" r:id="rId37"/>
     <p:sldId id="289" r:id="rId38"/>
     <p:sldId id="291" r:id="rId39"/>
-    <p:sldId id="292" r:id="rId40"/>
+    <p:sldId id="296" r:id="rId40"/>
+    <p:sldId id="295" r:id="rId41"/>
+    <p:sldId id="292" r:id="rId42"/>
   </p:sldIdLst>
   <p:sldSz cx="9144000" cy="6858000" type="screen4x3"/>
   <p:notesSz cx="6858000" cy="9144000"/>
@@ -201,6 +203,8 @@
           <p14:sldIdLst>
             <p14:sldId id="289"/>
             <p14:sldId id="291"/>
+            <p14:sldId id="296"/>
+            <p14:sldId id="295"/>
           </p14:sldIdLst>
         </p14:section>
         <p14:section name="附加作业" id="{0276C1FC-4F12-C44C-A604-00B09FC2FBCB}">
@@ -7094,8 +7098,12 @@
           <a:lstStyle/>
           <a:p>
             <a:r>
-              <a:rPr kumimoji="1" lang="zh-CN" altLang="en-US" dirty="0" smtClean="0"/>
-              <a:t>实战项目</a:t>
+              <a:rPr kumimoji="1" lang="en-US" altLang="zh-CN" dirty="0" smtClean="0"/>
+              <a:t>HTML5</a:t>
+            </a:r>
+            <a:r>
+              <a:rPr kumimoji="1" lang="zh-CN" altLang="en-US" dirty="0" smtClean="0"/>
+              <a:t>选择器</a:t>
             </a:r>
             <a:endParaRPr kumimoji="1" lang="zh-CN" altLang="en-US" dirty="0"/>
           </a:p>
@@ -7117,8 +7125,27 @@
           <a:lstStyle/>
           <a:p>
             <a:r>
-              <a:rPr kumimoji="1" lang="zh-CN" altLang="en-US" dirty="0" smtClean="0"/>
-              <a:t>科目一考试系统</a:t>
+              <a:rPr lang="en-US" altLang="zh-CN" dirty="0" err="1" smtClean="0"/>
+              <a:t>document.querySelector</a:t>
+            </a:r>
+            <a:r>
+              <a:rPr lang="en-US" altLang="zh-CN" dirty="0" smtClean="0"/>
+              <a:t> </a:t>
+            </a:r>
+            <a:r>
+              <a:rPr lang="zh-CN" altLang="en-US" dirty="0" smtClean="0"/>
+              <a:t>返回第一个匹配的结果</a:t>
+            </a:r>
+            <a:endParaRPr lang="en-US" altLang="zh-CN" dirty="0" smtClean="0"/>
+          </a:p>
+          <a:p>
+            <a:r>
+              <a:rPr lang="en-US" altLang="zh-CN" dirty="0" err="1" smtClean="0"/>
+              <a:t>document.querySelectorAll</a:t>
+            </a:r>
+            <a:r>
+              <a:rPr lang="zh-CN" altLang="en-US" dirty="0" smtClean="0"/>
+              <a:t> 返回一个数组包括所有匹配的结果</a:t>
             </a:r>
             <a:endParaRPr kumimoji="1" lang="zh-CN" altLang="en-US" dirty="0"/>
           </a:p>
@@ -7127,7 +7154,7 @@
     </p:spTree>
     <p:extLst>
       <p:ext uri="{BB962C8B-B14F-4D97-AF65-F5344CB8AC3E}">
-        <p14:creationId xmlns:p14="http://schemas.microsoft.com/office/powerpoint/2010/main" val="1032089496"/>
+        <p14:creationId xmlns:p14="http://schemas.microsoft.com/office/powerpoint/2010/main" val="2855293934"/>
       </p:ext>
     </p:extLst>
   </p:cSld>
@@ -7228,6 +7255,170 @@
       </p:par>
     </p:tnLst>
   </p:timing>
+</p:sld>
+</file>
+
+<file path=ppt/slides/slide40.xml><?xml version="1.0" encoding="utf-8"?>
+<p:sld xmlns:a="http://schemas.openxmlformats.org/drawingml/2006/main" xmlns:r="http://schemas.openxmlformats.org/officeDocument/2006/relationships" xmlns:p="http://schemas.openxmlformats.org/presentationml/2006/main">
+  <p:cSld>
+    <p:spTree>
+      <p:nvGrpSpPr>
+        <p:cNvPr id="1" name=""/>
+        <p:cNvGrpSpPr/>
+        <p:nvPr/>
+      </p:nvGrpSpPr>
+      <p:grpSpPr>
+        <a:xfrm>
+          <a:off x="0" y="0"/>
+          <a:ext cx="0" cy="0"/>
+          <a:chOff x="0" y="0"/>
+          <a:chExt cx="0" cy="0"/>
+        </a:xfrm>
+      </p:grpSpPr>
+      <p:sp>
+        <p:nvSpPr>
+          <p:cNvPr id="2" name="标题 1"/>
+          <p:cNvSpPr>
+            <a:spLocks noGrp="1"/>
+          </p:cNvSpPr>
+          <p:nvPr>
+            <p:ph type="title"/>
+          </p:nvPr>
+        </p:nvSpPr>
+        <p:spPr/>
+        <p:txBody>
+          <a:bodyPr/>
+          <a:lstStyle/>
+          <a:p>
+            <a:r>
+              <a:rPr kumimoji="1" lang="zh-CN" altLang="en-US" dirty="0" smtClean="0"/>
+              <a:t>拖拽</a:t>
+            </a:r>
+            <a:r>
+              <a:rPr kumimoji="1" lang="en-US" altLang="zh-CN" dirty="0" smtClean="0"/>
+              <a:t>API</a:t>
+            </a:r>
+            <a:endParaRPr kumimoji="1" lang="zh-CN" altLang="en-US" dirty="0"/>
+          </a:p>
+        </p:txBody>
+      </p:sp>
+      <p:sp>
+        <p:nvSpPr>
+          <p:cNvPr id="3" name="内容占位符 2"/>
+          <p:cNvSpPr>
+            <a:spLocks noGrp="1"/>
+          </p:cNvSpPr>
+          <p:nvPr>
+            <p:ph idx="1"/>
+          </p:nvPr>
+        </p:nvSpPr>
+        <p:spPr/>
+        <p:txBody>
+          <a:bodyPr/>
+          <a:lstStyle/>
+          <a:p>
+            <a:r>
+              <a:rPr kumimoji="1" lang="zh-CN" altLang="en-US" dirty="0" smtClean="0"/>
+              <a:t>拖动</a:t>
+            </a:r>
+            <a:r>
+              <a:rPr kumimoji="1" lang="en-US" altLang="zh-CN" dirty="0" smtClean="0"/>
+              <a:t>html</a:t>
+            </a:r>
+            <a:r>
+              <a:rPr kumimoji="1" lang="zh-CN" altLang="en-US" dirty="0" smtClean="0"/>
+              <a:t>元素</a:t>
+            </a:r>
+            <a:endParaRPr kumimoji="1" lang="zh-CN" altLang="en-US" dirty="0"/>
+          </a:p>
+        </p:txBody>
+      </p:sp>
+    </p:spTree>
+    <p:extLst>
+      <p:ext uri="{BB962C8B-B14F-4D97-AF65-F5344CB8AC3E}">
+        <p14:creationId xmlns:p14="http://schemas.microsoft.com/office/powerpoint/2010/main" val="1072068644"/>
+      </p:ext>
+    </p:extLst>
+  </p:cSld>
+  <p:clrMapOvr>
+    <a:masterClrMapping/>
+  </p:clrMapOvr>
+</p:sld>
+</file>
+
+<file path=ppt/slides/slide41.xml><?xml version="1.0" encoding="utf-8"?>
+<p:sld xmlns:a="http://schemas.openxmlformats.org/drawingml/2006/main" xmlns:r="http://schemas.openxmlformats.org/officeDocument/2006/relationships" xmlns:p="http://schemas.openxmlformats.org/presentationml/2006/main">
+  <p:cSld>
+    <p:spTree>
+      <p:nvGrpSpPr>
+        <p:cNvPr id="1" name=""/>
+        <p:cNvGrpSpPr/>
+        <p:nvPr/>
+      </p:nvGrpSpPr>
+      <p:grpSpPr>
+        <a:xfrm>
+          <a:off x="0" y="0"/>
+          <a:ext cx="0" cy="0"/>
+          <a:chOff x="0" y="0"/>
+          <a:chExt cx="0" cy="0"/>
+        </a:xfrm>
+      </p:grpSpPr>
+      <p:sp>
+        <p:nvSpPr>
+          <p:cNvPr id="2" name="标题 1"/>
+          <p:cNvSpPr>
+            <a:spLocks noGrp="1"/>
+          </p:cNvSpPr>
+          <p:nvPr>
+            <p:ph type="title"/>
+          </p:nvPr>
+        </p:nvSpPr>
+        <p:spPr/>
+        <p:txBody>
+          <a:bodyPr/>
+          <a:lstStyle/>
+          <a:p>
+            <a:r>
+              <a:rPr kumimoji="1" lang="zh-CN" altLang="en-US" dirty="0" smtClean="0"/>
+              <a:t>实战项目</a:t>
+            </a:r>
+            <a:endParaRPr kumimoji="1" lang="zh-CN" altLang="en-US" dirty="0"/>
+          </a:p>
+        </p:txBody>
+      </p:sp>
+      <p:sp>
+        <p:nvSpPr>
+          <p:cNvPr id="3" name="内容占位符 2"/>
+          <p:cNvSpPr>
+            <a:spLocks noGrp="1"/>
+          </p:cNvSpPr>
+          <p:nvPr>
+            <p:ph idx="1"/>
+          </p:nvPr>
+        </p:nvSpPr>
+        <p:spPr/>
+        <p:txBody>
+          <a:bodyPr/>
+          <a:lstStyle/>
+          <a:p>
+            <a:r>
+              <a:rPr kumimoji="1" lang="zh-CN" altLang="en-US" dirty="0" smtClean="0"/>
+              <a:t>科目一考试系统</a:t>
+            </a:r>
+            <a:endParaRPr kumimoji="1" lang="zh-CN" altLang="en-US" dirty="0"/>
+          </a:p>
+        </p:txBody>
+      </p:sp>
+    </p:spTree>
+    <p:extLst>
+      <p:ext uri="{BB962C8B-B14F-4D97-AF65-F5344CB8AC3E}">
+        <p14:creationId xmlns:p14="http://schemas.microsoft.com/office/powerpoint/2010/main" val="1032089496"/>
+      </p:ext>
+    </p:extLst>
+  </p:cSld>
+  <p:clrMapOvr>
+    <a:masterClrMapping/>
+  </p:clrMapOvr>
 </p:sld>
 </file>
 

--- a/Web前端教学记录.pptx
+++ b/Web前端教学记录.pptx
@@ -40,11 +40,11 @@
     <p:sldId id="288" r:id="rId34"/>
     <p:sldId id="290" r:id="rId35"/>
     <p:sldId id="293" r:id="rId36"/>
-    <p:sldId id="294" r:id="rId37"/>
-    <p:sldId id="289" r:id="rId38"/>
-    <p:sldId id="291" r:id="rId39"/>
-    <p:sldId id="296" r:id="rId40"/>
-    <p:sldId id="295" r:id="rId41"/>
+    <p:sldId id="289" r:id="rId37"/>
+    <p:sldId id="291" r:id="rId38"/>
+    <p:sldId id="296" r:id="rId39"/>
+    <p:sldId id="295" r:id="rId40"/>
+    <p:sldId id="294" r:id="rId41"/>
     <p:sldId id="292" r:id="rId42"/>
   </p:sldIdLst>
   <p:sldSz cx="9144000" cy="6858000" type="screen4x3"/>
@@ -196,7 +196,6 @@
             <p14:sldId id="288"/>
             <p14:sldId id="290"/>
             <p14:sldId id="293"/>
-            <p14:sldId id="294"/>
           </p14:sldIdLst>
         </p14:section>
         <p14:section name="Web API" id="{16931332-4F48-DB4E-8217-C756E49C3507}">
@@ -205,6 +204,7 @@
             <p14:sldId id="291"/>
             <p14:sldId id="296"/>
             <p14:sldId id="295"/>
+            <p14:sldId id="294"/>
           </p14:sldIdLst>
         </p14:section>
         <p14:section name="附加作业" id="{0276C1FC-4F12-C44C-A604-00B09FC2FBCB}">
@@ -6840,8 +6840,8 @@
           <a:lstStyle/>
           <a:p>
             <a:r>
-              <a:rPr kumimoji="1" lang="zh-CN" altLang="en-US" dirty="0" smtClean="0"/>
-              <a:t>作业</a:t>
+              <a:rPr kumimoji="1" lang="en-US" altLang="zh-CN" dirty="0" smtClean="0"/>
+              <a:t>Audio</a:t>
             </a:r>
             <a:endParaRPr kumimoji="1" lang="zh-CN" altLang="en-US" dirty="0"/>
           </a:p>
@@ -6864,15 +6864,29 @@
           <a:p>
             <a:r>
               <a:rPr kumimoji="1" lang="zh-CN" altLang="en-US" dirty="0" smtClean="0"/>
-              <a:t>使用正则表达解析</a:t>
-            </a:r>
-            <a:r>
-              <a:rPr kumimoji="1" lang="en-US" altLang="zh-CN" dirty="0" err="1" smtClean="0"/>
-              <a:t>ini</a:t>
-            </a:r>
-            <a:r>
-              <a:rPr kumimoji="1" lang="zh-CN" altLang="en-US" dirty="0" smtClean="0"/>
-              <a:t>文件</a:t>
+              <a:t>在页面中插入</a:t>
+            </a:r>
+            <a:r>
+              <a:rPr kumimoji="1" lang="en-US" altLang="zh-CN" dirty="0" smtClean="0"/>
+              <a:t>Audio</a:t>
+            </a:r>
+            <a:r>
+              <a:rPr kumimoji="1" lang="zh-CN" altLang="en-US" dirty="0" smtClean="0"/>
+              <a:t>标签</a:t>
+            </a:r>
+            <a:endParaRPr kumimoji="1" lang="en-US" altLang="zh-CN" dirty="0" smtClean="0"/>
+          </a:p>
+          <a:p>
+            <a:r>
+              <a:rPr kumimoji="1" lang="zh-CN" altLang="en-US" dirty="0" smtClean="0"/>
+              <a:t>浏览器适配</a:t>
+            </a:r>
+            <a:endParaRPr kumimoji="1" lang="en-US" altLang="zh-CN" dirty="0" smtClean="0"/>
+          </a:p>
+          <a:p>
+            <a:r>
+              <a:rPr kumimoji="1" lang="zh-CN" altLang="en-US" dirty="0" smtClean="0"/>
+              <a:t>用代码控制音频播放</a:t>
             </a:r>
             <a:endParaRPr kumimoji="1" lang="zh-CN" altLang="en-US" dirty="0"/>
           </a:p>
@@ -6881,7 +6895,7 @@
     </p:spTree>
     <p:extLst>
       <p:ext uri="{BB962C8B-B14F-4D97-AF65-F5344CB8AC3E}">
-        <p14:creationId xmlns:p14="http://schemas.microsoft.com/office/powerpoint/2010/main" val="3186562600"/>
+        <p14:creationId xmlns:p14="http://schemas.microsoft.com/office/powerpoint/2010/main" val="2882053880"/>
       </p:ext>
     </p:extLst>
   </p:cSld>
@@ -6924,8 +6938,8 @@
           <a:lstStyle/>
           <a:p>
             <a:r>
-              <a:rPr kumimoji="1" lang="en-US" altLang="zh-CN" dirty="0" smtClean="0"/>
-              <a:t>Audio</a:t>
+              <a:rPr kumimoji="1" lang="zh-CN" altLang="en-US" dirty="0" smtClean="0"/>
+              <a:t>作业</a:t>
             </a:r>
             <a:endParaRPr kumimoji="1" lang="zh-CN" altLang="en-US" dirty="0"/>
           </a:p>
@@ -6947,30 +6961,8 @@
           <a:lstStyle/>
           <a:p>
             <a:r>
-              <a:rPr kumimoji="1" lang="zh-CN" altLang="en-US" dirty="0" smtClean="0"/>
-              <a:t>在页面中插入</a:t>
-            </a:r>
-            <a:r>
-              <a:rPr kumimoji="1" lang="en-US" altLang="zh-CN" dirty="0" smtClean="0"/>
-              <a:t>Audio</a:t>
-            </a:r>
-            <a:r>
-              <a:rPr kumimoji="1" lang="zh-CN" altLang="en-US" dirty="0" smtClean="0"/>
-              <a:t>标签</a:t>
-            </a:r>
-            <a:endParaRPr kumimoji="1" lang="en-US" altLang="zh-CN" dirty="0" smtClean="0"/>
-          </a:p>
-          <a:p>
-            <a:r>
-              <a:rPr kumimoji="1" lang="zh-CN" altLang="en-US" dirty="0" smtClean="0"/>
-              <a:t>浏览器适配</a:t>
-            </a:r>
-            <a:endParaRPr kumimoji="1" lang="en-US" altLang="zh-CN" dirty="0" smtClean="0"/>
-          </a:p>
-          <a:p>
-            <a:r>
-              <a:rPr kumimoji="1" lang="zh-CN" altLang="en-US" dirty="0" smtClean="0"/>
-              <a:t>用代码控制音频播放</a:t>
+              <a:rPr kumimoji="1" lang="en-US" altLang="en-US" dirty="0" smtClean="0"/>
+              <a:t>同步播放MP3歌词</a:t>
             </a:r>
             <a:endParaRPr kumimoji="1" lang="zh-CN" altLang="en-US" dirty="0"/>
           </a:p>
@@ -6979,7 +6971,7 @@
     </p:spTree>
     <p:extLst>
       <p:ext uri="{BB962C8B-B14F-4D97-AF65-F5344CB8AC3E}">
-        <p14:creationId xmlns:p14="http://schemas.microsoft.com/office/powerpoint/2010/main" val="2882053880"/>
+        <p14:creationId xmlns:p14="http://schemas.microsoft.com/office/powerpoint/2010/main" val="269254045"/>
       </p:ext>
     </p:extLst>
   </p:cSld>
@@ -7022,8 +7014,12 @@
           <a:lstStyle/>
           <a:p>
             <a:r>
-              <a:rPr kumimoji="1" lang="zh-CN" altLang="en-US" dirty="0" smtClean="0"/>
-              <a:t>作业</a:t>
+              <a:rPr kumimoji="1" lang="en-US" altLang="zh-CN" dirty="0" smtClean="0"/>
+              <a:t>HTML5</a:t>
+            </a:r>
+            <a:r>
+              <a:rPr kumimoji="1" lang="zh-CN" altLang="en-US" dirty="0" smtClean="0"/>
+              <a:t>选择器</a:t>
             </a:r>
             <a:endParaRPr kumimoji="1" lang="zh-CN" altLang="en-US" dirty="0"/>
           </a:p>
@@ -7045,8 +7041,27 @@
           <a:lstStyle/>
           <a:p>
             <a:r>
-              <a:rPr kumimoji="1" lang="en-US" altLang="en-US" dirty="0" smtClean="0"/>
-              <a:t>同步播放MP3歌词</a:t>
+              <a:rPr lang="en-US" altLang="zh-CN" dirty="0" err="1" smtClean="0"/>
+              <a:t>document.querySelector</a:t>
+            </a:r>
+            <a:r>
+              <a:rPr lang="en-US" altLang="zh-CN" dirty="0" smtClean="0"/>
+              <a:t> </a:t>
+            </a:r>
+            <a:r>
+              <a:rPr lang="zh-CN" altLang="en-US" dirty="0" smtClean="0"/>
+              <a:t>返回第一个匹配的结果</a:t>
+            </a:r>
+            <a:endParaRPr lang="en-US" altLang="zh-CN" dirty="0" smtClean="0"/>
+          </a:p>
+          <a:p>
+            <a:r>
+              <a:rPr lang="en-US" altLang="zh-CN" dirty="0" err="1" smtClean="0"/>
+              <a:t>document.querySelectorAll</a:t>
+            </a:r>
+            <a:r>
+              <a:rPr lang="zh-CN" altLang="en-US" dirty="0" smtClean="0"/>
+              <a:t> 返回一个数组包括所有匹配的结果</a:t>
             </a:r>
             <a:endParaRPr kumimoji="1" lang="zh-CN" altLang="en-US" dirty="0"/>
           </a:p>
@@ -7055,7 +7070,7 @@
     </p:spTree>
     <p:extLst>
       <p:ext uri="{BB962C8B-B14F-4D97-AF65-F5344CB8AC3E}">
-        <p14:creationId xmlns:p14="http://schemas.microsoft.com/office/powerpoint/2010/main" val="269254045"/>
+        <p14:creationId xmlns:p14="http://schemas.microsoft.com/office/powerpoint/2010/main" val="2855293934"/>
       </p:ext>
     </p:extLst>
   </p:cSld>
@@ -7098,12 +7113,12 @@
           <a:lstStyle/>
           <a:p>
             <a:r>
-              <a:rPr kumimoji="1" lang="en-US" altLang="zh-CN" dirty="0" smtClean="0"/>
-              <a:t>HTML5</a:t>
-            </a:r>
-            <a:r>
-              <a:rPr kumimoji="1" lang="zh-CN" altLang="en-US" dirty="0" smtClean="0"/>
-              <a:t>选择器</a:t>
+              <a:rPr kumimoji="1" lang="zh-CN" altLang="en-US" dirty="0" smtClean="0"/>
+              <a:t>拖拽</a:t>
+            </a:r>
+            <a:r>
+              <a:rPr kumimoji="1" lang="en-US" altLang="zh-CN" dirty="0" smtClean="0"/>
+              <a:t>API</a:t>
             </a:r>
             <a:endParaRPr kumimoji="1" lang="zh-CN" altLang="en-US" dirty="0"/>
           </a:p>
@@ -7125,27 +7140,38 @@
           <a:lstStyle/>
           <a:p>
             <a:r>
+              <a:rPr kumimoji="1" lang="zh-CN" altLang="en-US" dirty="0" smtClean="0"/>
+              <a:t>拖动</a:t>
+            </a:r>
+            <a:r>
+              <a:rPr kumimoji="1" lang="en-US" altLang="zh-CN" dirty="0" smtClean="0"/>
+              <a:t>html</a:t>
+            </a:r>
+            <a:r>
+              <a:rPr kumimoji="1" lang="zh-CN" altLang="en-US" dirty="0" smtClean="0"/>
+              <a:t>元素</a:t>
+            </a:r>
+            <a:endParaRPr kumimoji="1" lang="en-US" altLang="zh-CN" dirty="0" smtClean="0"/>
+          </a:p>
+          <a:p>
+            <a:r>
+              <a:rPr kumimoji="1" lang="zh-CN" altLang="en-US" dirty="0" smtClean="0"/>
+              <a:t>通过</a:t>
+            </a:r>
+            <a:r>
               <a:rPr lang="en-US" altLang="zh-CN" dirty="0" err="1" smtClean="0"/>
-              <a:t>document.querySelector</a:t>
-            </a:r>
-            <a:r>
-              <a:rPr lang="en-US" altLang="zh-CN" dirty="0" smtClean="0"/>
-              <a:t> </a:t>
+              <a:t>dataTransfer</a:t>
             </a:r>
             <a:r>
               <a:rPr lang="zh-CN" altLang="en-US" dirty="0" smtClean="0"/>
-              <a:t>返回第一个匹配的结果</a:t>
+              <a:t>在事件间传递数据</a:t>
             </a:r>
             <a:endParaRPr lang="en-US" altLang="zh-CN" dirty="0" smtClean="0"/>
           </a:p>
           <a:p>
             <a:r>
-              <a:rPr lang="en-US" altLang="zh-CN" dirty="0" err="1" smtClean="0"/>
-              <a:t>document.querySelectorAll</a:t>
-            </a:r>
-            <a:r>
-              <a:rPr lang="zh-CN" altLang="en-US" dirty="0" smtClean="0"/>
-              <a:t> 返回一个数组包括所有匹配的结果</a:t>
+              <a:rPr kumimoji="1" lang="zh-CN" altLang="en-US" dirty="0" smtClean="0"/>
+              <a:t>将本机文件拖入</a:t>
             </a:r>
             <a:endParaRPr kumimoji="1" lang="zh-CN" altLang="en-US" dirty="0"/>
           </a:p>
@@ -7154,7 +7180,7 @@
     </p:spTree>
     <p:extLst>
       <p:ext uri="{BB962C8B-B14F-4D97-AF65-F5344CB8AC3E}">
-        <p14:creationId xmlns:p14="http://schemas.microsoft.com/office/powerpoint/2010/main" val="2855293934"/>
+        <p14:creationId xmlns:p14="http://schemas.microsoft.com/office/powerpoint/2010/main" val="1072068644"/>
       </p:ext>
     </p:extLst>
   </p:cSld>
@@ -7292,11 +7318,11 @@
           <a:p>
             <a:r>
               <a:rPr kumimoji="1" lang="zh-CN" altLang="en-US" dirty="0" smtClean="0"/>
-              <a:t>拖拽</a:t>
-            </a:r>
-            <a:r>
-              <a:rPr kumimoji="1" lang="en-US" altLang="zh-CN" dirty="0" smtClean="0"/>
-              <a:t>API</a:t>
+              <a:t>作业</a:t>
+            </a:r>
+            <a:r>
+              <a:rPr kumimoji="1" lang="en-US" altLang="zh-CN" dirty="0" smtClean="0"/>
+              <a:t>20160624</a:t>
             </a:r>
             <a:endParaRPr kumimoji="1" lang="zh-CN" altLang="en-US" dirty="0"/>
           </a:p>
@@ -7319,16 +7345,34 @@
           <a:p>
             <a:r>
               <a:rPr kumimoji="1" lang="zh-CN" altLang="en-US" dirty="0" smtClean="0"/>
-              <a:t>拖动</a:t>
-            </a:r>
-            <a:r>
-              <a:rPr kumimoji="1" lang="en-US" altLang="zh-CN" dirty="0" smtClean="0"/>
-              <a:t>html</a:t>
-            </a:r>
-            <a:r>
-              <a:rPr kumimoji="1" lang="zh-CN" altLang="en-US" dirty="0" smtClean="0"/>
-              <a:t>元素</a:t>
-            </a:r>
+              <a:t>使用正则表达解析</a:t>
+            </a:r>
+            <a:r>
+              <a:rPr kumimoji="1" lang="en-US" altLang="zh-CN" dirty="0" err="1" smtClean="0"/>
+              <a:t>ini</a:t>
+            </a:r>
+            <a:r>
+              <a:rPr kumimoji="1" lang="zh-CN" altLang="en-US" dirty="0" smtClean="0"/>
+              <a:t>文件</a:t>
+            </a:r>
+            <a:endParaRPr kumimoji="1" lang="en-US" altLang="zh-CN" dirty="0" smtClean="0"/>
+          </a:p>
+          <a:p>
+            <a:r>
+              <a:rPr kumimoji="1" lang="zh-CN" altLang="en-US" dirty="0" smtClean="0"/>
+              <a:t>拖入多个</a:t>
+            </a:r>
+            <a:r>
+              <a:rPr kumimoji="1" lang="en-US" altLang="zh-CN" dirty="0" smtClean="0"/>
+              <a:t>mp3</a:t>
+            </a:r>
+            <a:r>
+              <a:rPr kumimoji="1" lang="zh-CN" altLang="en-US" dirty="0" smtClean="0"/>
+              <a:t>文件，生成播放列表，可以点击某个文件进行播放</a:t>
+            </a:r>
+            <a:endParaRPr kumimoji="1" lang="en-US" altLang="zh-CN" dirty="0" smtClean="0"/>
+          </a:p>
+          <a:p>
             <a:endParaRPr kumimoji="1" lang="zh-CN" altLang="en-US" dirty="0"/>
           </a:p>
         </p:txBody>
@@ -7336,7 +7380,7 @@
     </p:spTree>
     <p:extLst>
       <p:ext uri="{BB962C8B-B14F-4D97-AF65-F5344CB8AC3E}">
-        <p14:creationId xmlns:p14="http://schemas.microsoft.com/office/powerpoint/2010/main" val="1072068644"/>
+        <p14:creationId xmlns:p14="http://schemas.microsoft.com/office/powerpoint/2010/main" val="3186562600"/>
       </p:ext>
     </p:extLst>
   </p:cSld>

--- a/Web前端教学记录.pptx
+++ b/Web前端教学记录.pptx
@@ -7187,6 +7187,13 @@
   <p:clrMapOvr>
     <a:masterClrMapping/>
   </p:clrMapOvr>
+  <p:timing>
+    <p:tnLst>
+      <p:par>
+        <p:cTn xmlns:p14="http://schemas.microsoft.com/office/powerpoint/2010/main" id="1" dur="indefinite" restart="never" nodeType="tmRoot"/>
+      </p:par>
+    </p:tnLst>
+  </p:timing>
 </p:sld>
 </file>
 
@@ -7338,14 +7345,32 @@
             <p:ph idx="1"/>
           </p:nvPr>
         </p:nvSpPr>
-        <p:spPr/>
-        <p:txBody>
-          <a:bodyPr/>
-          <a:lstStyle/>
-          <a:p>
-            <a:r>
-              <a:rPr kumimoji="1" lang="zh-CN" altLang="en-US" dirty="0" smtClean="0"/>
-              <a:t>使用正则表达解析</a:t>
+        <p:spPr>
+          <a:xfrm>
+            <a:off x="457200" y="1600200"/>
+            <a:ext cx="8229600" cy="622139"/>
+          </a:xfrm>
+        </p:spPr>
+        <p:txBody>
+          <a:bodyPr>
+            <a:normAutofit/>
+          </a:bodyPr>
+          <a:lstStyle/>
+          <a:p>
+            <a:pPr marL="0" indent="0">
+              <a:buNone/>
+            </a:pPr>
+            <a:r>
+              <a:rPr kumimoji="1" lang="en-US" altLang="zh-CN" dirty="0" smtClean="0"/>
+              <a:t>1.</a:t>
+            </a:r>
+            <a:r>
+              <a:rPr kumimoji="1" lang="zh-CN" altLang="en-US" dirty="0" smtClean="0"/>
+              <a:t>使用正则表达</a:t>
+            </a:r>
+            <a:r>
+              <a:rPr kumimoji="1" lang="zh-CN" altLang="en-US" dirty="0" smtClean="0"/>
+              <a:t>解析</a:t>
             </a:r>
             <a:r>
               <a:rPr kumimoji="1" lang="en-US" altLang="zh-CN" dirty="0" err="1" smtClean="0"/>
@@ -7353,30 +7378,329 @@
             </a:r>
             <a:r>
               <a:rPr kumimoji="1" lang="zh-CN" altLang="en-US" dirty="0" smtClean="0"/>
-              <a:t>文件</a:t>
+              <a:t>文</a:t>
+            </a:r>
+            <a:r>
+              <a:rPr kumimoji="1" lang="zh-CN" altLang="en-US" dirty="0" smtClean="0"/>
+              <a:t>件</a:t>
+            </a:r>
+            <a:r>
+              <a:rPr kumimoji="1" lang="zh-CN" altLang="en-US" dirty="0" smtClean="0"/>
+              <a:t>，示意如下</a:t>
             </a:r>
             <a:endParaRPr kumimoji="1" lang="en-US" altLang="zh-CN" dirty="0" smtClean="0"/>
           </a:p>
-          <a:p>
-            <a:r>
-              <a:rPr kumimoji="1" lang="zh-CN" altLang="en-US" dirty="0" smtClean="0"/>
+        </p:txBody>
+      </p:sp>
+      <p:sp>
+        <p:nvSpPr>
+          <p:cNvPr id="5" name="文本框 4"/>
+          <p:cNvSpPr txBox="1"/>
+          <p:nvPr/>
+        </p:nvSpPr>
+        <p:spPr>
+          <a:xfrm>
+            <a:off x="457200" y="5457363"/>
+            <a:ext cx="7501751" cy="1569660"/>
+          </a:xfrm>
+          <a:prstGeom prst="rect">
+            <a:avLst/>
+          </a:prstGeom>
+          <a:noFill/>
+        </p:spPr>
+        <p:txBody>
+          <a:bodyPr wrap="square" rtlCol="0">
+            <a:spAutoFit/>
+          </a:bodyPr>
+          <a:lstStyle/>
+          <a:p>
+            <a:r>
+              <a:rPr kumimoji="1" lang="en-US" altLang="zh-CN" sz="3200" dirty="0" smtClean="0"/>
+              <a:t>2.</a:t>
+            </a:r>
+            <a:r>
+              <a:rPr kumimoji="1" lang="zh-CN" altLang="en-US" sz="3200" dirty="0"/>
               <a:t>拖入多个</a:t>
             </a:r>
             <a:r>
-              <a:rPr kumimoji="1" lang="en-US" altLang="zh-CN" dirty="0" smtClean="0"/>
+              <a:rPr kumimoji="1" lang="en-US" altLang="zh-CN" sz="3200" dirty="0"/>
               <a:t>mp3</a:t>
             </a:r>
             <a:r>
-              <a:rPr kumimoji="1" lang="zh-CN" altLang="en-US" dirty="0" smtClean="0"/>
+              <a:rPr kumimoji="1" lang="zh-CN" altLang="en-US" sz="3200" dirty="0"/>
               <a:t>文件，生成播放列表，可以点击某个文件进行播放</a:t>
             </a:r>
-            <a:endParaRPr kumimoji="1" lang="en-US" altLang="zh-CN" dirty="0" smtClean="0"/>
-          </a:p>
-          <a:p>
+            <a:endParaRPr kumimoji="1" lang="en-US" altLang="zh-CN" sz="3200" dirty="0"/>
+          </a:p>
+          <a:p>
+            <a:endParaRPr kumimoji="1" lang="zh-CN" altLang="en-US" sz="3200" dirty="0"/>
+          </a:p>
+        </p:txBody>
+      </p:sp>
+      <p:sp>
+        <p:nvSpPr>
+          <p:cNvPr id="7" name="文本框 6"/>
+          <p:cNvSpPr txBox="1"/>
+          <p:nvPr/>
+        </p:nvSpPr>
+        <p:spPr>
+          <a:xfrm>
+            <a:off x="793836" y="2440605"/>
+            <a:ext cx="2265764" cy="2308324"/>
+          </a:xfrm>
+          <a:prstGeom prst="rect">
+            <a:avLst/>
+          </a:prstGeom>
+          <a:solidFill>
+            <a:schemeClr val="accent6">
+              <a:lumMod val="40000"/>
+              <a:lumOff val="60000"/>
+            </a:schemeClr>
+          </a:solidFill>
+        </p:spPr>
+        <p:txBody>
+          <a:bodyPr wrap="none" rtlCol="0">
+            <a:spAutoFit/>
+          </a:bodyPr>
+          <a:lstStyle/>
+          <a:p>
+            <a:r>
+              <a:rPr kumimoji="1" lang="en-US" altLang="zh-CN" dirty="0"/>
+              <a:t>[app]</a:t>
+            </a:r>
+          </a:p>
+          <a:p>
+            <a:r>
+              <a:rPr kumimoji="1" lang="en-US" altLang="zh-CN" dirty="0"/>
+              <a:t>name=</a:t>
+            </a:r>
+            <a:r>
+              <a:rPr kumimoji="1" lang="en-US" altLang="zh-CN" dirty="0" err="1"/>
+              <a:t>ucai_app</a:t>
+            </a:r>
+            <a:endParaRPr kumimoji="1" lang="en-US" altLang="zh-CN" dirty="0"/>
+          </a:p>
+          <a:p>
+            <a:r>
+              <a:rPr kumimoji="1" lang="en-US" altLang="zh-CN" dirty="0" err="1"/>
+              <a:t>max_memory</a:t>
+            </a:r>
+            <a:r>
+              <a:rPr kumimoji="1" lang="en-US" altLang="zh-CN" dirty="0"/>
+              <a:t>=512m</a:t>
+            </a:r>
+          </a:p>
+          <a:p>
+            <a:r>
+              <a:rPr kumimoji="1" lang="en-US" altLang="zh-CN" dirty="0" err="1"/>
+              <a:t>single_instance</a:t>
+            </a:r>
+            <a:r>
+              <a:rPr kumimoji="1" lang="en-US" altLang="zh-CN" dirty="0"/>
+              <a:t>=yes</a:t>
+            </a:r>
+          </a:p>
+          <a:p>
+            <a:endParaRPr kumimoji="1" lang="en-US" altLang="zh-CN" dirty="0"/>
+          </a:p>
+          <a:p>
+            <a:r>
+              <a:rPr kumimoji="1" lang="en-US" altLang="zh-CN" dirty="0"/>
+              <a:t>[</a:t>
+            </a:r>
+            <a:r>
+              <a:rPr kumimoji="1" lang="en-US" altLang="zh-CN" dirty="0" err="1"/>
+              <a:t>config</a:t>
+            </a:r>
+            <a:r>
+              <a:rPr kumimoji="1" lang="en-US" altLang="zh-CN" dirty="0"/>
+              <a:t>]</a:t>
+            </a:r>
+          </a:p>
+          <a:p>
+            <a:r>
+              <a:rPr kumimoji="1" lang="en-US" altLang="zh-CN" dirty="0"/>
+              <a:t>window=alpha</a:t>
+            </a:r>
+          </a:p>
+          <a:p>
+            <a:r>
+              <a:rPr kumimoji="1" lang="en-US" altLang="zh-CN" dirty="0" err="1"/>
+              <a:t>window_title</a:t>
+            </a:r>
+            <a:r>
+              <a:rPr kumimoji="1" lang="en-US" altLang="zh-CN" dirty="0"/>
+              <a:t>=My App</a:t>
+            </a:r>
             <a:endParaRPr kumimoji="1" lang="zh-CN" altLang="en-US" dirty="0"/>
           </a:p>
         </p:txBody>
       </p:sp>
+      <p:sp>
+        <p:nvSpPr>
+          <p:cNvPr id="8" name="文本框 7"/>
+          <p:cNvSpPr txBox="1"/>
+          <p:nvPr/>
+        </p:nvSpPr>
+        <p:spPr>
+          <a:xfrm>
+            <a:off x="4637985" y="2140254"/>
+            <a:ext cx="3320966" cy="3416320"/>
+          </a:xfrm>
+          <a:prstGeom prst="rect">
+            <a:avLst/>
+          </a:prstGeom>
+          <a:solidFill>
+            <a:srgbClr val="FCD5B5"/>
+          </a:solidFill>
+        </p:spPr>
+        <p:txBody>
+          <a:bodyPr wrap="none" rtlCol="0">
+            <a:spAutoFit/>
+          </a:bodyPr>
+          <a:lstStyle/>
+          <a:p>
+            <a:r>
+              <a:rPr kumimoji="1" lang="en-US" altLang="zh-CN" dirty="0"/>
+              <a:t>{</a:t>
+            </a:r>
+          </a:p>
+          <a:p>
+            <a:r>
+              <a:rPr kumimoji="1" lang="en-US" altLang="zh-CN" dirty="0"/>
+              <a:t>	app:{</a:t>
+            </a:r>
+          </a:p>
+          <a:p>
+            <a:r>
+              <a:rPr kumimoji="1" lang="en-US" altLang="zh-CN" dirty="0"/>
+              <a:t>		name:"</a:t>
+            </a:r>
+            <a:r>
+              <a:rPr kumimoji="1" lang="en-US" altLang="zh-CN" dirty="0" err="1"/>
+              <a:t>ucai_app</a:t>
+            </a:r>
+            <a:r>
+              <a:rPr kumimoji="1" lang="en-US" altLang="zh-CN" dirty="0"/>
+              <a:t>",</a:t>
+            </a:r>
+          </a:p>
+          <a:p>
+            <a:r>
+              <a:rPr kumimoji="1" lang="en-US" altLang="zh-CN" dirty="0"/>
+              <a:t>		max_memory:"512m",</a:t>
+            </a:r>
+          </a:p>
+          <a:p>
+            <a:r>
+              <a:rPr kumimoji="1" lang="en-US" altLang="zh-CN" dirty="0"/>
+              <a:t>		</a:t>
+            </a:r>
+            <a:r>
+              <a:rPr kumimoji="1" lang="en-US" altLang="zh-CN" dirty="0" err="1"/>
+              <a:t>single_instance:yes</a:t>
+            </a:r>
+            <a:endParaRPr kumimoji="1" lang="en-US" altLang="zh-CN" dirty="0"/>
+          </a:p>
+          <a:p>
+            <a:r>
+              <a:rPr kumimoji="1" lang="en-US" altLang="zh-CN" dirty="0"/>
+              <a:t>	},</a:t>
+            </a:r>
+          </a:p>
+          <a:p>
+            <a:endParaRPr kumimoji="1" lang="en-US" altLang="zh-CN" dirty="0"/>
+          </a:p>
+          <a:p>
+            <a:r>
+              <a:rPr kumimoji="1" lang="en-US" altLang="zh-CN" dirty="0"/>
+              <a:t>	</a:t>
+            </a:r>
+            <a:r>
+              <a:rPr kumimoji="1" lang="en-US" altLang="zh-CN" dirty="0" err="1"/>
+              <a:t>config</a:t>
+            </a:r>
+            <a:r>
+              <a:rPr kumimoji="1" lang="en-US" altLang="zh-CN" dirty="0"/>
+              <a:t>:{</a:t>
+            </a:r>
+          </a:p>
+          <a:p>
+            <a:r>
+              <a:rPr kumimoji="1" lang="en-US" altLang="zh-CN" dirty="0"/>
+              <a:t>		</a:t>
+            </a:r>
+            <a:r>
+              <a:rPr kumimoji="1" lang="en-US" altLang="zh-CN" dirty="0" err="1"/>
+              <a:t>window:"alpha</a:t>
+            </a:r>
+            <a:r>
+              <a:rPr kumimoji="1" lang="en-US" altLang="zh-CN" dirty="0"/>
+              <a:t>",</a:t>
+            </a:r>
+          </a:p>
+          <a:p>
+            <a:r>
+              <a:rPr kumimoji="1" lang="en-US" altLang="zh-CN" dirty="0"/>
+              <a:t>		</a:t>
+            </a:r>
+            <a:r>
+              <a:rPr kumimoji="1" lang="en-US" altLang="zh-CN" dirty="0" err="1"/>
+              <a:t>window_title:"My</a:t>
+            </a:r>
+            <a:r>
+              <a:rPr kumimoji="1" lang="en-US" altLang="zh-CN" dirty="0"/>
+              <a:t> App"</a:t>
+            </a:r>
+          </a:p>
+          <a:p>
+            <a:r>
+              <a:rPr kumimoji="1" lang="en-US" altLang="zh-CN" dirty="0"/>
+              <a:t>	}</a:t>
+            </a:r>
+          </a:p>
+          <a:p>
+            <a:r>
+              <a:rPr kumimoji="1" lang="en-US" altLang="zh-CN" dirty="0"/>
+              <a:t>}</a:t>
+            </a:r>
+            <a:endParaRPr kumimoji="1" lang="zh-CN" altLang="en-US" dirty="0"/>
+          </a:p>
+        </p:txBody>
+      </p:sp>
+      <p:cxnSp>
+        <p:nvCxnSpPr>
+          <p:cNvPr id="10" name="直线箭头连接符 9"/>
+          <p:cNvCxnSpPr/>
+          <p:nvPr/>
+        </p:nvCxnSpPr>
+        <p:spPr>
+          <a:xfrm>
+            <a:off x="3393650" y="3571617"/>
+            <a:ext cx="1111371" cy="0"/>
+          </a:xfrm>
+          <a:prstGeom prst="straightConnector1">
+            <a:avLst/>
+          </a:prstGeom>
+          <a:ln>
+            <a:tailEnd type="arrow"/>
+          </a:ln>
+        </p:spPr>
+        <p:style>
+          <a:lnRef idx="2">
+            <a:schemeClr val="accent1"/>
+          </a:lnRef>
+          <a:fillRef idx="0">
+            <a:schemeClr val="accent1"/>
+          </a:fillRef>
+          <a:effectRef idx="1">
+            <a:schemeClr val="accent1"/>
+          </a:effectRef>
+          <a:fontRef idx="minor">
+            <a:schemeClr val="tx1"/>
+          </a:fontRef>
+        </p:style>
+      </p:cxnSp>
     </p:spTree>
     <p:extLst>
       <p:ext uri="{BB962C8B-B14F-4D97-AF65-F5344CB8AC3E}">
@@ -7387,6 +7711,13 @@
   <p:clrMapOvr>
     <a:masterClrMapping/>
   </p:clrMapOvr>
+  <p:timing>
+    <p:tnLst>
+      <p:par>
+        <p:cTn xmlns:p14="http://schemas.microsoft.com/office/powerpoint/2010/main" id="1" dur="indefinite" restart="never" nodeType="tmRoot"/>
+      </p:par>
+    </p:tnLst>
+  </p:timing>
 </p:sld>
 </file>
 
@@ -7463,6 +7794,13 @@
   <p:clrMapOvr>
     <a:masterClrMapping/>
   </p:clrMapOvr>
+  <p:timing>
+    <p:tnLst>
+      <p:par>
+        <p:cTn xmlns:p14="http://schemas.microsoft.com/office/powerpoint/2010/main" id="1" dur="indefinite" restart="never" nodeType="tmRoot"/>
+      </p:par>
+    </p:tnLst>
+  </p:timing>
 </p:sld>
 </file>
 

--- a/Web前端教学记录.pptx
+++ b/Web前端教学记录.pptx
@@ -45,7 +45,10 @@
     <p:sldId id="296" r:id="rId39"/>
     <p:sldId id="295" r:id="rId40"/>
     <p:sldId id="294" r:id="rId41"/>
-    <p:sldId id="292" r:id="rId42"/>
+    <p:sldId id="297" r:id="rId42"/>
+    <p:sldId id="298" r:id="rId43"/>
+    <p:sldId id="299" r:id="rId44"/>
+    <p:sldId id="292" r:id="rId45"/>
   </p:sldIdLst>
   <p:sldSz cx="9144000" cy="6858000" type="screen4x3"/>
   <p:notesSz cx="6858000" cy="9144000"/>
@@ -205,6 +208,9 @@
             <p14:sldId id="296"/>
             <p14:sldId id="295"/>
             <p14:sldId id="294"/>
+            <p14:sldId id="297"/>
+            <p14:sldId id="298"/>
+            <p14:sldId id="299"/>
           </p14:sldIdLst>
         </p14:section>
         <p14:section name="附加作业" id="{0276C1FC-4F12-C44C-A604-00B09FC2FBCB}">
@@ -399,7 +405,7 @@
           <a:p>
             <a:fld id="{C635D755-6113-1D4F-8A58-71A4F06ADD9C}" type="datetimeFigureOut">
               <a:rPr kumimoji="1" lang="zh-CN" altLang="en-US" smtClean="0"/>
-              <a:t>6/24/16</a:t>
+              <a:t>6/27/16</a:t>
             </a:fld>
             <a:endParaRPr kumimoji="1" lang="zh-CN" altLang="en-US"/>
           </a:p>
@@ -569,7 +575,7 @@
           <a:p>
             <a:fld id="{C635D755-6113-1D4F-8A58-71A4F06ADD9C}" type="datetimeFigureOut">
               <a:rPr kumimoji="1" lang="zh-CN" altLang="en-US" smtClean="0"/>
-              <a:t>6/24/16</a:t>
+              <a:t>6/27/16</a:t>
             </a:fld>
             <a:endParaRPr kumimoji="1" lang="zh-CN" altLang="en-US"/>
           </a:p>
@@ -749,7 +755,7 @@
           <a:p>
             <a:fld id="{C635D755-6113-1D4F-8A58-71A4F06ADD9C}" type="datetimeFigureOut">
               <a:rPr kumimoji="1" lang="zh-CN" altLang="en-US" smtClean="0"/>
-              <a:t>6/24/16</a:t>
+              <a:t>6/27/16</a:t>
             </a:fld>
             <a:endParaRPr kumimoji="1" lang="zh-CN" altLang="en-US"/>
           </a:p>
@@ -919,7 +925,7 @@
           <a:p>
             <a:fld id="{C635D755-6113-1D4F-8A58-71A4F06ADD9C}" type="datetimeFigureOut">
               <a:rPr kumimoji="1" lang="zh-CN" altLang="en-US" smtClean="0"/>
-              <a:t>6/24/16</a:t>
+              <a:t>6/27/16</a:t>
             </a:fld>
             <a:endParaRPr kumimoji="1" lang="zh-CN" altLang="en-US"/>
           </a:p>
@@ -1165,7 +1171,7 @@
           <a:p>
             <a:fld id="{C635D755-6113-1D4F-8A58-71A4F06ADD9C}" type="datetimeFigureOut">
               <a:rPr kumimoji="1" lang="zh-CN" altLang="en-US" smtClean="0"/>
-              <a:t>6/24/16</a:t>
+              <a:t>6/27/16</a:t>
             </a:fld>
             <a:endParaRPr kumimoji="1" lang="zh-CN" altLang="en-US"/>
           </a:p>
@@ -1453,7 +1459,7 @@
           <a:p>
             <a:fld id="{C635D755-6113-1D4F-8A58-71A4F06ADD9C}" type="datetimeFigureOut">
               <a:rPr kumimoji="1" lang="zh-CN" altLang="en-US" smtClean="0"/>
-              <a:t>6/24/16</a:t>
+              <a:t>6/27/16</a:t>
             </a:fld>
             <a:endParaRPr kumimoji="1" lang="zh-CN" altLang="en-US"/>
           </a:p>
@@ -1875,7 +1881,7 @@
           <a:p>
             <a:fld id="{C635D755-6113-1D4F-8A58-71A4F06ADD9C}" type="datetimeFigureOut">
               <a:rPr kumimoji="1" lang="zh-CN" altLang="en-US" smtClean="0"/>
-              <a:t>6/24/16</a:t>
+              <a:t>6/27/16</a:t>
             </a:fld>
             <a:endParaRPr kumimoji="1" lang="zh-CN" altLang="en-US"/>
           </a:p>
@@ -1993,7 +1999,7 @@
           <a:p>
             <a:fld id="{C635D755-6113-1D4F-8A58-71A4F06ADD9C}" type="datetimeFigureOut">
               <a:rPr kumimoji="1" lang="zh-CN" altLang="en-US" smtClean="0"/>
-              <a:t>6/24/16</a:t>
+              <a:t>6/27/16</a:t>
             </a:fld>
             <a:endParaRPr kumimoji="1" lang="zh-CN" altLang="en-US"/>
           </a:p>
@@ -2088,7 +2094,7 @@
           <a:p>
             <a:fld id="{C635D755-6113-1D4F-8A58-71A4F06ADD9C}" type="datetimeFigureOut">
               <a:rPr kumimoji="1" lang="zh-CN" altLang="en-US" smtClean="0"/>
-              <a:t>6/24/16</a:t>
+              <a:t>6/27/16</a:t>
             </a:fld>
             <a:endParaRPr kumimoji="1" lang="zh-CN" altLang="en-US"/>
           </a:p>
@@ -2365,7 +2371,7 @@
           <a:p>
             <a:fld id="{C635D755-6113-1D4F-8A58-71A4F06ADD9C}" type="datetimeFigureOut">
               <a:rPr kumimoji="1" lang="zh-CN" altLang="en-US" smtClean="0"/>
-              <a:t>6/24/16</a:t>
+              <a:t>6/27/16</a:t>
             </a:fld>
             <a:endParaRPr kumimoji="1" lang="zh-CN" altLang="en-US"/>
           </a:p>
@@ -2618,7 +2624,7 @@
           <a:p>
             <a:fld id="{C635D755-6113-1D4F-8A58-71A4F06ADD9C}" type="datetimeFigureOut">
               <a:rPr kumimoji="1" lang="zh-CN" altLang="en-US" smtClean="0"/>
-              <a:t>6/24/16</a:t>
+              <a:t>6/27/16</a:t>
             </a:fld>
             <a:endParaRPr kumimoji="1" lang="zh-CN" altLang="en-US"/>
           </a:p>
@@ -2831,7 +2837,7 @@
           <a:p>
             <a:fld id="{C635D755-6113-1D4F-8A58-71A4F06ADD9C}" type="datetimeFigureOut">
               <a:rPr kumimoji="1" lang="zh-CN" altLang="en-US" smtClean="0"/>
-              <a:t>6/24/16</a:t>
+              <a:t>6/27/16</a:t>
             </a:fld>
             <a:endParaRPr kumimoji="1" lang="zh-CN" altLang="en-US"/>
           </a:p>
@@ -7366,11 +7372,7 @@
             </a:r>
             <a:r>
               <a:rPr kumimoji="1" lang="zh-CN" altLang="en-US" dirty="0" smtClean="0"/>
-              <a:t>使用正则表达</a:t>
-            </a:r>
-            <a:r>
-              <a:rPr kumimoji="1" lang="zh-CN" altLang="en-US" dirty="0" smtClean="0"/>
-              <a:t>解析</a:t>
+              <a:t>使用正则表达解析</a:t>
             </a:r>
             <a:r>
               <a:rPr kumimoji="1" lang="en-US" altLang="zh-CN" dirty="0" err="1" smtClean="0"/>
@@ -7378,15 +7380,7 @@
             </a:r>
             <a:r>
               <a:rPr kumimoji="1" lang="zh-CN" altLang="en-US" dirty="0" smtClean="0"/>
-              <a:t>文</a:t>
-            </a:r>
-            <a:r>
-              <a:rPr kumimoji="1" lang="zh-CN" altLang="en-US" dirty="0" smtClean="0"/>
-              <a:t>件</a:t>
-            </a:r>
-            <a:r>
-              <a:rPr kumimoji="1" lang="zh-CN" altLang="en-US" dirty="0" smtClean="0"/>
-              <a:t>，示意如下</a:t>
+              <a:t>文件，示意如下</a:t>
             </a:r>
             <a:endParaRPr kumimoji="1" lang="en-US" altLang="zh-CN" dirty="0" smtClean="0"/>
           </a:p>
@@ -7722,6 +7716,409 @@
 </file>
 
 <file path=ppt/slides/slide41.xml><?xml version="1.0" encoding="utf-8"?>
+<p:sld xmlns:a="http://schemas.openxmlformats.org/drawingml/2006/main" xmlns:r="http://schemas.openxmlformats.org/officeDocument/2006/relationships" xmlns:p="http://schemas.openxmlformats.org/presentationml/2006/main">
+  <p:cSld>
+    <p:spTree>
+      <p:nvGrpSpPr>
+        <p:cNvPr id="1" name=""/>
+        <p:cNvGrpSpPr/>
+        <p:nvPr/>
+      </p:nvGrpSpPr>
+      <p:grpSpPr>
+        <a:xfrm>
+          <a:off x="0" y="0"/>
+          <a:ext cx="0" cy="0"/>
+          <a:chOff x="0" y="0"/>
+          <a:chExt cx="0" cy="0"/>
+        </a:xfrm>
+      </p:grpSpPr>
+      <p:sp>
+        <p:nvSpPr>
+          <p:cNvPr id="2" name="标题 1"/>
+          <p:cNvSpPr>
+            <a:spLocks noGrp="1"/>
+          </p:cNvSpPr>
+          <p:nvPr>
+            <p:ph type="title"/>
+          </p:nvPr>
+        </p:nvSpPr>
+        <p:spPr/>
+        <p:txBody>
+          <a:bodyPr/>
+          <a:lstStyle/>
+          <a:p>
+            <a:r>
+              <a:rPr kumimoji="1" lang="zh-CN" altLang="en-US" dirty="0" smtClean="0"/>
+              <a:t>颜色</a:t>
+            </a:r>
+            <a:endParaRPr kumimoji="1" lang="zh-CN" altLang="en-US" dirty="0"/>
+          </a:p>
+        </p:txBody>
+      </p:sp>
+      <p:sp>
+        <p:nvSpPr>
+          <p:cNvPr id="3" name="内容占位符 2"/>
+          <p:cNvSpPr>
+            <a:spLocks noGrp="1"/>
+          </p:cNvSpPr>
+          <p:nvPr>
+            <p:ph idx="1"/>
+          </p:nvPr>
+        </p:nvSpPr>
+        <p:spPr/>
+        <p:txBody>
+          <a:bodyPr/>
+          <a:lstStyle/>
+          <a:p>
+            <a:r>
+              <a:rPr kumimoji="1" lang="en-US" altLang="zh-CN" dirty="0" err="1"/>
+              <a:t>r</a:t>
+            </a:r>
+            <a:r>
+              <a:rPr kumimoji="1" lang="en-US" altLang="zh-CN" dirty="0" err="1" smtClean="0"/>
+              <a:t>gb</a:t>
+            </a:r>
+            <a:r>
+              <a:rPr kumimoji="1" lang="en-US" altLang="zh-CN" dirty="0" smtClean="0"/>
+              <a:t>(</a:t>
+            </a:r>
+            <a:r>
+              <a:rPr kumimoji="1" lang="en-US" altLang="zh-CN" dirty="0" err="1" smtClean="0"/>
+              <a:t>Red,Green,Blue</a:t>
+            </a:r>
+            <a:r>
+              <a:rPr kumimoji="1" lang="en-US" altLang="zh-CN" dirty="0" smtClean="0"/>
+              <a:t>)</a:t>
+            </a:r>
+          </a:p>
+          <a:p>
+            <a:r>
+              <a:rPr kumimoji="1" lang="en-US" altLang="zh-CN" dirty="0" err="1"/>
+              <a:t>r</a:t>
+            </a:r>
+            <a:r>
+              <a:rPr kumimoji="1" lang="en-US" altLang="zh-CN" dirty="0" err="1" smtClean="0"/>
+              <a:t>gba</a:t>
+            </a:r>
+            <a:r>
+              <a:rPr kumimoji="1" lang="en-US" altLang="zh-CN" dirty="0" smtClean="0"/>
+              <a:t>(</a:t>
+            </a:r>
+            <a:r>
+              <a:rPr kumimoji="1" lang="en-US" altLang="zh-CN" dirty="0" err="1" smtClean="0"/>
+              <a:t>Red,Green,Blue,Alpha</a:t>
+            </a:r>
+            <a:r>
+              <a:rPr kumimoji="1" lang="en-US" altLang="zh-CN" dirty="0" smtClean="0"/>
+              <a:t>)(</a:t>
+            </a:r>
+            <a:r>
+              <a:rPr kumimoji="1" lang="en-US" altLang="zh-CN" dirty="0" err="1" smtClean="0"/>
+              <a:t>Int</a:t>
+            </a:r>
+            <a:r>
+              <a:rPr kumimoji="1" lang="en-US" altLang="zh-CN" dirty="0" smtClean="0"/>
+              <a:t>)</a:t>
+            </a:r>
+          </a:p>
+          <a:p>
+            <a:r>
+              <a:rPr kumimoji="1" lang="en-US" altLang="zh-CN" dirty="0" smtClean="0"/>
+              <a:t>1</a:t>
+            </a:r>
+            <a:r>
+              <a:rPr kumimoji="1" lang="zh-CN" altLang="en-US" dirty="0" smtClean="0"/>
+              <a:t>颜色</a:t>
+            </a:r>
+            <a:r>
+              <a:rPr kumimoji="1" lang="en-US" altLang="zh-CN" dirty="0" smtClean="0"/>
+              <a:t>=4</a:t>
+            </a:r>
+            <a:r>
+              <a:rPr kumimoji="1" lang="zh-CN" altLang="en-US" dirty="0" smtClean="0"/>
+              <a:t>字节</a:t>
+            </a:r>
+            <a:r>
+              <a:rPr kumimoji="1" lang="en-US" altLang="zh-CN" dirty="0" smtClean="0"/>
+              <a:t>=32</a:t>
+            </a:r>
+            <a:r>
+              <a:rPr kumimoji="1" lang="zh-CN" altLang="en-US" dirty="0" smtClean="0"/>
+              <a:t>位</a:t>
+            </a:r>
+            <a:endParaRPr kumimoji="1" lang="en-US" altLang="zh-CN" dirty="0" smtClean="0"/>
+          </a:p>
+          <a:p>
+            <a:r>
+              <a:rPr kumimoji="1" lang="en-US" altLang="zh-CN" dirty="0" smtClean="0"/>
+              <a:t>1</a:t>
+            </a:r>
+            <a:r>
+              <a:rPr kumimoji="1" lang="zh-CN" altLang="en-US" dirty="0" smtClean="0"/>
+              <a:t>字节可代表的数值是</a:t>
+            </a:r>
+            <a:r>
+              <a:rPr kumimoji="1" lang="en-US" altLang="zh-CN" dirty="0" smtClean="0"/>
+              <a:t>0-255</a:t>
+            </a:r>
+          </a:p>
+          <a:p>
+            <a:r>
+              <a:rPr kumimoji="1" lang="en-US" altLang="zh-CN" dirty="0" smtClean="0"/>
+              <a:t>1</a:t>
+            </a:r>
+            <a:r>
+              <a:rPr kumimoji="1" lang="zh-CN" altLang="en-US" dirty="0" smtClean="0"/>
+              <a:t>字节</a:t>
+            </a:r>
+            <a:r>
+              <a:rPr kumimoji="1" lang="en-US" altLang="zh-CN" dirty="0" smtClean="0"/>
+              <a:t>=8</a:t>
+            </a:r>
+            <a:r>
+              <a:rPr kumimoji="1" lang="zh-CN" altLang="en-US" dirty="0" smtClean="0"/>
+              <a:t>个二进制位</a:t>
+            </a:r>
+            <a:r>
+              <a:rPr kumimoji="1" lang="en-US" altLang="zh-CN" dirty="0" smtClean="0"/>
+              <a:t>=2</a:t>
+            </a:r>
+            <a:r>
+              <a:rPr kumimoji="1" lang="zh-CN" altLang="en-US" dirty="0" smtClean="0"/>
+              <a:t>个</a:t>
+            </a:r>
+            <a:r>
+              <a:rPr kumimoji="1" lang="en-US" altLang="zh-CN" dirty="0" smtClean="0"/>
+              <a:t>16</a:t>
+            </a:r>
+            <a:r>
+              <a:rPr kumimoji="1" lang="zh-CN" altLang="en-US" dirty="0" smtClean="0"/>
+              <a:t>进制位</a:t>
+            </a:r>
+            <a:endParaRPr kumimoji="1" lang="zh-CN" altLang="en-US" dirty="0"/>
+          </a:p>
+        </p:txBody>
+      </p:sp>
+    </p:spTree>
+    <p:extLst>
+      <p:ext uri="{BB962C8B-B14F-4D97-AF65-F5344CB8AC3E}">
+        <p14:creationId xmlns:p14="http://schemas.microsoft.com/office/powerpoint/2010/main" val="3280081155"/>
+      </p:ext>
+    </p:extLst>
+  </p:cSld>
+  <p:clrMapOvr>
+    <a:masterClrMapping/>
+  </p:clrMapOvr>
+</p:sld>
+</file>
+
+<file path=ppt/slides/slide42.xml><?xml version="1.0" encoding="utf-8"?>
+<p:sld xmlns:a="http://schemas.openxmlformats.org/drawingml/2006/main" xmlns:r="http://schemas.openxmlformats.org/officeDocument/2006/relationships" xmlns:p="http://schemas.openxmlformats.org/presentationml/2006/main">
+  <p:cSld>
+    <p:spTree>
+      <p:nvGrpSpPr>
+        <p:cNvPr id="1" name=""/>
+        <p:cNvGrpSpPr/>
+        <p:nvPr/>
+      </p:nvGrpSpPr>
+      <p:grpSpPr>
+        <a:xfrm>
+          <a:off x="0" y="0"/>
+          <a:ext cx="0" cy="0"/>
+          <a:chOff x="0" y="0"/>
+          <a:chExt cx="0" cy="0"/>
+        </a:xfrm>
+      </p:grpSpPr>
+      <p:sp>
+        <p:nvSpPr>
+          <p:cNvPr id="2" name="标题 1"/>
+          <p:cNvSpPr>
+            <a:spLocks noGrp="1"/>
+          </p:cNvSpPr>
+          <p:nvPr>
+            <p:ph type="title"/>
+          </p:nvPr>
+        </p:nvSpPr>
+        <p:spPr/>
+        <p:txBody>
+          <a:bodyPr/>
+          <a:lstStyle/>
+          <a:p>
+            <a:r>
+              <a:rPr kumimoji="1" lang="en-US" altLang="zh-CN" dirty="0" smtClean="0"/>
+              <a:t>Canvas </a:t>
+            </a:r>
+            <a:r>
+              <a:rPr kumimoji="1" lang="zh-CN" altLang="en-US" dirty="0" smtClean="0"/>
+              <a:t>绘图</a:t>
+            </a:r>
+            <a:r>
+              <a:rPr kumimoji="1" lang="en-US" altLang="zh-CN" dirty="0" smtClean="0"/>
+              <a:t> API</a:t>
+            </a:r>
+            <a:endParaRPr kumimoji="1" lang="zh-CN" altLang="en-US" dirty="0"/>
+          </a:p>
+        </p:txBody>
+      </p:sp>
+      <p:sp>
+        <p:nvSpPr>
+          <p:cNvPr id="3" name="内容占位符 2"/>
+          <p:cNvSpPr>
+            <a:spLocks noGrp="1"/>
+          </p:cNvSpPr>
+          <p:nvPr>
+            <p:ph idx="1"/>
+          </p:nvPr>
+        </p:nvSpPr>
+        <p:spPr/>
+        <p:txBody>
+          <a:bodyPr/>
+          <a:lstStyle/>
+          <a:p>
+            <a:r>
+              <a:rPr kumimoji="1" lang="en-US" altLang="zh-CN" dirty="0" smtClean="0"/>
+              <a:t>API(Application Programming Interface)</a:t>
+            </a:r>
+          </a:p>
+          <a:p>
+            <a:r>
+              <a:rPr kumimoji="1" lang="en-US" altLang="en-US" dirty="0" smtClean="0"/>
+              <a:t>绘制矩形</a:t>
+            </a:r>
+          </a:p>
+          <a:p>
+            <a:r>
+              <a:rPr kumimoji="1" lang="en-US" altLang="en-US" dirty="0" smtClean="0"/>
+              <a:t>绘制圆形</a:t>
+            </a:r>
+          </a:p>
+          <a:p>
+            <a:r>
+              <a:rPr kumimoji="1" lang="zh-CN" altLang="en-US" dirty="0" smtClean="0"/>
+              <a:t>路径的概念</a:t>
+            </a:r>
+            <a:endParaRPr kumimoji="1" lang="en-US" altLang="zh-CN" dirty="0" smtClean="0"/>
+          </a:p>
+          <a:p>
+            <a:r>
+              <a:rPr kumimoji="1" lang="zh-CN" altLang="en-US" dirty="0" smtClean="0"/>
+              <a:t>绘制文字</a:t>
+            </a:r>
+            <a:endParaRPr kumimoji="1" lang="en-US" altLang="zh-CN" dirty="0" smtClean="0"/>
+          </a:p>
+          <a:p>
+            <a:r>
+              <a:rPr kumimoji="1" lang="zh-CN" altLang="en-US" dirty="0" smtClean="0"/>
+              <a:t>绘制图片</a:t>
+            </a:r>
+            <a:endParaRPr kumimoji="1" lang="zh-CN" altLang="en-US" dirty="0"/>
+          </a:p>
+        </p:txBody>
+      </p:sp>
+    </p:spTree>
+    <p:extLst>
+      <p:ext uri="{BB962C8B-B14F-4D97-AF65-F5344CB8AC3E}">
+        <p14:creationId xmlns:p14="http://schemas.microsoft.com/office/powerpoint/2010/main" val="1927763124"/>
+      </p:ext>
+    </p:extLst>
+  </p:cSld>
+  <p:clrMapOvr>
+    <a:masterClrMapping/>
+  </p:clrMapOvr>
+</p:sld>
+</file>
+
+<file path=ppt/slides/slide43.xml><?xml version="1.0" encoding="utf-8"?>
+<p:sld xmlns:a="http://schemas.openxmlformats.org/drawingml/2006/main" xmlns:r="http://schemas.openxmlformats.org/officeDocument/2006/relationships" xmlns:p="http://schemas.openxmlformats.org/presentationml/2006/main">
+  <p:cSld>
+    <p:spTree>
+      <p:nvGrpSpPr>
+        <p:cNvPr id="1" name=""/>
+        <p:cNvGrpSpPr/>
+        <p:nvPr/>
+      </p:nvGrpSpPr>
+      <p:grpSpPr>
+        <a:xfrm>
+          <a:off x="0" y="0"/>
+          <a:ext cx="0" cy="0"/>
+          <a:chOff x="0" y="0"/>
+          <a:chExt cx="0" cy="0"/>
+        </a:xfrm>
+      </p:grpSpPr>
+      <p:sp>
+        <p:nvSpPr>
+          <p:cNvPr id="2" name="标题 1"/>
+          <p:cNvSpPr>
+            <a:spLocks noGrp="1"/>
+          </p:cNvSpPr>
+          <p:nvPr>
+            <p:ph type="title"/>
+          </p:nvPr>
+        </p:nvSpPr>
+        <p:spPr/>
+        <p:txBody>
+          <a:bodyPr/>
+          <a:lstStyle/>
+          <a:p>
+            <a:r>
+              <a:rPr kumimoji="1" lang="en-US" altLang="zh-CN" dirty="0" smtClean="0"/>
+              <a:t>Promise</a:t>
+            </a:r>
+            <a:r>
+              <a:rPr kumimoji="1" lang="zh-CN" altLang="en-US" dirty="0" smtClean="0"/>
+              <a:t>处理异步</a:t>
+            </a:r>
+            <a:endParaRPr kumimoji="1" lang="zh-CN" altLang="en-US" dirty="0"/>
+          </a:p>
+        </p:txBody>
+      </p:sp>
+      <p:sp>
+        <p:nvSpPr>
+          <p:cNvPr id="3" name="内容占位符 2"/>
+          <p:cNvSpPr>
+            <a:spLocks noGrp="1"/>
+          </p:cNvSpPr>
+          <p:nvPr>
+            <p:ph idx="1"/>
+          </p:nvPr>
+        </p:nvSpPr>
+        <p:spPr/>
+        <p:txBody>
+          <a:bodyPr/>
+          <a:lstStyle/>
+          <a:p>
+            <a:r>
+              <a:rPr kumimoji="1" lang="en-US" altLang="zh-CN" dirty="0"/>
+              <a:t>n</a:t>
+            </a:r>
+            <a:r>
+              <a:rPr kumimoji="1" lang="en-US" altLang="zh-CN" dirty="0" smtClean="0"/>
+              <a:t>ew Promise</a:t>
+            </a:r>
+          </a:p>
+          <a:p>
+            <a:r>
+              <a:rPr kumimoji="1" lang="en-US" altLang="zh-CN" dirty="0" err="1" smtClean="0"/>
+              <a:t>Promise.all</a:t>
+            </a:r>
+            <a:endParaRPr kumimoji="1" lang="zh-CN" altLang="en-US" dirty="0"/>
+          </a:p>
+        </p:txBody>
+      </p:sp>
+    </p:spTree>
+    <p:extLst>
+      <p:ext uri="{BB962C8B-B14F-4D97-AF65-F5344CB8AC3E}">
+        <p14:creationId xmlns:p14="http://schemas.microsoft.com/office/powerpoint/2010/main" val="2810921482"/>
+      </p:ext>
+    </p:extLst>
+  </p:cSld>
+  <p:clrMapOvr>
+    <a:masterClrMapping/>
+  </p:clrMapOvr>
+</p:sld>
+</file>
+
+<file path=ppt/slides/slide44.xml><?xml version="1.0" encoding="utf-8"?>
 <p:sld xmlns:a="http://schemas.openxmlformats.org/drawingml/2006/main" xmlns:r="http://schemas.openxmlformats.org/officeDocument/2006/relationships" xmlns:p="http://schemas.openxmlformats.org/presentationml/2006/main">
   <p:cSld>
     <p:spTree>

--- a/Web前端教学记录.pptx
+++ b/Web前端教学记录.pptx
@@ -8010,6 +8010,13 @@
             <a:r>
               <a:rPr kumimoji="1" lang="zh-CN" altLang="en-US" dirty="0" smtClean="0"/>
               <a:t>绘制图片</a:t>
+            </a:r>
+            <a:endParaRPr kumimoji="1" lang="en-US" altLang="zh-CN" dirty="0" smtClean="0"/>
+          </a:p>
+          <a:p>
+            <a:r>
+              <a:rPr kumimoji="1" lang="zh-CN" altLang="en-US" dirty="0" smtClean="0"/>
+              <a:t>图片像素操作</a:t>
             </a:r>
             <a:endParaRPr kumimoji="1" lang="zh-CN" altLang="en-US" dirty="0"/>
           </a:p>

--- a/Web前端教学记录.pptx
+++ b/Web前端教学记录.pptx
@@ -48,7 +48,8 @@
     <p:sldId id="297" r:id="rId42"/>
     <p:sldId id="298" r:id="rId43"/>
     <p:sldId id="299" r:id="rId44"/>
-    <p:sldId id="292" r:id="rId45"/>
+    <p:sldId id="300" r:id="rId45"/>
+    <p:sldId id="292" r:id="rId46"/>
   </p:sldIdLst>
   <p:sldSz cx="9144000" cy="6858000" type="screen4x3"/>
   <p:notesSz cx="6858000" cy="9144000"/>
@@ -211,6 +212,7 @@
             <p14:sldId id="297"/>
             <p14:sldId id="298"/>
             <p14:sldId id="299"/>
+            <p14:sldId id="300"/>
           </p14:sldIdLst>
         </p14:section>
         <p14:section name="附加作业" id="{0276C1FC-4F12-C44C-A604-00B09FC2FBCB}">
@@ -405,7 +407,7 @@
           <a:p>
             <a:fld id="{C635D755-6113-1D4F-8A58-71A4F06ADD9C}" type="datetimeFigureOut">
               <a:rPr kumimoji="1" lang="zh-CN" altLang="en-US" smtClean="0"/>
-              <a:t>6/27/16</a:t>
+              <a:t>6/28/16</a:t>
             </a:fld>
             <a:endParaRPr kumimoji="1" lang="zh-CN" altLang="en-US"/>
           </a:p>
@@ -575,7 +577,7 @@
           <a:p>
             <a:fld id="{C635D755-6113-1D4F-8A58-71A4F06ADD9C}" type="datetimeFigureOut">
               <a:rPr kumimoji="1" lang="zh-CN" altLang="en-US" smtClean="0"/>
-              <a:t>6/27/16</a:t>
+              <a:t>6/28/16</a:t>
             </a:fld>
             <a:endParaRPr kumimoji="1" lang="zh-CN" altLang="en-US"/>
           </a:p>
@@ -755,7 +757,7 @@
           <a:p>
             <a:fld id="{C635D755-6113-1D4F-8A58-71A4F06ADD9C}" type="datetimeFigureOut">
               <a:rPr kumimoji="1" lang="zh-CN" altLang="en-US" smtClean="0"/>
-              <a:t>6/27/16</a:t>
+              <a:t>6/28/16</a:t>
             </a:fld>
             <a:endParaRPr kumimoji="1" lang="zh-CN" altLang="en-US"/>
           </a:p>
@@ -925,7 +927,7 @@
           <a:p>
             <a:fld id="{C635D755-6113-1D4F-8A58-71A4F06ADD9C}" type="datetimeFigureOut">
               <a:rPr kumimoji="1" lang="zh-CN" altLang="en-US" smtClean="0"/>
-              <a:t>6/27/16</a:t>
+              <a:t>6/28/16</a:t>
             </a:fld>
             <a:endParaRPr kumimoji="1" lang="zh-CN" altLang="en-US"/>
           </a:p>
@@ -1171,7 +1173,7 @@
           <a:p>
             <a:fld id="{C635D755-6113-1D4F-8A58-71A4F06ADD9C}" type="datetimeFigureOut">
               <a:rPr kumimoji="1" lang="zh-CN" altLang="en-US" smtClean="0"/>
-              <a:t>6/27/16</a:t>
+              <a:t>6/28/16</a:t>
             </a:fld>
             <a:endParaRPr kumimoji="1" lang="zh-CN" altLang="en-US"/>
           </a:p>
@@ -1459,7 +1461,7 @@
           <a:p>
             <a:fld id="{C635D755-6113-1D4F-8A58-71A4F06ADD9C}" type="datetimeFigureOut">
               <a:rPr kumimoji="1" lang="zh-CN" altLang="en-US" smtClean="0"/>
-              <a:t>6/27/16</a:t>
+              <a:t>6/28/16</a:t>
             </a:fld>
             <a:endParaRPr kumimoji="1" lang="zh-CN" altLang="en-US"/>
           </a:p>
@@ -1881,7 +1883,7 @@
           <a:p>
             <a:fld id="{C635D755-6113-1D4F-8A58-71A4F06ADD9C}" type="datetimeFigureOut">
               <a:rPr kumimoji="1" lang="zh-CN" altLang="en-US" smtClean="0"/>
-              <a:t>6/27/16</a:t>
+              <a:t>6/28/16</a:t>
             </a:fld>
             <a:endParaRPr kumimoji="1" lang="zh-CN" altLang="en-US"/>
           </a:p>
@@ -1999,7 +2001,7 @@
           <a:p>
             <a:fld id="{C635D755-6113-1D4F-8A58-71A4F06ADD9C}" type="datetimeFigureOut">
               <a:rPr kumimoji="1" lang="zh-CN" altLang="en-US" smtClean="0"/>
-              <a:t>6/27/16</a:t>
+              <a:t>6/28/16</a:t>
             </a:fld>
             <a:endParaRPr kumimoji="1" lang="zh-CN" altLang="en-US"/>
           </a:p>
@@ -2094,7 +2096,7 @@
           <a:p>
             <a:fld id="{C635D755-6113-1D4F-8A58-71A4F06ADD9C}" type="datetimeFigureOut">
               <a:rPr kumimoji="1" lang="zh-CN" altLang="en-US" smtClean="0"/>
-              <a:t>6/27/16</a:t>
+              <a:t>6/28/16</a:t>
             </a:fld>
             <a:endParaRPr kumimoji="1" lang="zh-CN" altLang="en-US"/>
           </a:p>
@@ -2371,7 +2373,7 @@
           <a:p>
             <a:fld id="{C635D755-6113-1D4F-8A58-71A4F06ADD9C}" type="datetimeFigureOut">
               <a:rPr kumimoji="1" lang="zh-CN" altLang="en-US" smtClean="0"/>
-              <a:t>6/27/16</a:t>
+              <a:t>6/28/16</a:t>
             </a:fld>
             <a:endParaRPr kumimoji="1" lang="zh-CN" altLang="en-US"/>
           </a:p>
@@ -2624,7 +2626,7 @@
           <a:p>
             <a:fld id="{C635D755-6113-1D4F-8A58-71A4F06ADD9C}" type="datetimeFigureOut">
               <a:rPr kumimoji="1" lang="zh-CN" altLang="en-US" smtClean="0"/>
-              <a:t>6/27/16</a:t>
+              <a:t>6/28/16</a:t>
             </a:fld>
             <a:endParaRPr kumimoji="1" lang="zh-CN" altLang="en-US"/>
           </a:p>
@@ -2837,7 +2839,7 @@
           <a:p>
             <a:fld id="{C635D755-6113-1D4F-8A58-71A4F06ADD9C}" type="datetimeFigureOut">
               <a:rPr kumimoji="1" lang="zh-CN" altLang="en-US" smtClean="0"/>
-              <a:t>6/27/16</a:t>
+              <a:t>6/28/16</a:t>
             </a:fld>
             <a:endParaRPr kumimoji="1" lang="zh-CN" altLang="en-US"/>
           </a:p>
@@ -8126,6 +8128,82 @@
 </file>
 
 <file path=ppt/slides/slide44.xml><?xml version="1.0" encoding="utf-8"?>
+<p:sld xmlns:a="http://schemas.openxmlformats.org/drawingml/2006/main" xmlns:r="http://schemas.openxmlformats.org/officeDocument/2006/relationships" xmlns:p="http://schemas.openxmlformats.org/presentationml/2006/main">
+  <p:cSld>
+    <p:spTree>
+      <p:nvGrpSpPr>
+        <p:cNvPr id="1" name=""/>
+        <p:cNvGrpSpPr/>
+        <p:nvPr/>
+      </p:nvGrpSpPr>
+      <p:grpSpPr>
+        <a:xfrm>
+          <a:off x="0" y="0"/>
+          <a:ext cx="0" cy="0"/>
+          <a:chOff x="0" y="0"/>
+          <a:chExt cx="0" cy="0"/>
+        </a:xfrm>
+      </p:grpSpPr>
+      <p:sp>
+        <p:nvSpPr>
+          <p:cNvPr id="2" name="标题 1"/>
+          <p:cNvSpPr>
+            <a:spLocks noGrp="1"/>
+          </p:cNvSpPr>
+          <p:nvPr>
+            <p:ph type="title"/>
+          </p:nvPr>
+        </p:nvSpPr>
+        <p:spPr/>
+        <p:txBody>
+          <a:bodyPr/>
+          <a:lstStyle/>
+          <a:p>
+            <a:r>
+              <a:rPr kumimoji="1" lang="zh-CN" altLang="en-US" dirty="0" smtClean="0"/>
+              <a:t>作业</a:t>
+            </a:r>
+            <a:endParaRPr kumimoji="1" lang="zh-CN" altLang="en-US" dirty="0"/>
+          </a:p>
+        </p:txBody>
+      </p:sp>
+      <p:sp>
+        <p:nvSpPr>
+          <p:cNvPr id="3" name="内容占位符 2"/>
+          <p:cNvSpPr>
+            <a:spLocks noGrp="1"/>
+          </p:cNvSpPr>
+          <p:nvPr>
+            <p:ph idx="1"/>
+          </p:nvPr>
+        </p:nvSpPr>
+        <p:spPr/>
+        <p:txBody>
+          <a:bodyPr/>
+          <a:lstStyle/>
+          <a:p>
+            <a:r>
+              <a:rPr kumimoji="1" lang="zh-CN" altLang="en-US" dirty="0" smtClean="0"/>
+              <a:t>简易画板</a:t>
+            </a:r>
+            <a:endParaRPr kumimoji="1" lang="zh-CN" altLang="en-US" dirty="0"/>
+          </a:p>
+        </p:txBody>
+      </p:sp>
+    </p:spTree>
+    <p:extLst>
+      <p:ext uri="{BB962C8B-B14F-4D97-AF65-F5344CB8AC3E}">
+        <p14:creationId xmlns:p14="http://schemas.microsoft.com/office/powerpoint/2010/main" val="664735732"/>
+      </p:ext>
+    </p:extLst>
+  </p:cSld>
+  <p:clrMapOvr>
+    <a:masterClrMapping/>
+  </p:clrMapOvr>
+</p:sld>
+</file>
+
+<file path=ppt/slides/slide45.xml><?xml version="1.0" encoding="utf-8"?>
 <p:sld xmlns:a="http://schemas.openxmlformats.org/drawingml/2006/main" xmlns:r="http://schemas.openxmlformats.org/officeDocument/2006/relationships" xmlns:p="http://schemas.openxmlformats.org/presentationml/2006/main">
   <p:cSld>
     <p:spTree>

--- a/Web前端教学记录.pptx
+++ b/Web前端教学记录.pptx
@@ -7941,7 +7941,12 @@
             <p:ph type="title"/>
           </p:nvPr>
         </p:nvSpPr>
-        <p:spPr/>
+        <p:spPr>
+          <a:xfrm>
+            <a:off x="457200" y="0"/>
+            <a:ext cx="8229600" cy="913744"/>
+          </a:xfrm>
+        </p:spPr>
         <p:txBody>
           <a:bodyPr/>
           <a:lstStyle/>
@@ -7972,9 +7977,16 @@
             <p:ph idx="1"/>
           </p:nvPr>
         </p:nvSpPr>
-        <p:spPr/>
-        <p:txBody>
-          <a:bodyPr/>
+        <p:spPr>
+          <a:xfrm>
+            <a:off x="457200" y="705453"/>
+            <a:ext cx="8229600" cy="5542836"/>
+          </a:xfrm>
+        </p:spPr>
+        <p:txBody>
+          <a:bodyPr>
+            <a:normAutofit lnSpcReduction="10000"/>
+          </a:bodyPr>
           <a:lstStyle/>
           <a:p>
             <a:r>
@@ -8018,7 +8030,32 @@
           <a:p>
             <a:r>
               <a:rPr kumimoji="1" lang="zh-CN" altLang="en-US" dirty="0" smtClean="0"/>
-              <a:t>图片像素操作</a:t>
+              <a:t>图片像素</a:t>
+            </a:r>
+            <a:r>
+              <a:rPr kumimoji="1" lang="zh-CN" altLang="en-US" dirty="0" smtClean="0"/>
+              <a:t>操作</a:t>
+            </a:r>
+            <a:endParaRPr kumimoji="1" lang="en-US" altLang="zh-CN" dirty="0" smtClean="0"/>
+          </a:p>
+          <a:p>
+            <a:r>
+              <a:rPr kumimoji="1" lang="zh-CN" altLang="en-US" dirty="0" smtClean="0"/>
+              <a:t>图形变换</a:t>
+            </a:r>
+            <a:endParaRPr kumimoji="1" lang="en-US" altLang="zh-CN" dirty="0" smtClean="0"/>
+          </a:p>
+          <a:p>
+            <a:r>
+              <a:rPr kumimoji="1" lang="zh-CN" altLang="en-US" dirty="0" smtClean="0"/>
+              <a:t>画布状态保存与重置</a:t>
+            </a:r>
+            <a:endParaRPr kumimoji="1" lang="en-US" altLang="zh-CN" dirty="0" smtClean="0"/>
+          </a:p>
+          <a:p>
+            <a:r>
+              <a:rPr kumimoji="1" lang="zh-CN" altLang="en-US" dirty="0" smtClean="0"/>
+              <a:t>遮罩</a:t>
             </a:r>
             <a:endParaRPr kumimoji="1" lang="zh-CN" altLang="en-US" dirty="0"/>
           </a:p>

--- a/Web前端教学记录.pptx
+++ b/Web前端教学记录.pptx
@@ -7980,12 +7980,12 @@
         <p:spPr>
           <a:xfrm>
             <a:off x="457200" y="705453"/>
-            <a:ext cx="8229600" cy="5542836"/>
+            <a:ext cx="8229600" cy="6006418"/>
           </a:xfrm>
         </p:spPr>
         <p:txBody>
           <a:bodyPr>
-            <a:normAutofit lnSpcReduction="10000"/>
+            <a:normAutofit fontScale="92500" lnSpcReduction="10000"/>
           </a:bodyPr>
           <a:lstStyle/>
           <a:p>
@@ -8030,11 +8030,7 @@
           <a:p>
             <a:r>
               <a:rPr kumimoji="1" lang="zh-CN" altLang="en-US" dirty="0" smtClean="0"/>
-              <a:t>图片像素</a:t>
-            </a:r>
-            <a:r>
-              <a:rPr kumimoji="1" lang="zh-CN" altLang="en-US" dirty="0" smtClean="0"/>
-              <a:t>操作</a:t>
+              <a:t>图片像素操作</a:t>
             </a:r>
             <a:endParaRPr kumimoji="1" lang="en-US" altLang="zh-CN" dirty="0" smtClean="0"/>
           </a:p>
@@ -8056,6 +8052,13 @@
             <a:r>
               <a:rPr kumimoji="1" lang="zh-CN" altLang="en-US" dirty="0" smtClean="0"/>
               <a:t>遮罩</a:t>
+            </a:r>
+            <a:endParaRPr kumimoji="1" lang="en-US" altLang="zh-CN" dirty="0" smtClean="0"/>
+          </a:p>
+          <a:p>
+            <a:r>
+              <a:rPr kumimoji="1" lang="zh-CN" altLang="en-US" dirty="0" smtClean="0"/>
+              <a:t>透明</a:t>
             </a:r>
             <a:endParaRPr kumimoji="1" lang="zh-CN" altLang="en-US" dirty="0"/>
           </a:p>
@@ -8221,7 +8224,18 @@
           <a:p>
             <a:r>
               <a:rPr kumimoji="1" lang="zh-CN" altLang="en-US" dirty="0" smtClean="0"/>
-              <a:t>简易画板</a:t>
+              <a:t>简易</a:t>
+            </a:r>
+            <a:r>
+              <a:rPr kumimoji="1" lang="zh-CN" altLang="en-US" dirty="0" smtClean="0"/>
+              <a:t>画板</a:t>
+            </a:r>
+            <a:endParaRPr kumimoji="1" lang="en-US" altLang="zh-CN" dirty="0" smtClean="0"/>
+          </a:p>
+          <a:p>
+            <a:r>
+              <a:rPr kumimoji="1" lang="zh-CN" altLang="en-US" dirty="0" smtClean="0"/>
+              <a:t>新浪微博头像裁剪工具</a:t>
             </a:r>
             <a:endParaRPr kumimoji="1" lang="zh-CN" altLang="en-US" dirty="0"/>
           </a:p>

--- a/Web前端教学记录.pptx
+++ b/Web前端教学记录.pptx
@@ -7985,7 +7985,7 @@
         </p:spPr>
         <p:txBody>
           <a:bodyPr>
-            <a:normAutofit fontScale="92500" lnSpcReduction="10000"/>
+            <a:normAutofit fontScale="92500" lnSpcReduction="20000"/>
           </a:bodyPr>
           <a:lstStyle/>
           <a:p>
@@ -8059,6 +8059,13 @@
             <a:r>
               <a:rPr kumimoji="1" lang="zh-CN" altLang="en-US" dirty="0" smtClean="0"/>
               <a:t>透明</a:t>
+            </a:r>
+            <a:endParaRPr kumimoji="1" lang="en-US" altLang="zh-CN" dirty="0" smtClean="0"/>
+          </a:p>
+          <a:p>
+            <a:r>
+              <a:rPr kumimoji="1" lang="zh-CN" altLang="en-US" dirty="0" smtClean="0"/>
+              <a:t>事件处理</a:t>
             </a:r>
             <a:endParaRPr kumimoji="1" lang="zh-CN" altLang="en-US" dirty="0"/>
           </a:p>

--- a/Web前端教学记录.pptx
+++ b/Web前端教学记录.pptx
@@ -47,9 +47,10 @@
     <p:sldId id="294" r:id="rId41"/>
     <p:sldId id="297" r:id="rId42"/>
     <p:sldId id="298" r:id="rId43"/>
-    <p:sldId id="299" r:id="rId44"/>
-    <p:sldId id="300" r:id="rId45"/>
-    <p:sldId id="292" r:id="rId46"/>
+    <p:sldId id="301" r:id="rId44"/>
+    <p:sldId id="299" r:id="rId45"/>
+    <p:sldId id="300" r:id="rId46"/>
+    <p:sldId id="292" r:id="rId47"/>
   </p:sldIdLst>
   <p:sldSz cx="9144000" cy="6858000" type="screen4x3"/>
   <p:notesSz cx="6858000" cy="9144000"/>
@@ -211,6 +212,7 @@
             <p14:sldId id="294"/>
             <p14:sldId id="297"/>
             <p14:sldId id="298"/>
+            <p14:sldId id="301"/>
             <p14:sldId id="299"/>
             <p14:sldId id="300"/>
           </p14:sldIdLst>
@@ -8118,11 +8120,11 @@
           <a:p>
             <a:r>
               <a:rPr kumimoji="1" lang="en-US" altLang="zh-CN" dirty="0" smtClean="0"/>
-              <a:t>Promise</a:t>
-            </a:r>
-            <a:r>
-              <a:rPr kumimoji="1" lang="zh-CN" altLang="en-US" dirty="0" smtClean="0"/>
-              <a:t>处理异步</a:t>
+              <a:t>What Are You</a:t>
+            </a:r>
+            <a:r>
+              <a:rPr kumimoji="1" lang="zh-CN" altLang="en-US" dirty="0" smtClean="0"/>
+              <a:t>游戏实例</a:t>
             </a:r>
             <a:endParaRPr kumimoji="1" lang="zh-CN" altLang="en-US" dirty="0"/>
           </a:p>
@@ -8144,18 +8146,28 @@
           <a:lstStyle/>
           <a:p>
             <a:r>
+              <a:rPr kumimoji="1" lang="zh-CN" altLang="en-US" dirty="0" smtClean="0"/>
+              <a:t>源码参考</a:t>
+            </a:r>
+            <a:r>
               <a:rPr kumimoji="1" lang="en-US" altLang="zh-CN" dirty="0"/>
-              <a:t>n</a:t>
-            </a:r>
-            <a:r>
-              <a:rPr kumimoji="1" lang="en-US" altLang="zh-CN" dirty="0" smtClean="0"/>
-              <a:t>ew Promise</a:t>
-            </a:r>
-          </a:p>
-          <a:p>
-            <a:r>
-              <a:rPr kumimoji="1" lang="en-US" altLang="zh-CN" dirty="0" err="1" smtClean="0"/>
-              <a:t>Promise.all</a:t>
+              <a:t> </a:t>
+            </a:r>
+            <a:r>
+              <a:rPr kumimoji="1" lang="en-US" altLang="zh-CN" dirty="0">
+                <a:hlinkClick r:id="rId2"/>
+              </a:rPr>
+              <a:t>https://github.com/plter/HTML5Course20160612/tree/master/20160628/</a:t>
+            </a:r>
+            <a:r>
+              <a:rPr kumimoji="1" lang="en-US" altLang="zh-CN" dirty="0" smtClean="0">
+                <a:hlinkClick r:id="rId2"/>
+              </a:rPr>
+              <a:t>WhatAreYou</a:t>
+            </a:r>
+            <a:r>
+              <a:rPr kumimoji="1" lang="en-US" altLang="zh-CN" dirty="0" smtClean="0"/>
+              <a:t> </a:t>
             </a:r>
             <a:endParaRPr kumimoji="1" lang="zh-CN" altLang="en-US" dirty="0"/>
           </a:p>
@@ -8164,7 +8176,7 @@
     </p:spTree>
     <p:extLst>
       <p:ext uri="{BB962C8B-B14F-4D97-AF65-F5344CB8AC3E}">
-        <p14:creationId xmlns:p14="http://schemas.microsoft.com/office/powerpoint/2010/main" val="2810921482"/>
+        <p14:creationId xmlns:p14="http://schemas.microsoft.com/office/powerpoint/2010/main" val="3575163349"/>
       </p:ext>
     </p:extLst>
   </p:cSld>
@@ -8207,6 +8219,96 @@
           <a:lstStyle/>
           <a:p>
             <a:r>
+              <a:rPr kumimoji="1" lang="en-US" altLang="zh-CN" dirty="0" smtClean="0"/>
+              <a:t>Promise</a:t>
+            </a:r>
+            <a:r>
+              <a:rPr kumimoji="1" lang="zh-CN" altLang="en-US" dirty="0" smtClean="0"/>
+              <a:t>处理异步</a:t>
+            </a:r>
+            <a:endParaRPr kumimoji="1" lang="zh-CN" altLang="en-US" dirty="0"/>
+          </a:p>
+        </p:txBody>
+      </p:sp>
+      <p:sp>
+        <p:nvSpPr>
+          <p:cNvPr id="3" name="内容占位符 2"/>
+          <p:cNvSpPr>
+            <a:spLocks noGrp="1"/>
+          </p:cNvSpPr>
+          <p:nvPr>
+            <p:ph idx="1"/>
+          </p:nvPr>
+        </p:nvSpPr>
+        <p:spPr/>
+        <p:txBody>
+          <a:bodyPr/>
+          <a:lstStyle/>
+          <a:p>
+            <a:r>
+              <a:rPr kumimoji="1" lang="en-US" altLang="zh-CN" dirty="0"/>
+              <a:t>n</a:t>
+            </a:r>
+            <a:r>
+              <a:rPr kumimoji="1" lang="en-US" altLang="zh-CN" dirty="0" smtClean="0"/>
+              <a:t>ew Promise</a:t>
+            </a:r>
+          </a:p>
+          <a:p>
+            <a:r>
+              <a:rPr kumimoji="1" lang="en-US" altLang="zh-CN" dirty="0" err="1" smtClean="0"/>
+              <a:t>Promise.all</a:t>
+            </a:r>
+            <a:endParaRPr kumimoji="1" lang="zh-CN" altLang="en-US" dirty="0"/>
+          </a:p>
+        </p:txBody>
+      </p:sp>
+    </p:spTree>
+    <p:extLst>
+      <p:ext uri="{BB962C8B-B14F-4D97-AF65-F5344CB8AC3E}">
+        <p14:creationId xmlns:p14="http://schemas.microsoft.com/office/powerpoint/2010/main" val="2810921482"/>
+      </p:ext>
+    </p:extLst>
+  </p:cSld>
+  <p:clrMapOvr>
+    <a:masterClrMapping/>
+  </p:clrMapOvr>
+</p:sld>
+</file>
+
+<file path=ppt/slides/slide45.xml><?xml version="1.0" encoding="utf-8"?>
+<p:sld xmlns:a="http://schemas.openxmlformats.org/drawingml/2006/main" xmlns:r="http://schemas.openxmlformats.org/officeDocument/2006/relationships" xmlns:p="http://schemas.openxmlformats.org/presentationml/2006/main">
+  <p:cSld>
+    <p:spTree>
+      <p:nvGrpSpPr>
+        <p:cNvPr id="1" name=""/>
+        <p:cNvGrpSpPr/>
+        <p:nvPr/>
+      </p:nvGrpSpPr>
+      <p:grpSpPr>
+        <a:xfrm>
+          <a:off x="0" y="0"/>
+          <a:ext cx="0" cy="0"/>
+          <a:chOff x="0" y="0"/>
+          <a:chExt cx="0" cy="0"/>
+        </a:xfrm>
+      </p:grpSpPr>
+      <p:sp>
+        <p:nvSpPr>
+          <p:cNvPr id="2" name="标题 1"/>
+          <p:cNvSpPr>
+            <a:spLocks noGrp="1"/>
+          </p:cNvSpPr>
+          <p:nvPr>
+            <p:ph type="title"/>
+          </p:nvPr>
+        </p:nvSpPr>
+        <p:spPr/>
+        <p:txBody>
+          <a:bodyPr/>
+          <a:lstStyle/>
+          <a:p>
+            <a:r>
               <a:rPr kumimoji="1" lang="zh-CN" altLang="en-US" dirty="0" smtClean="0"/>
               <a:t>作业</a:t>
             </a:r>
@@ -8261,7 +8363,7 @@
 </p:sld>
 </file>
 
-<file path=ppt/slides/slide45.xml><?xml version="1.0" encoding="utf-8"?>
+<file path=ppt/slides/slide46.xml><?xml version="1.0" encoding="utf-8"?>
 <p:sld xmlns:a="http://schemas.openxmlformats.org/drawingml/2006/main" xmlns:r="http://schemas.openxmlformats.org/officeDocument/2006/relationships" xmlns:p="http://schemas.openxmlformats.org/presentationml/2006/main">
   <p:cSld>
     <p:spTree>

--- a/Web前端教学记录.pptx
+++ b/Web前端教学记录.pptx
@@ -50,7 +50,8 @@
     <p:sldId id="301" r:id="rId44"/>
     <p:sldId id="299" r:id="rId45"/>
     <p:sldId id="300" r:id="rId46"/>
-    <p:sldId id="292" r:id="rId47"/>
+    <p:sldId id="302" r:id="rId47"/>
+    <p:sldId id="292" r:id="rId48"/>
   </p:sldIdLst>
   <p:sldSz cx="9144000" cy="6858000" type="screen4x3"/>
   <p:notesSz cx="6858000" cy="9144000"/>
@@ -215,6 +216,7 @@
             <p14:sldId id="301"/>
             <p14:sldId id="299"/>
             <p14:sldId id="300"/>
+            <p14:sldId id="302"/>
           </p14:sldIdLst>
         </p14:section>
         <p14:section name="附加作业" id="{0276C1FC-4F12-C44C-A604-00B09FC2FBCB}">
@@ -409,7 +411,7 @@
           <a:p>
             <a:fld id="{C635D755-6113-1D4F-8A58-71A4F06ADD9C}" type="datetimeFigureOut">
               <a:rPr kumimoji="1" lang="zh-CN" altLang="en-US" smtClean="0"/>
-              <a:t>6/28/16</a:t>
+              <a:t>6/29/16</a:t>
             </a:fld>
             <a:endParaRPr kumimoji="1" lang="zh-CN" altLang="en-US"/>
           </a:p>
@@ -579,7 +581,7 @@
           <a:p>
             <a:fld id="{C635D755-6113-1D4F-8A58-71A4F06ADD9C}" type="datetimeFigureOut">
               <a:rPr kumimoji="1" lang="zh-CN" altLang="en-US" smtClean="0"/>
-              <a:t>6/28/16</a:t>
+              <a:t>6/29/16</a:t>
             </a:fld>
             <a:endParaRPr kumimoji="1" lang="zh-CN" altLang="en-US"/>
           </a:p>
@@ -759,7 +761,7 @@
           <a:p>
             <a:fld id="{C635D755-6113-1D4F-8A58-71A4F06ADD9C}" type="datetimeFigureOut">
               <a:rPr kumimoji="1" lang="zh-CN" altLang="en-US" smtClean="0"/>
-              <a:t>6/28/16</a:t>
+              <a:t>6/29/16</a:t>
             </a:fld>
             <a:endParaRPr kumimoji="1" lang="zh-CN" altLang="en-US"/>
           </a:p>
@@ -929,7 +931,7 @@
           <a:p>
             <a:fld id="{C635D755-6113-1D4F-8A58-71A4F06ADD9C}" type="datetimeFigureOut">
               <a:rPr kumimoji="1" lang="zh-CN" altLang="en-US" smtClean="0"/>
-              <a:t>6/28/16</a:t>
+              <a:t>6/29/16</a:t>
             </a:fld>
             <a:endParaRPr kumimoji="1" lang="zh-CN" altLang="en-US"/>
           </a:p>
@@ -1175,7 +1177,7 @@
           <a:p>
             <a:fld id="{C635D755-6113-1D4F-8A58-71A4F06ADD9C}" type="datetimeFigureOut">
               <a:rPr kumimoji="1" lang="zh-CN" altLang="en-US" smtClean="0"/>
-              <a:t>6/28/16</a:t>
+              <a:t>6/29/16</a:t>
             </a:fld>
             <a:endParaRPr kumimoji="1" lang="zh-CN" altLang="en-US"/>
           </a:p>
@@ -1463,7 +1465,7 @@
           <a:p>
             <a:fld id="{C635D755-6113-1D4F-8A58-71A4F06ADD9C}" type="datetimeFigureOut">
               <a:rPr kumimoji="1" lang="zh-CN" altLang="en-US" smtClean="0"/>
-              <a:t>6/28/16</a:t>
+              <a:t>6/29/16</a:t>
             </a:fld>
             <a:endParaRPr kumimoji="1" lang="zh-CN" altLang="en-US"/>
           </a:p>
@@ -1885,7 +1887,7 @@
           <a:p>
             <a:fld id="{C635D755-6113-1D4F-8A58-71A4F06ADD9C}" type="datetimeFigureOut">
               <a:rPr kumimoji="1" lang="zh-CN" altLang="en-US" smtClean="0"/>
-              <a:t>6/28/16</a:t>
+              <a:t>6/29/16</a:t>
             </a:fld>
             <a:endParaRPr kumimoji="1" lang="zh-CN" altLang="en-US"/>
           </a:p>
@@ -2003,7 +2005,7 @@
           <a:p>
             <a:fld id="{C635D755-6113-1D4F-8A58-71A4F06ADD9C}" type="datetimeFigureOut">
               <a:rPr kumimoji="1" lang="zh-CN" altLang="en-US" smtClean="0"/>
-              <a:t>6/28/16</a:t>
+              <a:t>6/29/16</a:t>
             </a:fld>
             <a:endParaRPr kumimoji="1" lang="zh-CN" altLang="en-US"/>
           </a:p>
@@ -2098,7 +2100,7 @@
           <a:p>
             <a:fld id="{C635D755-6113-1D4F-8A58-71A4F06ADD9C}" type="datetimeFigureOut">
               <a:rPr kumimoji="1" lang="zh-CN" altLang="en-US" smtClean="0"/>
-              <a:t>6/28/16</a:t>
+              <a:t>6/29/16</a:t>
             </a:fld>
             <a:endParaRPr kumimoji="1" lang="zh-CN" altLang="en-US"/>
           </a:p>
@@ -2375,7 +2377,7 @@
           <a:p>
             <a:fld id="{C635D755-6113-1D4F-8A58-71A4F06ADD9C}" type="datetimeFigureOut">
               <a:rPr kumimoji="1" lang="zh-CN" altLang="en-US" smtClean="0"/>
-              <a:t>6/28/16</a:t>
+              <a:t>6/29/16</a:t>
             </a:fld>
             <a:endParaRPr kumimoji="1" lang="zh-CN" altLang="en-US"/>
           </a:p>
@@ -2628,7 +2630,7 @@
           <a:p>
             <a:fld id="{C635D755-6113-1D4F-8A58-71A4F06ADD9C}" type="datetimeFigureOut">
               <a:rPr kumimoji="1" lang="zh-CN" altLang="en-US" smtClean="0"/>
-              <a:t>6/28/16</a:t>
+              <a:t>6/29/16</a:t>
             </a:fld>
             <a:endParaRPr kumimoji="1" lang="zh-CN" altLang="en-US"/>
           </a:p>
@@ -2841,7 +2843,7 @@
           <a:p>
             <a:fld id="{C635D755-6113-1D4F-8A58-71A4F06ADD9C}" type="datetimeFigureOut">
               <a:rPr kumimoji="1" lang="zh-CN" altLang="en-US" smtClean="0"/>
-              <a:t>6/28/16</a:t>
+              <a:t>6/29/16</a:t>
             </a:fld>
             <a:endParaRPr kumimoji="1" lang="zh-CN" altLang="en-US"/>
           </a:p>
@@ -8333,11 +8335,7 @@
           <a:p>
             <a:r>
               <a:rPr kumimoji="1" lang="zh-CN" altLang="en-US" dirty="0" smtClean="0"/>
-              <a:t>简易</a:t>
-            </a:r>
-            <a:r>
-              <a:rPr kumimoji="1" lang="zh-CN" altLang="en-US" dirty="0" smtClean="0"/>
-              <a:t>画板</a:t>
+              <a:t>简易画板</a:t>
             </a:r>
             <a:endParaRPr kumimoji="1" lang="en-US" altLang="zh-CN" dirty="0" smtClean="0"/>
           </a:p>
@@ -8364,6 +8362,100 @@
 </file>
 
 <file path=ppt/slides/slide46.xml><?xml version="1.0" encoding="utf-8"?>
+<p:sld xmlns:a="http://schemas.openxmlformats.org/drawingml/2006/main" xmlns:r="http://schemas.openxmlformats.org/officeDocument/2006/relationships" xmlns:p="http://schemas.openxmlformats.org/presentationml/2006/main">
+  <p:cSld>
+    <p:spTree>
+      <p:nvGrpSpPr>
+        <p:cNvPr id="1" name=""/>
+        <p:cNvGrpSpPr/>
+        <p:nvPr/>
+      </p:nvGrpSpPr>
+      <p:grpSpPr>
+        <a:xfrm>
+          <a:off x="0" y="0"/>
+          <a:ext cx="0" cy="0"/>
+          <a:chOff x="0" y="0"/>
+          <a:chExt cx="0" cy="0"/>
+        </a:xfrm>
+      </p:grpSpPr>
+      <p:sp>
+        <p:nvSpPr>
+          <p:cNvPr id="2" name="标题 1"/>
+          <p:cNvSpPr>
+            <a:spLocks noGrp="1"/>
+          </p:cNvSpPr>
+          <p:nvPr>
+            <p:ph type="title"/>
+          </p:nvPr>
+        </p:nvSpPr>
+        <p:spPr/>
+        <p:txBody>
+          <a:bodyPr/>
+          <a:lstStyle/>
+          <a:p>
+            <a:r>
+              <a:rPr kumimoji="1" lang="en-US" altLang="zh-CN" dirty="0" smtClean="0"/>
+              <a:t>Canvas </a:t>
+            </a:r>
+            <a:r>
+              <a:rPr kumimoji="1" lang="zh-CN" altLang="en-US" dirty="0" smtClean="0"/>
+              <a:t>图表</a:t>
+            </a:r>
+            <a:endParaRPr kumimoji="1" lang="zh-CN" altLang="en-US" dirty="0"/>
+          </a:p>
+        </p:txBody>
+      </p:sp>
+      <p:sp>
+        <p:nvSpPr>
+          <p:cNvPr id="3" name="内容占位符 2"/>
+          <p:cNvSpPr>
+            <a:spLocks noGrp="1"/>
+          </p:cNvSpPr>
+          <p:nvPr>
+            <p:ph idx="1"/>
+          </p:nvPr>
+        </p:nvSpPr>
+        <p:spPr/>
+        <p:txBody>
+          <a:bodyPr/>
+          <a:lstStyle/>
+          <a:p>
+            <a:r>
+              <a:rPr kumimoji="1" lang="zh-CN" altLang="en-US" dirty="0" smtClean="0"/>
+              <a:t>绘制折线图</a:t>
+            </a:r>
+            <a:endParaRPr kumimoji="1" lang="en-US" altLang="zh-CN" dirty="0" smtClean="0"/>
+          </a:p>
+          <a:p>
+            <a:r>
+              <a:rPr kumimoji="1" lang="zh-CN" altLang="en-US" dirty="0" smtClean="0"/>
+              <a:t>绘制柱状图</a:t>
+            </a:r>
+            <a:endParaRPr kumimoji="1" lang="en-US" altLang="zh-CN" dirty="0" smtClean="0"/>
+          </a:p>
+          <a:p>
+            <a:r>
+              <a:rPr kumimoji="1" lang="zh-CN" altLang="en-US" dirty="0" smtClean="0"/>
+              <a:t>绘制饼形图</a:t>
+            </a:r>
+            <a:endParaRPr kumimoji="1" lang="zh-CN" altLang="en-US" dirty="0"/>
+          </a:p>
+        </p:txBody>
+      </p:sp>
+    </p:spTree>
+    <p:extLst>
+      <p:ext uri="{BB962C8B-B14F-4D97-AF65-F5344CB8AC3E}">
+        <p14:creationId xmlns:p14="http://schemas.microsoft.com/office/powerpoint/2010/main" val="1675287005"/>
+      </p:ext>
+    </p:extLst>
+  </p:cSld>
+  <p:clrMapOvr>
+    <a:masterClrMapping/>
+  </p:clrMapOvr>
+</p:sld>
+</file>
+
+<file path=ppt/slides/slide47.xml><?xml version="1.0" encoding="utf-8"?>
 <p:sld xmlns:a="http://schemas.openxmlformats.org/drawingml/2006/main" xmlns:r="http://schemas.openxmlformats.org/officeDocument/2006/relationships" xmlns:p="http://schemas.openxmlformats.org/presentationml/2006/main">
   <p:cSld>
     <p:spTree>

--- a/Web前端教学记录.pptx
+++ b/Web前端教学记录.pptx
@@ -51,7 +51,9 @@
     <p:sldId id="299" r:id="rId45"/>
     <p:sldId id="300" r:id="rId46"/>
     <p:sldId id="302" r:id="rId47"/>
-    <p:sldId id="292" r:id="rId48"/>
+    <p:sldId id="303" r:id="rId48"/>
+    <p:sldId id="304" r:id="rId49"/>
+    <p:sldId id="292" r:id="rId50"/>
   </p:sldIdLst>
   <p:sldSz cx="9144000" cy="6858000" type="screen4x3"/>
   <p:notesSz cx="6858000" cy="9144000"/>
@@ -217,6 +219,8 @@
             <p14:sldId id="299"/>
             <p14:sldId id="300"/>
             <p14:sldId id="302"/>
+            <p14:sldId id="303"/>
+            <p14:sldId id="304"/>
           </p14:sldIdLst>
         </p14:section>
         <p14:section name="附加作业" id="{0276C1FC-4F12-C44C-A604-00B09FC2FBCB}">
@@ -8456,6 +8460,181 @@
 </file>
 
 <file path=ppt/slides/slide47.xml><?xml version="1.0" encoding="utf-8"?>
+<p:sld xmlns:a="http://schemas.openxmlformats.org/drawingml/2006/main" xmlns:r="http://schemas.openxmlformats.org/officeDocument/2006/relationships" xmlns:p="http://schemas.openxmlformats.org/presentationml/2006/main">
+  <p:cSld>
+    <p:spTree>
+      <p:nvGrpSpPr>
+        <p:cNvPr id="1" name=""/>
+        <p:cNvGrpSpPr/>
+        <p:nvPr/>
+      </p:nvGrpSpPr>
+      <p:grpSpPr>
+        <a:xfrm>
+          <a:off x="0" y="0"/>
+          <a:ext cx="0" cy="0"/>
+          <a:chOff x="0" y="0"/>
+          <a:chExt cx="0" cy="0"/>
+        </a:xfrm>
+      </p:grpSpPr>
+      <p:sp>
+        <p:nvSpPr>
+          <p:cNvPr id="2" name="标题 1"/>
+          <p:cNvSpPr>
+            <a:spLocks noGrp="1"/>
+          </p:cNvSpPr>
+          <p:nvPr>
+            <p:ph type="title"/>
+          </p:nvPr>
+        </p:nvSpPr>
+        <p:spPr/>
+        <p:txBody>
+          <a:bodyPr/>
+          <a:lstStyle/>
+          <a:p>
+            <a:r>
+              <a:rPr kumimoji="1" lang="en-US" altLang="zh-CN" dirty="0" smtClean="0"/>
+              <a:t>Video</a:t>
+            </a:r>
+            <a:endParaRPr kumimoji="1" lang="zh-CN" altLang="en-US" dirty="0"/>
+          </a:p>
+        </p:txBody>
+      </p:sp>
+      <p:sp>
+        <p:nvSpPr>
+          <p:cNvPr id="3" name="内容占位符 2"/>
+          <p:cNvSpPr>
+            <a:spLocks noGrp="1"/>
+          </p:cNvSpPr>
+          <p:nvPr>
+            <p:ph idx="1"/>
+          </p:nvPr>
+        </p:nvSpPr>
+        <p:spPr/>
+        <p:txBody>
+          <a:bodyPr/>
+          <a:lstStyle/>
+          <a:p>
+            <a:r>
+              <a:rPr kumimoji="1" lang="zh-CN" altLang="en-US" dirty="0" smtClean="0"/>
+              <a:t>使用</a:t>
+            </a:r>
+            <a:r>
+              <a:rPr kumimoji="1" lang="en-US" altLang="zh-CN" dirty="0" smtClean="0"/>
+              <a:t>Video</a:t>
+            </a:r>
+            <a:r>
+              <a:rPr kumimoji="1" lang="zh-CN" altLang="en-US" dirty="0" smtClean="0"/>
+              <a:t>标签播放视频</a:t>
+            </a:r>
+            <a:endParaRPr kumimoji="1" lang="en-US" altLang="zh-CN" dirty="0" smtClean="0"/>
+          </a:p>
+          <a:p>
+            <a:r>
+              <a:rPr kumimoji="1" lang="zh-CN" altLang="en-US" dirty="0" smtClean="0"/>
+              <a:t>使用</a:t>
+            </a:r>
+            <a:r>
+              <a:rPr kumimoji="1" lang="en-US" altLang="zh-CN" dirty="0" smtClean="0"/>
+              <a:t>Canvas</a:t>
+            </a:r>
+            <a:r>
+              <a:rPr kumimoji="1" lang="zh-CN" altLang="en-US" dirty="0" smtClean="0"/>
+              <a:t>呈现播放的视频</a:t>
+            </a:r>
+            <a:endParaRPr kumimoji="1" lang="zh-CN" altLang="en-US" dirty="0"/>
+          </a:p>
+        </p:txBody>
+      </p:sp>
+    </p:spTree>
+    <p:extLst>
+      <p:ext uri="{BB962C8B-B14F-4D97-AF65-F5344CB8AC3E}">
+        <p14:creationId xmlns:p14="http://schemas.microsoft.com/office/powerpoint/2010/main" val="520995877"/>
+      </p:ext>
+    </p:extLst>
+  </p:cSld>
+  <p:clrMapOvr>
+    <a:masterClrMapping/>
+  </p:clrMapOvr>
+</p:sld>
+</file>
+
+<file path=ppt/slides/slide48.xml><?xml version="1.0" encoding="utf-8"?>
+<p:sld xmlns:a="http://schemas.openxmlformats.org/drawingml/2006/main" xmlns:r="http://schemas.openxmlformats.org/officeDocument/2006/relationships" xmlns:p="http://schemas.openxmlformats.org/presentationml/2006/main">
+  <p:cSld>
+    <p:spTree>
+      <p:nvGrpSpPr>
+        <p:cNvPr id="1" name=""/>
+        <p:cNvGrpSpPr/>
+        <p:nvPr/>
+      </p:nvGrpSpPr>
+      <p:grpSpPr>
+        <a:xfrm>
+          <a:off x="0" y="0"/>
+          <a:ext cx="0" cy="0"/>
+          <a:chOff x="0" y="0"/>
+          <a:chExt cx="0" cy="0"/>
+        </a:xfrm>
+      </p:grpSpPr>
+      <p:sp>
+        <p:nvSpPr>
+          <p:cNvPr id="2" name="标题 1"/>
+          <p:cNvSpPr>
+            <a:spLocks noGrp="1"/>
+          </p:cNvSpPr>
+          <p:nvPr>
+            <p:ph type="title"/>
+          </p:nvPr>
+        </p:nvSpPr>
+        <p:spPr/>
+        <p:txBody>
+          <a:bodyPr/>
+          <a:lstStyle/>
+          <a:p>
+            <a:r>
+              <a:rPr kumimoji="1" lang="zh-CN" altLang="en-US" dirty="0" smtClean="0"/>
+              <a:t>作业</a:t>
+            </a:r>
+            <a:endParaRPr kumimoji="1" lang="zh-CN" altLang="en-US" dirty="0"/>
+          </a:p>
+        </p:txBody>
+      </p:sp>
+      <p:sp>
+        <p:nvSpPr>
+          <p:cNvPr id="3" name="内容占位符 2"/>
+          <p:cNvSpPr>
+            <a:spLocks noGrp="1"/>
+          </p:cNvSpPr>
+          <p:nvPr>
+            <p:ph idx="1"/>
+          </p:nvPr>
+        </p:nvSpPr>
+        <p:spPr/>
+        <p:txBody>
+          <a:bodyPr/>
+          <a:lstStyle/>
+          <a:p>
+            <a:r>
+              <a:rPr kumimoji="1" lang="zh-CN" altLang="en-US" dirty="0" smtClean="0"/>
+              <a:t>播放视频时呈现彩色与黑白两个画面</a:t>
+            </a:r>
+            <a:endParaRPr kumimoji="1" lang="zh-CN" altLang="en-US" dirty="0"/>
+          </a:p>
+        </p:txBody>
+      </p:sp>
+    </p:spTree>
+    <p:extLst>
+      <p:ext uri="{BB962C8B-B14F-4D97-AF65-F5344CB8AC3E}">
+        <p14:creationId xmlns:p14="http://schemas.microsoft.com/office/powerpoint/2010/main" val="1586187275"/>
+      </p:ext>
+    </p:extLst>
+  </p:cSld>
+  <p:clrMapOvr>
+    <a:masterClrMapping/>
+  </p:clrMapOvr>
+</p:sld>
+</file>
+
+<file path=ppt/slides/slide49.xml><?xml version="1.0" encoding="utf-8"?>
 <p:sld xmlns:a="http://schemas.openxmlformats.org/drawingml/2006/main" xmlns:r="http://schemas.openxmlformats.org/officeDocument/2006/relationships" xmlns:p="http://schemas.openxmlformats.org/presentationml/2006/main">
   <p:cSld>
     <p:spTree>

--- a/Web前端教学记录.pptx
+++ b/Web前端教学记录.pptx
@@ -52,8 +52,9 @@
     <p:sldId id="300" r:id="rId46"/>
     <p:sldId id="302" r:id="rId47"/>
     <p:sldId id="303" r:id="rId48"/>
-    <p:sldId id="304" r:id="rId49"/>
-    <p:sldId id="292" r:id="rId50"/>
+    <p:sldId id="305" r:id="rId49"/>
+    <p:sldId id="304" r:id="rId50"/>
+    <p:sldId id="292" r:id="rId51"/>
   </p:sldIdLst>
   <p:sldSz cx="9144000" cy="6858000" type="screen4x3"/>
   <p:notesSz cx="6858000" cy="9144000"/>
@@ -220,6 +221,7 @@
             <p14:sldId id="300"/>
             <p14:sldId id="302"/>
             <p14:sldId id="303"/>
+            <p14:sldId id="305"/>
             <p14:sldId id="304"/>
           </p14:sldIdLst>
         </p14:section>
@@ -8541,6 +8543,17 @@
               <a:rPr kumimoji="1" lang="zh-CN" altLang="en-US" dirty="0" smtClean="0"/>
               <a:t>呈现播放的视频</a:t>
             </a:r>
+            <a:endParaRPr kumimoji="1" lang="en-US" altLang="zh-CN" dirty="0" smtClean="0"/>
+          </a:p>
+          <a:p>
+            <a:r>
+              <a:rPr kumimoji="1" lang="en-US" altLang="zh-CN" dirty="0" smtClean="0"/>
+              <a:t>Canvas</a:t>
+            </a:r>
+            <a:r>
+              <a:rPr kumimoji="1" lang="zh-CN" altLang="en-US" dirty="0" smtClean="0"/>
+              <a:t>全屏</a:t>
+            </a:r>
             <a:endParaRPr kumimoji="1" lang="zh-CN" altLang="en-US" dirty="0"/>
           </a:p>
         </p:txBody>
@@ -8592,7 +8605,7 @@
           <a:p>
             <a:r>
               <a:rPr kumimoji="1" lang="zh-CN" altLang="en-US" dirty="0" smtClean="0"/>
-              <a:t>作业</a:t>
+              <a:t>摄像头</a:t>
             </a:r>
             <a:endParaRPr kumimoji="1" lang="zh-CN" altLang="en-US" dirty="0"/>
           </a:p>
@@ -8615,7 +8628,15 @@
           <a:p>
             <a:r>
               <a:rPr kumimoji="1" lang="zh-CN" altLang="en-US" dirty="0" smtClean="0"/>
-              <a:t>播放视频时呈现彩色与黑白两个画面</a:t>
+              <a:t>使用</a:t>
+            </a:r>
+            <a:r>
+              <a:rPr kumimoji="1" lang="en-US" altLang="zh-CN" dirty="0" smtClean="0"/>
+              <a:t>video</a:t>
+            </a:r>
+            <a:r>
+              <a:rPr kumimoji="1" lang="zh-CN" altLang="en-US" dirty="0" smtClean="0"/>
+              <a:t>呈现摄像头画面</a:t>
             </a:r>
             <a:endParaRPr kumimoji="1" lang="zh-CN" altLang="en-US" dirty="0"/>
           </a:p>
@@ -8624,7 +8645,7 @@
     </p:spTree>
     <p:extLst>
       <p:ext uri="{BB962C8B-B14F-4D97-AF65-F5344CB8AC3E}">
-        <p14:creationId xmlns:p14="http://schemas.microsoft.com/office/powerpoint/2010/main" val="1586187275"/>
+        <p14:creationId xmlns:p14="http://schemas.microsoft.com/office/powerpoint/2010/main" val="1777113834"/>
       </p:ext>
     </p:extLst>
   </p:cSld>
@@ -8668,7 +8689,7 @@
           <a:p>
             <a:r>
               <a:rPr kumimoji="1" lang="zh-CN" altLang="en-US" dirty="0" smtClean="0"/>
-              <a:t>实战项目</a:t>
+              <a:t>作业</a:t>
             </a:r>
             <a:endParaRPr kumimoji="1" lang="zh-CN" altLang="en-US" dirty="0"/>
           </a:p>
@@ -8691,7 +8712,18 @@
           <a:p>
             <a:r>
               <a:rPr kumimoji="1" lang="zh-CN" altLang="en-US" dirty="0" smtClean="0"/>
-              <a:t>科目一考试系统</a:t>
+              <a:t>播放视频时呈现彩色与黑白两个</a:t>
+            </a:r>
+            <a:r>
+              <a:rPr kumimoji="1" lang="zh-CN" altLang="en-US" dirty="0" smtClean="0"/>
+              <a:t>画面</a:t>
+            </a:r>
+            <a:endParaRPr kumimoji="1" lang="en-US" altLang="zh-CN" dirty="0" smtClean="0"/>
+          </a:p>
+          <a:p>
+            <a:r>
+              <a:rPr kumimoji="1" lang="zh-CN" altLang="en-US" dirty="0" smtClean="0"/>
+              <a:t>照像机</a:t>
             </a:r>
             <a:endParaRPr kumimoji="1" lang="zh-CN" altLang="en-US" dirty="0"/>
           </a:p>
@@ -8700,20 +8732,13 @@
     </p:spTree>
     <p:extLst>
       <p:ext uri="{BB962C8B-B14F-4D97-AF65-F5344CB8AC3E}">
-        <p14:creationId xmlns:p14="http://schemas.microsoft.com/office/powerpoint/2010/main" val="1032089496"/>
+        <p14:creationId xmlns:p14="http://schemas.microsoft.com/office/powerpoint/2010/main" val="1586187275"/>
       </p:ext>
     </p:extLst>
   </p:cSld>
   <p:clrMapOvr>
     <a:masterClrMapping/>
   </p:clrMapOvr>
-  <p:timing>
-    <p:tnLst>
-      <p:par>
-        <p:cTn xmlns:p14="http://schemas.microsoft.com/office/powerpoint/2010/main" id="1" dur="indefinite" restart="never" nodeType="tmRoot"/>
-      </p:par>
-    </p:tnLst>
-  </p:timing>
 </p:sld>
 </file>
 
@@ -8795,6 +8820,89 @@
     <p:extLst>
       <p:ext uri="{BB962C8B-B14F-4D97-AF65-F5344CB8AC3E}">
         <p14:creationId xmlns:p14="http://schemas.microsoft.com/office/powerpoint/2010/main" val="741313723"/>
+      </p:ext>
+    </p:extLst>
+  </p:cSld>
+  <p:clrMapOvr>
+    <a:masterClrMapping/>
+  </p:clrMapOvr>
+  <p:timing>
+    <p:tnLst>
+      <p:par>
+        <p:cTn xmlns:p14="http://schemas.microsoft.com/office/powerpoint/2010/main" id="1" dur="indefinite" restart="never" nodeType="tmRoot"/>
+      </p:par>
+    </p:tnLst>
+  </p:timing>
+</p:sld>
+</file>
+
+<file path=ppt/slides/slide50.xml><?xml version="1.0" encoding="utf-8"?>
+<p:sld xmlns:a="http://schemas.openxmlformats.org/drawingml/2006/main" xmlns:r="http://schemas.openxmlformats.org/officeDocument/2006/relationships" xmlns:p="http://schemas.openxmlformats.org/presentationml/2006/main">
+  <p:cSld>
+    <p:spTree>
+      <p:nvGrpSpPr>
+        <p:cNvPr id="1" name=""/>
+        <p:cNvGrpSpPr/>
+        <p:nvPr/>
+      </p:nvGrpSpPr>
+      <p:grpSpPr>
+        <a:xfrm>
+          <a:off x="0" y="0"/>
+          <a:ext cx="0" cy="0"/>
+          <a:chOff x="0" y="0"/>
+          <a:chExt cx="0" cy="0"/>
+        </a:xfrm>
+      </p:grpSpPr>
+      <p:sp>
+        <p:nvSpPr>
+          <p:cNvPr id="2" name="标题 1"/>
+          <p:cNvSpPr>
+            <a:spLocks noGrp="1"/>
+          </p:cNvSpPr>
+          <p:nvPr>
+            <p:ph type="title"/>
+          </p:nvPr>
+        </p:nvSpPr>
+        <p:spPr/>
+        <p:txBody>
+          <a:bodyPr/>
+          <a:lstStyle/>
+          <a:p>
+            <a:r>
+              <a:rPr kumimoji="1" lang="zh-CN" altLang="en-US" dirty="0" smtClean="0"/>
+              <a:t>实战项目</a:t>
+            </a:r>
+            <a:endParaRPr kumimoji="1" lang="zh-CN" altLang="en-US" dirty="0"/>
+          </a:p>
+        </p:txBody>
+      </p:sp>
+      <p:sp>
+        <p:nvSpPr>
+          <p:cNvPr id="3" name="内容占位符 2"/>
+          <p:cNvSpPr>
+            <a:spLocks noGrp="1"/>
+          </p:cNvSpPr>
+          <p:nvPr>
+            <p:ph idx="1"/>
+          </p:nvPr>
+        </p:nvSpPr>
+        <p:spPr/>
+        <p:txBody>
+          <a:bodyPr/>
+          <a:lstStyle/>
+          <a:p>
+            <a:r>
+              <a:rPr kumimoji="1" lang="zh-CN" altLang="en-US" dirty="0" smtClean="0"/>
+              <a:t>科目一考试系统</a:t>
+            </a:r>
+            <a:endParaRPr kumimoji="1" lang="zh-CN" altLang="en-US" dirty="0"/>
+          </a:p>
+        </p:txBody>
+      </p:sp>
+    </p:spTree>
+    <p:extLst>
+      <p:ext uri="{BB962C8B-B14F-4D97-AF65-F5344CB8AC3E}">
+        <p14:creationId xmlns:p14="http://schemas.microsoft.com/office/powerpoint/2010/main" val="1032089496"/>
       </p:ext>
     </p:extLst>
   </p:cSld>

--- a/Web前端教学记录.pptx
+++ b/Web前端教学记录.pptx
@@ -53,8 +53,9 @@
     <p:sldId id="302" r:id="rId47"/>
     <p:sldId id="303" r:id="rId48"/>
     <p:sldId id="305" r:id="rId49"/>
-    <p:sldId id="304" r:id="rId50"/>
-    <p:sldId id="292" r:id="rId51"/>
+    <p:sldId id="306" r:id="rId50"/>
+    <p:sldId id="304" r:id="rId51"/>
+    <p:sldId id="292" r:id="rId52"/>
   </p:sldIdLst>
   <p:sldSz cx="9144000" cy="6858000" type="screen4x3"/>
   <p:notesSz cx="6858000" cy="9144000"/>
@@ -222,6 +223,7 @@
             <p14:sldId id="302"/>
             <p14:sldId id="303"/>
             <p14:sldId id="305"/>
+            <p14:sldId id="306"/>
             <p14:sldId id="304"/>
           </p14:sldIdLst>
         </p14:section>
@@ -8689,7 +8691,7 @@
           <a:p>
             <a:r>
               <a:rPr kumimoji="1" lang="zh-CN" altLang="en-US" dirty="0" smtClean="0"/>
-              <a:t>作业</a:t>
+              <a:t>测试碰撞</a:t>
             </a:r>
             <a:endParaRPr kumimoji="1" lang="zh-CN" altLang="en-US" dirty="0"/>
           </a:p>
@@ -8712,18 +8714,14 @@
           <a:p>
             <a:r>
               <a:rPr kumimoji="1" lang="zh-CN" altLang="en-US" dirty="0" smtClean="0"/>
-              <a:t>播放视频时呈现彩色与黑白两个</a:t>
-            </a:r>
-            <a:r>
-              <a:rPr kumimoji="1" lang="zh-CN" altLang="en-US" dirty="0" smtClean="0"/>
-              <a:t>画面</a:t>
+              <a:t>游戏中图形测试碰撞原理</a:t>
             </a:r>
             <a:endParaRPr kumimoji="1" lang="en-US" altLang="zh-CN" dirty="0" smtClean="0"/>
           </a:p>
           <a:p>
             <a:r>
               <a:rPr kumimoji="1" lang="zh-CN" altLang="en-US" dirty="0" smtClean="0"/>
-              <a:t>照像机</a:t>
+              <a:t>图片像素级测试碰撞</a:t>
             </a:r>
             <a:endParaRPr kumimoji="1" lang="zh-CN" altLang="en-US" dirty="0"/>
           </a:p>
@@ -8732,13 +8730,20 @@
     </p:spTree>
     <p:extLst>
       <p:ext uri="{BB962C8B-B14F-4D97-AF65-F5344CB8AC3E}">
-        <p14:creationId xmlns:p14="http://schemas.microsoft.com/office/powerpoint/2010/main" val="1586187275"/>
+        <p14:creationId xmlns:p14="http://schemas.microsoft.com/office/powerpoint/2010/main" val="3533081753"/>
       </p:ext>
     </p:extLst>
   </p:cSld>
   <p:clrMapOvr>
     <a:masterClrMapping/>
   </p:clrMapOvr>
+  <p:timing>
+    <p:tnLst>
+      <p:par>
+        <p:cTn xmlns:p14="http://schemas.microsoft.com/office/powerpoint/2010/main" id="1" dur="indefinite" restart="never" nodeType="tmRoot"/>
+      </p:par>
+    </p:tnLst>
+  </p:timing>
 </p:sld>
 </file>
 
@@ -8837,6 +8842,473 @@
 </file>
 
 <file path=ppt/slides/slide50.xml><?xml version="1.0" encoding="utf-8"?>
+<p:sld xmlns:a="http://schemas.openxmlformats.org/drawingml/2006/main" xmlns:r="http://schemas.openxmlformats.org/officeDocument/2006/relationships" xmlns:p="http://schemas.openxmlformats.org/presentationml/2006/main">
+  <p:cSld>
+    <p:spTree>
+      <p:nvGrpSpPr>
+        <p:cNvPr id="1" name=""/>
+        <p:cNvGrpSpPr/>
+        <p:nvPr/>
+      </p:nvGrpSpPr>
+      <p:grpSpPr>
+        <a:xfrm>
+          <a:off x="0" y="0"/>
+          <a:ext cx="0" cy="0"/>
+          <a:chOff x="0" y="0"/>
+          <a:chExt cx="0" cy="0"/>
+        </a:xfrm>
+      </p:grpSpPr>
+      <p:sp>
+        <p:nvSpPr>
+          <p:cNvPr id="2" name="标题 1"/>
+          <p:cNvSpPr>
+            <a:spLocks noGrp="1"/>
+          </p:cNvSpPr>
+          <p:nvPr>
+            <p:ph type="title"/>
+          </p:nvPr>
+        </p:nvSpPr>
+        <p:spPr>
+          <a:xfrm>
+            <a:off x="457200" y="-161886"/>
+            <a:ext cx="8229600" cy="1143000"/>
+          </a:xfrm>
+        </p:spPr>
+        <p:txBody>
+          <a:bodyPr/>
+          <a:lstStyle/>
+          <a:p>
+            <a:r>
+              <a:rPr kumimoji="1" lang="zh-CN" altLang="en-US" dirty="0" smtClean="0"/>
+              <a:t>作业</a:t>
+            </a:r>
+            <a:endParaRPr kumimoji="1" lang="zh-CN" altLang="en-US" dirty="0"/>
+          </a:p>
+        </p:txBody>
+      </p:sp>
+      <p:sp>
+        <p:nvSpPr>
+          <p:cNvPr id="3" name="内容占位符 2"/>
+          <p:cNvSpPr>
+            <a:spLocks noGrp="1"/>
+          </p:cNvSpPr>
+          <p:nvPr>
+            <p:ph idx="1"/>
+          </p:nvPr>
+        </p:nvSpPr>
+        <p:spPr>
+          <a:xfrm>
+            <a:off x="457200" y="846204"/>
+            <a:ext cx="8229600" cy="1872193"/>
+          </a:xfrm>
+        </p:spPr>
+        <p:txBody>
+          <a:bodyPr/>
+          <a:lstStyle/>
+          <a:p>
+            <a:r>
+              <a:rPr kumimoji="1" lang="zh-CN" altLang="en-US" dirty="0" smtClean="0"/>
+              <a:t>播放视频时呈现彩色与黑白两个</a:t>
+            </a:r>
+            <a:r>
+              <a:rPr kumimoji="1" lang="zh-CN" altLang="en-US" dirty="0" smtClean="0"/>
+              <a:t>画面</a:t>
+            </a:r>
+            <a:endParaRPr kumimoji="1" lang="en-US" altLang="zh-CN" dirty="0" smtClean="0"/>
+          </a:p>
+          <a:p>
+            <a:r>
+              <a:rPr kumimoji="1" lang="zh-CN" altLang="en-US" dirty="0" smtClean="0"/>
+              <a:t>照像机</a:t>
+            </a:r>
+            <a:endParaRPr kumimoji="1" lang="en-US" altLang="zh-CN" dirty="0" smtClean="0"/>
+          </a:p>
+          <a:p>
+            <a:r>
+              <a:rPr kumimoji="1" lang="zh-CN" altLang="en-US" dirty="0" smtClean="0"/>
+              <a:t>根据数据生成柱状图，</a:t>
+            </a:r>
+            <a:r>
+              <a:rPr kumimoji="1" lang="en-US" altLang="en-US" dirty="0" smtClean="0"/>
+              <a:t>如下所示</a:t>
+            </a:r>
+          </a:p>
+          <a:p>
+            <a:pPr marL="0" indent="0">
+              <a:buNone/>
+            </a:pPr>
+            <a:endParaRPr kumimoji="1" lang="en-US" altLang="zh-CN" dirty="0"/>
+          </a:p>
+        </p:txBody>
+      </p:sp>
+      <p:sp>
+        <p:nvSpPr>
+          <p:cNvPr id="4" name="文本框 3"/>
+          <p:cNvSpPr txBox="1"/>
+          <p:nvPr/>
+        </p:nvSpPr>
+        <p:spPr>
+          <a:xfrm>
+            <a:off x="1170908" y="2639037"/>
+            <a:ext cx="5894234" cy="923330"/>
+          </a:xfrm>
+          <a:prstGeom prst="rect">
+            <a:avLst/>
+          </a:prstGeom>
+          <a:noFill/>
+        </p:spPr>
+        <p:txBody>
+          <a:bodyPr wrap="square" rtlCol="0">
+            <a:spAutoFit/>
+          </a:bodyPr>
+          <a:lstStyle/>
+          <a:p>
+            <a:r>
+              <a:rPr lang="pl-PL" altLang="zh-CN" dirty="0"/>
+              <a:t>{</a:t>
+            </a:r>
+            <a:r>
+              <a:rPr lang="pl-PL" altLang="zh-CN" b="1" dirty="0"/>
+              <a:t>"</a:t>
+            </a:r>
+            <a:r>
+              <a:rPr lang="pl-PL" altLang="zh-CN" b="1" dirty="0" err="1"/>
+              <a:t>html</a:t>
+            </a:r>
+            <a:r>
+              <a:rPr lang="pl-PL" altLang="zh-CN" b="1" dirty="0"/>
+              <a:t>"</a:t>
+            </a:r>
+            <a:r>
+              <a:rPr lang="pl-PL" altLang="zh-CN" dirty="0"/>
+              <a:t>: {</a:t>
+            </a:r>
+            <a:r>
+              <a:rPr lang="pl-PL" altLang="zh-CN" b="1" dirty="0"/>
+              <a:t>"chrome"</a:t>
+            </a:r>
+            <a:r>
+              <a:rPr lang="pl-PL" altLang="zh-CN" dirty="0"/>
+              <a:t>: </a:t>
+            </a:r>
+            <a:r>
+              <a:rPr lang="pl-PL" altLang="zh-CN" dirty="0"/>
+              <a:t>90</a:t>
+            </a:r>
+            <a:r>
+              <a:rPr lang="pl-PL" altLang="zh-CN" dirty="0"/>
+              <a:t>, </a:t>
+            </a:r>
+            <a:r>
+              <a:rPr lang="pl-PL" altLang="zh-CN" b="1" dirty="0"/>
+              <a:t>"</a:t>
+            </a:r>
+            <a:r>
+              <a:rPr lang="pl-PL" altLang="zh-CN" b="1" dirty="0" err="1"/>
+              <a:t>firefox</a:t>
+            </a:r>
+            <a:r>
+              <a:rPr lang="pl-PL" altLang="zh-CN" b="1" dirty="0"/>
+              <a:t>"</a:t>
+            </a:r>
+            <a:r>
+              <a:rPr lang="pl-PL" altLang="zh-CN" dirty="0"/>
+              <a:t>: </a:t>
+            </a:r>
+            <a:r>
+              <a:rPr lang="pl-PL" altLang="zh-CN" dirty="0"/>
+              <a:t>89</a:t>
+            </a:r>
+            <a:r>
+              <a:rPr lang="pl-PL" altLang="zh-CN" dirty="0"/>
+              <a:t>, </a:t>
+            </a:r>
+            <a:r>
+              <a:rPr lang="pl-PL" altLang="zh-CN" b="1" dirty="0"/>
+              <a:t>"</a:t>
+            </a:r>
+            <a:r>
+              <a:rPr lang="pl-PL" altLang="zh-CN" b="1" dirty="0" err="1"/>
+              <a:t>ie</a:t>
+            </a:r>
+            <a:r>
+              <a:rPr lang="pl-PL" altLang="zh-CN" b="1" dirty="0"/>
+              <a:t>"</a:t>
+            </a:r>
+            <a:r>
+              <a:rPr lang="pl-PL" altLang="zh-CN" dirty="0"/>
+              <a:t>: </a:t>
+            </a:r>
+            <a:r>
+              <a:rPr lang="pl-PL" altLang="zh-CN" dirty="0"/>
+              <a:t>10</a:t>
+            </a:r>
+            <a:r>
+              <a:rPr lang="pl-PL" altLang="zh-CN" dirty="0"/>
+              <a:t>},</a:t>
+            </a:r>
+            <a:br>
+              <a:rPr lang="pl-PL" altLang="zh-CN" dirty="0"/>
+            </a:br>
+            <a:r>
+              <a:rPr lang="pl-PL" altLang="zh-CN" dirty="0"/>
+              <a:t>  </a:t>
+            </a:r>
+            <a:r>
+              <a:rPr lang="pl-PL" altLang="zh-CN" b="1" dirty="0"/>
+              <a:t>"</a:t>
+            </a:r>
+            <a:r>
+              <a:rPr lang="pl-PL" altLang="zh-CN" b="1" dirty="0" err="1"/>
+              <a:t>css</a:t>
+            </a:r>
+            <a:r>
+              <a:rPr lang="pl-PL" altLang="zh-CN" b="1" dirty="0"/>
+              <a:t>"</a:t>
+            </a:r>
+            <a:r>
+              <a:rPr lang="pl-PL" altLang="zh-CN" dirty="0"/>
+              <a:t>: {</a:t>
+            </a:r>
+            <a:r>
+              <a:rPr lang="pl-PL" altLang="zh-CN" b="1" dirty="0"/>
+              <a:t>"chrome"</a:t>
+            </a:r>
+            <a:r>
+              <a:rPr lang="pl-PL" altLang="zh-CN" dirty="0"/>
+              <a:t>: </a:t>
+            </a:r>
+            <a:r>
+              <a:rPr lang="pl-PL" altLang="zh-CN" dirty="0"/>
+              <a:t>95</a:t>
+            </a:r>
+            <a:r>
+              <a:rPr lang="pl-PL" altLang="zh-CN" dirty="0"/>
+              <a:t>, </a:t>
+            </a:r>
+            <a:r>
+              <a:rPr lang="pl-PL" altLang="zh-CN" b="1" dirty="0"/>
+              <a:t>"</a:t>
+            </a:r>
+            <a:r>
+              <a:rPr lang="pl-PL" altLang="zh-CN" b="1" dirty="0" err="1"/>
+              <a:t>firefox</a:t>
+            </a:r>
+            <a:r>
+              <a:rPr lang="pl-PL" altLang="zh-CN" b="1" dirty="0"/>
+              <a:t>"</a:t>
+            </a:r>
+            <a:r>
+              <a:rPr lang="pl-PL" altLang="zh-CN" dirty="0"/>
+              <a:t>: </a:t>
+            </a:r>
+            <a:r>
+              <a:rPr lang="pl-PL" altLang="zh-CN" dirty="0"/>
+              <a:t>96</a:t>
+            </a:r>
+            <a:r>
+              <a:rPr lang="pl-PL" altLang="zh-CN" dirty="0"/>
+              <a:t>, </a:t>
+            </a:r>
+            <a:r>
+              <a:rPr lang="pl-PL" altLang="zh-CN" b="1" dirty="0"/>
+              <a:t>"</a:t>
+            </a:r>
+            <a:r>
+              <a:rPr lang="pl-PL" altLang="zh-CN" b="1" dirty="0" err="1"/>
+              <a:t>ie</a:t>
+            </a:r>
+            <a:r>
+              <a:rPr lang="pl-PL" altLang="zh-CN" b="1" dirty="0"/>
+              <a:t>"</a:t>
+            </a:r>
+            <a:r>
+              <a:rPr lang="pl-PL" altLang="zh-CN" dirty="0"/>
+              <a:t>: </a:t>
+            </a:r>
+            <a:r>
+              <a:rPr lang="pl-PL" altLang="zh-CN" dirty="0"/>
+              <a:t>5</a:t>
+            </a:r>
+            <a:r>
+              <a:rPr lang="pl-PL" altLang="zh-CN" dirty="0"/>
+              <a:t>},</a:t>
+            </a:r>
+            <a:br>
+              <a:rPr lang="pl-PL" altLang="zh-CN" dirty="0"/>
+            </a:br>
+            <a:r>
+              <a:rPr lang="pl-PL" altLang="zh-CN" dirty="0"/>
+              <a:t>  </a:t>
+            </a:r>
+            <a:r>
+              <a:rPr lang="pl-PL" altLang="zh-CN" b="1" dirty="0"/>
+              <a:t>"</a:t>
+            </a:r>
+            <a:r>
+              <a:rPr lang="pl-PL" altLang="zh-CN" b="1" dirty="0" err="1"/>
+              <a:t>js</a:t>
+            </a:r>
+            <a:r>
+              <a:rPr lang="pl-PL" altLang="zh-CN" b="1" dirty="0"/>
+              <a:t>"</a:t>
+            </a:r>
+            <a:r>
+              <a:rPr lang="pl-PL" altLang="zh-CN" dirty="0"/>
+              <a:t>: {</a:t>
+            </a:r>
+            <a:r>
+              <a:rPr lang="pl-PL" altLang="zh-CN" b="1" dirty="0"/>
+              <a:t>"chrome"</a:t>
+            </a:r>
+            <a:r>
+              <a:rPr lang="pl-PL" altLang="zh-CN" dirty="0"/>
+              <a:t>: </a:t>
+            </a:r>
+            <a:r>
+              <a:rPr lang="pl-PL" altLang="zh-CN" dirty="0"/>
+              <a:t>98</a:t>
+            </a:r>
+            <a:r>
+              <a:rPr lang="pl-PL" altLang="zh-CN" dirty="0"/>
+              <a:t>, </a:t>
+            </a:r>
+            <a:r>
+              <a:rPr lang="pl-PL" altLang="zh-CN" b="1" dirty="0"/>
+              <a:t>"</a:t>
+            </a:r>
+            <a:r>
+              <a:rPr lang="pl-PL" altLang="zh-CN" b="1" dirty="0" err="1"/>
+              <a:t>firefox</a:t>
+            </a:r>
+            <a:r>
+              <a:rPr lang="pl-PL" altLang="zh-CN" b="1" dirty="0"/>
+              <a:t>"</a:t>
+            </a:r>
+            <a:r>
+              <a:rPr lang="pl-PL" altLang="zh-CN" dirty="0"/>
+              <a:t>: </a:t>
+            </a:r>
+            <a:r>
+              <a:rPr lang="pl-PL" altLang="zh-CN" dirty="0"/>
+              <a:t>95</a:t>
+            </a:r>
+            <a:r>
+              <a:rPr lang="pl-PL" altLang="zh-CN" dirty="0"/>
+              <a:t>, </a:t>
+            </a:r>
+            <a:r>
+              <a:rPr lang="pl-PL" altLang="zh-CN" b="1" dirty="0"/>
+              <a:t>"</a:t>
+            </a:r>
+            <a:r>
+              <a:rPr lang="pl-PL" altLang="zh-CN" b="1" dirty="0" err="1"/>
+              <a:t>ie</a:t>
+            </a:r>
+            <a:r>
+              <a:rPr lang="pl-PL" altLang="zh-CN" b="1" dirty="0"/>
+              <a:t>"</a:t>
+            </a:r>
+            <a:r>
+              <a:rPr lang="pl-PL" altLang="zh-CN" dirty="0"/>
+              <a:t>: </a:t>
+            </a:r>
+            <a:r>
+              <a:rPr lang="pl-PL" altLang="zh-CN" dirty="0"/>
+              <a:t>4</a:t>
+            </a:r>
+            <a:r>
+              <a:rPr lang="pl-PL" altLang="zh-CN" dirty="0"/>
+              <a:t>}}</a:t>
+            </a:r>
+            <a:endParaRPr kumimoji="1" lang="zh-CN" altLang="en-US" dirty="0"/>
+          </a:p>
+        </p:txBody>
+      </p:sp>
+      <p:pic>
+        <p:nvPicPr>
+          <p:cNvPr id="5" name="图片 4" descr="Untitled-1.png"/>
+          <p:cNvPicPr>
+            <a:picLocks noChangeAspect="1"/>
+          </p:cNvPicPr>
+          <p:nvPr/>
+        </p:nvPicPr>
+        <p:blipFill>
+          <a:blip r:embed="rId2">
+            <a:extLst>
+              <a:ext uri="{28A0092B-C50C-407E-A947-70E740481C1C}">
+                <a14:useLocalDpi xmlns:a14="http://schemas.microsoft.com/office/drawing/2010/main" val="0"/>
+              </a:ext>
+            </a:extLst>
+          </a:blip>
+          <a:stretch>
+            <a:fillRect/>
+          </a:stretch>
+        </p:blipFill>
+        <p:spPr>
+          <a:xfrm>
+            <a:off x="1647950" y="4424836"/>
+            <a:ext cx="3366568" cy="2448413"/>
+          </a:xfrm>
+          <a:prstGeom prst="rect">
+            <a:avLst/>
+          </a:prstGeom>
+        </p:spPr>
+      </p:pic>
+      <p:cxnSp>
+        <p:nvCxnSpPr>
+          <p:cNvPr id="7" name="直线箭头连接符 6"/>
+          <p:cNvCxnSpPr/>
+          <p:nvPr/>
+        </p:nvCxnSpPr>
+        <p:spPr>
+          <a:xfrm>
+            <a:off x="3274574" y="3562367"/>
+            <a:ext cx="0" cy="664046"/>
+          </a:xfrm>
+          <a:prstGeom prst="straightConnector1">
+            <a:avLst/>
+          </a:prstGeom>
+          <a:ln>
+            <a:tailEnd type="arrow"/>
+          </a:ln>
+        </p:spPr>
+        <p:style>
+          <a:lnRef idx="2">
+            <a:schemeClr val="accent1"/>
+          </a:lnRef>
+          <a:fillRef idx="0">
+            <a:schemeClr val="accent1"/>
+          </a:fillRef>
+          <a:effectRef idx="1">
+            <a:schemeClr val="accent1"/>
+          </a:effectRef>
+          <a:fontRef idx="minor">
+            <a:schemeClr val="tx1"/>
+          </a:fontRef>
+        </p:style>
+      </p:cxnSp>
+    </p:spTree>
+    <p:extLst>
+      <p:ext uri="{BB962C8B-B14F-4D97-AF65-F5344CB8AC3E}">
+        <p14:creationId xmlns:p14="http://schemas.microsoft.com/office/powerpoint/2010/main" val="1586187275"/>
+      </p:ext>
+    </p:extLst>
+  </p:cSld>
+  <p:clrMapOvr>
+    <a:masterClrMapping/>
+  </p:clrMapOvr>
+  <p:timing>
+    <p:tnLst>
+      <p:par>
+        <p:cTn xmlns:p14="http://schemas.microsoft.com/office/powerpoint/2010/main" id="1" dur="indefinite" restart="never" nodeType="tmRoot"/>
+      </p:par>
+    </p:tnLst>
+  </p:timing>
+</p:sld>
+</file>
+
+<file path=ppt/slides/slide51.xml><?xml version="1.0" encoding="utf-8"?>
 <p:sld xmlns:a="http://schemas.openxmlformats.org/drawingml/2006/main" xmlns:r="http://schemas.openxmlformats.org/officeDocument/2006/relationships" xmlns:p="http://schemas.openxmlformats.org/presentationml/2006/main">
   <p:cSld>
     <p:spTree>

--- a/Web前端教学记录.pptx
+++ b/Web前端教学记录.pptx
@@ -55,7 +55,9 @@
     <p:sldId id="305" r:id="rId49"/>
     <p:sldId id="306" r:id="rId50"/>
     <p:sldId id="304" r:id="rId51"/>
-    <p:sldId id="292" r:id="rId52"/>
+    <p:sldId id="307" r:id="rId52"/>
+    <p:sldId id="308" r:id="rId53"/>
+    <p:sldId id="292" r:id="rId54"/>
   </p:sldIdLst>
   <p:sldSz cx="9144000" cy="6858000" type="screen4x3"/>
   <p:notesSz cx="6858000" cy="9144000"/>
@@ -225,6 +227,8 @@
             <p14:sldId id="305"/>
             <p14:sldId id="306"/>
             <p14:sldId id="304"/>
+            <p14:sldId id="307"/>
+            <p14:sldId id="308"/>
           </p14:sldIdLst>
         </p14:section>
         <p14:section name="附加作业" id="{0276C1FC-4F12-C44C-A604-00B09FC2FBCB}">
@@ -419,7 +423,7 @@
           <a:p>
             <a:fld id="{C635D755-6113-1D4F-8A58-71A4F06ADD9C}" type="datetimeFigureOut">
               <a:rPr kumimoji="1" lang="zh-CN" altLang="en-US" smtClean="0"/>
-              <a:t>6/29/16</a:t>
+              <a:t>7/1/16</a:t>
             </a:fld>
             <a:endParaRPr kumimoji="1" lang="zh-CN" altLang="en-US"/>
           </a:p>
@@ -589,7 +593,7 @@
           <a:p>
             <a:fld id="{C635D755-6113-1D4F-8A58-71A4F06ADD9C}" type="datetimeFigureOut">
               <a:rPr kumimoji="1" lang="zh-CN" altLang="en-US" smtClean="0"/>
-              <a:t>6/29/16</a:t>
+              <a:t>7/1/16</a:t>
             </a:fld>
             <a:endParaRPr kumimoji="1" lang="zh-CN" altLang="en-US"/>
           </a:p>
@@ -769,7 +773,7 @@
           <a:p>
             <a:fld id="{C635D755-6113-1D4F-8A58-71A4F06ADD9C}" type="datetimeFigureOut">
               <a:rPr kumimoji="1" lang="zh-CN" altLang="en-US" smtClean="0"/>
-              <a:t>6/29/16</a:t>
+              <a:t>7/1/16</a:t>
             </a:fld>
             <a:endParaRPr kumimoji="1" lang="zh-CN" altLang="en-US"/>
           </a:p>
@@ -939,7 +943,7 @@
           <a:p>
             <a:fld id="{C635D755-6113-1D4F-8A58-71A4F06ADD9C}" type="datetimeFigureOut">
               <a:rPr kumimoji="1" lang="zh-CN" altLang="en-US" smtClean="0"/>
-              <a:t>6/29/16</a:t>
+              <a:t>7/1/16</a:t>
             </a:fld>
             <a:endParaRPr kumimoji="1" lang="zh-CN" altLang="en-US"/>
           </a:p>
@@ -1185,7 +1189,7 @@
           <a:p>
             <a:fld id="{C635D755-6113-1D4F-8A58-71A4F06ADD9C}" type="datetimeFigureOut">
               <a:rPr kumimoji="1" lang="zh-CN" altLang="en-US" smtClean="0"/>
-              <a:t>6/29/16</a:t>
+              <a:t>7/1/16</a:t>
             </a:fld>
             <a:endParaRPr kumimoji="1" lang="zh-CN" altLang="en-US"/>
           </a:p>
@@ -1473,7 +1477,7 @@
           <a:p>
             <a:fld id="{C635D755-6113-1D4F-8A58-71A4F06ADD9C}" type="datetimeFigureOut">
               <a:rPr kumimoji="1" lang="zh-CN" altLang="en-US" smtClean="0"/>
-              <a:t>6/29/16</a:t>
+              <a:t>7/1/16</a:t>
             </a:fld>
             <a:endParaRPr kumimoji="1" lang="zh-CN" altLang="en-US"/>
           </a:p>
@@ -1895,7 +1899,7 @@
           <a:p>
             <a:fld id="{C635D755-6113-1D4F-8A58-71A4F06ADD9C}" type="datetimeFigureOut">
               <a:rPr kumimoji="1" lang="zh-CN" altLang="en-US" smtClean="0"/>
-              <a:t>6/29/16</a:t>
+              <a:t>7/1/16</a:t>
             </a:fld>
             <a:endParaRPr kumimoji="1" lang="zh-CN" altLang="en-US"/>
           </a:p>
@@ -2013,7 +2017,7 @@
           <a:p>
             <a:fld id="{C635D755-6113-1D4F-8A58-71A4F06ADD9C}" type="datetimeFigureOut">
               <a:rPr kumimoji="1" lang="zh-CN" altLang="en-US" smtClean="0"/>
-              <a:t>6/29/16</a:t>
+              <a:t>7/1/16</a:t>
             </a:fld>
             <a:endParaRPr kumimoji="1" lang="zh-CN" altLang="en-US"/>
           </a:p>
@@ -2108,7 +2112,7 @@
           <a:p>
             <a:fld id="{C635D755-6113-1D4F-8A58-71A4F06ADD9C}" type="datetimeFigureOut">
               <a:rPr kumimoji="1" lang="zh-CN" altLang="en-US" smtClean="0"/>
-              <a:t>6/29/16</a:t>
+              <a:t>7/1/16</a:t>
             </a:fld>
             <a:endParaRPr kumimoji="1" lang="zh-CN" altLang="en-US"/>
           </a:p>
@@ -2385,7 +2389,7 @@
           <a:p>
             <a:fld id="{C635D755-6113-1D4F-8A58-71A4F06ADD9C}" type="datetimeFigureOut">
               <a:rPr kumimoji="1" lang="zh-CN" altLang="en-US" smtClean="0"/>
-              <a:t>6/29/16</a:t>
+              <a:t>7/1/16</a:t>
             </a:fld>
             <a:endParaRPr kumimoji="1" lang="zh-CN" altLang="en-US"/>
           </a:p>
@@ -2638,7 +2642,7 @@
           <a:p>
             <a:fld id="{C635D755-6113-1D4F-8A58-71A4F06ADD9C}" type="datetimeFigureOut">
               <a:rPr kumimoji="1" lang="zh-CN" altLang="en-US" smtClean="0"/>
-              <a:t>6/29/16</a:t>
+              <a:t>7/1/16</a:t>
             </a:fld>
             <a:endParaRPr kumimoji="1" lang="zh-CN" altLang="en-US"/>
           </a:p>
@@ -2851,7 +2855,7 @@
           <a:p>
             <a:fld id="{C635D755-6113-1D4F-8A58-71A4F06ADD9C}" type="datetimeFigureOut">
               <a:rPr kumimoji="1" lang="zh-CN" altLang="en-US" smtClean="0"/>
-              <a:t>6/29/16</a:t>
+              <a:t>7/1/16</a:t>
             </a:fld>
             <a:endParaRPr kumimoji="1" lang="zh-CN" altLang="en-US"/>
           </a:p>
@@ -8908,11 +8912,7 @@
           <a:p>
             <a:r>
               <a:rPr kumimoji="1" lang="zh-CN" altLang="en-US" dirty="0" smtClean="0"/>
-              <a:t>播放视频时呈现彩色与黑白两个</a:t>
-            </a:r>
-            <a:r>
-              <a:rPr kumimoji="1" lang="zh-CN" altLang="en-US" dirty="0" smtClean="0"/>
-              <a:t>画面</a:t>
+              <a:t>播放视频时呈现彩色与黑白两个画面</a:t>
             </a:r>
             <a:endParaRPr kumimoji="1" lang="en-US" altLang="zh-CN" dirty="0" smtClean="0"/>
           </a:p>
@@ -8989,15 +8989,7 @@
             </a:r>
             <a:r>
               <a:rPr lang="pl-PL" altLang="zh-CN" dirty="0"/>
-              <a:t>: </a:t>
-            </a:r>
-            <a:r>
-              <a:rPr lang="pl-PL" altLang="zh-CN" dirty="0"/>
-              <a:t>90</a:t>
-            </a:r>
-            <a:r>
-              <a:rPr lang="pl-PL" altLang="zh-CN" dirty="0"/>
-              <a:t>, </a:t>
+              <a:t>: 90, </a:t>
             </a:r>
             <a:r>
               <a:rPr lang="pl-PL" altLang="zh-CN" b="1" dirty="0"/>
@@ -9013,15 +9005,7 @@
             </a:r>
             <a:r>
               <a:rPr lang="pl-PL" altLang="zh-CN" dirty="0"/>
-              <a:t>: </a:t>
-            </a:r>
-            <a:r>
-              <a:rPr lang="pl-PL" altLang="zh-CN" dirty="0"/>
-              <a:t>89</a:t>
-            </a:r>
-            <a:r>
-              <a:rPr lang="pl-PL" altLang="zh-CN" dirty="0"/>
-              <a:t>, </a:t>
+              <a:t>: 89, </a:t>
             </a:r>
             <a:r>
               <a:rPr lang="pl-PL" altLang="zh-CN" b="1" dirty="0"/>
@@ -9037,15 +9021,7 @@
             </a:r>
             <a:r>
               <a:rPr lang="pl-PL" altLang="zh-CN" dirty="0"/>
-              <a:t>: </a:t>
-            </a:r>
-            <a:r>
-              <a:rPr lang="pl-PL" altLang="zh-CN" dirty="0"/>
-              <a:t>10</a:t>
-            </a:r>
-            <a:r>
-              <a:rPr lang="pl-PL" altLang="zh-CN" dirty="0"/>
-              <a:t>},</a:t>
+              <a:t>: 10},</a:t>
             </a:r>
             <a:br>
               <a:rPr lang="pl-PL" altLang="zh-CN" dirty="0"/>
@@ -9076,15 +9052,7 @@
             </a:r>
             <a:r>
               <a:rPr lang="pl-PL" altLang="zh-CN" dirty="0"/>
-              <a:t>: </a:t>
-            </a:r>
-            <a:r>
-              <a:rPr lang="pl-PL" altLang="zh-CN" dirty="0"/>
-              <a:t>95</a:t>
-            </a:r>
-            <a:r>
-              <a:rPr lang="pl-PL" altLang="zh-CN" dirty="0"/>
-              <a:t>, </a:t>
+              <a:t>: 95, </a:t>
             </a:r>
             <a:r>
               <a:rPr lang="pl-PL" altLang="zh-CN" b="1" dirty="0"/>
@@ -9100,15 +9068,7 @@
             </a:r>
             <a:r>
               <a:rPr lang="pl-PL" altLang="zh-CN" dirty="0"/>
-              <a:t>: </a:t>
-            </a:r>
-            <a:r>
-              <a:rPr lang="pl-PL" altLang="zh-CN" dirty="0"/>
-              <a:t>96</a:t>
-            </a:r>
-            <a:r>
-              <a:rPr lang="pl-PL" altLang="zh-CN" dirty="0"/>
-              <a:t>, </a:t>
+              <a:t>: 96, </a:t>
             </a:r>
             <a:r>
               <a:rPr lang="pl-PL" altLang="zh-CN" b="1" dirty="0"/>
@@ -9124,15 +9084,7 @@
             </a:r>
             <a:r>
               <a:rPr lang="pl-PL" altLang="zh-CN" dirty="0"/>
-              <a:t>: </a:t>
-            </a:r>
-            <a:r>
-              <a:rPr lang="pl-PL" altLang="zh-CN" dirty="0"/>
-              <a:t>5</a:t>
-            </a:r>
-            <a:r>
-              <a:rPr lang="pl-PL" altLang="zh-CN" dirty="0"/>
-              <a:t>},</a:t>
+              <a:t>: 5},</a:t>
             </a:r>
             <a:br>
               <a:rPr lang="pl-PL" altLang="zh-CN" dirty="0"/>
@@ -9163,15 +9115,7 @@
             </a:r>
             <a:r>
               <a:rPr lang="pl-PL" altLang="zh-CN" dirty="0"/>
-              <a:t>: </a:t>
-            </a:r>
-            <a:r>
-              <a:rPr lang="pl-PL" altLang="zh-CN" dirty="0"/>
-              <a:t>98</a:t>
-            </a:r>
-            <a:r>
-              <a:rPr lang="pl-PL" altLang="zh-CN" dirty="0"/>
-              <a:t>, </a:t>
+              <a:t>: 98, </a:t>
             </a:r>
             <a:r>
               <a:rPr lang="pl-PL" altLang="zh-CN" b="1" dirty="0"/>
@@ -9187,15 +9131,7 @@
             </a:r>
             <a:r>
               <a:rPr lang="pl-PL" altLang="zh-CN" dirty="0"/>
-              <a:t>: </a:t>
-            </a:r>
-            <a:r>
-              <a:rPr lang="pl-PL" altLang="zh-CN" dirty="0"/>
-              <a:t>95</a:t>
-            </a:r>
-            <a:r>
-              <a:rPr lang="pl-PL" altLang="zh-CN" dirty="0"/>
-              <a:t>, </a:t>
+              <a:t>: 95, </a:t>
             </a:r>
             <a:r>
               <a:rPr lang="pl-PL" altLang="zh-CN" b="1" dirty="0"/>
@@ -9211,15 +9147,7 @@
             </a:r>
             <a:r>
               <a:rPr lang="pl-PL" altLang="zh-CN" dirty="0"/>
-              <a:t>: </a:t>
-            </a:r>
-            <a:r>
-              <a:rPr lang="pl-PL" altLang="zh-CN" dirty="0"/>
-              <a:t>4</a:t>
-            </a:r>
-            <a:r>
-              <a:rPr lang="pl-PL" altLang="zh-CN" dirty="0"/>
-              <a:t>}}</a:t>
+              <a:t>: 4}}</a:t>
             </a:r>
             <a:endParaRPr kumimoji="1" lang="zh-CN" altLang="en-US" dirty="0"/>
           </a:p>
@@ -9309,6 +9237,206 @@
 </file>
 
 <file path=ppt/slides/slide51.xml><?xml version="1.0" encoding="utf-8"?>
+<p:sld xmlns:a="http://schemas.openxmlformats.org/drawingml/2006/main" xmlns:r="http://schemas.openxmlformats.org/officeDocument/2006/relationships" xmlns:p="http://schemas.openxmlformats.org/presentationml/2006/main">
+  <p:cSld>
+    <p:spTree>
+      <p:nvGrpSpPr>
+        <p:cNvPr id="1" name=""/>
+        <p:cNvGrpSpPr/>
+        <p:nvPr/>
+      </p:nvGrpSpPr>
+      <p:grpSpPr>
+        <a:xfrm>
+          <a:off x="0" y="0"/>
+          <a:ext cx="0" cy="0"/>
+          <a:chOff x="0" y="0"/>
+          <a:chExt cx="0" cy="0"/>
+        </a:xfrm>
+      </p:grpSpPr>
+      <p:sp>
+        <p:nvSpPr>
+          <p:cNvPr id="2" name="标题 1"/>
+          <p:cNvSpPr>
+            <a:spLocks noGrp="1"/>
+          </p:cNvSpPr>
+          <p:nvPr>
+            <p:ph type="title"/>
+          </p:nvPr>
+        </p:nvSpPr>
+        <p:spPr/>
+        <p:txBody>
+          <a:bodyPr/>
+          <a:lstStyle/>
+          <a:p>
+            <a:r>
+              <a:rPr kumimoji="1" lang="zh-CN" altLang="en-US" dirty="0" smtClean="0"/>
+              <a:t>数据操作</a:t>
+            </a:r>
+            <a:endParaRPr kumimoji="1" lang="zh-CN" altLang="en-US" dirty="0"/>
+          </a:p>
+        </p:txBody>
+      </p:sp>
+      <p:sp>
+        <p:nvSpPr>
+          <p:cNvPr id="3" name="内容占位符 2"/>
+          <p:cNvSpPr>
+            <a:spLocks noGrp="1"/>
+          </p:cNvSpPr>
+          <p:nvPr>
+            <p:ph idx="1"/>
+          </p:nvPr>
+        </p:nvSpPr>
+        <p:spPr/>
+        <p:txBody>
+          <a:bodyPr/>
+          <a:lstStyle/>
+          <a:p>
+            <a:r>
+              <a:rPr kumimoji="1" lang="zh-CN" altLang="en-US" dirty="0" smtClean="0"/>
+              <a:t>应用缓存</a:t>
+            </a:r>
+            <a:endParaRPr kumimoji="1" lang="en-US" altLang="zh-CN" dirty="0" smtClean="0"/>
+          </a:p>
+          <a:p>
+            <a:r>
+              <a:rPr kumimoji="1" lang="en-US" altLang="zh-CN" dirty="0" smtClean="0"/>
+              <a:t>Cookie</a:t>
+            </a:r>
+          </a:p>
+          <a:p>
+            <a:r>
+              <a:rPr kumimoji="1" lang="en-US" altLang="zh-CN" dirty="0" err="1" smtClean="0"/>
+              <a:t>LocalStorage</a:t>
+            </a:r>
+            <a:endParaRPr kumimoji="1" lang="en-US" altLang="zh-CN" dirty="0" smtClean="0"/>
+          </a:p>
+          <a:p>
+            <a:r>
+              <a:rPr kumimoji="1" lang="en-US" altLang="zh-CN" dirty="0" err="1" smtClean="0"/>
+              <a:t>SessionStorage</a:t>
+            </a:r>
+            <a:endParaRPr kumimoji="1" lang="zh-CN" altLang="en-US" dirty="0"/>
+          </a:p>
+        </p:txBody>
+      </p:sp>
+    </p:spTree>
+    <p:extLst>
+      <p:ext uri="{BB962C8B-B14F-4D97-AF65-F5344CB8AC3E}">
+        <p14:creationId xmlns:p14="http://schemas.microsoft.com/office/powerpoint/2010/main" val="4178663232"/>
+      </p:ext>
+    </p:extLst>
+  </p:cSld>
+  <p:clrMapOvr>
+    <a:masterClrMapping/>
+  </p:clrMapOvr>
+</p:sld>
+</file>
+
+<file path=ppt/slides/slide52.xml><?xml version="1.0" encoding="utf-8"?>
+<p:sld xmlns:a="http://schemas.openxmlformats.org/drawingml/2006/main" xmlns:r="http://schemas.openxmlformats.org/officeDocument/2006/relationships" xmlns:p="http://schemas.openxmlformats.org/presentationml/2006/main">
+  <p:cSld>
+    <p:spTree>
+      <p:nvGrpSpPr>
+        <p:cNvPr id="1" name=""/>
+        <p:cNvGrpSpPr/>
+        <p:nvPr/>
+      </p:nvGrpSpPr>
+      <p:grpSpPr>
+        <a:xfrm>
+          <a:off x="0" y="0"/>
+          <a:ext cx="0" cy="0"/>
+          <a:chOff x="0" y="0"/>
+          <a:chExt cx="0" cy="0"/>
+        </a:xfrm>
+      </p:grpSpPr>
+      <p:sp>
+        <p:nvSpPr>
+          <p:cNvPr id="2" name="标题 1"/>
+          <p:cNvSpPr>
+            <a:spLocks noGrp="1"/>
+          </p:cNvSpPr>
+          <p:nvPr>
+            <p:ph type="title"/>
+          </p:nvPr>
+        </p:nvSpPr>
+        <p:spPr/>
+        <p:txBody>
+          <a:bodyPr/>
+          <a:lstStyle/>
+          <a:p>
+            <a:r>
+              <a:rPr kumimoji="1" lang="zh-CN" altLang="en-US" dirty="0" smtClean="0"/>
+              <a:t>作业</a:t>
+            </a:r>
+            <a:endParaRPr kumimoji="1" lang="zh-CN" altLang="en-US" dirty="0"/>
+          </a:p>
+        </p:txBody>
+      </p:sp>
+      <p:sp>
+        <p:nvSpPr>
+          <p:cNvPr id="3" name="内容占位符 2"/>
+          <p:cNvSpPr>
+            <a:spLocks noGrp="1"/>
+          </p:cNvSpPr>
+          <p:nvPr>
+            <p:ph idx="1"/>
+          </p:nvPr>
+        </p:nvSpPr>
+        <p:spPr/>
+        <p:txBody>
+          <a:bodyPr/>
+          <a:lstStyle/>
+          <a:p>
+            <a:r>
+              <a:rPr kumimoji="1" lang="zh-CN" altLang="en-US" dirty="0" smtClean="0"/>
+              <a:t>使用百度开源编辑器</a:t>
+            </a:r>
+            <a:r>
+              <a:rPr kumimoji="1" lang="en-US" altLang="zh-CN" dirty="0" err="1" smtClean="0"/>
+              <a:t>Ueditor</a:t>
+            </a:r>
+            <a:r>
+              <a:rPr kumimoji="1" lang="zh-CN" altLang="en-US" dirty="0" smtClean="0"/>
+              <a:t>开发离线编辑器</a:t>
+            </a:r>
+            <a:r>
+              <a:rPr kumimoji="1" lang="en-US" altLang="zh-CN" dirty="0"/>
+              <a:t> </a:t>
+            </a:r>
+            <a:r>
+              <a:rPr kumimoji="1" lang="en-US" altLang="zh-CN" dirty="0">
+                <a:hlinkClick r:id="rId2"/>
+              </a:rPr>
+              <a:t>http://ueditor.baidu.com/website</a:t>
+            </a:r>
+            <a:r>
+              <a:rPr kumimoji="1" lang="en-US" altLang="zh-CN" dirty="0" smtClean="0">
+                <a:hlinkClick r:id="rId2"/>
+              </a:rPr>
+              <a:t>/</a:t>
+            </a:r>
+            <a:r>
+              <a:rPr kumimoji="1" lang="en-US" altLang="zh-CN" dirty="0" smtClean="0"/>
+              <a:t> </a:t>
+            </a:r>
+            <a:endParaRPr kumimoji="1" lang="zh-CN" altLang="en-US" dirty="0"/>
+          </a:p>
+        </p:txBody>
+      </p:sp>
+    </p:spTree>
+    <p:extLst>
+      <p:ext uri="{BB962C8B-B14F-4D97-AF65-F5344CB8AC3E}">
+        <p14:creationId xmlns:p14="http://schemas.microsoft.com/office/powerpoint/2010/main" val="1932652003"/>
+      </p:ext>
+    </p:extLst>
+  </p:cSld>
+  <p:clrMapOvr>
+    <a:masterClrMapping/>
+  </p:clrMapOvr>
+</p:sld>
+</file>
+
+<file path=ppt/slides/slide53.xml><?xml version="1.0" encoding="utf-8"?>
 <p:sld xmlns:a="http://schemas.openxmlformats.org/drawingml/2006/main" xmlns:r="http://schemas.openxmlformats.org/officeDocument/2006/relationships" xmlns:p="http://schemas.openxmlformats.org/presentationml/2006/main">
   <p:cSld>
     <p:spTree>

--- a/Web前端教学记录.pptx
+++ b/Web前端教学记录.pptx
@@ -423,7 +423,7 @@
           <a:p>
             <a:fld id="{C635D755-6113-1D4F-8A58-71A4F06ADD9C}" type="datetimeFigureOut">
               <a:rPr kumimoji="1" lang="zh-CN" altLang="en-US" smtClean="0"/>
-              <a:t>7/1/16</a:t>
+              <a:t>7/2/16</a:t>
             </a:fld>
             <a:endParaRPr kumimoji="1" lang="zh-CN" altLang="en-US"/>
           </a:p>
@@ -593,7 +593,7 @@
           <a:p>
             <a:fld id="{C635D755-6113-1D4F-8A58-71A4F06ADD9C}" type="datetimeFigureOut">
               <a:rPr kumimoji="1" lang="zh-CN" altLang="en-US" smtClean="0"/>
-              <a:t>7/1/16</a:t>
+              <a:t>7/2/16</a:t>
             </a:fld>
             <a:endParaRPr kumimoji="1" lang="zh-CN" altLang="en-US"/>
           </a:p>
@@ -773,7 +773,7 @@
           <a:p>
             <a:fld id="{C635D755-6113-1D4F-8A58-71A4F06ADD9C}" type="datetimeFigureOut">
               <a:rPr kumimoji="1" lang="zh-CN" altLang="en-US" smtClean="0"/>
-              <a:t>7/1/16</a:t>
+              <a:t>7/2/16</a:t>
             </a:fld>
             <a:endParaRPr kumimoji="1" lang="zh-CN" altLang="en-US"/>
           </a:p>
@@ -943,7 +943,7 @@
           <a:p>
             <a:fld id="{C635D755-6113-1D4F-8A58-71A4F06ADD9C}" type="datetimeFigureOut">
               <a:rPr kumimoji="1" lang="zh-CN" altLang="en-US" smtClean="0"/>
-              <a:t>7/1/16</a:t>
+              <a:t>7/2/16</a:t>
             </a:fld>
             <a:endParaRPr kumimoji="1" lang="zh-CN" altLang="en-US"/>
           </a:p>
@@ -1189,7 +1189,7 @@
           <a:p>
             <a:fld id="{C635D755-6113-1D4F-8A58-71A4F06ADD9C}" type="datetimeFigureOut">
               <a:rPr kumimoji="1" lang="zh-CN" altLang="en-US" smtClean="0"/>
-              <a:t>7/1/16</a:t>
+              <a:t>7/2/16</a:t>
             </a:fld>
             <a:endParaRPr kumimoji="1" lang="zh-CN" altLang="en-US"/>
           </a:p>
@@ -1477,7 +1477,7 @@
           <a:p>
             <a:fld id="{C635D755-6113-1D4F-8A58-71A4F06ADD9C}" type="datetimeFigureOut">
               <a:rPr kumimoji="1" lang="zh-CN" altLang="en-US" smtClean="0"/>
-              <a:t>7/1/16</a:t>
+              <a:t>7/2/16</a:t>
             </a:fld>
             <a:endParaRPr kumimoji="1" lang="zh-CN" altLang="en-US"/>
           </a:p>
@@ -1899,7 +1899,7 @@
           <a:p>
             <a:fld id="{C635D755-6113-1D4F-8A58-71A4F06ADD9C}" type="datetimeFigureOut">
               <a:rPr kumimoji="1" lang="zh-CN" altLang="en-US" smtClean="0"/>
-              <a:t>7/1/16</a:t>
+              <a:t>7/2/16</a:t>
             </a:fld>
             <a:endParaRPr kumimoji="1" lang="zh-CN" altLang="en-US"/>
           </a:p>
@@ -2017,7 +2017,7 @@
           <a:p>
             <a:fld id="{C635D755-6113-1D4F-8A58-71A4F06ADD9C}" type="datetimeFigureOut">
               <a:rPr kumimoji="1" lang="zh-CN" altLang="en-US" smtClean="0"/>
-              <a:t>7/1/16</a:t>
+              <a:t>7/2/16</a:t>
             </a:fld>
             <a:endParaRPr kumimoji="1" lang="zh-CN" altLang="en-US"/>
           </a:p>
@@ -2112,7 +2112,7 @@
           <a:p>
             <a:fld id="{C635D755-6113-1D4F-8A58-71A4F06ADD9C}" type="datetimeFigureOut">
               <a:rPr kumimoji="1" lang="zh-CN" altLang="en-US" smtClean="0"/>
-              <a:t>7/1/16</a:t>
+              <a:t>7/2/16</a:t>
             </a:fld>
             <a:endParaRPr kumimoji="1" lang="zh-CN" altLang="en-US"/>
           </a:p>
@@ -2389,7 +2389,7 @@
           <a:p>
             <a:fld id="{C635D755-6113-1D4F-8A58-71A4F06ADD9C}" type="datetimeFigureOut">
               <a:rPr kumimoji="1" lang="zh-CN" altLang="en-US" smtClean="0"/>
-              <a:t>7/1/16</a:t>
+              <a:t>7/2/16</a:t>
             </a:fld>
             <a:endParaRPr kumimoji="1" lang="zh-CN" altLang="en-US"/>
           </a:p>
@@ -2642,7 +2642,7 @@
           <a:p>
             <a:fld id="{C635D755-6113-1D4F-8A58-71A4F06ADD9C}" type="datetimeFigureOut">
               <a:rPr kumimoji="1" lang="zh-CN" altLang="en-US" smtClean="0"/>
-              <a:t>7/1/16</a:t>
+              <a:t>7/2/16</a:t>
             </a:fld>
             <a:endParaRPr kumimoji="1" lang="zh-CN" altLang="en-US"/>
           </a:p>
@@ -2855,7 +2855,7 @@
           <a:p>
             <a:fld id="{C635D755-6113-1D4F-8A58-71A4F06ADD9C}" type="datetimeFigureOut">
               <a:rPr kumimoji="1" lang="zh-CN" altLang="en-US" smtClean="0"/>
-              <a:t>7/1/16</a:t>
+              <a:t>7/2/16</a:t>
             </a:fld>
             <a:endParaRPr kumimoji="1" lang="zh-CN" altLang="en-US"/>
           </a:p>

--- a/Web前端教学记录.pptx
+++ b/Web前端教学记录.pptx
@@ -57,7 +57,9 @@
     <p:sldId id="304" r:id="rId51"/>
     <p:sldId id="307" r:id="rId52"/>
     <p:sldId id="308" r:id="rId53"/>
-    <p:sldId id="292" r:id="rId54"/>
+    <p:sldId id="309" r:id="rId54"/>
+    <p:sldId id="310" r:id="rId55"/>
+    <p:sldId id="292" r:id="rId56"/>
   </p:sldIdLst>
   <p:sldSz cx="9144000" cy="6858000" type="screen4x3"/>
   <p:notesSz cx="6858000" cy="9144000"/>
@@ -229,6 +231,8 @@
             <p14:sldId id="304"/>
             <p14:sldId id="307"/>
             <p14:sldId id="308"/>
+            <p14:sldId id="309"/>
+            <p14:sldId id="310"/>
           </p14:sldIdLst>
         </p14:section>
         <p14:section name="附加作业" id="{0276C1FC-4F12-C44C-A604-00B09FC2FBCB}">
@@ -9437,6 +9441,238 @@
 </file>
 
 <file path=ppt/slides/slide53.xml><?xml version="1.0" encoding="utf-8"?>
+<p:sld xmlns:a="http://schemas.openxmlformats.org/drawingml/2006/main" xmlns:r="http://schemas.openxmlformats.org/officeDocument/2006/relationships" xmlns:p="http://schemas.openxmlformats.org/presentationml/2006/main">
+  <p:cSld>
+    <p:spTree>
+      <p:nvGrpSpPr>
+        <p:cNvPr id="1" name=""/>
+        <p:cNvGrpSpPr/>
+        <p:nvPr/>
+      </p:nvGrpSpPr>
+      <p:grpSpPr>
+        <a:xfrm>
+          <a:off x="0" y="0"/>
+          <a:ext cx="0" cy="0"/>
+          <a:chOff x="0" y="0"/>
+          <a:chExt cx="0" cy="0"/>
+        </a:xfrm>
+      </p:grpSpPr>
+      <p:sp>
+        <p:nvSpPr>
+          <p:cNvPr id="2" name="标题 1"/>
+          <p:cNvSpPr>
+            <a:spLocks noGrp="1"/>
+          </p:cNvSpPr>
+          <p:nvPr>
+            <p:ph type="title"/>
+          </p:nvPr>
+        </p:nvSpPr>
+        <p:spPr/>
+        <p:txBody>
+          <a:bodyPr/>
+          <a:lstStyle/>
+          <a:p>
+            <a:r>
+              <a:rPr kumimoji="1" lang="en-US" altLang="zh-CN" dirty="0" smtClean="0"/>
+              <a:t>Grunt</a:t>
+            </a:r>
+            <a:r>
+              <a:rPr kumimoji="1" lang="zh-CN" altLang="en-US" dirty="0" smtClean="0"/>
+              <a:t>工具介绍与安装</a:t>
+            </a:r>
+            <a:endParaRPr kumimoji="1" lang="zh-CN" altLang="en-US" dirty="0"/>
+          </a:p>
+        </p:txBody>
+      </p:sp>
+      <p:sp>
+        <p:nvSpPr>
+          <p:cNvPr id="3" name="内容占位符 2"/>
+          <p:cNvSpPr>
+            <a:spLocks noGrp="1"/>
+          </p:cNvSpPr>
+          <p:nvPr>
+            <p:ph idx="1"/>
+          </p:nvPr>
+        </p:nvSpPr>
+        <p:spPr/>
+        <p:txBody>
+          <a:bodyPr/>
+          <a:lstStyle/>
+          <a:p>
+            <a:r>
+              <a:rPr kumimoji="1" lang="zh-CN" altLang="en-US" dirty="0" smtClean="0"/>
+              <a:t>安装</a:t>
+            </a:r>
+            <a:r>
+              <a:rPr kumimoji="1" lang="en-US" altLang="zh-CN" dirty="0" err="1" smtClean="0"/>
+              <a:t>Nodejs</a:t>
+            </a:r>
+            <a:endParaRPr kumimoji="1" lang="en-US" altLang="zh-CN" dirty="0" smtClean="0"/>
+          </a:p>
+          <a:p>
+            <a:r>
+              <a:rPr kumimoji="1" lang="zh-CN" altLang="en-US" dirty="0" smtClean="0"/>
+              <a:t>安装</a:t>
+            </a:r>
+            <a:r>
+              <a:rPr kumimoji="1" lang="en-US" altLang="zh-CN" dirty="0" smtClean="0"/>
+              <a:t>Grunt</a:t>
+            </a:r>
+          </a:p>
+          <a:p>
+            <a:r>
+              <a:rPr kumimoji="1" lang="zh-CN" altLang="en-US" dirty="0" smtClean="0"/>
+              <a:t>编译百度</a:t>
+            </a:r>
+            <a:r>
+              <a:rPr kumimoji="1" lang="en-US" altLang="zh-CN" dirty="0" err="1" smtClean="0"/>
+              <a:t>Ueditor</a:t>
+            </a:r>
+            <a:endParaRPr kumimoji="1" lang="zh-CN" altLang="en-US" dirty="0"/>
+          </a:p>
+        </p:txBody>
+      </p:sp>
+    </p:spTree>
+    <p:extLst>
+      <p:ext uri="{BB962C8B-B14F-4D97-AF65-F5344CB8AC3E}">
+        <p14:creationId xmlns:p14="http://schemas.microsoft.com/office/powerpoint/2010/main" val="2161577575"/>
+      </p:ext>
+    </p:extLst>
+  </p:cSld>
+  <p:clrMapOvr>
+    <a:masterClrMapping/>
+  </p:clrMapOvr>
+</p:sld>
+</file>
+
+<file path=ppt/slides/slide54.xml><?xml version="1.0" encoding="utf-8"?>
+<p:sld xmlns:a="http://schemas.openxmlformats.org/drawingml/2006/main" xmlns:r="http://schemas.openxmlformats.org/officeDocument/2006/relationships" xmlns:p="http://schemas.openxmlformats.org/presentationml/2006/main">
+  <p:cSld>
+    <p:spTree>
+      <p:nvGrpSpPr>
+        <p:cNvPr id="1" name=""/>
+        <p:cNvGrpSpPr/>
+        <p:nvPr/>
+      </p:nvGrpSpPr>
+      <p:grpSpPr>
+        <a:xfrm>
+          <a:off x="0" y="0"/>
+          <a:ext cx="0" cy="0"/>
+          <a:chOff x="0" y="0"/>
+          <a:chExt cx="0" cy="0"/>
+        </a:xfrm>
+      </p:grpSpPr>
+      <p:sp>
+        <p:nvSpPr>
+          <p:cNvPr id="2" name="标题 1"/>
+          <p:cNvSpPr>
+            <a:spLocks noGrp="1"/>
+          </p:cNvSpPr>
+          <p:nvPr>
+            <p:ph type="title"/>
+          </p:nvPr>
+        </p:nvSpPr>
+        <p:spPr/>
+        <p:txBody>
+          <a:bodyPr/>
+          <a:lstStyle/>
+          <a:p>
+            <a:r>
+              <a:rPr kumimoji="1" lang="en-US" altLang="zh-CN" dirty="0" err="1" smtClean="0"/>
+              <a:t>IndexedDB</a:t>
+            </a:r>
+            <a:endParaRPr kumimoji="1" lang="zh-CN" altLang="en-US" dirty="0"/>
+          </a:p>
+        </p:txBody>
+      </p:sp>
+      <p:sp>
+        <p:nvSpPr>
+          <p:cNvPr id="3" name="内容占位符 2"/>
+          <p:cNvSpPr>
+            <a:spLocks noGrp="1"/>
+          </p:cNvSpPr>
+          <p:nvPr>
+            <p:ph idx="1"/>
+          </p:nvPr>
+        </p:nvSpPr>
+        <p:spPr/>
+        <p:txBody>
+          <a:bodyPr/>
+          <a:lstStyle/>
+          <a:p>
+            <a:r>
+              <a:rPr kumimoji="1" lang="en-US" altLang="en-US" dirty="0" err="1" smtClean="0"/>
+              <a:t>连接db</a:t>
+            </a:r>
+            <a:endParaRPr kumimoji="1" lang="en-US" altLang="en-US" dirty="0" smtClean="0"/>
+          </a:p>
+          <a:p>
+            <a:r>
+              <a:rPr kumimoji="1" lang="en-US" altLang="en-US" dirty="0" smtClean="0"/>
+              <a:t>数据库升级介绍</a:t>
+            </a:r>
+          </a:p>
+          <a:p>
+            <a:r>
+              <a:rPr kumimoji="1" lang="en-US" altLang="en-US" dirty="0" err="1" smtClean="0"/>
+              <a:t>创建ObjectStore</a:t>
+            </a:r>
+            <a:r>
+              <a:rPr kumimoji="1" lang="en-US" altLang="en-US" dirty="0" smtClean="0"/>
+              <a:t>(</a:t>
+            </a:r>
+            <a:r>
+              <a:rPr kumimoji="1" lang="en-US" altLang="en-US" dirty="0" err="1" smtClean="0"/>
+              <a:t>createObjectStore</a:t>
+            </a:r>
+            <a:r>
+              <a:rPr kumimoji="1" lang="en-US" altLang="en-US" dirty="0" smtClean="0"/>
+              <a:t>)</a:t>
+            </a:r>
+          </a:p>
+          <a:p>
+            <a:r>
+              <a:rPr kumimoji="1" lang="en-US" altLang="en-US" dirty="0" smtClean="0"/>
+              <a:t>创建索引键(</a:t>
+            </a:r>
+            <a:r>
+              <a:rPr kumimoji="1" lang="en-US" altLang="en-US" dirty="0" err="1" smtClean="0"/>
+              <a:t>createIndex</a:t>
+            </a:r>
+            <a:r>
+              <a:rPr kumimoji="1" lang="en-US" altLang="en-US" dirty="0" smtClean="0"/>
+              <a:t>)</a:t>
+            </a:r>
+          </a:p>
+          <a:p>
+            <a:r>
+              <a:rPr kumimoji="1" lang="en-US" altLang="en-US" dirty="0" smtClean="0"/>
+              <a:t>写入数据</a:t>
+            </a:r>
+          </a:p>
+          <a:p>
+            <a:r>
+              <a:rPr kumimoji="1" lang="en-US" altLang="en-US" dirty="0" smtClean="0"/>
+              <a:t>读取数据</a:t>
+            </a:r>
+            <a:endParaRPr kumimoji="1" lang="zh-CN" altLang="en-US" dirty="0"/>
+          </a:p>
+        </p:txBody>
+      </p:sp>
+    </p:spTree>
+    <p:extLst>
+      <p:ext uri="{BB962C8B-B14F-4D97-AF65-F5344CB8AC3E}">
+        <p14:creationId xmlns:p14="http://schemas.microsoft.com/office/powerpoint/2010/main" val="3619374344"/>
+      </p:ext>
+    </p:extLst>
+  </p:cSld>
+  <p:clrMapOvr>
+    <a:masterClrMapping/>
+  </p:clrMapOvr>
+</p:sld>
+</file>
+
+<file path=ppt/slides/slide55.xml><?xml version="1.0" encoding="utf-8"?>
 <p:sld xmlns:a="http://schemas.openxmlformats.org/drawingml/2006/main" xmlns:r="http://schemas.openxmlformats.org/officeDocument/2006/relationships" xmlns:p="http://schemas.openxmlformats.org/presentationml/2006/main">
   <p:cSld>
     <p:spTree>

--- a/Web前端教学记录.pptx
+++ b/Web前端教学记录.pptx
@@ -59,7 +59,8 @@
     <p:sldId id="308" r:id="rId53"/>
     <p:sldId id="309" r:id="rId54"/>
     <p:sldId id="310" r:id="rId55"/>
-    <p:sldId id="292" r:id="rId56"/>
+    <p:sldId id="311" r:id="rId56"/>
+    <p:sldId id="292" r:id="rId57"/>
   </p:sldIdLst>
   <p:sldSz cx="9144000" cy="6858000" type="screen4x3"/>
   <p:notesSz cx="6858000" cy="9144000"/>
@@ -233,6 +234,7 @@
             <p14:sldId id="308"/>
             <p14:sldId id="309"/>
             <p14:sldId id="310"/>
+            <p14:sldId id="311"/>
           </p14:sldIdLst>
         </p14:section>
         <p14:section name="附加作业" id="{0276C1FC-4F12-C44C-A604-00B09FC2FBCB}">
@@ -9669,10 +9671,146 @@
   <p:clrMapOvr>
     <a:masterClrMapping/>
   </p:clrMapOvr>
+  <p:timing>
+    <p:tnLst>
+      <p:par>
+        <p:cTn xmlns:p14="http://schemas.microsoft.com/office/powerpoint/2010/main" id="1" dur="indefinite" restart="never" nodeType="tmRoot"/>
+      </p:par>
+    </p:tnLst>
+  </p:timing>
 </p:sld>
 </file>
 
 <file path=ppt/slides/slide55.xml><?xml version="1.0" encoding="utf-8"?>
+<p:sld xmlns:a="http://schemas.openxmlformats.org/drawingml/2006/main" xmlns:r="http://schemas.openxmlformats.org/officeDocument/2006/relationships" xmlns:p="http://schemas.openxmlformats.org/presentationml/2006/main">
+  <p:cSld>
+    <p:spTree>
+      <p:nvGrpSpPr>
+        <p:cNvPr id="1" name=""/>
+        <p:cNvGrpSpPr/>
+        <p:nvPr/>
+      </p:nvGrpSpPr>
+      <p:grpSpPr>
+        <a:xfrm>
+          <a:off x="0" y="0"/>
+          <a:ext cx="0" cy="0"/>
+          <a:chOff x="0" y="0"/>
+          <a:chExt cx="0" cy="0"/>
+        </a:xfrm>
+      </p:grpSpPr>
+      <p:sp>
+        <p:nvSpPr>
+          <p:cNvPr id="2" name="标题 1"/>
+          <p:cNvSpPr>
+            <a:spLocks noGrp="1"/>
+          </p:cNvSpPr>
+          <p:nvPr>
+            <p:ph type="title"/>
+          </p:nvPr>
+        </p:nvSpPr>
+        <p:spPr/>
+        <p:txBody>
+          <a:bodyPr/>
+          <a:lstStyle/>
+          <a:p>
+            <a:r>
+              <a:rPr kumimoji="1" lang="zh-CN" altLang="en-US" dirty="0" smtClean="0"/>
+              <a:t>作业</a:t>
+            </a:r>
+            <a:r>
+              <a:rPr kumimoji="1" lang="en-US" altLang="zh-CN" dirty="0" smtClean="0"/>
+              <a:t>-</a:t>
+            </a:r>
+            <a:r>
+              <a:rPr kumimoji="1" lang="zh-CN" altLang="en-US" dirty="0" smtClean="0"/>
+              <a:t>记帐本</a:t>
+            </a:r>
+            <a:endParaRPr kumimoji="1" lang="zh-CN" altLang="en-US" dirty="0"/>
+          </a:p>
+        </p:txBody>
+      </p:sp>
+      <p:sp>
+        <p:nvSpPr>
+          <p:cNvPr id="3" name="内容占位符 2"/>
+          <p:cNvSpPr>
+            <a:spLocks noGrp="1"/>
+          </p:cNvSpPr>
+          <p:nvPr>
+            <p:ph idx="1"/>
+          </p:nvPr>
+        </p:nvSpPr>
+        <p:spPr>
+          <a:xfrm>
+            <a:off x="457200" y="1600201"/>
+            <a:ext cx="8229600" cy="641982"/>
+          </a:xfrm>
+        </p:spPr>
+        <p:txBody>
+          <a:bodyPr/>
+          <a:lstStyle/>
+          <a:p>
+            <a:pPr marL="0" indent="0">
+              <a:buNone/>
+            </a:pPr>
+            <a:r>
+              <a:rPr kumimoji="1" lang="zh-CN" altLang="en-US" dirty="0" smtClean="0"/>
+              <a:t>效果如下</a:t>
+            </a:r>
+            <a:endParaRPr kumimoji="1" lang="zh-CN" altLang="en-US" dirty="0"/>
+          </a:p>
+        </p:txBody>
+      </p:sp>
+      <p:pic>
+        <p:nvPicPr>
+          <p:cNvPr id="4" name="图片 3" descr="Untitled-2.png"/>
+          <p:cNvPicPr>
+            <a:picLocks noChangeAspect="1"/>
+          </p:cNvPicPr>
+          <p:nvPr/>
+        </p:nvPicPr>
+        <p:blipFill>
+          <a:blip r:embed="rId2">
+            <a:extLst>
+              <a:ext uri="{28A0092B-C50C-407E-A947-70E740481C1C}">
+                <a14:useLocalDpi xmlns:a14="http://schemas.microsoft.com/office/drawing/2010/main" val="0"/>
+              </a:ext>
+            </a:extLst>
+          </a:blip>
+          <a:stretch>
+            <a:fillRect/>
+          </a:stretch>
+        </p:blipFill>
+        <p:spPr>
+          <a:xfrm>
+            <a:off x="1141305" y="2339671"/>
+            <a:ext cx="7010400" cy="3733800"/>
+          </a:xfrm>
+          <a:prstGeom prst="rect">
+            <a:avLst/>
+          </a:prstGeom>
+        </p:spPr>
+      </p:pic>
+    </p:spTree>
+    <p:extLst>
+      <p:ext uri="{BB962C8B-B14F-4D97-AF65-F5344CB8AC3E}">
+        <p14:creationId xmlns:p14="http://schemas.microsoft.com/office/powerpoint/2010/main" val="2741134771"/>
+      </p:ext>
+    </p:extLst>
+  </p:cSld>
+  <p:clrMapOvr>
+    <a:masterClrMapping/>
+  </p:clrMapOvr>
+  <p:timing>
+    <p:tnLst>
+      <p:par>
+        <p:cTn xmlns:p14="http://schemas.microsoft.com/office/powerpoint/2010/main" id="1" dur="indefinite" restart="never" nodeType="tmRoot"/>
+      </p:par>
+    </p:tnLst>
+  </p:timing>
+</p:sld>
+</file>
+
+<file path=ppt/slides/slide56.xml><?xml version="1.0" encoding="utf-8"?>
 <p:sld xmlns:a="http://schemas.openxmlformats.org/drawingml/2006/main" xmlns:r="http://schemas.openxmlformats.org/officeDocument/2006/relationships" xmlns:p="http://schemas.openxmlformats.org/presentationml/2006/main">
   <p:cSld>
     <p:spTree>

--- a/Web前端教学记录.pptx
+++ b/Web前端教学记录.pptx
@@ -60,7 +60,10 @@
     <p:sldId id="309" r:id="rId54"/>
     <p:sldId id="310" r:id="rId55"/>
     <p:sldId id="311" r:id="rId56"/>
-    <p:sldId id="292" r:id="rId57"/>
+    <p:sldId id="312" r:id="rId57"/>
+    <p:sldId id="313" r:id="rId58"/>
+    <p:sldId id="314" r:id="rId59"/>
+    <p:sldId id="292" r:id="rId60"/>
   </p:sldIdLst>
   <p:sldSz cx="9144000" cy="6858000" type="screen4x3"/>
   <p:notesSz cx="6858000" cy="9144000"/>
@@ -237,6 +240,17 @@
             <p14:sldId id="311"/>
           </p14:sldIdLst>
         </p14:section>
+        <p14:section name="常用工具" id="{26A46504-5A7E-024D-AB7A-E26E4F4094A2}">
+          <p14:sldIdLst>
+            <p14:sldId id="312"/>
+          </p14:sldIdLst>
+        </p14:section>
+        <p14:section name="表单" id="{CD9D1D58-0709-4C45-A2E8-DED1EBA0BF90}">
+          <p14:sldIdLst>
+            <p14:sldId id="313"/>
+            <p14:sldId id="314"/>
+          </p14:sldIdLst>
+        </p14:section>
         <p14:section name="附加作业" id="{0276C1FC-4F12-C44C-A604-00B09FC2FBCB}">
           <p14:sldIdLst>
             <p14:sldId id="292"/>
@@ -429,7 +443,7 @@
           <a:p>
             <a:fld id="{C635D755-6113-1D4F-8A58-71A4F06ADD9C}" type="datetimeFigureOut">
               <a:rPr kumimoji="1" lang="zh-CN" altLang="en-US" smtClean="0"/>
-              <a:t>7/2/16</a:t>
+              <a:t>7/4/16</a:t>
             </a:fld>
             <a:endParaRPr kumimoji="1" lang="zh-CN" altLang="en-US"/>
           </a:p>
@@ -599,7 +613,7 @@
           <a:p>
             <a:fld id="{C635D755-6113-1D4F-8A58-71A4F06ADD9C}" type="datetimeFigureOut">
               <a:rPr kumimoji="1" lang="zh-CN" altLang="en-US" smtClean="0"/>
-              <a:t>7/2/16</a:t>
+              <a:t>7/4/16</a:t>
             </a:fld>
             <a:endParaRPr kumimoji="1" lang="zh-CN" altLang="en-US"/>
           </a:p>
@@ -779,7 +793,7 @@
           <a:p>
             <a:fld id="{C635D755-6113-1D4F-8A58-71A4F06ADD9C}" type="datetimeFigureOut">
               <a:rPr kumimoji="1" lang="zh-CN" altLang="en-US" smtClean="0"/>
-              <a:t>7/2/16</a:t>
+              <a:t>7/4/16</a:t>
             </a:fld>
             <a:endParaRPr kumimoji="1" lang="zh-CN" altLang="en-US"/>
           </a:p>
@@ -949,7 +963,7 @@
           <a:p>
             <a:fld id="{C635D755-6113-1D4F-8A58-71A4F06ADD9C}" type="datetimeFigureOut">
               <a:rPr kumimoji="1" lang="zh-CN" altLang="en-US" smtClean="0"/>
-              <a:t>7/2/16</a:t>
+              <a:t>7/4/16</a:t>
             </a:fld>
             <a:endParaRPr kumimoji="1" lang="zh-CN" altLang="en-US"/>
           </a:p>
@@ -1195,7 +1209,7 @@
           <a:p>
             <a:fld id="{C635D755-6113-1D4F-8A58-71A4F06ADD9C}" type="datetimeFigureOut">
               <a:rPr kumimoji="1" lang="zh-CN" altLang="en-US" smtClean="0"/>
-              <a:t>7/2/16</a:t>
+              <a:t>7/4/16</a:t>
             </a:fld>
             <a:endParaRPr kumimoji="1" lang="zh-CN" altLang="en-US"/>
           </a:p>
@@ -1483,7 +1497,7 @@
           <a:p>
             <a:fld id="{C635D755-6113-1D4F-8A58-71A4F06ADD9C}" type="datetimeFigureOut">
               <a:rPr kumimoji="1" lang="zh-CN" altLang="en-US" smtClean="0"/>
-              <a:t>7/2/16</a:t>
+              <a:t>7/4/16</a:t>
             </a:fld>
             <a:endParaRPr kumimoji="1" lang="zh-CN" altLang="en-US"/>
           </a:p>
@@ -1905,7 +1919,7 @@
           <a:p>
             <a:fld id="{C635D755-6113-1D4F-8A58-71A4F06ADD9C}" type="datetimeFigureOut">
               <a:rPr kumimoji="1" lang="zh-CN" altLang="en-US" smtClean="0"/>
-              <a:t>7/2/16</a:t>
+              <a:t>7/4/16</a:t>
             </a:fld>
             <a:endParaRPr kumimoji="1" lang="zh-CN" altLang="en-US"/>
           </a:p>
@@ -2023,7 +2037,7 @@
           <a:p>
             <a:fld id="{C635D755-6113-1D4F-8A58-71A4F06ADD9C}" type="datetimeFigureOut">
               <a:rPr kumimoji="1" lang="zh-CN" altLang="en-US" smtClean="0"/>
-              <a:t>7/2/16</a:t>
+              <a:t>7/4/16</a:t>
             </a:fld>
             <a:endParaRPr kumimoji="1" lang="zh-CN" altLang="en-US"/>
           </a:p>
@@ -2118,7 +2132,7 @@
           <a:p>
             <a:fld id="{C635D755-6113-1D4F-8A58-71A4F06ADD9C}" type="datetimeFigureOut">
               <a:rPr kumimoji="1" lang="zh-CN" altLang="en-US" smtClean="0"/>
-              <a:t>7/2/16</a:t>
+              <a:t>7/4/16</a:t>
             </a:fld>
             <a:endParaRPr kumimoji="1" lang="zh-CN" altLang="en-US"/>
           </a:p>
@@ -2395,7 +2409,7 @@
           <a:p>
             <a:fld id="{C635D755-6113-1D4F-8A58-71A4F06ADD9C}" type="datetimeFigureOut">
               <a:rPr kumimoji="1" lang="zh-CN" altLang="en-US" smtClean="0"/>
-              <a:t>7/2/16</a:t>
+              <a:t>7/4/16</a:t>
             </a:fld>
             <a:endParaRPr kumimoji="1" lang="zh-CN" altLang="en-US"/>
           </a:p>
@@ -2648,7 +2662,7 @@
           <a:p>
             <a:fld id="{C635D755-6113-1D4F-8A58-71A4F06ADD9C}" type="datetimeFigureOut">
               <a:rPr kumimoji="1" lang="zh-CN" altLang="en-US" smtClean="0"/>
-              <a:t>7/2/16</a:t>
+              <a:t>7/4/16</a:t>
             </a:fld>
             <a:endParaRPr kumimoji="1" lang="zh-CN" altLang="en-US"/>
           </a:p>
@@ -2861,7 +2875,7 @@
           <a:p>
             <a:fld id="{C635D755-6113-1D4F-8A58-71A4F06ADD9C}" type="datetimeFigureOut">
               <a:rPr kumimoji="1" lang="zh-CN" altLang="en-US" smtClean="0"/>
-              <a:t>7/2/16</a:t>
+              <a:t>7/4/16</a:t>
             </a:fld>
             <a:endParaRPr kumimoji="1" lang="zh-CN" altLang="en-US"/>
           </a:p>
@@ -9811,6 +9825,280 @@
 </file>
 
 <file path=ppt/slides/slide56.xml><?xml version="1.0" encoding="utf-8"?>
+<p:sld xmlns:a="http://schemas.openxmlformats.org/drawingml/2006/main" xmlns:r="http://schemas.openxmlformats.org/officeDocument/2006/relationships" xmlns:p="http://schemas.openxmlformats.org/presentationml/2006/main">
+  <p:cSld>
+    <p:spTree>
+      <p:nvGrpSpPr>
+        <p:cNvPr id="1" name=""/>
+        <p:cNvGrpSpPr/>
+        <p:nvPr/>
+      </p:nvGrpSpPr>
+      <p:grpSpPr>
+        <a:xfrm>
+          <a:off x="0" y="0"/>
+          <a:ext cx="0" cy="0"/>
+          <a:chOff x="0" y="0"/>
+          <a:chExt cx="0" cy="0"/>
+        </a:xfrm>
+      </p:grpSpPr>
+      <p:sp>
+        <p:nvSpPr>
+          <p:cNvPr id="2" name="标题 1"/>
+          <p:cNvSpPr>
+            <a:spLocks noGrp="1"/>
+          </p:cNvSpPr>
+          <p:nvPr>
+            <p:ph type="title"/>
+          </p:nvPr>
+        </p:nvSpPr>
+        <p:spPr/>
+        <p:txBody>
+          <a:bodyPr/>
+          <a:lstStyle/>
+          <a:p>
+            <a:r>
+              <a:rPr kumimoji="1" lang="zh-CN" altLang="en-US" dirty="0" smtClean="0"/>
+              <a:t>常用</a:t>
+            </a:r>
+            <a:r>
+              <a:rPr kumimoji="1" lang="en-US" altLang="zh-CN" dirty="0" smtClean="0"/>
+              <a:t>CSS</a:t>
+            </a:r>
+            <a:r>
+              <a:rPr kumimoji="1" lang="zh-CN" altLang="en-US" dirty="0" smtClean="0"/>
+              <a:t>工具</a:t>
+            </a:r>
+            <a:endParaRPr kumimoji="1" lang="zh-CN" altLang="en-US" dirty="0"/>
+          </a:p>
+        </p:txBody>
+      </p:sp>
+      <p:sp>
+        <p:nvSpPr>
+          <p:cNvPr id="3" name="内容占位符 2"/>
+          <p:cNvSpPr>
+            <a:spLocks noGrp="1"/>
+          </p:cNvSpPr>
+          <p:nvPr>
+            <p:ph idx="1"/>
+          </p:nvPr>
+        </p:nvSpPr>
+        <p:spPr/>
+        <p:txBody>
+          <a:bodyPr/>
+          <a:lstStyle/>
+          <a:p>
+            <a:r>
+              <a:rPr kumimoji="1" lang="en-US" altLang="zh-CN" dirty="0" smtClean="0"/>
+              <a:t>Less</a:t>
+            </a:r>
+            <a:r>
+              <a:rPr kumimoji="1" lang="zh-CN" altLang="en-US" dirty="0" smtClean="0"/>
+              <a:t>的安装与使用</a:t>
+            </a:r>
+            <a:endParaRPr kumimoji="1" lang="en-US" altLang="zh-CN" dirty="0" smtClean="0"/>
+          </a:p>
+          <a:p>
+            <a:r>
+              <a:rPr kumimoji="1" lang="en-US" altLang="zh-CN" dirty="0" smtClean="0"/>
+              <a:t>Sass</a:t>
+            </a:r>
+            <a:r>
+              <a:rPr kumimoji="1" lang="zh-CN" altLang="en-US" dirty="0" smtClean="0"/>
+              <a:t>的安装与使用</a:t>
+            </a:r>
+            <a:endParaRPr kumimoji="1" lang="zh-CN" altLang="en-US" dirty="0"/>
+          </a:p>
+        </p:txBody>
+      </p:sp>
+    </p:spTree>
+    <p:extLst>
+      <p:ext uri="{BB962C8B-B14F-4D97-AF65-F5344CB8AC3E}">
+        <p14:creationId xmlns:p14="http://schemas.microsoft.com/office/powerpoint/2010/main" val="2680434564"/>
+      </p:ext>
+    </p:extLst>
+  </p:cSld>
+  <p:clrMapOvr>
+    <a:masterClrMapping/>
+  </p:clrMapOvr>
+</p:sld>
+</file>
+
+<file path=ppt/slides/slide57.xml><?xml version="1.0" encoding="utf-8"?>
+<p:sld xmlns:a="http://schemas.openxmlformats.org/drawingml/2006/main" xmlns:r="http://schemas.openxmlformats.org/officeDocument/2006/relationships" xmlns:p="http://schemas.openxmlformats.org/presentationml/2006/main">
+  <p:cSld>
+    <p:spTree>
+      <p:nvGrpSpPr>
+        <p:cNvPr id="1" name=""/>
+        <p:cNvGrpSpPr/>
+        <p:nvPr/>
+      </p:nvGrpSpPr>
+      <p:grpSpPr>
+        <a:xfrm>
+          <a:off x="0" y="0"/>
+          <a:ext cx="0" cy="0"/>
+          <a:chOff x="0" y="0"/>
+          <a:chExt cx="0" cy="0"/>
+        </a:xfrm>
+      </p:grpSpPr>
+      <p:sp>
+        <p:nvSpPr>
+          <p:cNvPr id="2" name="标题 1"/>
+          <p:cNvSpPr>
+            <a:spLocks noGrp="1"/>
+          </p:cNvSpPr>
+          <p:nvPr>
+            <p:ph type="title"/>
+          </p:nvPr>
+        </p:nvSpPr>
+        <p:spPr/>
+        <p:txBody>
+          <a:bodyPr/>
+          <a:lstStyle/>
+          <a:p>
+            <a:r>
+              <a:rPr kumimoji="1" lang="en-US" altLang="zh-CN" dirty="0" smtClean="0"/>
+              <a:t>Get</a:t>
+            </a:r>
+            <a:r>
+              <a:rPr kumimoji="1" lang="zh-CN" altLang="en-US" dirty="0" smtClean="0"/>
+              <a:t>方式传输数据</a:t>
+            </a:r>
+            <a:endParaRPr kumimoji="1" lang="zh-CN" altLang="en-US" dirty="0"/>
+          </a:p>
+        </p:txBody>
+      </p:sp>
+      <p:sp>
+        <p:nvSpPr>
+          <p:cNvPr id="3" name="内容占位符 2"/>
+          <p:cNvSpPr>
+            <a:spLocks noGrp="1"/>
+          </p:cNvSpPr>
+          <p:nvPr>
+            <p:ph idx="1"/>
+          </p:nvPr>
+        </p:nvSpPr>
+        <p:spPr/>
+        <p:txBody>
+          <a:bodyPr/>
+          <a:lstStyle/>
+          <a:p>
+            <a:r>
+              <a:rPr kumimoji="1" lang="en-US" altLang="zh-CN" dirty="0" err="1" smtClean="0"/>
+              <a:t>Nodejs</a:t>
+            </a:r>
+            <a:r>
+              <a:rPr kumimoji="1" lang="zh-CN" altLang="en-US" dirty="0" smtClean="0"/>
+              <a:t>入门</a:t>
+            </a:r>
+            <a:endParaRPr kumimoji="1" lang="en-US" altLang="zh-CN" dirty="0" smtClean="0"/>
+          </a:p>
+          <a:p>
+            <a:r>
+              <a:rPr kumimoji="1" lang="zh-CN" altLang="en-US" dirty="0" smtClean="0"/>
+              <a:t>以</a:t>
+            </a:r>
+            <a:r>
+              <a:rPr kumimoji="1" lang="en-US" altLang="zh-CN" dirty="0" smtClean="0"/>
+              <a:t>Get</a:t>
+            </a:r>
+            <a:r>
+              <a:rPr kumimoji="1" lang="zh-CN" altLang="en-US" dirty="0" smtClean="0"/>
+              <a:t>方式提交表单</a:t>
+            </a:r>
+            <a:endParaRPr kumimoji="1" lang="zh-CN" altLang="en-US" dirty="0"/>
+          </a:p>
+        </p:txBody>
+      </p:sp>
+    </p:spTree>
+    <p:extLst>
+      <p:ext uri="{BB962C8B-B14F-4D97-AF65-F5344CB8AC3E}">
+        <p14:creationId xmlns:p14="http://schemas.microsoft.com/office/powerpoint/2010/main" val="2271120015"/>
+      </p:ext>
+    </p:extLst>
+  </p:cSld>
+  <p:clrMapOvr>
+    <a:masterClrMapping/>
+  </p:clrMapOvr>
+</p:sld>
+</file>
+
+<file path=ppt/slides/slide58.xml><?xml version="1.0" encoding="utf-8"?>
+<p:sld xmlns:a="http://schemas.openxmlformats.org/drawingml/2006/main" xmlns:r="http://schemas.openxmlformats.org/officeDocument/2006/relationships" xmlns:p="http://schemas.openxmlformats.org/presentationml/2006/main">
+  <p:cSld>
+    <p:spTree>
+      <p:nvGrpSpPr>
+        <p:cNvPr id="1" name=""/>
+        <p:cNvGrpSpPr/>
+        <p:nvPr/>
+      </p:nvGrpSpPr>
+      <p:grpSpPr>
+        <a:xfrm>
+          <a:off x="0" y="0"/>
+          <a:ext cx="0" cy="0"/>
+          <a:chOff x="0" y="0"/>
+          <a:chExt cx="0" cy="0"/>
+        </a:xfrm>
+      </p:grpSpPr>
+      <p:sp>
+        <p:nvSpPr>
+          <p:cNvPr id="2" name="标题 1"/>
+          <p:cNvSpPr>
+            <a:spLocks noGrp="1"/>
+          </p:cNvSpPr>
+          <p:nvPr>
+            <p:ph type="title"/>
+          </p:nvPr>
+        </p:nvSpPr>
+        <p:spPr/>
+        <p:txBody>
+          <a:bodyPr/>
+          <a:lstStyle/>
+          <a:p>
+            <a:r>
+              <a:rPr kumimoji="1" lang="zh-CN" altLang="en-US" dirty="0" smtClean="0"/>
+              <a:t>作业</a:t>
+            </a:r>
+            <a:endParaRPr kumimoji="1" lang="zh-CN" altLang="en-US" dirty="0"/>
+          </a:p>
+        </p:txBody>
+      </p:sp>
+      <p:sp>
+        <p:nvSpPr>
+          <p:cNvPr id="3" name="内容占位符 2"/>
+          <p:cNvSpPr>
+            <a:spLocks noGrp="1"/>
+          </p:cNvSpPr>
+          <p:nvPr>
+            <p:ph idx="1"/>
+          </p:nvPr>
+        </p:nvSpPr>
+        <p:spPr/>
+        <p:txBody>
+          <a:bodyPr/>
+          <a:lstStyle/>
+          <a:p>
+            <a:r>
+              <a:rPr kumimoji="1" lang="zh-CN" altLang="en-US" dirty="0" smtClean="0"/>
+              <a:t>通过表单提交两个数字到服务器，服务器端相加并返回结果到页面中</a:t>
+            </a:r>
+            <a:endParaRPr kumimoji="1" lang="zh-CN" altLang="en-US" dirty="0"/>
+          </a:p>
+        </p:txBody>
+      </p:sp>
+    </p:spTree>
+    <p:extLst>
+      <p:ext uri="{BB962C8B-B14F-4D97-AF65-F5344CB8AC3E}">
+        <p14:creationId xmlns:p14="http://schemas.microsoft.com/office/powerpoint/2010/main" val="3391985270"/>
+      </p:ext>
+    </p:extLst>
+  </p:cSld>
+  <p:clrMapOvr>
+    <a:masterClrMapping/>
+  </p:clrMapOvr>
+</p:sld>
+</file>
+
+<file path=ppt/slides/slide59.xml><?xml version="1.0" encoding="utf-8"?>
 <p:sld xmlns:a="http://schemas.openxmlformats.org/drawingml/2006/main" xmlns:r="http://schemas.openxmlformats.org/officeDocument/2006/relationships" xmlns:p="http://schemas.openxmlformats.org/presentationml/2006/main">
   <p:cSld>
     <p:spTree>

--- a/Web前端教学记录.pptx
+++ b/Web前端教学记录.pptx
@@ -63,7 +63,8 @@
     <p:sldId id="312" r:id="rId57"/>
     <p:sldId id="313" r:id="rId58"/>
     <p:sldId id="314" r:id="rId59"/>
-    <p:sldId id="292" r:id="rId60"/>
+    <p:sldId id="315" r:id="rId60"/>
+    <p:sldId id="292" r:id="rId61"/>
   </p:sldIdLst>
   <p:sldSz cx="9144000" cy="6858000" type="screen4x3"/>
   <p:notesSz cx="6858000" cy="9144000"/>
@@ -251,6 +252,11 @@
             <p14:sldId id="314"/>
           </p14:sldIdLst>
         </p14:section>
+        <p14:section name="jQuery" id="{B1785341-0250-474C-8FFC-2C868FE8CCDB}">
+          <p14:sldIdLst>
+            <p14:sldId id="315"/>
+          </p14:sldIdLst>
+        </p14:section>
         <p14:section name="附加作业" id="{0276C1FC-4F12-C44C-A604-00B09FC2FBCB}">
           <p14:sldIdLst>
             <p14:sldId id="292"/>
@@ -443,7 +449,7 @@
           <a:p>
             <a:fld id="{C635D755-6113-1D4F-8A58-71A4F06ADD9C}" type="datetimeFigureOut">
               <a:rPr kumimoji="1" lang="zh-CN" altLang="en-US" smtClean="0"/>
-              <a:t>7/4/16</a:t>
+              <a:t>7/6/16</a:t>
             </a:fld>
             <a:endParaRPr kumimoji="1" lang="zh-CN" altLang="en-US"/>
           </a:p>
@@ -613,7 +619,7 @@
           <a:p>
             <a:fld id="{C635D755-6113-1D4F-8A58-71A4F06ADD9C}" type="datetimeFigureOut">
               <a:rPr kumimoji="1" lang="zh-CN" altLang="en-US" smtClean="0"/>
-              <a:t>7/4/16</a:t>
+              <a:t>7/6/16</a:t>
             </a:fld>
             <a:endParaRPr kumimoji="1" lang="zh-CN" altLang="en-US"/>
           </a:p>
@@ -793,7 +799,7 @@
           <a:p>
             <a:fld id="{C635D755-6113-1D4F-8A58-71A4F06ADD9C}" type="datetimeFigureOut">
               <a:rPr kumimoji="1" lang="zh-CN" altLang="en-US" smtClean="0"/>
-              <a:t>7/4/16</a:t>
+              <a:t>7/6/16</a:t>
             </a:fld>
             <a:endParaRPr kumimoji="1" lang="zh-CN" altLang="en-US"/>
           </a:p>
@@ -963,7 +969,7 @@
           <a:p>
             <a:fld id="{C635D755-6113-1D4F-8A58-71A4F06ADD9C}" type="datetimeFigureOut">
               <a:rPr kumimoji="1" lang="zh-CN" altLang="en-US" smtClean="0"/>
-              <a:t>7/4/16</a:t>
+              <a:t>7/6/16</a:t>
             </a:fld>
             <a:endParaRPr kumimoji="1" lang="zh-CN" altLang="en-US"/>
           </a:p>
@@ -1209,7 +1215,7 @@
           <a:p>
             <a:fld id="{C635D755-6113-1D4F-8A58-71A4F06ADD9C}" type="datetimeFigureOut">
               <a:rPr kumimoji="1" lang="zh-CN" altLang="en-US" smtClean="0"/>
-              <a:t>7/4/16</a:t>
+              <a:t>7/6/16</a:t>
             </a:fld>
             <a:endParaRPr kumimoji="1" lang="zh-CN" altLang="en-US"/>
           </a:p>
@@ -1497,7 +1503,7 @@
           <a:p>
             <a:fld id="{C635D755-6113-1D4F-8A58-71A4F06ADD9C}" type="datetimeFigureOut">
               <a:rPr kumimoji="1" lang="zh-CN" altLang="en-US" smtClean="0"/>
-              <a:t>7/4/16</a:t>
+              <a:t>7/6/16</a:t>
             </a:fld>
             <a:endParaRPr kumimoji="1" lang="zh-CN" altLang="en-US"/>
           </a:p>
@@ -1919,7 +1925,7 @@
           <a:p>
             <a:fld id="{C635D755-6113-1D4F-8A58-71A4F06ADD9C}" type="datetimeFigureOut">
               <a:rPr kumimoji="1" lang="zh-CN" altLang="en-US" smtClean="0"/>
-              <a:t>7/4/16</a:t>
+              <a:t>7/6/16</a:t>
             </a:fld>
             <a:endParaRPr kumimoji="1" lang="zh-CN" altLang="en-US"/>
           </a:p>
@@ -2037,7 +2043,7 @@
           <a:p>
             <a:fld id="{C635D755-6113-1D4F-8A58-71A4F06ADD9C}" type="datetimeFigureOut">
               <a:rPr kumimoji="1" lang="zh-CN" altLang="en-US" smtClean="0"/>
-              <a:t>7/4/16</a:t>
+              <a:t>7/6/16</a:t>
             </a:fld>
             <a:endParaRPr kumimoji="1" lang="zh-CN" altLang="en-US"/>
           </a:p>
@@ -2132,7 +2138,7 @@
           <a:p>
             <a:fld id="{C635D755-6113-1D4F-8A58-71A4F06ADD9C}" type="datetimeFigureOut">
               <a:rPr kumimoji="1" lang="zh-CN" altLang="en-US" smtClean="0"/>
-              <a:t>7/4/16</a:t>
+              <a:t>7/6/16</a:t>
             </a:fld>
             <a:endParaRPr kumimoji="1" lang="zh-CN" altLang="en-US"/>
           </a:p>
@@ -2409,7 +2415,7 @@
           <a:p>
             <a:fld id="{C635D755-6113-1D4F-8A58-71A4F06ADD9C}" type="datetimeFigureOut">
               <a:rPr kumimoji="1" lang="zh-CN" altLang="en-US" smtClean="0"/>
-              <a:t>7/4/16</a:t>
+              <a:t>7/6/16</a:t>
             </a:fld>
             <a:endParaRPr kumimoji="1" lang="zh-CN" altLang="en-US"/>
           </a:p>
@@ -2662,7 +2668,7 @@
           <a:p>
             <a:fld id="{C635D755-6113-1D4F-8A58-71A4F06ADD9C}" type="datetimeFigureOut">
               <a:rPr kumimoji="1" lang="zh-CN" altLang="en-US" smtClean="0"/>
-              <a:t>7/4/16</a:t>
+              <a:t>7/6/16</a:t>
             </a:fld>
             <a:endParaRPr kumimoji="1" lang="zh-CN" altLang="en-US"/>
           </a:p>
@@ -2875,7 +2881,7 @@
           <a:p>
             <a:fld id="{C635D755-6113-1D4F-8A58-71A4F06ADD9C}" type="datetimeFigureOut">
               <a:rPr kumimoji="1" lang="zh-CN" altLang="en-US" smtClean="0"/>
-              <a:t>7/4/16</a:t>
+              <a:t>7/6/16</a:t>
             </a:fld>
             <a:endParaRPr kumimoji="1" lang="zh-CN" altLang="en-US"/>
           </a:p>
@@ -9956,12 +9962,8 @@
           <a:lstStyle/>
           <a:p>
             <a:r>
-              <a:rPr kumimoji="1" lang="en-US" altLang="zh-CN" dirty="0" smtClean="0"/>
-              <a:t>Get</a:t>
-            </a:r>
-            <a:r>
-              <a:rPr kumimoji="1" lang="zh-CN" altLang="en-US" dirty="0" smtClean="0"/>
-              <a:t>方式传输数据</a:t>
+              <a:rPr kumimoji="1" lang="zh-CN" altLang="en-US" dirty="0" smtClean="0"/>
+              <a:t>表单提交</a:t>
             </a:r>
             <a:endParaRPr kumimoji="1" lang="zh-CN" altLang="en-US" dirty="0"/>
           </a:p>
@@ -10000,6 +10002,21 @@
             <a:r>
               <a:rPr kumimoji="1" lang="en-US" altLang="zh-CN" dirty="0" smtClean="0"/>
               <a:t>Get</a:t>
+            </a:r>
+            <a:r>
+              <a:rPr kumimoji="1" lang="zh-CN" altLang="en-US" dirty="0" smtClean="0"/>
+              <a:t>方式提交表单</a:t>
+            </a:r>
+            <a:endParaRPr kumimoji="1" lang="en-US" altLang="zh-CN" dirty="0" smtClean="0"/>
+          </a:p>
+          <a:p>
+            <a:r>
+              <a:rPr kumimoji="1" lang="zh-CN" altLang="en-US" dirty="0" smtClean="0"/>
+              <a:t>以</a:t>
+            </a:r>
+            <a:r>
+              <a:rPr kumimoji="1" lang="en-US" altLang="zh-CN" dirty="0" smtClean="0"/>
+              <a:t>POST</a:t>
             </a:r>
             <a:r>
               <a:rPr kumimoji="1" lang="zh-CN" altLang="en-US" dirty="0" smtClean="0"/>
@@ -10131,8 +10148,8 @@
           <a:lstStyle/>
           <a:p>
             <a:r>
-              <a:rPr kumimoji="1" lang="zh-CN" altLang="en-US" dirty="0" smtClean="0"/>
-              <a:t>实战项目</a:t>
+              <a:rPr kumimoji="1" lang="en-US" altLang="zh-CN" dirty="0" err="1" smtClean="0"/>
+              <a:t>jQuery</a:t>
             </a:r>
             <a:endParaRPr kumimoji="1" lang="zh-CN" altLang="en-US" dirty="0"/>
           </a:p>
@@ -10155,7 +10172,81 @@
           <a:p>
             <a:r>
               <a:rPr kumimoji="1" lang="zh-CN" altLang="en-US" dirty="0" smtClean="0"/>
-              <a:t>科目一考试系统</a:t>
+              <a:t>选择器</a:t>
+            </a:r>
+            <a:endParaRPr kumimoji="1" lang="en-US" altLang="zh-CN" dirty="0" smtClean="0"/>
+          </a:p>
+          <a:p>
+            <a:r>
+              <a:rPr kumimoji="1" lang="zh-CN" altLang="en-US" dirty="0" smtClean="0"/>
+              <a:t>事件</a:t>
+            </a:r>
+            <a:endParaRPr kumimoji="1" lang="en-US" altLang="zh-CN" dirty="0"/>
+          </a:p>
+          <a:p>
+            <a:pPr lvl="1"/>
+            <a:r>
+              <a:rPr kumimoji="1" lang="zh-CN" altLang="en-US" dirty="0" smtClean="0"/>
+              <a:t>直接添加，如</a:t>
+            </a:r>
+            <a:r>
+              <a:rPr kumimoji="1" lang="en-US" altLang="zh-CN" dirty="0" smtClean="0"/>
+              <a:t> $(“.</a:t>
+            </a:r>
+            <a:r>
+              <a:rPr kumimoji="1" lang="en-US" altLang="zh-CN" dirty="0" err="1" smtClean="0"/>
+              <a:t>btn</a:t>
+            </a:r>
+            <a:r>
+              <a:rPr kumimoji="1" lang="en-US" altLang="zh-CN" dirty="0" smtClean="0"/>
+              <a:t>”).click(function(event){})</a:t>
+            </a:r>
+          </a:p>
+          <a:p>
+            <a:pPr lvl="1"/>
+            <a:r>
+              <a:rPr kumimoji="1" lang="zh-CN" altLang="en-US" dirty="0" smtClean="0"/>
+              <a:t>使用</a:t>
+            </a:r>
+            <a:r>
+              <a:rPr kumimoji="1" lang="en-US" altLang="zh-CN" dirty="0" smtClean="0"/>
+              <a:t>bind</a:t>
+            </a:r>
+            <a:r>
+              <a:rPr kumimoji="1" lang="zh-CN" altLang="en-US" dirty="0" smtClean="0"/>
+              <a:t>和</a:t>
+            </a:r>
+            <a:r>
+              <a:rPr kumimoji="1" lang="en-US" altLang="zh-CN" dirty="0" smtClean="0"/>
+              <a:t>unbind</a:t>
+            </a:r>
+            <a:r>
+              <a:rPr kumimoji="1" lang="zh-CN" altLang="en-US" dirty="0" smtClean="0"/>
+              <a:t>函数添加和移除事件侦听器</a:t>
+            </a:r>
+            <a:endParaRPr kumimoji="1" lang="en-US" altLang="zh-CN" dirty="0" smtClean="0"/>
+          </a:p>
+          <a:p>
+            <a:pPr lvl="1"/>
+            <a:r>
+              <a:rPr kumimoji="1" lang="zh-CN" altLang="en-US" dirty="0" smtClean="0"/>
+              <a:t>使用</a:t>
+            </a:r>
+            <a:r>
+              <a:rPr kumimoji="1" lang="en-US" altLang="zh-CN" dirty="0" smtClean="0"/>
+              <a:t>on</a:t>
+            </a:r>
+            <a:r>
+              <a:rPr kumimoji="1" lang="zh-CN" altLang="en-US" dirty="0" smtClean="0"/>
+              <a:t>和</a:t>
+            </a:r>
+            <a:r>
+              <a:rPr kumimoji="1" lang="en-US" altLang="zh-CN" dirty="0" smtClean="0"/>
+              <a:t>off</a:t>
+            </a:r>
+            <a:r>
+              <a:rPr kumimoji="1" lang="zh-CN" altLang="en-US" dirty="0" smtClean="0"/>
+              <a:t>函数添加和移除事件侦听器</a:t>
             </a:r>
             <a:endParaRPr kumimoji="1" lang="zh-CN" altLang="en-US" dirty="0"/>
           </a:p>
@@ -10164,20 +10255,13 @@
     </p:spTree>
     <p:extLst>
       <p:ext uri="{BB962C8B-B14F-4D97-AF65-F5344CB8AC3E}">
-        <p14:creationId xmlns:p14="http://schemas.microsoft.com/office/powerpoint/2010/main" val="1032089496"/>
+        <p14:creationId xmlns:p14="http://schemas.microsoft.com/office/powerpoint/2010/main" val="2370112409"/>
       </p:ext>
     </p:extLst>
   </p:cSld>
   <p:clrMapOvr>
     <a:masterClrMapping/>
   </p:clrMapOvr>
-  <p:timing>
-    <p:tnLst>
-      <p:par>
-        <p:cTn xmlns:p14="http://schemas.microsoft.com/office/powerpoint/2010/main" id="1" dur="indefinite" restart="never" nodeType="tmRoot"/>
-      </p:par>
-    </p:tnLst>
-  </p:timing>
 </p:sld>
 </file>
 
@@ -10259,6 +10343,89 @@
     <p:extLst>
       <p:ext uri="{BB962C8B-B14F-4D97-AF65-F5344CB8AC3E}">
         <p14:creationId xmlns:p14="http://schemas.microsoft.com/office/powerpoint/2010/main" val="889258853"/>
+      </p:ext>
+    </p:extLst>
+  </p:cSld>
+  <p:clrMapOvr>
+    <a:masterClrMapping/>
+  </p:clrMapOvr>
+  <p:timing>
+    <p:tnLst>
+      <p:par>
+        <p:cTn xmlns:p14="http://schemas.microsoft.com/office/powerpoint/2010/main" id="1" dur="indefinite" restart="never" nodeType="tmRoot"/>
+      </p:par>
+    </p:tnLst>
+  </p:timing>
+</p:sld>
+</file>
+
+<file path=ppt/slides/slide60.xml><?xml version="1.0" encoding="utf-8"?>
+<p:sld xmlns:a="http://schemas.openxmlformats.org/drawingml/2006/main" xmlns:r="http://schemas.openxmlformats.org/officeDocument/2006/relationships" xmlns:p="http://schemas.openxmlformats.org/presentationml/2006/main">
+  <p:cSld>
+    <p:spTree>
+      <p:nvGrpSpPr>
+        <p:cNvPr id="1" name=""/>
+        <p:cNvGrpSpPr/>
+        <p:nvPr/>
+      </p:nvGrpSpPr>
+      <p:grpSpPr>
+        <a:xfrm>
+          <a:off x="0" y="0"/>
+          <a:ext cx="0" cy="0"/>
+          <a:chOff x="0" y="0"/>
+          <a:chExt cx="0" cy="0"/>
+        </a:xfrm>
+      </p:grpSpPr>
+      <p:sp>
+        <p:nvSpPr>
+          <p:cNvPr id="2" name="标题 1"/>
+          <p:cNvSpPr>
+            <a:spLocks noGrp="1"/>
+          </p:cNvSpPr>
+          <p:nvPr>
+            <p:ph type="title"/>
+          </p:nvPr>
+        </p:nvSpPr>
+        <p:spPr/>
+        <p:txBody>
+          <a:bodyPr/>
+          <a:lstStyle/>
+          <a:p>
+            <a:r>
+              <a:rPr kumimoji="1" lang="zh-CN" altLang="en-US" dirty="0" smtClean="0"/>
+              <a:t>实战项目</a:t>
+            </a:r>
+            <a:endParaRPr kumimoji="1" lang="zh-CN" altLang="en-US" dirty="0"/>
+          </a:p>
+        </p:txBody>
+      </p:sp>
+      <p:sp>
+        <p:nvSpPr>
+          <p:cNvPr id="3" name="内容占位符 2"/>
+          <p:cNvSpPr>
+            <a:spLocks noGrp="1"/>
+          </p:cNvSpPr>
+          <p:nvPr>
+            <p:ph idx="1"/>
+          </p:nvPr>
+        </p:nvSpPr>
+        <p:spPr/>
+        <p:txBody>
+          <a:bodyPr/>
+          <a:lstStyle/>
+          <a:p>
+            <a:r>
+              <a:rPr kumimoji="1" lang="zh-CN" altLang="en-US" dirty="0" smtClean="0"/>
+              <a:t>科目一考试系统</a:t>
+            </a:r>
+            <a:endParaRPr kumimoji="1" lang="zh-CN" altLang="en-US" dirty="0"/>
+          </a:p>
+        </p:txBody>
+      </p:sp>
+    </p:spTree>
+    <p:extLst>
+      <p:ext uri="{BB962C8B-B14F-4D97-AF65-F5344CB8AC3E}">
+        <p14:creationId xmlns:p14="http://schemas.microsoft.com/office/powerpoint/2010/main" val="1032089496"/>
       </p:ext>
     </p:extLst>
   </p:cSld>

--- a/Web前端教学记录.pptx
+++ b/Web前端教学记录.pptx
@@ -64,7 +64,8 @@
     <p:sldId id="313" r:id="rId58"/>
     <p:sldId id="314" r:id="rId59"/>
     <p:sldId id="315" r:id="rId60"/>
-    <p:sldId id="292" r:id="rId61"/>
+    <p:sldId id="316" r:id="rId61"/>
+    <p:sldId id="292" r:id="rId62"/>
   </p:sldIdLst>
   <p:sldSz cx="9144000" cy="6858000" type="screen4x3"/>
   <p:notesSz cx="6858000" cy="9144000"/>
@@ -255,6 +256,7 @@
         <p14:section name="jQuery" id="{B1785341-0250-474C-8FFC-2C868FE8CCDB}">
           <p14:sldIdLst>
             <p14:sldId id="315"/>
+            <p14:sldId id="316"/>
           </p14:sldIdLst>
         </p14:section>
         <p14:section name="附加作业" id="{0276C1FC-4F12-C44C-A604-00B09FC2FBCB}">
@@ -10112,6 +10114,13 @@
   <p:clrMapOvr>
     <a:masterClrMapping/>
   </p:clrMapOvr>
+  <p:timing>
+    <p:tnLst>
+      <p:par>
+        <p:cTn xmlns:p14="http://schemas.microsoft.com/office/powerpoint/2010/main" id="1" dur="indefinite" restart="never" nodeType="tmRoot"/>
+      </p:par>
+    </p:tnLst>
+  </p:timing>
 </p:sld>
 </file>
 
@@ -10248,7 +10257,43 @@
               <a:rPr kumimoji="1" lang="zh-CN" altLang="en-US" dirty="0" smtClean="0"/>
               <a:t>函数添加和移除事件侦听器</a:t>
             </a:r>
-            <a:endParaRPr kumimoji="1" lang="zh-CN" altLang="en-US" dirty="0"/>
+            <a:endParaRPr kumimoji="1" lang="en-US" altLang="zh-CN" dirty="0"/>
+          </a:p>
+          <a:p>
+            <a:pPr marL="514350" indent="-457200"/>
+            <a:r>
+              <a:rPr kumimoji="1" lang="zh-CN" altLang="en-US" dirty="0" smtClean="0"/>
+              <a:t>操作</a:t>
+            </a:r>
+            <a:r>
+              <a:rPr kumimoji="1" lang="en-US" altLang="zh-CN" dirty="0" smtClean="0"/>
+              <a:t>CSS</a:t>
+            </a:r>
+            <a:r>
+              <a:rPr kumimoji="1" lang="zh-CN" altLang="en-US" dirty="0" smtClean="0"/>
+              <a:t>样式</a:t>
+            </a:r>
+            <a:endParaRPr kumimoji="1" lang="en-US" altLang="zh-CN" dirty="0" smtClean="0"/>
+          </a:p>
+          <a:p>
+            <a:pPr marL="514350" indent="-457200"/>
+            <a:r>
+              <a:rPr kumimoji="1" lang="zh-CN" altLang="en-US" dirty="0" smtClean="0"/>
+              <a:t>动画效果</a:t>
+            </a:r>
+            <a:endParaRPr kumimoji="1" lang="en-US" altLang="zh-CN" dirty="0" smtClean="0"/>
+          </a:p>
+          <a:p>
+            <a:pPr marL="514350" indent="-457200"/>
+            <a:r>
+              <a:rPr kumimoji="1" lang="en-US" altLang="zh-CN" dirty="0" err="1" smtClean="0"/>
+              <a:t>jQuery</a:t>
+            </a:r>
+            <a:r>
+              <a:rPr kumimoji="1" lang="zh-CN" altLang="en-US" dirty="0" smtClean="0"/>
+              <a:t>插件开发</a:t>
+            </a:r>
+            <a:endParaRPr kumimoji="1" lang="en-US" altLang="zh-CN" dirty="0"/>
           </a:p>
         </p:txBody>
       </p:sp>
@@ -10262,6 +10307,13 @@
   <p:clrMapOvr>
     <a:masterClrMapping/>
   </p:clrMapOvr>
+  <p:timing>
+    <p:tnLst>
+      <p:par>
+        <p:cTn xmlns:p14="http://schemas.microsoft.com/office/powerpoint/2010/main" id="1" dur="indefinite" restart="never" nodeType="tmRoot"/>
+      </p:par>
+    </p:tnLst>
+  </p:timing>
 </p:sld>
 </file>
 
@@ -10360,6 +10412,94 @@
 </file>
 
 <file path=ppt/slides/slide60.xml><?xml version="1.0" encoding="utf-8"?>
+<p:sld xmlns:a="http://schemas.openxmlformats.org/drawingml/2006/main" xmlns:r="http://schemas.openxmlformats.org/officeDocument/2006/relationships" xmlns:p="http://schemas.openxmlformats.org/presentationml/2006/main">
+  <p:cSld>
+    <p:spTree>
+      <p:nvGrpSpPr>
+        <p:cNvPr id="1" name=""/>
+        <p:cNvGrpSpPr/>
+        <p:nvPr/>
+      </p:nvGrpSpPr>
+      <p:grpSpPr>
+        <a:xfrm>
+          <a:off x="0" y="0"/>
+          <a:ext cx="0" cy="0"/>
+          <a:chOff x="0" y="0"/>
+          <a:chExt cx="0" cy="0"/>
+        </a:xfrm>
+      </p:grpSpPr>
+      <p:sp>
+        <p:nvSpPr>
+          <p:cNvPr id="2" name="标题 1"/>
+          <p:cNvSpPr>
+            <a:spLocks noGrp="1"/>
+          </p:cNvSpPr>
+          <p:nvPr>
+            <p:ph type="title"/>
+          </p:nvPr>
+        </p:nvSpPr>
+        <p:spPr/>
+        <p:txBody>
+          <a:bodyPr/>
+          <a:lstStyle/>
+          <a:p>
+            <a:r>
+              <a:rPr kumimoji="1" lang="zh-CN" altLang="en-US" dirty="0" smtClean="0"/>
+              <a:t>作业</a:t>
+            </a:r>
+            <a:endParaRPr kumimoji="1" lang="zh-CN" altLang="en-US" dirty="0"/>
+          </a:p>
+        </p:txBody>
+      </p:sp>
+      <p:sp>
+        <p:nvSpPr>
+          <p:cNvPr id="3" name="内容占位符 2"/>
+          <p:cNvSpPr>
+            <a:spLocks noGrp="1"/>
+          </p:cNvSpPr>
+          <p:nvPr>
+            <p:ph idx="1"/>
+          </p:nvPr>
+        </p:nvSpPr>
+        <p:spPr/>
+        <p:txBody>
+          <a:bodyPr/>
+          <a:lstStyle/>
+          <a:p>
+            <a:r>
+              <a:rPr kumimoji="1" lang="zh-CN" altLang="en-US" dirty="0" smtClean="0"/>
+              <a:t>写个</a:t>
+            </a:r>
+            <a:r>
+              <a:rPr kumimoji="1" lang="en-US" altLang="zh-CN" dirty="0" err="1" smtClean="0"/>
+              <a:t>jQuery</a:t>
+            </a:r>
+            <a:r>
+              <a:rPr kumimoji="1" lang="en-US" altLang="zh-CN" dirty="0" smtClean="0"/>
+              <a:t> 2D</a:t>
+            </a:r>
+            <a:r>
+              <a:rPr kumimoji="1" lang="zh-CN" altLang="en-US" dirty="0" smtClean="0"/>
+              <a:t>卡片插件</a:t>
+            </a:r>
+            <a:endParaRPr kumimoji="1" lang="zh-CN" altLang="en-US" dirty="0"/>
+          </a:p>
+        </p:txBody>
+      </p:sp>
+    </p:spTree>
+    <p:extLst>
+      <p:ext uri="{BB962C8B-B14F-4D97-AF65-F5344CB8AC3E}">
+        <p14:creationId xmlns:p14="http://schemas.microsoft.com/office/powerpoint/2010/main" val="2812821807"/>
+      </p:ext>
+    </p:extLst>
+  </p:cSld>
+  <p:clrMapOvr>
+    <a:masterClrMapping/>
+  </p:clrMapOvr>
+</p:sld>
+</file>
+
+<file path=ppt/slides/slide61.xml><?xml version="1.0" encoding="utf-8"?>
 <p:sld xmlns:a="http://schemas.openxmlformats.org/drawingml/2006/main" xmlns:r="http://schemas.openxmlformats.org/officeDocument/2006/relationships" xmlns:p="http://schemas.openxmlformats.org/presentationml/2006/main">
   <p:cSld>
     <p:spTree>

--- a/Web前端教学记录.pptx
+++ b/Web前端教学记录.pptx
@@ -65,7 +65,8 @@
     <p:sldId id="314" r:id="rId59"/>
     <p:sldId id="315" r:id="rId60"/>
     <p:sldId id="316" r:id="rId61"/>
-    <p:sldId id="292" r:id="rId62"/>
+    <p:sldId id="317" r:id="rId62"/>
+    <p:sldId id="292" r:id="rId63"/>
   </p:sldIdLst>
   <p:sldSz cx="9144000" cy="6858000" type="screen4x3"/>
   <p:notesSz cx="6858000" cy="9144000"/>
@@ -257,6 +258,7 @@
           <p14:sldIdLst>
             <p14:sldId id="315"/>
             <p14:sldId id="316"/>
+            <p14:sldId id="317"/>
           </p14:sldIdLst>
         </p14:section>
         <p14:section name="附加作业" id="{0276C1FC-4F12-C44C-A604-00B09FC2FBCB}">
@@ -451,7 +453,7 @@
           <a:p>
             <a:fld id="{C635D755-6113-1D4F-8A58-71A4F06ADD9C}" type="datetimeFigureOut">
               <a:rPr kumimoji="1" lang="zh-CN" altLang="en-US" smtClean="0"/>
-              <a:t>7/6/16</a:t>
+              <a:t>7/7/16</a:t>
             </a:fld>
             <a:endParaRPr kumimoji="1" lang="zh-CN" altLang="en-US"/>
           </a:p>
@@ -621,7 +623,7 @@
           <a:p>
             <a:fld id="{C635D755-6113-1D4F-8A58-71A4F06ADD9C}" type="datetimeFigureOut">
               <a:rPr kumimoji="1" lang="zh-CN" altLang="en-US" smtClean="0"/>
-              <a:t>7/6/16</a:t>
+              <a:t>7/7/16</a:t>
             </a:fld>
             <a:endParaRPr kumimoji="1" lang="zh-CN" altLang="en-US"/>
           </a:p>
@@ -801,7 +803,7 @@
           <a:p>
             <a:fld id="{C635D755-6113-1D4F-8A58-71A4F06ADD9C}" type="datetimeFigureOut">
               <a:rPr kumimoji="1" lang="zh-CN" altLang="en-US" smtClean="0"/>
-              <a:t>7/6/16</a:t>
+              <a:t>7/7/16</a:t>
             </a:fld>
             <a:endParaRPr kumimoji="1" lang="zh-CN" altLang="en-US"/>
           </a:p>
@@ -971,7 +973,7 @@
           <a:p>
             <a:fld id="{C635D755-6113-1D4F-8A58-71A4F06ADD9C}" type="datetimeFigureOut">
               <a:rPr kumimoji="1" lang="zh-CN" altLang="en-US" smtClean="0"/>
-              <a:t>7/6/16</a:t>
+              <a:t>7/7/16</a:t>
             </a:fld>
             <a:endParaRPr kumimoji="1" lang="zh-CN" altLang="en-US"/>
           </a:p>
@@ -1217,7 +1219,7 @@
           <a:p>
             <a:fld id="{C635D755-6113-1D4F-8A58-71A4F06ADD9C}" type="datetimeFigureOut">
               <a:rPr kumimoji="1" lang="zh-CN" altLang="en-US" smtClean="0"/>
-              <a:t>7/6/16</a:t>
+              <a:t>7/7/16</a:t>
             </a:fld>
             <a:endParaRPr kumimoji="1" lang="zh-CN" altLang="en-US"/>
           </a:p>
@@ -1505,7 +1507,7 @@
           <a:p>
             <a:fld id="{C635D755-6113-1D4F-8A58-71A4F06ADD9C}" type="datetimeFigureOut">
               <a:rPr kumimoji="1" lang="zh-CN" altLang="en-US" smtClean="0"/>
-              <a:t>7/6/16</a:t>
+              <a:t>7/7/16</a:t>
             </a:fld>
             <a:endParaRPr kumimoji="1" lang="zh-CN" altLang="en-US"/>
           </a:p>
@@ -1927,7 +1929,7 @@
           <a:p>
             <a:fld id="{C635D755-6113-1D4F-8A58-71A4F06ADD9C}" type="datetimeFigureOut">
               <a:rPr kumimoji="1" lang="zh-CN" altLang="en-US" smtClean="0"/>
-              <a:t>7/6/16</a:t>
+              <a:t>7/7/16</a:t>
             </a:fld>
             <a:endParaRPr kumimoji="1" lang="zh-CN" altLang="en-US"/>
           </a:p>
@@ -2045,7 +2047,7 @@
           <a:p>
             <a:fld id="{C635D755-6113-1D4F-8A58-71A4F06ADD9C}" type="datetimeFigureOut">
               <a:rPr kumimoji="1" lang="zh-CN" altLang="en-US" smtClean="0"/>
-              <a:t>7/6/16</a:t>
+              <a:t>7/7/16</a:t>
             </a:fld>
             <a:endParaRPr kumimoji="1" lang="zh-CN" altLang="en-US"/>
           </a:p>
@@ -2140,7 +2142,7 @@
           <a:p>
             <a:fld id="{C635D755-6113-1D4F-8A58-71A4F06ADD9C}" type="datetimeFigureOut">
               <a:rPr kumimoji="1" lang="zh-CN" altLang="en-US" smtClean="0"/>
-              <a:t>7/6/16</a:t>
+              <a:t>7/7/16</a:t>
             </a:fld>
             <a:endParaRPr kumimoji="1" lang="zh-CN" altLang="en-US"/>
           </a:p>
@@ -2417,7 +2419,7 @@
           <a:p>
             <a:fld id="{C635D755-6113-1D4F-8A58-71A4F06ADD9C}" type="datetimeFigureOut">
               <a:rPr kumimoji="1" lang="zh-CN" altLang="en-US" smtClean="0"/>
-              <a:t>7/6/16</a:t>
+              <a:t>7/7/16</a:t>
             </a:fld>
             <a:endParaRPr kumimoji="1" lang="zh-CN" altLang="en-US"/>
           </a:p>
@@ -2670,7 +2672,7 @@
           <a:p>
             <a:fld id="{C635D755-6113-1D4F-8A58-71A4F06ADD9C}" type="datetimeFigureOut">
               <a:rPr kumimoji="1" lang="zh-CN" altLang="en-US" smtClean="0"/>
-              <a:t>7/6/16</a:t>
+              <a:t>7/7/16</a:t>
             </a:fld>
             <a:endParaRPr kumimoji="1" lang="zh-CN" altLang="en-US"/>
           </a:p>
@@ -2883,7 +2885,7 @@
           <a:p>
             <a:fld id="{C635D755-6113-1D4F-8A58-71A4F06ADD9C}" type="datetimeFigureOut">
               <a:rPr kumimoji="1" lang="zh-CN" altLang="en-US" smtClean="0"/>
-              <a:t>7/6/16</a:t>
+              <a:t>7/7/16</a:t>
             </a:fld>
             <a:endParaRPr kumimoji="1" lang="zh-CN" altLang="en-US"/>
           </a:p>
@@ -10500,6 +10502,124 @@
 </file>
 
 <file path=ppt/slides/slide61.xml><?xml version="1.0" encoding="utf-8"?>
+<p:sld xmlns:a="http://schemas.openxmlformats.org/drawingml/2006/main" xmlns:r="http://schemas.openxmlformats.org/officeDocument/2006/relationships" xmlns:p="http://schemas.openxmlformats.org/presentationml/2006/main">
+  <p:cSld>
+    <p:spTree>
+      <p:nvGrpSpPr>
+        <p:cNvPr id="1" name=""/>
+        <p:cNvGrpSpPr/>
+        <p:nvPr/>
+      </p:nvGrpSpPr>
+      <p:grpSpPr>
+        <a:xfrm>
+          <a:off x="0" y="0"/>
+          <a:ext cx="0" cy="0"/>
+          <a:chOff x="0" y="0"/>
+          <a:chExt cx="0" cy="0"/>
+        </a:xfrm>
+      </p:grpSpPr>
+      <p:sp>
+        <p:nvSpPr>
+          <p:cNvPr id="2" name="标题 1"/>
+          <p:cNvSpPr>
+            <a:spLocks noGrp="1"/>
+          </p:cNvSpPr>
+          <p:nvPr>
+            <p:ph type="title"/>
+          </p:nvPr>
+        </p:nvSpPr>
+        <p:spPr/>
+        <p:txBody>
+          <a:bodyPr/>
+          <a:lstStyle/>
+          <a:p>
+            <a:r>
+              <a:rPr kumimoji="1" lang="en-US" altLang="zh-CN" dirty="0" err="1" smtClean="0"/>
+              <a:t>jQuery</a:t>
+            </a:r>
+            <a:r>
+              <a:rPr kumimoji="1" lang="en-US" altLang="zh-CN" dirty="0" smtClean="0"/>
+              <a:t> Ajax</a:t>
+            </a:r>
+            <a:endParaRPr kumimoji="1" lang="zh-CN" altLang="en-US" dirty="0"/>
+          </a:p>
+        </p:txBody>
+      </p:sp>
+      <p:sp>
+        <p:nvSpPr>
+          <p:cNvPr id="3" name="内容占位符 2"/>
+          <p:cNvSpPr>
+            <a:spLocks noGrp="1"/>
+          </p:cNvSpPr>
+          <p:nvPr>
+            <p:ph idx="1"/>
+          </p:nvPr>
+        </p:nvSpPr>
+        <p:spPr/>
+        <p:txBody>
+          <a:bodyPr/>
+          <a:lstStyle/>
+          <a:p>
+            <a:r>
+              <a:rPr kumimoji="1" lang="en-US" altLang="zh-CN" dirty="0" smtClean="0"/>
+              <a:t>$.</a:t>
+            </a:r>
+            <a:r>
+              <a:rPr kumimoji="1" lang="en-US" altLang="zh-CN" dirty="0" err="1" smtClean="0"/>
+              <a:t>ajax</a:t>
+            </a:r>
+            <a:endParaRPr kumimoji="1" lang="en-US" altLang="zh-CN" dirty="0" smtClean="0"/>
+          </a:p>
+          <a:p>
+            <a:r>
+              <a:rPr kumimoji="1" lang="en-US" altLang="zh-CN" dirty="0" smtClean="0"/>
+              <a:t>$.get</a:t>
+            </a:r>
+          </a:p>
+          <a:p>
+            <a:r>
+              <a:rPr kumimoji="1" lang="en-US" altLang="zh-CN" dirty="0" smtClean="0"/>
+              <a:t>$.post</a:t>
+            </a:r>
+          </a:p>
+          <a:p>
+            <a:r>
+              <a:rPr kumimoji="1" lang="en-US" altLang="zh-CN" dirty="0" smtClean="0"/>
+              <a:t>$.</a:t>
+            </a:r>
+            <a:r>
+              <a:rPr kumimoji="1" lang="en-US" altLang="zh-CN" dirty="0" err="1" smtClean="0"/>
+              <a:t>getJSON</a:t>
+            </a:r>
+            <a:endParaRPr kumimoji="1" lang="en-US" altLang="zh-CN" dirty="0" smtClean="0"/>
+          </a:p>
+          <a:p>
+            <a:r>
+              <a:rPr kumimoji="1" lang="en-US" altLang="zh-CN" dirty="0" smtClean="0"/>
+              <a:t>$.</a:t>
+            </a:r>
+            <a:r>
+              <a:rPr kumimoji="1" lang="en-US" altLang="zh-CN" dirty="0" err="1" smtClean="0"/>
+              <a:t>getScript</a:t>
+            </a:r>
+            <a:endParaRPr kumimoji="1" lang="zh-CN" altLang="en-US" dirty="0"/>
+          </a:p>
+        </p:txBody>
+      </p:sp>
+    </p:spTree>
+    <p:extLst>
+      <p:ext uri="{BB962C8B-B14F-4D97-AF65-F5344CB8AC3E}">
+        <p14:creationId xmlns:p14="http://schemas.microsoft.com/office/powerpoint/2010/main" val="4023207946"/>
+      </p:ext>
+    </p:extLst>
+  </p:cSld>
+  <p:clrMapOvr>
+    <a:masterClrMapping/>
+  </p:clrMapOvr>
+</p:sld>
+</file>
+
+<file path=ppt/slides/slide62.xml><?xml version="1.0" encoding="utf-8"?>
 <p:sld xmlns:a="http://schemas.openxmlformats.org/drawingml/2006/main" xmlns:r="http://schemas.openxmlformats.org/officeDocument/2006/relationships" xmlns:p="http://schemas.openxmlformats.org/presentationml/2006/main">
   <p:cSld>
     <p:spTree>

--- a/Web前端教学记录.pptx
+++ b/Web前端教学记录.pptx
@@ -66,7 +66,9 @@
     <p:sldId id="315" r:id="rId60"/>
     <p:sldId id="316" r:id="rId61"/>
     <p:sldId id="317" r:id="rId62"/>
-    <p:sldId id="292" r:id="rId63"/>
+    <p:sldId id="318" r:id="rId63"/>
+    <p:sldId id="319" r:id="rId64"/>
+    <p:sldId id="292" r:id="rId65"/>
   </p:sldIdLst>
   <p:sldSz cx="9144000" cy="6858000" type="screen4x3"/>
   <p:notesSz cx="6858000" cy="9144000"/>
@@ -254,11 +256,13 @@
             <p14:sldId id="314"/>
           </p14:sldIdLst>
         </p14:section>
-        <p14:section name="jQuery" id="{B1785341-0250-474C-8FFC-2C868FE8CCDB}">
+        <p14:section name="jQuery&amp;ajax" id="{B1785341-0250-474C-8FFC-2C868FE8CCDB}">
           <p14:sldIdLst>
             <p14:sldId id="315"/>
             <p14:sldId id="316"/>
             <p14:sldId id="317"/>
+            <p14:sldId id="318"/>
+            <p14:sldId id="319"/>
           </p14:sldIdLst>
         </p14:section>
         <p14:section name="附加作业" id="{0276C1FC-4F12-C44C-A604-00B09FC2FBCB}">
@@ -10602,6 +10606,13 @@
               <a:rPr kumimoji="1" lang="en-US" altLang="zh-CN" dirty="0" err="1" smtClean="0"/>
               <a:t>getScript</a:t>
             </a:r>
+            <a:endParaRPr kumimoji="1" lang="en-US" altLang="zh-CN" dirty="0" smtClean="0"/>
+          </a:p>
+          <a:p>
+            <a:r>
+              <a:rPr kumimoji="1" lang="en-US" altLang="zh-CN" dirty="0" smtClean="0"/>
+              <a:t>.load</a:t>
+            </a:r>
             <a:endParaRPr kumimoji="1" lang="zh-CN" altLang="en-US" dirty="0"/>
           </a:p>
         </p:txBody>
@@ -10620,6 +10631,180 @@
 </file>
 
 <file path=ppt/slides/slide62.xml><?xml version="1.0" encoding="utf-8"?>
+<p:sld xmlns:a="http://schemas.openxmlformats.org/drawingml/2006/main" xmlns:r="http://schemas.openxmlformats.org/officeDocument/2006/relationships" xmlns:p="http://schemas.openxmlformats.org/presentationml/2006/main">
+  <p:cSld>
+    <p:spTree>
+      <p:nvGrpSpPr>
+        <p:cNvPr id="1" name=""/>
+        <p:cNvGrpSpPr/>
+        <p:nvPr/>
+      </p:nvGrpSpPr>
+      <p:grpSpPr>
+        <a:xfrm>
+          <a:off x="0" y="0"/>
+          <a:ext cx="0" cy="0"/>
+          <a:chOff x="0" y="0"/>
+          <a:chExt cx="0" cy="0"/>
+        </a:xfrm>
+      </p:grpSpPr>
+      <p:sp>
+        <p:nvSpPr>
+          <p:cNvPr id="2" name="标题 1"/>
+          <p:cNvSpPr>
+            <a:spLocks noGrp="1"/>
+          </p:cNvSpPr>
+          <p:nvPr>
+            <p:ph type="title"/>
+          </p:nvPr>
+        </p:nvSpPr>
+        <p:spPr/>
+        <p:txBody>
+          <a:bodyPr/>
+          <a:lstStyle/>
+          <a:p>
+            <a:r>
+              <a:rPr kumimoji="1" lang="en-US" altLang="zh-CN" dirty="0" err="1" smtClean="0"/>
+              <a:t>XMLHttpRequest</a:t>
+            </a:r>
+            <a:endParaRPr kumimoji="1" lang="zh-CN" altLang="en-US" dirty="0"/>
+          </a:p>
+        </p:txBody>
+      </p:sp>
+      <p:sp>
+        <p:nvSpPr>
+          <p:cNvPr id="3" name="内容占位符 2"/>
+          <p:cNvSpPr>
+            <a:spLocks noGrp="1"/>
+          </p:cNvSpPr>
+          <p:nvPr>
+            <p:ph idx="1"/>
+          </p:nvPr>
+        </p:nvSpPr>
+        <p:spPr/>
+        <p:txBody>
+          <a:bodyPr/>
+          <a:lstStyle/>
+          <a:p>
+            <a:r>
+              <a:rPr kumimoji="1" lang="zh-CN" altLang="en-US" dirty="0" smtClean="0"/>
+              <a:t>异步加载数据</a:t>
+            </a:r>
+            <a:endParaRPr kumimoji="1" lang="en-US" altLang="zh-CN" dirty="0" smtClean="0"/>
+          </a:p>
+          <a:p>
+            <a:r>
+              <a:rPr kumimoji="1" lang="en-US" altLang="zh-CN" dirty="0" smtClean="0"/>
+              <a:t>Get</a:t>
+            </a:r>
+            <a:r>
+              <a:rPr kumimoji="1" lang="zh-CN" altLang="en-US" dirty="0" smtClean="0"/>
+              <a:t>方式通信</a:t>
+            </a:r>
+            <a:endParaRPr kumimoji="1" lang="en-US" altLang="zh-CN" dirty="0" smtClean="0"/>
+          </a:p>
+          <a:p>
+            <a:r>
+              <a:rPr kumimoji="1" lang="en-US" altLang="zh-CN" dirty="0" smtClean="0"/>
+              <a:t>Post</a:t>
+            </a:r>
+            <a:r>
+              <a:rPr kumimoji="1" lang="zh-CN" altLang="en-US" dirty="0" smtClean="0"/>
+              <a:t>方式通信</a:t>
+            </a:r>
+            <a:endParaRPr kumimoji="1" lang="zh-CN" altLang="en-US" dirty="0"/>
+          </a:p>
+        </p:txBody>
+      </p:sp>
+    </p:spTree>
+    <p:extLst>
+      <p:ext uri="{BB962C8B-B14F-4D97-AF65-F5344CB8AC3E}">
+        <p14:creationId xmlns:p14="http://schemas.microsoft.com/office/powerpoint/2010/main" val="2214002978"/>
+      </p:ext>
+    </p:extLst>
+  </p:cSld>
+  <p:clrMapOvr>
+    <a:masterClrMapping/>
+  </p:clrMapOvr>
+</p:sld>
+</file>
+
+<file path=ppt/slides/slide63.xml><?xml version="1.0" encoding="utf-8"?>
+<p:sld xmlns:a="http://schemas.openxmlformats.org/drawingml/2006/main" xmlns:r="http://schemas.openxmlformats.org/officeDocument/2006/relationships" xmlns:p="http://schemas.openxmlformats.org/presentationml/2006/main">
+  <p:cSld>
+    <p:spTree>
+      <p:nvGrpSpPr>
+        <p:cNvPr id="1" name=""/>
+        <p:cNvGrpSpPr/>
+        <p:nvPr/>
+      </p:nvGrpSpPr>
+      <p:grpSpPr>
+        <a:xfrm>
+          <a:off x="0" y="0"/>
+          <a:ext cx="0" cy="0"/>
+          <a:chOff x="0" y="0"/>
+          <a:chExt cx="0" cy="0"/>
+        </a:xfrm>
+      </p:grpSpPr>
+      <p:sp>
+        <p:nvSpPr>
+          <p:cNvPr id="2" name="标题 1"/>
+          <p:cNvSpPr>
+            <a:spLocks noGrp="1"/>
+          </p:cNvSpPr>
+          <p:nvPr>
+            <p:ph type="title"/>
+          </p:nvPr>
+        </p:nvSpPr>
+        <p:spPr/>
+        <p:txBody>
+          <a:bodyPr/>
+          <a:lstStyle/>
+          <a:p>
+            <a:r>
+              <a:rPr kumimoji="1" lang="zh-CN" altLang="en-US" dirty="0" smtClean="0"/>
+              <a:t>作业</a:t>
+            </a:r>
+            <a:endParaRPr kumimoji="1" lang="zh-CN" altLang="en-US" dirty="0"/>
+          </a:p>
+        </p:txBody>
+      </p:sp>
+      <p:sp>
+        <p:nvSpPr>
+          <p:cNvPr id="3" name="内容占位符 2"/>
+          <p:cNvSpPr>
+            <a:spLocks noGrp="1"/>
+          </p:cNvSpPr>
+          <p:nvPr>
+            <p:ph idx="1"/>
+          </p:nvPr>
+        </p:nvSpPr>
+        <p:spPr/>
+        <p:txBody>
+          <a:bodyPr/>
+          <a:lstStyle/>
+          <a:p>
+            <a:r>
+              <a:rPr kumimoji="1" lang="zh-CN" altLang="en-US" dirty="0" smtClean="0"/>
+              <a:t>异步登陆</a:t>
+            </a:r>
+            <a:endParaRPr kumimoji="1" lang="zh-CN" altLang="en-US" dirty="0"/>
+          </a:p>
+        </p:txBody>
+      </p:sp>
+    </p:spTree>
+    <p:extLst>
+      <p:ext uri="{BB962C8B-B14F-4D97-AF65-F5344CB8AC3E}">
+        <p14:creationId xmlns:p14="http://schemas.microsoft.com/office/powerpoint/2010/main" val="4249478490"/>
+      </p:ext>
+    </p:extLst>
+  </p:cSld>
+  <p:clrMapOvr>
+    <a:masterClrMapping/>
+  </p:clrMapOvr>
+</p:sld>
+</file>
+
+<file path=ppt/slides/slide64.xml><?xml version="1.0" encoding="utf-8"?>
 <p:sld xmlns:a="http://schemas.openxmlformats.org/drawingml/2006/main" xmlns:r="http://schemas.openxmlformats.org/officeDocument/2006/relationships" xmlns:p="http://schemas.openxmlformats.org/presentationml/2006/main">
   <p:cSld>
     <p:spTree>

--- a/Web前端教学记录.pptx
+++ b/Web前端教学记录.pptx
@@ -68,7 +68,8 @@
     <p:sldId id="317" r:id="rId62"/>
     <p:sldId id="318" r:id="rId63"/>
     <p:sldId id="319" r:id="rId64"/>
-    <p:sldId id="292" r:id="rId65"/>
+    <p:sldId id="320" r:id="rId65"/>
+    <p:sldId id="292" r:id="rId66"/>
   </p:sldIdLst>
   <p:sldSz cx="9144000" cy="6858000" type="screen4x3"/>
   <p:notesSz cx="6858000" cy="9144000"/>
@@ -263,6 +264,7 @@
             <p14:sldId id="317"/>
             <p14:sldId id="318"/>
             <p14:sldId id="319"/>
+            <p14:sldId id="320"/>
           </p14:sldIdLst>
         </p14:section>
         <p14:section name="附加作业" id="{0276C1FC-4F12-C44C-A604-00B09FC2FBCB}">
@@ -457,7 +459,7 @@
           <a:p>
             <a:fld id="{C635D755-6113-1D4F-8A58-71A4F06ADD9C}" type="datetimeFigureOut">
               <a:rPr kumimoji="1" lang="zh-CN" altLang="en-US" smtClean="0"/>
-              <a:t>7/7/16</a:t>
+              <a:t>7/8/16</a:t>
             </a:fld>
             <a:endParaRPr kumimoji="1" lang="zh-CN" altLang="en-US"/>
           </a:p>
@@ -627,7 +629,7 @@
           <a:p>
             <a:fld id="{C635D755-6113-1D4F-8A58-71A4F06ADD9C}" type="datetimeFigureOut">
               <a:rPr kumimoji="1" lang="zh-CN" altLang="en-US" smtClean="0"/>
-              <a:t>7/7/16</a:t>
+              <a:t>7/8/16</a:t>
             </a:fld>
             <a:endParaRPr kumimoji="1" lang="zh-CN" altLang="en-US"/>
           </a:p>
@@ -807,7 +809,7 @@
           <a:p>
             <a:fld id="{C635D755-6113-1D4F-8A58-71A4F06ADD9C}" type="datetimeFigureOut">
               <a:rPr kumimoji="1" lang="zh-CN" altLang="en-US" smtClean="0"/>
-              <a:t>7/7/16</a:t>
+              <a:t>7/8/16</a:t>
             </a:fld>
             <a:endParaRPr kumimoji="1" lang="zh-CN" altLang="en-US"/>
           </a:p>
@@ -977,7 +979,7 @@
           <a:p>
             <a:fld id="{C635D755-6113-1D4F-8A58-71A4F06ADD9C}" type="datetimeFigureOut">
               <a:rPr kumimoji="1" lang="zh-CN" altLang="en-US" smtClean="0"/>
-              <a:t>7/7/16</a:t>
+              <a:t>7/8/16</a:t>
             </a:fld>
             <a:endParaRPr kumimoji="1" lang="zh-CN" altLang="en-US"/>
           </a:p>
@@ -1223,7 +1225,7 @@
           <a:p>
             <a:fld id="{C635D755-6113-1D4F-8A58-71A4F06ADD9C}" type="datetimeFigureOut">
               <a:rPr kumimoji="1" lang="zh-CN" altLang="en-US" smtClean="0"/>
-              <a:t>7/7/16</a:t>
+              <a:t>7/8/16</a:t>
             </a:fld>
             <a:endParaRPr kumimoji="1" lang="zh-CN" altLang="en-US"/>
           </a:p>
@@ -1511,7 +1513,7 @@
           <a:p>
             <a:fld id="{C635D755-6113-1D4F-8A58-71A4F06ADD9C}" type="datetimeFigureOut">
               <a:rPr kumimoji="1" lang="zh-CN" altLang="en-US" smtClean="0"/>
-              <a:t>7/7/16</a:t>
+              <a:t>7/8/16</a:t>
             </a:fld>
             <a:endParaRPr kumimoji="1" lang="zh-CN" altLang="en-US"/>
           </a:p>
@@ -1933,7 +1935,7 @@
           <a:p>
             <a:fld id="{C635D755-6113-1D4F-8A58-71A4F06ADD9C}" type="datetimeFigureOut">
               <a:rPr kumimoji="1" lang="zh-CN" altLang="en-US" smtClean="0"/>
-              <a:t>7/7/16</a:t>
+              <a:t>7/8/16</a:t>
             </a:fld>
             <a:endParaRPr kumimoji="1" lang="zh-CN" altLang="en-US"/>
           </a:p>
@@ -2051,7 +2053,7 @@
           <a:p>
             <a:fld id="{C635D755-6113-1D4F-8A58-71A4F06ADD9C}" type="datetimeFigureOut">
               <a:rPr kumimoji="1" lang="zh-CN" altLang="en-US" smtClean="0"/>
-              <a:t>7/7/16</a:t>
+              <a:t>7/8/16</a:t>
             </a:fld>
             <a:endParaRPr kumimoji="1" lang="zh-CN" altLang="en-US"/>
           </a:p>
@@ -2146,7 +2148,7 @@
           <a:p>
             <a:fld id="{C635D755-6113-1D4F-8A58-71A4F06ADD9C}" type="datetimeFigureOut">
               <a:rPr kumimoji="1" lang="zh-CN" altLang="en-US" smtClean="0"/>
-              <a:t>7/7/16</a:t>
+              <a:t>7/8/16</a:t>
             </a:fld>
             <a:endParaRPr kumimoji="1" lang="zh-CN" altLang="en-US"/>
           </a:p>
@@ -2423,7 +2425,7 @@
           <a:p>
             <a:fld id="{C635D755-6113-1D4F-8A58-71A4F06ADD9C}" type="datetimeFigureOut">
               <a:rPr kumimoji="1" lang="zh-CN" altLang="en-US" smtClean="0"/>
-              <a:t>7/7/16</a:t>
+              <a:t>7/8/16</a:t>
             </a:fld>
             <a:endParaRPr kumimoji="1" lang="zh-CN" altLang="en-US"/>
           </a:p>
@@ -2676,7 +2678,7 @@
           <a:p>
             <a:fld id="{C635D755-6113-1D4F-8A58-71A4F06ADD9C}" type="datetimeFigureOut">
               <a:rPr kumimoji="1" lang="zh-CN" altLang="en-US" smtClean="0"/>
-              <a:t>7/7/16</a:t>
+              <a:t>7/8/16</a:t>
             </a:fld>
             <a:endParaRPr kumimoji="1" lang="zh-CN" altLang="en-US"/>
           </a:p>
@@ -2889,7 +2891,7 @@
           <a:p>
             <a:fld id="{C635D755-6113-1D4F-8A58-71A4F06ADD9C}" type="datetimeFigureOut">
               <a:rPr kumimoji="1" lang="zh-CN" altLang="en-US" smtClean="0"/>
-              <a:t>7/7/16</a:t>
+              <a:t>7/8/16</a:t>
             </a:fld>
             <a:endParaRPr kumimoji="1" lang="zh-CN" altLang="en-US"/>
           </a:p>
@@ -3281,7 +3283,11 @@
           <a:p>
             <a:r>
               <a:rPr kumimoji="1" lang="en-US" altLang="zh-CN" dirty="0" smtClean="0"/>
-              <a:t>JavaScript</a:t>
+              <a:t>Web</a:t>
+            </a:r>
+            <a:r>
+              <a:rPr kumimoji="1" lang="zh-CN" altLang="en-US" dirty="0" smtClean="0"/>
+              <a:t>前端</a:t>
             </a:r>
             <a:r>
               <a:rPr kumimoji="1" lang="zh-CN" altLang="en-US" dirty="0" smtClean="0"/>
@@ -10805,6 +10811,93 @@
 </file>
 
 <file path=ppt/slides/slide64.xml><?xml version="1.0" encoding="utf-8"?>
+<p:sld xmlns:a="http://schemas.openxmlformats.org/drawingml/2006/main" xmlns:r="http://schemas.openxmlformats.org/officeDocument/2006/relationships" xmlns:p="http://schemas.openxmlformats.org/presentationml/2006/main">
+  <p:cSld>
+    <p:spTree>
+      <p:nvGrpSpPr>
+        <p:cNvPr id="1" name=""/>
+        <p:cNvGrpSpPr/>
+        <p:nvPr/>
+      </p:nvGrpSpPr>
+      <p:grpSpPr>
+        <a:xfrm>
+          <a:off x="0" y="0"/>
+          <a:ext cx="0" cy="0"/>
+          <a:chOff x="0" y="0"/>
+          <a:chExt cx="0" cy="0"/>
+        </a:xfrm>
+      </p:grpSpPr>
+      <p:sp>
+        <p:nvSpPr>
+          <p:cNvPr id="2" name="标题 1"/>
+          <p:cNvSpPr>
+            <a:spLocks noGrp="1"/>
+          </p:cNvSpPr>
+          <p:nvPr>
+            <p:ph type="title"/>
+          </p:nvPr>
+        </p:nvSpPr>
+        <p:spPr/>
+        <p:txBody>
+          <a:bodyPr/>
+          <a:lstStyle/>
+          <a:p>
+            <a:r>
+              <a:rPr kumimoji="1" lang="zh-CN" altLang="en-US" dirty="0" smtClean="0"/>
+              <a:t>跨域数据访问</a:t>
+            </a:r>
+            <a:endParaRPr kumimoji="1" lang="zh-CN" altLang="en-US" dirty="0"/>
+          </a:p>
+        </p:txBody>
+      </p:sp>
+      <p:sp>
+        <p:nvSpPr>
+          <p:cNvPr id="3" name="内容占位符 2"/>
+          <p:cNvSpPr>
+            <a:spLocks noGrp="1"/>
+          </p:cNvSpPr>
+          <p:nvPr>
+            <p:ph idx="1"/>
+          </p:nvPr>
+        </p:nvSpPr>
+        <p:spPr/>
+        <p:txBody>
+          <a:bodyPr/>
+          <a:lstStyle/>
+          <a:p>
+            <a:r>
+              <a:rPr kumimoji="1" lang="en-US" altLang="zh-CN" dirty="0" err="1" smtClean="0"/>
+              <a:t>Jsonp</a:t>
+            </a:r>
+            <a:r>
+              <a:rPr kumimoji="1" lang="zh-CN" altLang="en-US" dirty="0" smtClean="0"/>
+              <a:t>跨域</a:t>
+            </a:r>
+            <a:endParaRPr kumimoji="1" lang="en-US" altLang="zh-CN" dirty="0" smtClean="0"/>
+          </a:p>
+          <a:p>
+            <a:r>
+              <a:rPr kumimoji="1" lang="zh-CN" altLang="en-US" dirty="0" smtClean="0"/>
+              <a:t>跨域数据访问原理讲解</a:t>
+            </a:r>
+            <a:endParaRPr kumimoji="1" lang="zh-CN" altLang="en-US" dirty="0"/>
+          </a:p>
+        </p:txBody>
+      </p:sp>
+    </p:spTree>
+    <p:extLst>
+      <p:ext uri="{BB962C8B-B14F-4D97-AF65-F5344CB8AC3E}">
+        <p14:creationId xmlns:p14="http://schemas.microsoft.com/office/powerpoint/2010/main" val="1489402480"/>
+      </p:ext>
+    </p:extLst>
+  </p:cSld>
+  <p:clrMapOvr>
+    <a:masterClrMapping/>
+  </p:clrMapOvr>
+</p:sld>
+</file>
+
+<file path=ppt/slides/slide65.xml><?xml version="1.0" encoding="utf-8"?>
 <p:sld xmlns:a="http://schemas.openxmlformats.org/drawingml/2006/main" xmlns:r="http://schemas.openxmlformats.org/officeDocument/2006/relationships" xmlns:p="http://schemas.openxmlformats.org/presentationml/2006/main">
   <p:cSld>
     <p:spTree>

--- a/Web前端教学记录.pptx
+++ b/Web前端教学记录.pptx
@@ -69,7 +69,9 @@
     <p:sldId id="318" r:id="rId63"/>
     <p:sldId id="319" r:id="rId64"/>
     <p:sldId id="320" r:id="rId65"/>
-    <p:sldId id="292" r:id="rId66"/>
+    <p:sldId id="321" r:id="rId66"/>
+    <p:sldId id="322" r:id="rId67"/>
+    <p:sldId id="292" r:id="rId68"/>
   </p:sldIdLst>
   <p:sldSz cx="9144000" cy="6858000" type="screen4x3"/>
   <p:notesSz cx="6858000" cy="9144000"/>
@@ -267,6 +269,12 @@
             <p14:sldId id="320"/>
           </p14:sldIdLst>
         </p14:section>
+        <p14:section name="提高js编程效率" id="{6B8490A7-BE11-B144-94F7-178ADA5CD54F}">
+          <p14:sldIdLst>
+            <p14:sldId id="321"/>
+            <p14:sldId id="322"/>
+          </p14:sldIdLst>
+        </p14:section>
         <p14:section name="附加作业" id="{0276C1FC-4F12-C44C-A604-00B09FC2FBCB}">
           <p14:sldIdLst>
             <p14:sldId id="292"/>
@@ -459,7 +467,7 @@
           <a:p>
             <a:fld id="{C635D755-6113-1D4F-8A58-71A4F06ADD9C}" type="datetimeFigureOut">
               <a:rPr kumimoji="1" lang="zh-CN" altLang="en-US" smtClean="0"/>
-              <a:t>7/8/16</a:t>
+              <a:t>7/18/16</a:t>
             </a:fld>
             <a:endParaRPr kumimoji="1" lang="zh-CN" altLang="en-US"/>
           </a:p>
@@ -629,7 +637,7 @@
           <a:p>
             <a:fld id="{C635D755-6113-1D4F-8A58-71A4F06ADD9C}" type="datetimeFigureOut">
               <a:rPr kumimoji="1" lang="zh-CN" altLang="en-US" smtClean="0"/>
-              <a:t>7/8/16</a:t>
+              <a:t>7/18/16</a:t>
             </a:fld>
             <a:endParaRPr kumimoji="1" lang="zh-CN" altLang="en-US"/>
           </a:p>
@@ -809,7 +817,7 @@
           <a:p>
             <a:fld id="{C635D755-6113-1D4F-8A58-71A4F06ADD9C}" type="datetimeFigureOut">
               <a:rPr kumimoji="1" lang="zh-CN" altLang="en-US" smtClean="0"/>
-              <a:t>7/8/16</a:t>
+              <a:t>7/18/16</a:t>
             </a:fld>
             <a:endParaRPr kumimoji="1" lang="zh-CN" altLang="en-US"/>
           </a:p>
@@ -979,7 +987,7 @@
           <a:p>
             <a:fld id="{C635D755-6113-1D4F-8A58-71A4F06ADD9C}" type="datetimeFigureOut">
               <a:rPr kumimoji="1" lang="zh-CN" altLang="en-US" smtClean="0"/>
-              <a:t>7/8/16</a:t>
+              <a:t>7/18/16</a:t>
             </a:fld>
             <a:endParaRPr kumimoji="1" lang="zh-CN" altLang="en-US"/>
           </a:p>
@@ -1225,7 +1233,7 @@
           <a:p>
             <a:fld id="{C635D755-6113-1D4F-8A58-71A4F06ADD9C}" type="datetimeFigureOut">
               <a:rPr kumimoji="1" lang="zh-CN" altLang="en-US" smtClean="0"/>
-              <a:t>7/8/16</a:t>
+              <a:t>7/18/16</a:t>
             </a:fld>
             <a:endParaRPr kumimoji="1" lang="zh-CN" altLang="en-US"/>
           </a:p>
@@ -1513,7 +1521,7 @@
           <a:p>
             <a:fld id="{C635D755-6113-1D4F-8A58-71A4F06ADD9C}" type="datetimeFigureOut">
               <a:rPr kumimoji="1" lang="zh-CN" altLang="en-US" smtClean="0"/>
-              <a:t>7/8/16</a:t>
+              <a:t>7/18/16</a:t>
             </a:fld>
             <a:endParaRPr kumimoji="1" lang="zh-CN" altLang="en-US"/>
           </a:p>
@@ -1935,7 +1943,7 @@
           <a:p>
             <a:fld id="{C635D755-6113-1D4F-8A58-71A4F06ADD9C}" type="datetimeFigureOut">
               <a:rPr kumimoji="1" lang="zh-CN" altLang="en-US" smtClean="0"/>
-              <a:t>7/8/16</a:t>
+              <a:t>7/18/16</a:t>
             </a:fld>
             <a:endParaRPr kumimoji="1" lang="zh-CN" altLang="en-US"/>
           </a:p>
@@ -2053,7 +2061,7 @@
           <a:p>
             <a:fld id="{C635D755-6113-1D4F-8A58-71A4F06ADD9C}" type="datetimeFigureOut">
               <a:rPr kumimoji="1" lang="zh-CN" altLang="en-US" smtClean="0"/>
-              <a:t>7/8/16</a:t>
+              <a:t>7/18/16</a:t>
             </a:fld>
             <a:endParaRPr kumimoji="1" lang="zh-CN" altLang="en-US"/>
           </a:p>
@@ -2148,7 +2156,7 @@
           <a:p>
             <a:fld id="{C635D755-6113-1D4F-8A58-71A4F06ADD9C}" type="datetimeFigureOut">
               <a:rPr kumimoji="1" lang="zh-CN" altLang="en-US" smtClean="0"/>
-              <a:t>7/8/16</a:t>
+              <a:t>7/18/16</a:t>
             </a:fld>
             <a:endParaRPr kumimoji="1" lang="zh-CN" altLang="en-US"/>
           </a:p>
@@ -2425,7 +2433,7 @@
           <a:p>
             <a:fld id="{C635D755-6113-1D4F-8A58-71A4F06ADD9C}" type="datetimeFigureOut">
               <a:rPr kumimoji="1" lang="zh-CN" altLang="en-US" smtClean="0"/>
-              <a:t>7/8/16</a:t>
+              <a:t>7/18/16</a:t>
             </a:fld>
             <a:endParaRPr kumimoji="1" lang="zh-CN" altLang="en-US"/>
           </a:p>
@@ -2678,7 +2686,7 @@
           <a:p>
             <a:fld id="{C635D755-6113-1D4F-8A58-71A4F06ADD9C}" type="datetimeFigureOut">
               <a:rPr kumimoji="1" lang="zh-CN" altLang="en-US" smtClean="0"/>
-              <a:t>7/8/16</a:t>
+              <a:t>7/18/16</a:t>
             </a:fld>
             <a:endParaRPr kumimoji="1" lang="zh-CN" altLang="en-US"/>
           </a:p>
@@ -2891,7 +2899,7 @@
           <a:p>
             <a:fld id="{C635D755-6113-1D4F-8A58-71A4F06ADD9C}" type="datetimeFigureOut">
               <a:rPr kumimoji="1" lang="zh-CN" altLang="en-US" smtClean="0"/>
-              <a:t>7/8/16</a:t>
+              <a:t>7/18/16</a:t>
             </a:fld>
             <a:endParaRPr kumimoji="1" lang="zh-CN" altLang="en-US"/>
           </a:p>
@@ -3287,11 +3295,7 @@
             </a:r>
             <a:r>
               <a:rPr kumimoji="1" lang="zh-CN" altLang="en-US" dirty="0" smtClean="0"/>
-              <a:t>前端</a:t>
-            </a:r>
-            <a:r>
-              <a:rPr kumimoji="1" lang="zh-CN" altLang="en-US" dirty="0" smtClean="0"/>
-              <a:t>教学记录</a:t>
+              <a:t>前端教学记录</a:t>
             </a:r>
             <a:endParaRPr kumimoji="1" lang="zh-CN" altLang="en-US" dirty="0"/>
           </a:p>
@@ -10898,6 +10902,285 @@
 </file>
 
 <file path=ppt/slides/slide65.xml><?xml version="1.0" encoding="utf-8"?>
+<p:sld xmlns:a="http://schemas.openxmlformats.org/drawingml/2006/main" xmlns:r="http://schemas.openxmlformats.org/officeDocument/2006/relationships" xmlns:p="http://schemas.openxmlformats.org/presentationml/2006/main">
+  <p:cSld>
+    <p:spTree>
+      <p:nvGrpSpPr>
+        <p:cNvPr id="1" name=""/>
+        <p:cNvGrpSpPr/>
+        <p:nvPr/>
+      </p:nvGrpSpPr>
+      <p:grpSpPr>
+        <a:xfrm>
+          <a:off x="0" y="0"/>
+          <a:ext cx="0" cy="0"/>
+          <a:chOff x="0" y="0"/>
+          <a:chExt cx="0" cy="0"/>
+        </a:xfrm>
+      </p:grpSpPr>
+      <p:sp>
+        <p:nvSpPr>
+          <p:cNvPr id="2" name="标题 1"/>
+          <p:cNvSpPr>
+            <a:spLocks noGrp="1"/>
+          </p:cNvSpPr>
+          <p:nvPr>
+            <p:ph type="title"/>
+          </p:nvPr>
+        </p:nvSpPr>
+        <p:spPr/>
+        <p:txBody>
+          <a:bodyPr/>
+          <a:lstStyle/>
+          <a:p>
+            <a:r>
+              <a:rPr kumimoji="1" lang="zh-CN" altLang="en-US" dirty="0" smtClean="0"/>
+              <a:t>目标为</a:t>
+            </a:r>
+            <a:r>
+              <a:rPr kumimoji="1" lang="en-US" altLang="zh-CN" dirty="0" smtClean="0"/>
+              <a:t>JavaScript</a:t>
+            </a:r>
+            <a:r>
+              <a:rPr kumimoji="1" lang="zh-CN" altLang="en-US" dirty="0" smtClean="0"/>
+              <a:t>的语言</a:t>
+            </a:r>
+            <a:endParaRPr kumimoji="1" lang="zh-CN" altLang="en-US" dirty="0"/>
+          </a:p>
+        </p:txBody>
+      </p:sp>
+      <p:sp>
+        <p:nvSpPr>
+          <p:cNvPr id="3" name="内容占位符 2"/>
+          <p:cNvSpPr>
+            <a:spLocks noGrp="1"/>
+          </p:cNvSpPr>
+          <p:nvPr>
+            <p:ph idx="1"/>
+          </p:nvPr>
+        </p:nvSpPr>
+        <p:spPr/>
+        <p:txBody>
+          <a:bodyPr/>
+          <a:lstStyle/>
+          <a:p>
+            <a:r>
+              <a:rPr kumimoji="1" lang="en-US" altLang="zh-CN" dirty="0" smtClean="0"/>
+              <a:t>Dart</a:t>
+            </a:r>
+          </a:p>
+          <a:p>
+            <a:r>
+              <a:rPr kumimoji="1" lang="en-US" altLang="zh-CN" dirty="0" err="1" smtClean="0"/>
+              <a:t>CoffeeScript</a:t>
+            </a:r>
+            <a:endParaRPr kumimoji="1" lang="en-US" altLang="zh-CN" dirty="0" smtClean="0"/>
+          </a:p>
+          <a:p>
+            <a:r>
+              <a:rPr kumimoji="1" lang="en-US" altLang="zh-CN" dirty="0" err="1" smtClean="0"/>
+              <a:t>Haxe</a:t>
+            </a:r>
+            <a:endParaRPr kumimoji="1" lang="en-US" altLang="zh-CN" dirty="0" smtClean="0"/>
+          </a:p>
+          <a:p>
+            <a:r>
+              <a:rPr kumimoji="1" lang="en-US" altLang="zh-CN" dirty="0" err="1" smtClean="0"/>
+              <a:t>ActionScript</a:t>
+            </a:r>
+            <a:r>
+              <a:rPr kumimoji="1" lang="en-US" altLang="zh-CN" dirty="0" smtClean="0"/>
+              <a:t>(</a:t>
+            </a:r>
+            <a:r>
+              <a:rPr kumimoji="1" lang="zh-CN" altLang="en-US" dirty="0" smtClean="0"/>
+              <a:t>使用</a:t>
+            </a:r>
+            <a:r>
+              <a:rPr kumimoji="1" lang="en-US" altLang="zh-CN" dirty="0" err="1" smtClean="0"/>
+              <a:t>FlexJS</a:t>
+            </a:r>
+            <a:r>
+              <a:rPr kumimoji="1" lang="en-US" altLang="zh-CN" dirty="0" smtClean="0"/>
+              <a:t> SDK</a:t>
+            </a:r>
+            <a:r>
+              <a:rPr kumimoji="1" lang="zh-CN" altLang="en-US" dirty="0" smtClean="0"/>
+              <a:t>编译成</a:t>
+            </a:r>
+            <a:r>
+              <a:rPr kumimoji="1" lang="en-US" altLang="zh-CN" dirty="0" err="1" smtClean="0"/>
+              <a:t>js</a:t>
+            </a:r>
+            <a:r>
+              <a:rPr kumimoji="1" lang="en-US" altLang="zh-CN" dirty="0" smtClean="0"/>
+              <a:t>)</a:t>
+            </a:r>
+          </a:p>
+          <a:p>
+            <a:r>
+              <a:rPr kumimoji="1" lang="en-US" altLang="zh-CN" dirty="0" err="1" smtClean="0"/>
+              <a:t>TypeScript</a:t>
+            </a:r>
+            <a:endParaRPr kumimoji="1" lang="en-US" altLang="zh-CN" dirty="0" smtClean="0"/>
+          </a:p>
+          <a:p>
+            <a:r>
+              <a:rPr kumimoji="1" lang="en-US" altLang="zh-CN" dirty="0" smtClean="0"/>
+              <a:t>ES6</a:t>
+            </a:r>
+            <a:endParaRPr kumimoji="1" lang="zh-CN" altLang="en-US" dirty="0"/>
+          </a:p>
+        </p:txBody>
+      </p:sp>
+    </p:spTree>
+    <p:extLst>
+      <p:ext uri="{BB962C8B-B14F-4D97-AF65-F5344CB8AC3E}">
+        <p14:creationId xmlns:p14="http://schemas.microsoft.com/office/powerpoint/2010/main" val="2184805151"/>
+      </p:ext>
+    </p:extLst>
+  </p:cSld>
+  <p:clrMapOvr>
+    <a:masterClrMapping/>
+  </p:clrMapOvr>
+</p:sld>
+</file>
+
+<file path=ppt/slides/slide66.xml><?xml version="1.0" encoding="utf-8"?>
+<p:sld xmlns:a="http://schemas.openxmlformats.org/drawingml/2006/main" xmlns:r="http://schemas.openxmlformats.org/officeDocument/2006/relationships" xmlns:p="http://schemas.openxmlformats.org/presentationml/2006/main">
+  <p:cSld>
+    <p:spTree>
+      <p:nvGrpSpPr>
+        <p:cNvPr id="1" name=""/>
+        <p:cNvGrpSpPr/>
+        <p:nvPr/>
+      </p:nvGrpSpPr>
+      <p:grpSpPr>
+        <a:xfrm>
+          <a:off x="0" y="0"/>
+          <a:ext cx="0" cy="0"/>
+          <a:chOff x="0" y="0"/>
+          <a:chExt cx="0" cy="0"/>
+        </a:xfrm>
+      </p:grpSpPr>
+      <p:sp>
+        <p:nvSpPr>
+          <p:cNvPr id="2" name="标题 1"/>
+          <p:cNvSpPr>
+            <a:spLocks noGrp="1"/>
+          </p:cNvSpPr>
+          <p:nvPr>
+            <p:ph type="title"/>
+          </p:nvPr>
+        </p:nvSpPr>
+        <p:spPr/>
+        <p:txBody>
+          <a:bodyPr/>
+          <a:lstStyle/>
+          <a:p>
+            <a:r>
+              <a:rPr kumimoji="1" lang="en-US" altLang="zh-CN" dirty="0" err="1" smtClean="0"/>
+              <a:t>TypeScript</a:t>
+            </a:r>
+            <a:endParaRPr kumimoji="1" lang="zh-CN" altLang="en-US" dirty="0"/>
+          </a:p>
+        </p:txBody>
+      </p:sp>
+      <p:sp>
+        <p:nvSpPr>
+          <p:cNvPr id="3" name="内容占位符 2"/>
+          <p:cNvSpPr>
+            <a:spLocks noGrp="1"/>
+          </p:cNvSpPr>
+          <p:nvPr>
+            <p:ph idx="1"/>
+          </p:nvPr>
+        </p:nvSpPr>
+        <p:spPr>
+          <a:xfrm>
+            <a:off x="457200" y="1269814"/>
+            <a:ext cx="8229600" cy="4856350"/>
+          </a:xfrm>
+        </p:spPr>
+        <p:txBody>
+          <a:bodyPr/>
+          <a:lstStyle/>
+          <a:p>
+            <a:r>
+              <a:rPr kumimoji="1" lang="en-US" altLang="zh-CN" dirty="0" smtClean="0"/>
+              <a:t>class</a:t>
+            </a:r>
+          </a:p>
+          <a:p>
+            <a:r>
+              <a:rPr kumimoji="1" lang="zh-CN" altLang="en-US" dirty="0" smtClean="0"/>
+              <a:t>命名空间</a:t>
+            </a:r>
+            <a:r>
+              <a:rPr kumimoji="1" lang="en-US" altLang="zh-CN" dirty="0" smtClean="0"/>
+              <a:t>namespace</a:t>
+            </a:r>
+          </a:p>
+          <a:p>
+            <a:r>
+              <a:rPr kumimoji="1" lang="zh-CN" altLang="en-US" dirty="0" smtClean="0"/>
+              <a:t>命名空间内导出类</a:t>
+            </a:r>
+            <a:r>
+              <a:rPr kumimoji="1" lang="en-US" altLang="zh-CN" dirty="0" smtClean="0"/>
+              <a:t>export</a:t>
+            </a:r>
+          </a:p>
+          <a:p>
+            <a:r>
+              <a:rPr kumimoji="1" lang="zh-CN" altLang="en-US" dirty="0" smtClean="0"/>
+              <a:t>导入类</a:t>
+            </a:r>
+            <a:r>
+              <a:rPr kumimoji="1" lang="en-US" altLang="zh-CN" dirty="0" smtClean="0"/>
+              <a:t>import</a:t>
+            </a:r>
+          </a:p>
+          <a:p>
+            <a:r>
+              <a:rPr kumimoji="1" lang="zh-CN" altLang="en-US" dirty="0" smtClean="0"/>
+              <a:t>成员访问控制修饰</a:t>
+            </a:r>
+            <a:endParaRPr kumimoji="1" lang="en-US" altLang="zh-CN" dirty="0" smtClean="0"/>
+          </a:p>
+          <a:p>
+            <a:r>
+              <a:rPr kumimoji="1" lang="zh-CN" altLang="en-US" dirty="0" smtClean="0"/>
+              <a:t>构造函数</a:t>
+            </a:r>
+            <a:endParaRPr kumimoji="1" lang="en-US" altLang="zh-CN" dirty="0" smtClean="0"/>
+          </a:p>
+          <a:p>
+            <a:r>
+              <a:rPr kumimoji="1" lang="zh-CN" altLang="en-US" dirty="0" smtClean="0"/>
+              <a:t>泛型</a:t>
+            </a:r>
+            <a:endParaRPr kumimoji="1" lang="en-US" altLang="zh-CN" dirty="0" smtClean="0"/>
+          </a:p>
+          <a:p>
+            <a:endParaRPr kumimoji="1" lang="zh-CN" altLang="en-US" dirty="0"/>
+          </a:p>
+        </p:txBody>
+      </p:sp>
+    </p:spTree>
+    <p:extLst>
+      <p:ext uri="{BB962C8B-B14F-4D97-AF65-F5344CB8AC3E}">
+        <p14:creationId xmlns:p14="http://schemas.microsoft.com/office/powerpoint/2010/main" val="2251870123"/>
+      </p:ext>
+    </p:extLst>
+  </p:cSld>
+  <p:clrMapOvr>
+    <a:masterClrMapping/>
+  </p:clrMapOvr>
+</p:sld>
+</file>
+
+<file path=ppt/slides/slide67.xml><?xml version="1.0" encoding="utf-8"?>
 <p:sld xmlns:a="http://schemas.openxmlformats.org/drawingml/2006/main" xmlns:r="http://schemas.openxmlformats.org/officeDocument/2006/relationships" xmlns:p="http://schemas.openxmlformats.org/presentationml/2006/main">
   <p:cSld>
     <p:spTree>

--- a/Web前端教学记录.pptx
+++ b/Web前端教学记录.pptx
@@ -71,7 +71,8 @@
     <p:sldId id="320" r:id="rId65"/>
     <p:sldId id="321" r:id="rId66"/>
     <p:sldId id="322" r:id="rId67"/>
-    <p:sldId id="292" r:id="rId68"/>
+    <p:sldId id="323" r:id="rId68"/>
+    <p:sldId id="292" r:id="rId69"/>
   </p:sldIdLst>
   <p:sldSz cx="9144000" cy="6858000" type="screen4x3"/>
   <p:notesSz cx="6858000" cy="9144000"/>
@@ -273,6 +274,7 @@
           <p14:sldIdLst>
             <p14:sldId id="321"/>
             <p14:sldId id="322"/>
+            <p14:sldId id="323"/>
           </p14:sldIdLst>
         </p14:section>
         <p14:section name="附加作业" id="{0276C1FC-4F12-C44C-A604-00B09FC2FBCB}">
@@ -11181,6 +11183,119 @@
 </file>
 
 <file path=ppt/slides/slide67.xml><?xml version="1.0" encoding="utf-8"?>
+<p:sld xmlns:a="http://schemas.openxmlformats.org/drawingml/2006/main" xmlns:r="http://schemas.openxmlformats.org/officeDocument/2006/relationships" xmlns:p="http://schemas.openxmlformats.org/presentationml/2006/main">
+  <p:cSld>
+    <p:spTree>
+      <p:nvGrpSpPr>
+        <p:cNvPr id="1" name=""/>
+        <p:cNvGrpSpPr/>
+        <p:nvPr/>
+      </p:nvGrpSpPr>
+      <p:grpSpPr>
+        <a:xfrm>
+          <a:off x="0" y="0"/>
+          <a:ext cx="0" cy="0"/>
+          <a:chOff x="0" y="0"/>
+          <a:chExt cx="0" cy="0"/>
+        </a:xfrm>
+      </p:grpSpPr>
+      <p:sp>
+        <p:nvSpPr>
+          <p:cNvPr id="2" name="标题 1"/>
+          <p:cNvSpPr>
+            <a:spLocks noGrp="1"/>
+          </p:cNvSpPr>
+          <p:nvPr>
+            <p:ph type="title"/>
+          </p:nvPr>
+        </p:nvSpPr>
+        <p:spPr/>
+        <p:txBody>
+          <a:bodyPr/>
+          <a:lstStyle/>
+          <a:p>
+            <a:r>
+              <a:rPr kumimoji="1" lang="en-US" altLang="zh-CN" dirty="0" smtClean="0"/>
+              <a:t>ES6</a:t>
+            </a:r>
+            <a:endParaRPr kumimoji="1" lang="zh-CN" altLang="en-US" dirty="0"/>
+          </a:p>
+        </p:txBody>
+      </p:sp>
+      <p:sp>
+        <p:nvSpPr>
+          <p:cNvPr id="3" name="内容占位符 2"/>
+          <p:cNvSpPr>
+            <a:spLocks noGrp="1"/>
+          </p:cNvSpPr>
+          <p:nvPr>
+            <p:ph idx="1"/>
+          </p:nvPr>
+        </p:nvSpPr>
+        <p:spPr/>
+        <p:txBody>
+          <a:bodyPr/>
+          <a:lstStyle/>
+          <a:p>
+            <a:r>
+              <a:rPr kumimoji="1" lang="zh-CN" altLang="en-US" dirty="0" smtClean="0"/>
+              <a:t>类</a:t>
+            </a:r>
+            <a:endParaRPr kumimoji="1" lang="en-US" altLang="zh-CN" dirty="0" smtClean="0"/>
+          </a:p>
+          <a:p>
+            <a:r>
+              <a:rPr kumimoji="1" lang="en-US" altLang="zh-CN" dirty="0" err="1" smtClean="0"/>
+              <a:t>Nodejs</a:t>
+            </a:r>
+            <a:r>
+              <a:rPr kumimoji="1" lang="zh-CN" altLang="en-US" dirty="0" smtClean="0"/>
+              <a:t>运行</a:t>
+            </a:r>
+            <a:r>
+              <a:rPr kumimoji="1" lang="en-US" altLang="zh-CN" dirty="0" smtClean="0"/>
+              <a:t>es6</a:t>
+            </a:r>
+          </a:p>
+          <a:p>
+            <a:r>
+              <a:rPr kumimoji="1" lang="en-US" altLang="zh-CN" dirty="0" smtClean="0"/>
+              <a:t>Babel</a:t>
+            </a:r>
+            <a:r>
+              <a:rPr kumimoji="1" lang="zh-CN" altLang="en-US" dirty="0" smtClean="0"/>
+              <a:t>编译</a:t>
+            </a:r>
+            <a:r>
+              <a:rPr kumimoji="1" lang="en-US" altLang="zh-CN" dirty="0" smtClean="0"/>
+              <a:t>es6</a:t>
+            </a:r>
+            <a:r>
+              <a:rPr kumimoji="1" lang="zh-CN" altLang="en-US" dirty="0" smtClean="0"/>
+              <a:t>到</a:t>
+            </a:r>
+            <a:r>
+              <a:rPr kumimoji="1" lang="en-US" altLang="zh-CN" dirty="0" smtClean="0"/>
+              <a:t>es5</a:t>
+            </a:r>
+            <a:endParaRPr kumimoji="1" lang="zh-CN" altLang="en-US" dirty="0"/>
+          </a:p>
+        </p:txBody>
+      </p:sp>
+    </p:spTree>
+    <p:extLst>
+      <p:ext uri="{BB962C8B-B14F-4D97-AF65-F5344CB8AC3E}">
+        <p14:creationId xmlns:p14="http://schemas.microsoft.com/office/powerpoint/2010/main" val="3329923528"/>
+      </p:ext>
+    </p:extLst>
+  </p:cSld>
+  <p:clrMapOvr>
+    <a:masterClrMapping/>
+  </p:clrMapOvr>
+</p:sld>
+</file>
+
+<file path=ppt/slides/slide68.xml><?xml version="1.0" encoding="utf-8"?>
 <p:sld xmlns:a="http://schemas.openxmlformats.org/drawingml/2006/main" xmlns:r="http://schemas.openxmlformats.org/officeDocument/2006/relationships" xmlns:p="http://schemas.openxmlformats.org/presentationml/2006/main">
   <p:cSld>
     <p:spTree>

--- a/Web前端教学记录.pptx
+++ b/Web前端教学记录.pptx
@@ -11277,6 +11277,16 @@
             <a:r>
               <a:rPr kumimoji="1" lang="en-US" altLang="zh-CN" dirty="0" smtClean="0"/>
               <a:t>es5</a:t>
+            </a:r>
+          </a:p>
+          <a:p>
+            <a:r>
+              <a:rPr kumimoji="1" lang="en-US" altLang="zh-CN" dirty="0" smtClean="0"/>
+              <a:t>ES6</a:t>
+            </a:r>
+            <a:r>
+              <a:rPr kumimoji="1" lang="zh-CN" altLang="en-US" dirty="0" smtClean="0"/>
+              <a:t>模块</a:t>
             </a:r>
             <a:endParaRPr kumimoji="1" lang="zh-CN" altLang="en-US" dirty="0"/>
           </a:p>

--- a/Web前端教学记录.pptx
+++ b/Web前端教学记录.pptx
@@ -72,7 +72,9 @@
     <p:sldId id="321" r:id="rId66"/>
     <p:sldId id="322" r:id="rId67"/>
     <p:sldId id="323" r:id="rId68"/>
-    <p:sldId id="292" r:id="rId69"/>
+    <p:sldId id="324" r:id="rId69"/>
+    <p:sldId id="325" r:id="rId70"/>
+    <p:sldId id="292" r:id="rId71"/>
   </p:sldIdLst>
   <p:sldSz cx="9144000" cy="6858000" type="screen4x3"/>
   <p:notesSz cx="6858000" cy="9144000"/>
@@ -277,6 +279,12 @@
             <p14:sldId id="323"/>
           </p14:sldIdLst>
         </p14:section>
+        <p14:section name="桌面应用开发" id="{A1FDD0D6-AE25-264D-BF0C-18BF130F57F9}">
+          <p14:sldIdLst>
+            <p14:sldId id="324"/>
+            <p14:sldId id="325"/>
+          </p14:sldIdLst>
+        </p14:section>
         <p14:section name="附加作业" id="{0276C1FC-4F12-C44C-A604-00B09FC2FBCB}">
           <p14:sldIdLst>
             <p14:sldId id="292"/>
@@ -469,7 +477,7 @@
           <a:p>
             <a:fld id="{C635D755-6113-1D4F-8A58-71A4F06ADD9C}" type="datetimeFigureOut">
               <a:rPr kumimoji="1" lang="zh-CN" altLang="en-US" smtClean="0"/>
-              <a:t>7/18/16</a:t>
+              <a:t>7/19/16</a:t>
             </a:fld>
             <a:endParaRPr kumimoji="1" lang="zh-CN" altLang="en-US"/>
           </a:p>
@@ -639,7 +647,7 @@
           <a:p>
             <a:fld id="{C635D755-6113-1D4F-8A58-71A4F06ADD9C}" type="datetimeFigureOut">
               <a:rPr kumimoji="1" lang="zh-CN" altLang="en-US" smtClean="0"/>
-              <a:t>7/18/16</a:t>
+              <a:t>7/19/16</a:t>
             </a:fld>
             <a:endParaRPr kumimoji="1" lang="zh-CN" altLang="en-US"/>
           </a:p>
@@ -819,7 +827,7 @@
           <a:p>
             <a:fld id="{C635D755-6113-1D4F-8A58-71A4F06ADD9C}" type="datetimeFigureOut">
               <a:rPr kumimoji="1" lang="zh-CN" altLang="en-US" smtClean="0"/>
-              <a:t>7/18/16</a:t>
+              <a:t>7/19/16</a:t>
             </a:fld>
             <a:endParaRPr kumimoji="1" lang="zh-CN" altLang="en-US"/>
           </a:p>
@@ -989,7 +997,7 @@
           <a:p>
             <a:fld id="{C635D755-6113-1D4F-8A58-71A4F06ADD9C}" type="datetimeFigureOut">
               <a:rPr kumimoji="1" lang="zh-CN" altLang="en-US" smtClean="0"/>
-              <a:t>7/18/16</a:t>
+              <a:t>7/19/16</a:t>
             </a:fld>
             <a:endParaRPr kumimoji="1" lang="zh-CN" altLang="en-US"/>
           </a:p>
@@ -1235,7 +1243,7 @@
           <a:p>
             <a:fld id="{C635D755-6113-1D4F-8A58-71A4F06ADD9C}" type="datetimeFigureOut">
               <a:rPr kumimoji="1" lang="zh-CN" altLang="en-US" smtClean="0"/>
-              <a:t>7/18/16</a:t>
+              <a:t>7/19/16</a:t>
             </a:fld>
             <a:endParaRPr kumimoji="1" lang="zh-CN" altLang="en-US"/>
           </a:p>
@@ -1523,7 +1531,7 @@
           <a:p>
             <a:fld id="{C635D755-6113-1D4F-8A58-71A4F06ADD9C}" type="datetimeFigureOut">
               <a:rPr kumimoji="1" lang="zh-CN" altLang="en-US" smtClean="0"/>
-              <a:t>7/18/16</a:t>
+              <a:t>7/19/16</a:t>
             </a:fld>
             <a:endParaRPr kumimoji="1" lang="zh-CN" altLang="en-US"/>
           </a:p>
@@ -1945,7 +1953,7 @@
           <a:p>
             <a:fld id="{C635D755-6113-1D4F-8A58-71A4F06ADD9C}" type="datetimeFigureOut">
               <a:rPr kumimoji="1" lang="zh-CN" altLang="en-US" smtClean="0"/>
-              <a:t>7/18/16</a:t>
+              <a:t>7/19/16</a:t>
             </a:fld>
             <a:endParaRPr kumimoji="1" lang="zh-CN" altLang="en-US"/>
           </a:p>
@@ -2063,7 +2071,7 @@
           <a:p>
             <a:fld id="{C635D755-6113-1D4F-8A58-71A4F06ADD9C}" type="datetimeFigureOut">
               <a:rPr kumimoji="1" lang="zh-CN" altLang="en-US" smtClean="0"/>
-              <a:t>7/18/16</a:t>
+              <a:t>7/19/16</a:t>
             </a:fld>
             <a:endParaRPr kumimoji="1" lang="zh-CN" altLang="en-US"/>
           </a:p>
@@ -2158,7 +2166,7 @@
           <a:p>
             <a:fld id="{C635D755-6113-1D4F-8A58-71A4F06ADD9C}" type="datetimeFigureOut">
               <a:rPr kumimoji="1" lang="zh-CN" altLang="en-US" smtClean="0"/>
-              <a:t>7/18/16</a:t>
+              <a:t>7/19/16</a:t>
             </a:fld>
             <a:endParaRPr kumimoji="1" lang="zh-CN" altLang="en-US"/>
           </a:p>
@@ -2435,7 +2443,7 @@
           <a:p>
             <a:fld id="{C635D755-6113-1D4F-8A58-71A4F06ADD9C}" type="datetimeFigureOut">
               <a:rPr kumimoji="1" lang="zh-CN" altLang="en-US" smtClean="0"/>
-              <a:t>7/18/16</a:t>
+              <a:t>7/19/16</a:t>
             </a:fld>
             <a:endParaRPr kumimoji="1" lang="zh-CN" altLang="en-US"/>
           </a:p>
@@ -2688,7 +2696,7 @@
           <a:p>
             <a:fld id="{C635D755-6113-1D4F-8A58-71A4F06ADD9C}" type="datetimeFigureOut">
               <a:rPr kumimoji="1" lang="zh-CN" altLang="en-US" smtClean="0"/>
-              <a:t>7/18/16</a:t>
+              <a:t>7/19/16</a:t>
             </a:fld>
             <a:endParaRPr kumimoji="1" lang="zh-CN" altLang="en-US"/>
           </a:p>
@@ -2901,7 +2909,7 @@
           <a:p>
             <a:fld id="{C635D755-6113-1D4F-8A58-71A4F06ADD9C}" type="datetimeFigureOut">
               <a:rPr kumimoji="1" lang="zh-CN" altLang="en-US" smtClean="0"/>
-              <a:t>7/18/16</a:t>
+              <a:t>7/19/16</a:t>
             </a:fld>
             <a:endParaRPr kumimoji="1" lang="zh-CN" altLang="en-US"/>
           </a:p>
@@ -11338,8 +11346,8 @@
           <a:lstStyle/>
           <a:p>
             <a:r>
-              <a:rPr kumimoji="1" lang="zh-CN" altLang="en-US" dirty="0" smtClean="0"/>
-              <a:t>实战项目</a:t>
+              <a:rPr kumimoji="1" lang="en-US" altLang="zh-CN" dirty="0" smtClean="0"/>
+              <a:t>NWJS</a:t>
             </a:r>
             <a:endParaRPr kumimoji="1" lang="zh-CN" altLang="en-US" dirty="0"/>
           </a:p>
@@ -11362,7 +11370,7 @@
           <a:p>
             <a:r>
               <a:rPr kumimoji="1" lang="zh-CN" altLang="en-US" dirty="0" smtClean="0"/>
-              <a:t>科目一考试系统</a:t>
+              <a:t>配置与运行</a:t>
             </a:r>
             <a:endParaRPr kumimoji="1" lang="zh-CN" altLang="en-US" dirty="0"/>
           </a:p>
@@ -11371,20 +11379,97 @@
     </p:spTree>
     <p:extLst>
       <p:ext uri="{BB962C8B-B14F-4D97-AF65-F5344CB8AC3E}">
-        <p14:creationId xmlns:p14="http://schemas.microsoft.com/office/powerpoint/2010/main" val="1032089496"/>
+        <p14:creationId xmlns:p14="http://schemas.microsoft.com/office/powerpoint/2010/main" val="938538008"/>
       </p:ext>
     </p:extLst>
   </p:cSld>
   <p:clrMapOvr>
     <a:masterClrMapping/>
   </p:clrMapOvr>
-  <p:timing>
-    <p:tnLst>
-      <p:par>
-        <p:cTn xmlns:p14="http://schemas.microsoft.com/office/powerpoint/2010/main" id="1" dur="indefinite" restart="never" nodeType="tmRoot"/>
-      </p:par>
-    </p:tnLst>
-  </p:timing>
+</p:sld>
+</file>
+
+<file path=ppt/slides/slide69.xml><?xml version="1.0" encoding="utf-8"?>
+<p:sld xmlns:a="http://schemas.openxmlformats.org/drawingml/2006/main" xmlns:r="http://schemas.openxmlformats.org/officeDocument/2006/relationships" xmlns:p="http://schemas.openxmlformats.org/presentationml/2006/main">
+  <p:cSld>
+    <p:spTree>
+      <p:nvGrpSpPr>
+        <p:cNvPr id="1" name=""/>
+        <p:cNvGrpSpPr/>
+        <p:nvPr/>
+      </p:nvGrpSpPr>
+      <p:grpSpPr>
+        <a:xfrm>
+          <a:off x="0" y="0"/>
+          <a:ext cx="0" cy="0"/>
+          <a:chOff x="0" y="0"/>
+          <a:chExt cx="0" cy="0"/>
+        </a:xfrm>
+      </p:grpSpPr>
+      <p:sp>
+        <p:nvSpPr>
+          <p:cNvPr id="2" name="标题 1"/>
+          <p:cNvSpPr>
+            <a:spLocks noGrp="1"/>
+          </p:cNvSpPr>
+          <p:nvPr>
+            <p:ph type="title"/>
+          </p:nvPr>
+        </p:nvSpPr>
+        <p:spPr/>
+        <p:txBody>
+          <a:bodyPr/>
+          <a:lstStyle/>
+          <a:p>
+            <a:r>
+              <a:rPr kumimoji="1" lang="zh-CN" altLang="en-US" dirty="0" smtClean="0"/>
+              <a:t>作业</a:t>
+            </a:r>
+            <a:endParaRPr kumimoji="1" lang="zh-CN" altLang="en-US" dirty="0"/>
+          </a:p>
+        </p:txBody>
+      </p:sp>
+      <p:sp>
+        <p:nvSpPr>
+          <p:cNvPr id="3" name="内容占位符 2"/>
+          <p:cNvSpPr>
+            <a:spLocks noGrp="1"/>
+          </p:cNvSpPr>
+          <p:nvPr>
+            <p:ph idx="1"/>
+          </p:nvPr>
+        </p:nvSpPr>
+        <p:spPr/>
+        <p:txBody>
+          <a:bodyPr/>
+          <a:lstStyle/>
+          <a:p>
+            <a:r>
+              <a:rPr kumimoji="1" lang="zh-CN" altLang="en-US" dirty="0" smtClean="0"/>
+              <a:t>开发一个</a:t>
+            </a:r>
+            <a:r>
+              <a:rPr kumimoji="1" lang="en-US" altLang="zh-CN" dirty="0" smtClean="0"/>
+              <a:t>JavaScript</a:t>
+            </a:r>
+            <a:r>
+              <a:rPr kumimoji="1" lang="zh-CN" altLang="en-US" dirty="0" smtClean="0"/>
+              <a:t>关键字的新闻订阅工具</a:t>
+            </a:r>
+            <a:endParaRPr kumimoji="1" lang="zh-CN" altLang="en-US" dirty="0"/>
+          </a:p>
+        </p:txBody>
+      </p:sp>
+    </p:spTree>
+    <p:extLst>
+      <p:ext uri="{BB962C8B-B14F-4D97-AF65-F5344CB8AC3E}">
+        <p14:creationId xmlns:p14="http://schemas.microsoft.com/office/powerpoint/2010/main" val="2249986951"/>
+      </p:ext>
+    </p:extLst>
+  </p:cSld>
+  <p:clrMapOvr>
+    <a:masterClrMapping/>
+  </p:clrMapOvr>
 </p:sld>
 </file>
 
@@ -11468,6 +11553,89 @@
     <p:extLst>
       <p:ext uri="{BB962C8B-B14F-4D97-AF65-F5344CB8AC3E}">
         <p14:creationId xmlns:p14="http://schemas.microsoft.com/office/powerpoint/2010/main" val="228743448"/>
+      </p:ext>
+    </p:extLst>
+  </p:cSld>
+  <p:clrMapOvr>
+    <a:masterClrMapping/>
+  </p:clrMapOvr>
+  <p:timing>
+    <p:tnLst>
+      <p:par>
+        <p:cTn xmlns:p14="http://schemas.microsoft.com/office/powerpoint/2010/main" id="1" dur="indefinite" restart="never" nodeType="tmRoot"/>
+      </p:par>
+    </p:tnLst>
+  </p:timing>
+</p:sld>
+</file>
+
+<file path=ppt/slides/slide70.xml><?xml version="1.0" encoding="utf-8"?>
+<p:sld xmlns:a="http://schemas.openxmlformats.org/drawingml/2006/main" xmlns:r="http://schemas.openxmlformats.org/officeDocument/2006/relationships" xmlns:p="http://schemas.openxmlformats.org/presentationml/2006/main">
+  <p:cSld>
+    <p:spTree>
+      <p:nvGrpSpPr>
+        <p:cNvPr id="1" name=""/>
+        <p:cNvGrpSpPr/>
+        <p:nvPr/>
+      </p:nvGrpSpPr>
+      <p:grpSpPr>
+        <a:xfrm>
+          <a:off x="0" y="0"/>
+          <a:ext cx="0" cy="0"/>
+          <a:chOff x="0" y="0"/>
+          <a:chExt cx="0" cy="0"/>
+        </a:xfrm>
+      </p:grpSpPr>
+      <p:sp>
+        <p:nvSpPr>
+          <p:cNvPr id="2" name="标题 1"/>
+          <p:cNvSpPr>
+            <a:spLocks noGrp="1"/>
+          </p:cNvSpPr>
+          <p:nvPr>
+            <p:ph type="title"/>
+          </p:nvPr>
+        </p:nvSpPr>
+        <p:spPr/>
+        <p:txBody>
+          <a:bodyPr/>
+          <a:lstStyle/>
+          <a:p>
+            <a:r>
+              <a:rPr kumimoji="1" lang="zh-CN" altLang="en-US" dirty="0" smtClean="0"/>
+              <a:t>实战项目</a:t>
+            </a:r>
+            <a:endParaRPr kumimoji="1" lang="zh-CN" altLang="en-US" dirty="0"/>
+          </a:p>
+        </p:txBody>
+      </p:sp>
+      <p:sp>
+        <p:nvSpPr>
+          <p:cNvPr id="3" name="内容占位符 2"/>
+          <p:cNvSpPr>
+            <a:spLocks noGrp="1"/>
+          </p:cNvSpPr>
+          <p:nvPr>
+            <p:ph idx="1"/>
+          </p:nvPr>
+        </p:nvSpPr>
+        <p:spPr/>
+        <p:txBody>
+          <a:bodyPr/>
+          <a:lstStyle/>
+          <a:p>
+            <a:r>
+              <a:rPr kumimoji="1" lang="zh-CN" altLang="en-US" dirty="0" smtClean="0"/>
+              <a:t>科目一考试系统</a:t>
+            </a:r>
+            <a:endParaRPr kumimoji="1" lang="zh-CN" altLang="en-US" dirty="0"/>
+          </a:p>
+        </p:txBody>
+      </p:sp>
+    </p:spTree>
+    <p:extLst>
+      <p:ext uri="{BB962C8B-B14F-4D97-AF65-F5344CB8AC3E}">
+        <p14:creationId xmlns:p14="http://schemas.microsoft.com/office/powerpoint/2010/main" val="1032089496"/>
       </p:ext>
     </p:extLst>
   </p:cSld>

--- a/Web前端教学记录.pptx
+++ b/Web前端教学记录.pptx
@@ -74,7 +74,10 @@
     <p:sldId id="323" r:id="rId68"/>
     <p:sldId id="324" r:id="rId69"/>
     <p:sldId id="325" r:id="rId70"/>
-    <p:sldId id="292" r:id="rId71"/>
+    <p:sldId id="326" r:id="rId71"/>
+    <p:sldId id="327" r:id="rId72"/>
+    <p:sldId id="328" r:id="rId73"/>
+    <p:sldId id="292" r:id="rId74"/>
   </p:sldIdLst>
   <p:sldSz cx="9144000" cy="6858000" type="screen4x3"/>
   <p:notesSz cx="6858000" cy="9144000"/>
@@ -285,6 +288,13 @@
             <p14:sldId id="325"/>
           </p14:sldIdLst>
         </p14:section>
+        <p14:section name="网络" id="{2B952D6F-4FEA-EC47-94D4-F77749AEB348}">
+          <p14:sldIdLst>
+            <p14:sldId id="326"/>
+            <p14:sldId id="327"/>
+            <p14:sldId id="328"/>
+          </p14:sldIdLst>
+        </p14:section>
         <p14:section name="附加作业" id="{0276C1FC-4F12-C44C-A604-00B09FC2FBCB}">
           <p14:sldIdLst>
             <p14:sldId id="292"/>
@@ -477,7 +487,7 @@
           <a:p>
             <a:fld id="{C635D755-6113-1D4F-8A58-71A4F06ADD9C}" type="datetimeFigureOut">
               <a:rPr kumimoji="1" lang="zh-CN" altLang="en-US" smtClean="0"/>
-              <a:t>7/19/16</a:t>
+              <a:t>7/20/16</a:t>
             </a:fld>
             <a:endParaRPr kumimoji="1" lang="zh-CN" altLang="en-US"/>
           </a:p>
@@ -647,7 +657,7 @@
           <a:p>
             <a:fld id="{C635D755-6113-1D4F-8A58-71A4F06ADD9C}" type="datetimeFigureOut">
               <a:rPr kumimoji="1" lang="zh-CN" altLang="en-US" smtClean="0"/>
-              <a:t>7/19/16</a:t>
+              <a:t>7/20/16</a:t>
             </a:fld>
             <a:endParaRPr kumimoji="1" lang="zh-CN" altLang="en-US"/>
           </a:p>
@@ -827,7 +837,7 @@
           <a:p>
             <a:fld id="{C635D755-6113-1D4F-8A58-71A4F06ADD9C}" type="datetimeFigureOut">
               <a:rPr kumimoji="1" lang="zh-CN" altLang="en-US" smtClean="0"/>
-              <a:t>7/19/16</a:t>
+              <a:t>7/20/16</a:t>
             </a:fld>
             <a:endParaRPr kumimoji="1" lang="zh-CN" altLang="en-US"/>
           </a:p>
@@ -997,7 +1007,7 @@
           <a:p>
             <a:fld id="{C635D755-6113-1D4F-8A58-71A4F06ADD9C}" type="datetimeFigureOut">
               <a:rPr kumimoji="1" lang="zh-CN" altLang="en-US" smtClean="0"/>
-              <a:t>7/19/16</a:t>
+              <a:t>7/20/16</a:t>
             </a:fld>
             <a:endParaRPr kumimoji="1" lang="zh-CN" altLang="en-US"/>
           </a:p>
@@ -1243,7 +1253,7 @@
           <a:p>
             <a:fld id="{C635D755-6113-1D4F-8A58-71A4F06ADD9C}" type="datetimeFigureOut">
               <a:rPr kumimoji="1" lang="zh-CN" altLang="en-US" smtClean="0"/>
-              <a:t>7/19/16</a:t>
+              <a:t>7/20/16</a:t>
             </a:fld>
             <a:endParaRPr kumimoji="1" lang="zh-CN" altLang="en-US"/>
           </a:p>
@@ -1531,7 +1541,7 @@
           <a:p>
             <a:fld id="{C635D755-6113-1D4F-8A58-71A4F06ADD9C}" type="datetimeFigureOut">
               <a:rPr kumimoji="1" lang="zh-CN" altLang="en-US" smtClean="0"/>
-              <a:t>7/19/16</a:t>
+              <a:t>7/20/16</a:t>
             </a:fld>
             <a:endParaRPr kumimoji="1" lang="zh-CN" altLang="en-US"/>
           </a:p>
@@ -1953,7 +1963,7 @@
           <a:p>
             <a:fld id="{C635D755-6113-1D4F-8A58-71A4F06ADD9C}" type="datetimeFigureOut">
               <a:rPr kumimoji="1" lang="zh-CN" altLang="en-US" smtClean="0"/>
-              <a:t>7/19/16</a:t>
+              <a:t>7/20/16</a:t>
             </a:fld>
             <a:endParaRPr kumimoji="1" lang="zh-CN" altLang="en-US"/>
           </a:p>
@@ -2071,7 +2081,7 @@
           <a:p>
             <a:fld id="{C635D755-6113-1D4F-8A58-71A4F06ADD9C}" type="datetimeFigureOut">
               <a:rPr kumimoji="1" lang="zh-CN" altLang="en-US" smtClean="0"/>
-              <a:t>7/19/16</a:t>
+              <a:t>7/20/16</a:t>
             </a:fld>
             <a:endParaRPr kumimoji="1" lang="zh-CN" altLang="en-US"/>
           </a:p>
@@ -2166,7 +2176,7 @@
           <a:p>
             <a:fld id="{C635D755-6113-1D4F-8A58-71A4F06ADD9C}" type="datetimeFigureOut">
               <a:rPr kumimoji="1" lang="zh-CN" altLang="en-US" smtClean="0"/>
-              <a:t>7/19/16</a:t>
+              <a:t>7/20/16</a:t>
             </a:fld>
             <a:endParaRPr kumimoji="1" lang="zh-CN" altLang="en-US"/>
           </a:p>
@@ -2443,7 +2453,7 @@
           <a:p>
             <a:fld id="{C635D755-6113-1D4F-8A58-71A4F06ADD9C}" type="datetimeFigureOut">
               <a:rPr kumimoji="1" lang="zh-CN" altLang="en-US" smtClean="0"/>
-              <a:t>7/19/16</a:t>
+              <a:t>7/20/16</a:t>
             </a:fld>
             <a:endParaRPr kumimoji="1" lang="zh-CN" altLang="en-US"/>
           </a:p>
@@ -2696,7 +2706,7 @@
           <a:p>
             <a:fld id="{C635D755-6113-1D4F-8A58-71A4F06ADD9C}" type="datetimeFigureOut">
               <a:rPr kumimoji="1" lang="zh-CN" altLang="en-US" smtClean="0"/>
-              <a:t>7/19/16</a:t>
+              <a:t>7/20/16</a:t>
             </a:fld>
             <a:endParaRPr kumimoji="1" lang="zh-CN" altLang="en-US"/>
           </a:p>
@@ -2909,7 +2919,7 @@
           <a:p>
             <a:fld id="{C635D755-6113-1D4F-8A58-71A4F06ADD9C}" type="datetimeFigureOut">
               <a:rPr kumimoji="1" lang="zh-CN" altLang="en-US" smtClean="0"/>
-              <a:t>7/19/16</a:t>
+              <a:t>7/20/16</a:t>
             </a:fld>
             <a:endParaRPr kumimoji="1" lang="zh-CN" altLang="en-US"/>
           </a:p>
@@ -11570,6 +11580,304 @@
 </file>
 
 <file path=ppt/slides/slide70.xml><?xml version="1.0" encoding="utf-8"?>
+<p:sld xmlns:a="http://schemas.openxmlformats.org/drawingml/2006/main" xmlns:r="http://schemas.openxmlformats.org/officeDocument/2006/relationships" xmlns:p="http://schemas.openxmlformats.org/presentationml/2006/main">
+  <p:cSld>
+    <p:spTree>
+      <p:nvGrpSpPr>
+        <p:cNvPr id="1" name=""/>
+        <p:cNvGrpSpPr/>
+        <p:nvPr/>
+      </p:nvGrpSpPr>
+      <p:grpSpPr>
+        <a:xfrm>
+          <a:off x="0" y="0"/>
+          <a:ext cx="0" cy="0"/>
+          <a:chOff x="0" y="0"/>
+          <a:chExt cx="0" cy="0"/>
+        </a:xfrm>
+      </p:grpSpPr>
+      <p:sp>
+        <p:nvSpPr>
+          <p:cNvPr id="2" name="标题 1"/>
+          <p:cNvSpPr>
+            <a:spLocks noGrp="1"/>
+          </p:cNvSpPr>
+          <p:nvPr>
+            <p:ph type="title"/>
+          </p:nvPr>
+        </p:nvSpPr>
+        <p:spPr/>
+        <p:txBody>
+          <a:bodyPr/>
+          <a:lstStyle/>
+          <a:p>
+            <a:r>
+              <a:rPr kumimoji="1" lang="zh-CN" altLang="en-US" dirty="0" smtClean="0"/>
+              <a:t>系统底层网络框架</a:t>
+            </a:r>
+            <a:endParaRPr kumimoji="1" lang="zh-CN" altLang="en-US" dirty="0"/>
+          </a:p>
+        </p:txBody>
+      </p:sp>
+      <p:sp>
+        <p:nvSpPr>
+          <p:cNvPr id="3" name="内容占位符 2"/>
+          <p:cNvSpPr>
+            <a:spLocks noGrp="1"/>
+          </p:cNvSpPr>
+          <p:nvPr>
+            <p:ph idx="1"/>
+          </p:nvPr>
+        </p:nvSpPr>
+        <p:spPr/>
+        <p:txBody>
+          <a:bodyPr/>
+          <a:lstStyle/>
+          <a:p>
+            <a:r>
+              <a:rPr kumimoji="1" lang="en-US" altLang="zh-CN" dirty="0" smtClean="0"/>
+              <a:t>Linux </a:t>
+            </a:r>
+            <a:r>
+              <a:rPr kumimoji="1" lang="en-US" altLang="zh-CN" dirty="0" err="1" smtClean="0"/>
+              <a:t>epoll</a:t>
+            </a:r>
+            <a:endParaRPr kumimoji="1" lang="en-US" altLang="zh-CN" dirty="0" smtClean="0"/>
+          </a:p>
+          <a:p>
+            <a:r>
+              <a:rPr kumimoji="1" lang="en-US" altLang="zh-CN" dirty="0" smtClean="0"/>
+              <a:t>Windows IOCP</a:t>
+            </a:r>
+            <a:endParaRPr kumimoji="1" lang="zh-CN" altLang="en-US" dirty="0"/>
+          </a:p>
+        </p:txBody>
+      </p:sp>
+    </p:spTree>
+    <p:extLst>
+      <p:ext uri="{BB962C8B-B14F-4D97-AF65-F5344CB8AC3E}">
+        <p14:creationId xmlns:p14="http://schemas.microsoft.com/office/powerpoint/2010/main" val="514278518"/>
+      </p:ext>
+    </p:extLst>
+  </p:cSld>
+  <p:clrMapOvr>
+    <a:masterClrMapping/>
+  </p:clrMapOvr>
+</p:sld>
+</file>
+
+<file path=ppt/slides/slide71.xml><?xml version="1.0" encoding="utf-8"?>
+<p:sld xmlns:a="http://schemas.openxmlformats.org/drawingml/2006/main" xmlns:r="http://schemas.openxmlformats.org/officeDocument/2006/relationships" xmlns:p="http://schemas.openxmlformats.org/presentationml/2006/main">
+  <p:cSld>
+    <p:spTree>
+      <p:nvGrpSpPr>
+        <p:cNvPr id="1" name=""/>
+        <p:cNvGrpSpPr/>
+        <p:nvPr/>
+      </p:nvGrpSpPr>
+      <p:grpSpPr>
+        <a:xfrm>
+          <a:off x="0" y="0"/>
+          <a:ext cx="0" cy="0"/>
+          <a:chOff x="0" y="0"/>
+          <a:chExt cx="0" cy="0"/>
+        </a:xfrm>
+      </p:grpSpPr>
+      <p:sp>
+        <p:nvSpPr>
+          <p:cNvPr id="2" name="标题 1"/>
+          <p:cNvSpPr>
+            <a:spLocks noGrp="1"/>
+          </p:cNvSpPr>
+          <p:nvPr>
+            <p:ph type="title"/>
+          </p:nvPr>
+        </p:nvSpPr>
+        <p:spPr/>
+        <p:txBody>
+          <a:bodyPr/>
+          <a:lstStyle/>
+          <a:p>
+            <a:r>
+              <a:rPr kumimoji="1" lang="en-US" altLang="en-US" dirty="0" smtClean="0"/>
+              <a:t>中间层网络框架</a:t>
+            </a:r>
+            <a:endParaRPr kumimoji="1" lang="zh-CN" altLang="en-US" dirty="0"/>
+          </a:p>
+        </p:txBody>
+      </p:sp>
+      <p:sp>
+        <p:nvSpPr>
+          <p:cNvPr id="3" name="内容占位符 2"/>
+          <p:cNvSpPr>
+            <a:spLocks noGrp="1"/>
+          </p:cNvSpPr>
+          <p:nvPr>
+            <p:ph idx="1"/>
+          </p:nvPr>
+        </p:nvSpPr>
+        <p:spPr/>
+        <p:txBody>
+          <a:bodyPr/>
+          <a:lstStyle/>
+          <a:p>
+            <a:r>
+              <a:rPr kumimoji="1" lang="en-US" altLang="zh-CN" dirty="0" err="1" smtClean="0"/>
+              <a:t>libev</a:t>
+            </a:r>
+            <a:endParaRPr kumimoji="1" lang="en-US" altLang="zh-CN" dirty="0" smtClean="0"/>
+          </a:p>
+          <a:p>
+            <a:r>
+              <a:rPr kumimoji="1" lang="en-US" altLang="zh-CN" dirty="0" err="1" smtClean="0"/>
+              <a:t>libevent</a:t>
+            </a:r>
+            <a:endParaRPr kumimoji="1" lang="en-US" altLang="zh-CN" dirty="0" smtClean="0"/>
+          </a:p>
+          <a:p>
+            <a:r>
+              <a:rPr kumimoji="1" lang="en-US" altLang="zh-CN" dirty="0" err="1" smtClean="0"/>
+              <a:t>libuv</a:t>
+            </a:r>
+            <a:r>
+              <a:rPr kumimoji="1" lang="en-US" altLang="zh-CN" dirty="0" smtClean="0"/>
+              <a:t> (</a:t>
+            </a:r>
+            <a:r>
+              <a:rPr kumimoji="1" lang="en-US" altLang="zh-CN" dirty="0" err="1" smtClean="0"/>
+              <a:t>Nodejs</a:t>
+            </a:r>
+            <a:r>
+              <a:rPr kumimoji="1" lang="zh-CN" altLang="en-US" dirty="0" smtClean="0"/>
+              <a:t>网络内核</a:t>
+            </a:r>
+            <a:r>
+              <a:rPr kumimoji="1" lang="en-US" altLang="zh-CN" dirty="0" smtClean="0"/>
+              <a:t>)</a:t>
+            </a:r>
+          </a:p>
+          <a:p>
+            <a:r>
+              <a:rPr kumimoji="1" lang="en-US" altLang="zh-CN" dirty="0" smtClean="0"/>
+              <a:t>boost::</a:t>
+            </a:r>
+            <a:r>
+              <a:rPr kumimoji="1" lang="en-US" altLang="zh-CN" dirty="0" err="1" smtClean="0"/>
+              <a:t>asio</a:t>
+            </a:r>
+            <a:endParaRPr kumimoji="1" lang="en-US" altLang="zh-CN" dirty="0" smtClean="0"/>
+          </a:p>
+        </p:txBody>
+      </p:sp>
+    </p:spTree>
+    <p:extLst>
+      <p:ext uri="{BB962C8B-B14F-4D97-AF65-F5344CB8AC3E}">
+        <p14:creationId xmlns:p14="http://schemas.microsoft.com/office/powerpoint/2010/main" val="3087632529"/>
+      </p:ext>
+    </p:extLst>
+  </p:cSld>
+  <p:clrMapOvr>
+    <a:masterClrMapping/>
+  </p:clrMapOvr>
+</p:sld>
+</file>
+
+<file path=ppt/slides/slide72.xml><?xml version="1.0" encoding="utf-8"?>
+<p:sld xmlns:a="http://schemas.openxmlformats.org/drawingml/2006/main" xmlns:r="http://schemas.openxmlformats.org/officeDocument/2006/relationships" xmlns:p="http://schemas.openxmlformats.org/presentationml/2006/main">
+  <p:cSld>
+    <p:spTree>
+      <p:nvGrpSpPr>
+        <p:cNvPr id="1" name=""/>
+        <p:cNvGrpSpPr/>
+        <p:nvPr/>
+      </p:nvGrpSpPr>
+      <p:grpSpPr>
+        <a:xfrm>
+          <a:off x="0" y="0"/>
+          <a:ext cx="0" cy="0"/>
+          <a:chOff x="0" y="0"/>
+          <a:chExt cx="0" cy="0"/>
+        </a:xfrm>
+      </p:grpSpPr>
+      <p:sp>
+        <p:nvSpPr>
+          <p:cNvPr id="2" name="标题 1"/>
+          <p:cNvSpPr>
+            <a:spLocks noGrp="1"/>
+          </p:cNvSpPr>
+          <p:nvPr>
+            <p:ph type="title"/>
+          </p:nvPr>
+        </p:nvSpPr>
+        <p:spPr/>
+        <p:txBody>
+          <a:bodyPr/>
+          <a:lstStyle/>
+          <a:p>
+            <a:r>
+              <a:rPr kumimoji="1" lang="zh-CN" altLang="en-US" dirty="0" smtClean="0"/>
+              <a:t>上层网络框架</a:t>
+            </a:r>
+            <a:endParaRPr kumimoji="1" lang="zh-CN" altLang="en-US" dirty="0"/>
+          </a:p>
+        </p:txBody>
+      </p:sp>
+      <p:sp>
+        <p:nvSpPr>
+          <p:cNvPr id="3" name="内容占位符 2"/>
+          <p:cNvSpPr>
+            <a:spLocks noGrp="1"/>
+          </p:cNvSpPr>
+          <p:nvPr>
+            <p:ph idx="1"/>
+          </p:nvPr>
+        </p:nvSpPr>
+        <p:spPr/>
+        <p:txBody>
+          <a:bodyPr/>
+          <a:lstStyle/>
+          <a:p>
+            <a:r>
+              <a:rPr kumimoji="1" lang="en-US" altLang="zh-CN" dirty="0" err="1" smtClean="0"/>
+              <a:t>Nodejs</a:t>
+            </a:r>
+            <a:r>
+              <a:rPr kumimoji="1" lang="en-US" altLang="zh-CN" dirty="0" smtClean="0"/>
+              <a:t> Ne</a:t>
+            </a:r>
+            <a:r>
+              <a:rPr kumimoji="1" lang="en-US" altLang="zh-CN" dirty="0" smtClean="0"/>
+              <a:t>t</a:t>
+            </a:r>
+            <a:r>
+              <a:rPr kumimoji="1" lang="zh-CN" altLang="en-US" dirty="0" smtClean="0"/>
+              <a:t>模块</a:t>
+            </a:r>
+            <a:endParaRPr kumimoji="1" lang="en-US" altLang="zh-CN" dirty="0" smtClean="0"/>
+          </a:p>
+          <a:p>
+            <a:r>
+              <a:rPr kumimoji="1" lang="en-US" altLang="zh-CN" dirty="0" smtClean="0"/>
+              <a:t>Java NIO/AIO</a:t>
+            </a:r>
+            <a:endParaRPr kumimoji="1" lang="zh-CN" altLang="en-US" dirty="0"/>
+          </a:p>
+        </p:txBody>
+      </p:sp>
+    </p:spTree>
+    <p:extLst>
+      <p:ext uri="{BB962C8B-B14F-4D97-AF65-F5344CB8AC3E}">
+        <p14:creationId xmlns:p14="http://schemas.microsoft.com/office/powerpoint/2010/main" val="2665450020"/>
+      </p:ext>
+    </p:extLst>
+  </p:cSld>
+  <p:clrMapOvr>
+    <a:masterClrMapping/>
+  </p:clrMapOvr>
+</p:sld>
+</file>
+
+<file path=ppt/slides/slide73.xml><?xml version="1.0" encoding="utf-8"?>
 <p:sld xmlns:a="http://schemas.openxmlformats.org/drawingml/2006/main" xmlns:r="http://schemas.openxmlformats.org/officeDocument/2006/relationships" xmlns:p="http://schemas.openxmlformats.org/presentationml/2006/main">
   <p:cSld>
     <p:spTree>

--- a/Web前端教学记录.pptx
+++ b/Web前端教学记录.pptx
@@ -77,7 +77,8 @@
     <p:sldId id="326" r:id="rId71"/>
     <p:sldId id="327" r:id="rId72"/>
     <p:sldId id="328" r:id="rId73"/>
-    <p:sldId id="292" r:id="rId74"/>
+    <p:sldId id="329" r:id="rId74"/>
+    <p:sldId id="292" r:id="rId75"/>
   </p:sldIdLst>
   <p:sldSz cx="9144000" cy="6858000" type="screen4x3"/>
   <p:notesSz cx="6858000" cy="9144000"/>
@@ -293,6 +294,7 @@
             <p14:sldId id="326"/>
             <p14:sldId id="327"/>
             <p14:sldId id="328"/>
+            <p14:sldId id="329"/>
           </p14:sldIdLst>
         </p14:section>
         <p14:section name="附加作业" id="{0276C1FC-4F12-C44C-A604-00B09FC2FBCB}">
@@ -11878,6 +11880,112 @@
 </file>
 
 <file path=ppt/slides/slide73.xml><?xml version="1.0" encoding="utf-8"?>
+<p:sld xmlns:a="http://schemas.openxmlformats.org/drawingml/2006/main" xmlns:r="http://schemas.openxmlformats.org/officeDocument/2006/relationships" xmlns:p="http://schemas.openxmlformats.org/presentationml/2006/main">
+  <p:cSld>
+    <p:spTree>
+      <p:nvGrpSpPr>
+        <p:cNvPr id="1" name=""/>
+        <p:cNvGrpSpPr/>
+        <p:nvPr/>
+      </p:nvGrpSpPr>
+      <p:grpSpPr>
+        <a:xfrm>
+          <a:off x="0" y="0"/>
+          <a:ext cx="0" cy="0"/>
+          <a:chOff x="0" y="0"/>
+          <a:chExt cx="0" cy="0"/>
+        </a:xfrm>
+      </p:grpSpPr>
+      <p:sp>
+        <p:nvSpPr>
+          <p:cNvPr id="2" name="标题 1"/>
+          <p:cNvSpPr>
+            <a:spLocks noGrp="1"/>
+          </p:cNvSpPr>
+          <p:nvPr>
+            <p:ph type="title"/>
+          </p:nvPr>
+        </p:nvSpPr>
+        <p:spPr/>
+        <p:txBody>
+          <a:bodyPr/>
+          <a:lstStyle/>
+          <a:p>
+            <a:r>
+              <a:rPr kumimoji="1" lang="en-US" altLang="zh-CN" dirty="0" err="1" smtClean="0"/>
+              <a:t>Nodejs</a:t>
+            </a:r>
+            <a:r>
+              <a:rPr kumimoji="1" lang="en-US" altLang="zh-CN" dirty="0" smtClean="0"/>
+              <a:t> Net</a:t>
+            </a:r>
+            <a:r>
+              <a:rPr kumimoji="1" lang="zh-CN" altLang="en-US" dirty="0" smtClean="0"/>
+              <a:t>模块</a:t>
+            </a:r>
+            <a:endParaRPr kumimoji="1" lang="zh-CN" altLang="en-US" dirty="0"/>
+          </a:p>
+        </p:txBody>
+      </p:sp>
+      <p:sp>
+        <p:nvSpPr>
+          <p:cNvPr id="3" name="内容占位符 2"/>
+          <p:cNvSpPr>
+            <a:spLocks noGrp="1"/>
+          </p:cNvSpPr>
+          <p:nvPr>
+            <p:ph idx="1"/>
+          </p:nvPr>
+        </p:nvSpPr>
+        <p:spPr/>
+        <p:txBody>
+          <a:bodyPr/>
+          <a:lstStyle/>
+          <a:p>
+            <a:r>
+              <a:rPr kumimoji="1" lang="zh-CN" altLang="en-US" dirty="0" smtClean="0"/>
+              <a:t>创建</a:t>
+            </a:r>
+            <a:r>
+              <a:rPr kumimoji="1" lang="en-US" altLang="zh-CN" dirty="0" smtClean="0"/>
+              <a:t>Socket</a:t>
+            </a:r>
+            <a:r>
+              <a:rPr kumimoji="1" lang="zh-CN" altLang="en-US" dirty="0" smtClean="0"/>
+              <a:t>服务器</a:t>
+            </a:r>
+            <a:endParaRPr kumimoji="1" lang="en-US" altLang="zh-CN" dirty="0" smtClean="0"/>
+          </a:p>
+          <a:p>
+            <a:r>
+              <a:rPr kumimoji="1" lang="en-US" altLang="en-US" dirty="0" err="1" smtClean="0"/>
+              <a:t>使用telnet客户端连接服务器</a:t>
+            </a:r>
+            <a:endParaRPr kumimoji="1" lang="en-US" altLang="en-US" dirty="0" smtClean="0"/>
+          </a:p>
+          <a:p>
+            <a:r>
+              <a:rPr kumimoji="1" lang="en-US" altLang="en-US" dirty="0" smtClean="0"/>
+              <a:t>向每个终端广播消息</a:t>
+            </a:r>
+            <a:endParaRPr kumimoji="1" lang="zh-CN" altLang="en-US" dirty="0"/>
+          </a:p>
+        </p:txBody>
+      </p:sp>
+    </p:spTree>
+    <p:extLst>
+      <p:ext uri="{BB962C8B-B14F-4D97-AF65-F5344CB8AC3E}">
+        <p14:creationId xmlns:p14="http://schemas.microsoft.com/office/powerpoint/2010/main" val="3990161706"/>
+      </p:ext>
+    </p:extLst>
+  </p:cSld>
+  <p:clrMapOvr>
+    <a:masterClrMapping/>
+  </p:clrMapOvr>
+</p:sld>
+</file>
+
+<file path=ppt/slides/slide74.xml><?xml version="1.0" encoding="utf-8"?>
 <p:sld xmlns:a="http://schemas.openxmlformats.org/drawingml/2006/main" xmlns:r="http://schemas.openxmlformats.org/officeDocument/2006/relationships" xmlns:p="http://schemas.openxmlformats.org/presentationml/2006/main">
   <p:cSld>
     <p:spTree>

--- a/Web前端教学记录.pptx
+++ b/Web前端教学记录.pptx
@@ -78,7 +78,9 @@
     <p:sldId id="327" r:id="rId72"/>
     <p:sldId id="328" r:id="rId73"/>
     <p:sldId id="329" r:id="rId74"/>
-    <p:sldId id="292" r:id="rId75"/>
+    <p:sldId id="330" r:id="rId75"/>
+    <p:sldId id="331" r:id="rId76"/>
+    <p:sldId id="292" r:id="rId77"/>
   </p:sldIdLst>
   <p:sldSz cx="9144000" cy="6858000" type="screen4x3"/>
   <p:notesSz cx="6858000" cy="9144000"/>
@@ -295,6 +297,8 @@
             <p14:sldId id="327"/>
             <p14:sldId id="328"/>
             <p14:sldId id="329"/>
+            <p14:sldId id="330"/>
+            <p14:sldId id="331"/>
           </p14:sldIdLst>
         </p14:section>
         <p14:section name="附加作业" id="{0276C1FC-4F12-C44C-A604-00B09FC2FBCB}">
@@ -11986,6 +11990,181 @@
 </file>
 
 <file path=ppt/slides/slide74.xml><?xml version="1.0" encoding="utf-8"?>
+<p:sld xmlns:a="http://schemas.openxmlformats.org/drawingml/2006/main" xmlns:r="http://schemas.openxmlformats.org/officeDocument/2006/relationships" xmlns:p="http://schemas.openxmlformats.org/presentationml/2006/main">
+  <p:cSld>
+    <p:spTree>
+      <p:nvGrpSpPr>
+        <p:cNvPr id="1" name=""/>
+        <p:cNvGrpSpPr/>
+        <p:nvPr/>
+      </p:nvGrpSpPr>
+      <p:grpSpPr>
+        <a:xfrm>
+          <a:off x="0" y="0"/>
+          <a:ext cx="0" cy="0"/>
+          <a:chOff x="0" y="0"/>
+          <a:chExt cx="0" cy="0"/>
+        </a:xfrm>
+      </p:grpSpPr>
+      <p:sp>
+        <p:nvSpPr>
+          <p:cNvPr id="2" name="标题 1"/>
+          <p:cNvSpPr>
+            <a:spLocks noGrp="1"/>
+          </p:cNvSpPr>
+          <p:nvPr>
+            <p:ph type="title"/>
+          </p:nvPr>
+        </p:nvSpPr>
+        <p:spPr/>
+        <p:txBody>
+          <a:bodyPr/>
+          <a:lstStyle/>
+          <a:p>
+            <a:r>
+              <a:rPr kumimoji="1" lang="en-US" altLang="zh-CN" dirty="0" err="1" smtClean="0"/>
+              <a:t>Socket.io</a:t>
+            </a:r>
+            <a:endParaRPr kumimoji="1" lang="zh-CN" altLang="en-US" dirty="0"/>
+          </a:p>
+        </p:txBody>
+      </p:sp>
+      <p:sp>
+        <p:nvSpPr>
+          <p:cNvPr id="3" name="内容占位符 2"/>
+          <p:cNvSpPr>
+            <a:spLocks noGrp="1"/>
+          </p:cNvSpPr>
+          <p:nvPr>
+            <p:ph idx="1"/>
+          </p:nvPr>
+        </p:nvSpPr>
+        <p:spPr/>
+        <p:txBody>
+          <a:bodyPr/>
+          <a:lstStyle/>
+          <a:p>
+            <a:r>
+              <a:rPr kumimoji="1" lang="en-US" altLang="en-US" dirty="0" err="1" smtClean="0"/>
+              <a:t>集成nodejs+express+socket.io</a:t>
+            </a:r>
+            <a:endParaRPr kumimoji="1" lang="en-US" altLang="en-US" dirty="0" smtClean="0"/>
+          </a:p>
+          <a:p>
+            <a:r>
+              <a:rPr kumimoji="1" lang="en-US" altLang="en-US" dirty="0" smtClean="0"/>
+              <a:t>实现一个简单的聊天室程序</a:t>
+            </a:r>
+            <a:endParaRPr kumimoji="1" lang="zh-CN" altLang="en-US" dirty="0"/>
+          </a:p>
+        </p:txBody>
+      </p:sp>
+    </p:spTree>
+    <p:extLst>
+      <p:ext uri="{BB962C8B-B14F-4D97-AF65-F5344CB8AC3E}">
+        <p14:creationId xmlns:p14="http://schemas.microsoft.com/office/powerpoint/2010/main" val="4279570004"/>
+      </p:ext>
+    </p:extLst>
+  </p:cSld>
+  <p:clrMapOvr>
+    <a:masterClrMapping/>
+  </p:clrMapOvr>
+</p:sld>
+</file>
+
+<file path=ppt/slides/slide75.xml><?xml version="1.0" encoding="utf-8"?>
+<p:sld xmlns:a="http://schemas.openxmlformats.org/drawingml/2006/main" xmlns:r="http://schemas.openxmlformats.org/officeDocument/2006/relationships" xmlns:p="http://schemas.openxmlformats.org/presentationml/2006/main">
+  <p:cSld>
+    <p:spTree>
+      <p:nvGrpSpPr>
+        <p:cNvPr id="1" name=""/>
+        <p:cNvGrpSpPr/>
+        <p:nvPr/>
+      </p:nvGrpSpPr>
+      <p:grpSpPr>
+        <a:xfrm>
+          <a:off x="0" y="0"/>
+          <a:ext cx="0" cy="0"/>
+          <a:chOff x="0" y="0"/>
+          <a:chExt cx="0" cy="0"/>
+        </a:xfrm>
+      </p:grpSpPr>
+      <p:sp>
+        <p:nvSpPr>
+          <p:cNvPr id="2" name="标题 1"/>
+          <p:cNvSpPr>
+            <a:spLocks noGrp="1"/>
+          </p:cNvSpPr>
+          <p:nvPr>
+            <p:ph type="title"/>
+          </p:nvPr>
+        </p:nvSpPr>
+        <p:spPr/>
+        <p:txBody>
+          <a:bodyPr/>
+          <a:lstStyle/>
+          <a:p>
+            <a:r>
+              <a:rPr kumimoji="1" lang="zh-CN" altLang="en-US" dirty="0" smtClean="0"/>
+              <a:t>作业</a:t>
+            </a:r>
+            <a:endParaRPr kumimoji="1" lang="zh-CN" altLang="en-US" dirty="0"/>
+          </a:p>
+        </p:txBody>
+      </p:sp>
+      <p:sp>
+        <p:nvSpPr>
+          <p:cNvPr id="3" name="内容占位符 2"/>
+          <p:cNvSpPr>
+            <a:spLocks noGrp="1"/>
+          </p:cNvSpPr>
+          <p:nvPr>
+            <p:ph idx="1"/>
+          </p:nvPr>
+        </p:nvSpPr>
+        <p:spPr/>
+        <p:txBody>
+          <a:bodyPr/>
+          <a:lstStyle/>
+          <a:p>
+            <a:r>
+              <a:rPr kumimoji="1" lang="zh-CN" altLang="en-US" dirty="0" smtClean="0"/>
+              <a:t>客服系统，效果参考：</a:t>
+            </a:r>
+            <a:r>
+              <a:rPr kumimoji="1" lang="en-US" altLang="zh-CN" dirty="0">
+                <a:hlinkClick r:id="rId2"/>
+              </a:rPr>
+              <a:t>http://looyuoms7711.looyu.com/chat/chat/p.do?c=20000695&amp;f=10050542ID&amp;g=</a:t>
+            </a:r>
+            <a:r>
+              <a:rPr kumimoji="1" lang="en-US" altLang="zh-CN" dirty="0" smtClean="0">
+                <a:hlinkClick r:id="rId2"/>
+              </a:rPr>
+              <a:t>10054882</a:t>
+            </a:r>
+            <a:r>
+              <a:rPr kumimoji="1" lang="en-US" altLang="zh-CN" dirty="0" smtClean="0"/>
+              <a:t> </a:t>
+            </a:r>
+            <a:endParaRPr kumimoji="1" lang="zh-CN" altLang="en-US" dirty="0"/>
+          </a:p>
+        </p:txBody>
+      </p:sp>
+    </p:spTree>
+    <p:extLst>
+      <p:ext uri="{BB962C8B-B14F-4D97-AF65-F5344CB8AC3E}">
+        <p14:creationId xmlns:p14="http://schemas.microsoft.com/office/powerpoint/2010/main" val="3702640321"/>
+      </p:ext>
+    </p:extLst>
+  </p:cSld>
+  <p:clrMapOvr>
+    <a:masterClrMapping/>
+  </p:clrMapOvr>
+</p:sld>
+</file>
+
+<file path=ppt/slides/slide76.xml><?xml version="1.0" encoding="utf-8"?>
 <p:sld xmlns:a="http://schemas.openxmlformats.org/drawingml/2006/main" xmlns:r="http://schemas.openxmlformats.org/officeDocument/2006/relationships" xmlns:p="http://schemas.openxmlformats.org/presentationml/2006/main">
   <p:cSld>
     <p:spTree>

--- a/Web前端教学记录.pptx
+++ b/Web前端教学记录.pptx
@@ -11849,11 +11849,7 @@
             </a:r>
             <a:r>
               <a:rPr kumimoji="1" lang="en-US" altLang="zh-CN" dirty="0" smtClean="0"/>
-              <a:t> Ne</a:t>
-            </a:r>
-            <a:r>
-              <a:rPr kumimoji="1" lang="en-US" altLang="zh-CN" dirty="0" smtClean="0"/>
-              <a:t>t</a:t>
+              <a:t> Net</a:t>
             </a:r>
             <a:r>
               <a:rPr kumimoji="1" lang="zh-CN" altLang="en-US" dirty="0" smtClean="0"/>
@@ -12122,9 +12118,16 @@
             <p:ph idx="1"/>
           </p:nvPr>
         </p:nvSpPr>
-        <p:spPr/>
-        <p:txBody>
-          <a:bodyPr/>
+        <p:spPr>
+          <a:xfrm>
+            <a:off x="457200" y="1600200"/>
+            <a:ext cx="8229600" cy="5257800"/>
+          </a:xfrm>
+        </p:spPr>
+        <p:txBody>
+          <a:bodyPr>
+            <a:normAutofit lnSpcReduction="10000"/>
+          </a:bodyPr>
           <a:lstStyle/>
           <a:p>
             <a:r>
@@ -12147,7 +12150,53 @@
               <a:rPr kumimoji="1" lang="en-US" altLang="zh-CN" dirty="0" smtClean="0"/>
               <a:t> </a:t>
             </a:r>
-            <a:endParaRPr kumimoji="1" lang="zh-CN" altLang="en-US" dirty="0"/>
+            <a:endParaRPr kumimoji="1" lang="en-US" altLang="zh-CN" dirty="0" smtClean="0"/>
+          </a:p>
+          <a:p>
+            <a:pPr marL="0" indent="0">
+              <a:buNone/>
+            </a:pPr>
+            <a:endParaRPr kumimoji="1" lang="en-US" altLang="zh-CN" dirty="0"/>
+          </a:p>
+          <a:p>
+            <a:pPr marL="0" indent="0">
+              <a:buNone/>
+            </a:pPr>
+            <a:r>
+              <a:rPr kumimoji="1" lang="zh-CN" altLang="en-US" dirty="0" smtClean="0"/>
+              <a:t>项目组成：</a:t>
+            </a:r>
+            <a:endParaRPr kumimoji="1" lang="en-US" altLang="zh-CN" dirty="0" smtClean="0"/>
+          </a:p>
+          <a:p>
+            <a:r>
+              <a:rPr kumimoji="1" lang="zh-CN" altLang="en-US" dirty="0" smtClean="0"/>
+              <a:t>服务器</a:t>
+            </a:r>
+            <a:endParaRPr kumimoji="1" lang="en-US" altLang="zh-CN" dirty="0" smtClean="0"/>
+          </a:p>
+          <a:p>
+            <a:r>
+              <a:rPr kumimoji="1" lang="zh-CN" altLang="en-US" dirty="0" smtClean="0"/>
+              <a:t>客户端</a:t>
+            </a:r>
+            <a:endParaRPr kumimoji="1" lang="en-US" altLang="zh-CN" dirty="0" smtClean="0"/>
+          </a:p>
+          <a:p>
+            <a:pPr lvl="1"/>
+            <a:r>
+              <a:rPr kumimoji="1" lang="zh-CN" altLang="en-US" dirty="0" smtClean="0"/>
+              <a:t>顾客端</a:t>
+            </a:r>
+            <a:endParaRPr kumimoji="1" lang="en-US" altLang="zh-CN" dirty="0" smtClean="0"/>
+          </a:p>
+          <a:p>
+            <a:pPr lvl="1"/>
+            <a:r>
+              <a:rPr kumimoji="1" lang="zh-CN" altLang="en-US" dirty="0" smtClean="0"/>
+              <a:t>客服端</a:t>
+            </a:r>
+            <a:endParaRPr kumimoji="1" lang="en-US" altLang="zh-CN" dirty="0"/>
           </a:p>
         </p:txBody>
       </p:sp>

--- a/Web前端教学记录.pptx
+++ b/Web前端教学记录.pptx
@@ -80,7 +80,8 @@
     <p:sldId id="329" r:id="rId74"/>
     <p:sldId id="330" r:id="rId75"/>
     <p:sldId id="331" r:id="rId76"/>
-    <p:sldId id="292" r:id="rId77"/>
+    <p:sldId id="332" r:id="rId77"/>
+    <p:sldId id="292" r:id="rId78"/>
   </p:sldIdLst>
   <p:sldSz cx="9144000" cy="6858000" type="screen4x3"/>
   <p:notesSz cx="6858000" cy="9144000"/>
@@ -299,6 +300,7 @@
             <p14:sldId id="329"/>
             <p14:sldId id="330"/>
             <p14:sldId id="331"/>
+            <p14:sldId id="332"/>
           </p14:sldIdLst>
         </p14:section>
         <p14:section name="附加作业" id="{0276C1FC-4F12-C44C-A604-00B09FC2FBCB}">
@@ -493,7 +495,7 @@
           <a:p>
             <a:fld id="{C635D755-6113-1D4F-8A58-71A4F06ADD9C}" type="datetimeFigureOut">
               <a:rPr kumimoji="1" lang="zh-CN" altLang="en-US" smtClean="0"/>
-              <a:t>7/20/16</a:t>
+              <a:t>7/25/16</a:t>
             </a:fld>
             <a:endParaRPr kumimoji="1" lang="zh-CN" altLang="en-US"/>
           </a:p>
@@ -663,7 +665,7 @@
           <a:p>
             <a:fld id="{C635D755-6113-1D4F-8A58-71A4F06ADD9C}" type="datetimeFigureOut">
               <a:rPr kumimoji="1" lang="zh-CN" altLang="en-US" smtClean="0"/>
-              <a:t>7/20/16</a:t>
+              <a:t>7/25/16</a:t>
             </a:fld>
             <a:endParaRPr kumimoji="1" lang="zh-CN" altLang="en-US"/>
           </a:p>
@@ -843,7 +845,7 @@
           <a:p>
             <a:fld id="{C635D755-6113-1D4F-8A58-71A4F06ADD9C}" type="datetimeFigureOut">
               <a:rPr kumimoji="1" lang="zh-CN" altLang="en-US" smtClean="0"/>
-              <a:t>7/20/16</a:t>
+              <a:t>7/25/16</a:t>
             </a:fld>
             <a:endParaRPr kumimoji="1" lang="zh-CN" altLang="en-US"/>
           </a:p>
@@ -1013,7 +1015,7 @@
           <a:p>
             <a:fld id="{C635D755-6113-1D4F-8A58-71A4F06ADD9C}" type="datetimeFigureOut">
               <a:rPr kumimoji="1" lang="zh-CN" altLang="en-US" smtClean="0"/>
-              <a:t>7/20/16</a:t>
+              <a:t>7/25/16</a:t>
             </a:fld>
             <a:endParaRPr kumimoji="1" lang="zh-CN" altLang="en-US"/>
           </a:p>
@@ -1259,7 +1261,7 @@
           <a:p>
             <a:fld id="{C635D755-6113-1D4F-8A58-71A4F06ADD9C}" type="datetimeFigureOut">
               <a:rPr kumimoji="1" lang="zh-CN" altLang="en-US" smtClean="0"/>
-              <a:t>7/20/16</a:t>
+              <a:t>7/25/16</a:t>
             </a:fld>
             <a:endParaRPr kumimoji="1" lang="zh-CN" altLang="en-US"/>
           </a:p>
@@ -1547,7 +1549,7 @@
           <a:p>
             <a:fld id="{C635D755-6113-1D4F-8A58-71A4F06ADD9C}" type="datetimeFigureOut">
               <a:rPr kumimoji="1" lang="zh-CN" altLang="en-US" smtClean="0"/>
-              <a:t>7/20/16</a:t>
+              <a:t>7/25/16</a:t>
             </a:fld>
             <a:endParaRPr kumimoji="1" lang="zh-CN" altLang="en-US"/>
           </a:p>
@@ -1969,7 +1971,7 @@
           <a:p>
             <a:fld id="{C635D755-6113-1D4F-8A58-71A4F06ADD9C}" type="datetimeFigureOut">
               <a:rPr kumimoji="1" lang="zh-CN" altLang="en-US" smtClean="0"/>
-              <a:t>7/20/16</a:t>
+              <a:t>7/25/16</a:t>
             </a:fld>
             <a:endParaRPr kumimoji="1" lang="zh-CN" altLang="en-US"/>
           </a:p>
@@ -2087,7 +2089,7 @@
           <a:p>
             <a:fld id="{C635D755-6113-1D4F-8A58-71A4F06ADD9C}" type="datetimeFigureOut">
               <a:rPr kumimoji="1" lang="zh-CN" altLang="en-US" smtClean="0"/>
-              <a:t>7/20/16</a:t>
+              <a:t>7/25/16</a:t>
             </a:fld>
             <a:endParaRPr kumimoji="1" lang="zh-CN" altLang="en-US"/>
           </a:p>
@@ -2182,7 +2184,7 @@
           <a:p>
             <a:fld id="{C635D755-6113-1D4F-8A58-71A4F06ADD9C}" type="datetimeFigureOut">
               <a:rPr kumimoji="1" lang="zh-CN" altLang="en-US" smtClean="0"/>
-              <a:t>7/20/16</a:t>
+              <a:t>7/25/16</a:t>
             </a:fld>
             <a:endParaRPr kumimoji="1" lang="zh-CN" altLang="en-US"/>
           </a:p>
@@ -2459,7 +2461,7 @@
           <a:p>
             <a:fld id="{C635D755-6113-1D4F-8A58-71A4F06ADD9C}" type="datetimeFigureOut">
               <a:rPr kumimoji="1" lang="zh-CN" altLang="en-US" smtClean="0"/>
-              <a:t>7/20/16</a:t>
+              <a:t>7/25/16</a:t>
             </a:fld>
             <a:endParaRPr kumimoji="1" lang="zh-CN" altLang="en-US"/>
           </a:p>
@@ -2712,7 +2714,7 @@
           <a:p>
             <a:fld id="{C635D755-6113-1D4F-8A58-71A4F06ADD9C}" type="datetimeFigureOut">
               <a:rPr kumimoji="1" lang="zh-CN" altLang="en-US" smtClean="0"/>
-              <a:t>7/20/16</a:t>
+              <a:t>7/25/16</a:t>
             </a:fld>
             <a:endParaRPr kumimoji="1" lang="zh-CN" altLang="en-US"/>
           </a:p>
@@ -2925,7 +2927,7 @@
           <a:p>
             <a:fld id="{C635D755-6113-1D4F-8A58-71A4F06ADD9C}" type="datetimeFigureOut">
               <a:rPr kumimoji="1" lang="zh-CN" altLang="en-US" smtClean="0"/>
-              <a:t>7/20/16</a:t>
+              <a:t>7/25/16</a:t>
             </a:fld>
             <a:endParaRPr kumimoji="1" lang="zh-CN" altLang="en-US"/>
           </a:p>
@@ -12150,7 +12152,6 @@
               <a:rPr kumimoji="1" lang="en-US" altLang="zh-CN" dirty="0" smtClean="0"/>
               <a:t> </a:t>
             </a:r>
-            <a:endParaRPr kumimoji="1" lang="en-US" altLang="zh-CN" dirty="0" smtClean="0"/>
           </a:p>
           <a:p>
             <a:pPr marL="0" indent="0">
@@ -12214,6 +12215,97 @@
 </file>
 
 <file path=ppt/slides/slide76.xml><?xml version="1.0" encoding="utf-8"?>
+<p:sld xmlns:a="http://schemas.openxmlformats.org/drawingml/2006/main" xmlns:r="http://schemas.openxmlformats.org/officeDocument/2006/relationships" xmlns:p="http://schemas.openxmlformats.org/presentationml/2006/main">
+  <p:cSld>
+    <p:spTree>
+      <p:nvGrpSpPr>
+        <p:cNvPr id="1" name=""/>
+        <p:cNvGrpSpPr/>
+        <p:nvPr/>
+      </p:nvGrpSpPr>
+      <p:grpSpPr>
+        <a:xfrm>
+          <a:off x="0" y="0"/>
+          <a:ext cx="0" cy="0"/>
+          <a:chOff x="0" y="0"/>
+          <a:chExt cx="0" cy="0"/>
+        </a:xfrm>
+      </p:grpSpPr>
+      <p:sp>
+        <p:nvSpPr>
+          <p:cNvPr id="2" name="标题 1"/>
+          <p:cNvSpPr>
+            <a:spLocks noGrp="1"/>
+          </p:cNvSpPr>
+          <p:nvPr>
+            <p:ph type="title"/>
+          </p:nvPr>
+        </p:nvSpPr>
+        <p:spPr/>
+        <p:txBody>
+          <a:bodyPr/>
+          <a:lstStyle/>
+          <a:p>
+            <a:r>
+              <a:rPr kumimoji="1" lang="zh-CN" altLang="en-US" dirty="0" smtClean="0"/>
+              <a:t>服务器端发送事件</a:t>
+            </a:r>
+            <a:r>
+              <a:rPr kumimoji="1" lang="en-US" altLang="zh-CN" dirty="0" smtClean="0"/>
+              <a:t>(SSE)</a:t>
+            </a:r>
+            <a:endParaRPr kumimoji="1" lang="zh-CN" altLang="en-US" dirty="0"/>
+          </a:p>
+        </p:txBody>
+      </p:sp>
+      <p:sp>
+        <p:nvSpPr>
+          <p:cNvPr id="3" name="内容占位符 2"/>
+          <p:cNvSpPr>
+            <a:spLocks noGrp="1"/>
+          </p:cNvSpPr>
+          <p:nvPr>
+            <p:ph idx="1"/>
+          </p:nvPr>
+        </p:nvSpPr>
+        <p:spPr/>
+        <p:txBody>
+          <a:bodyPr/>
+          <a:lstStyle/>
+          <a:p>
+            <a:r>
+              <a:rPr kumimoji="1" lang="en-US" altLang="zh-CN" dirty="0" err="1"/>
+              <a:t>o</a:t>
+            </a:r>
+            <a:r>
+              <a:rPr kumimoji="1" lang="en-US" altLang="zh-CN" dirty="0" err="1" smtClean="0"/>
+              <a:t>nmessage</a:t>
+            </a:r>
+            <a:r>
+              <a:rPr kumimoji="1" lang="zh-CN" altLang="en-US" dirty="0" smtClean="0"/>
+              <a:t>用于侦听无类型事件</a:t>
+            </a:r>
+            <a:endParaRPr kumimoji="1" lang="en-US" altLang="zh-CN" smtClean="0"/>
+          </a:p>
+          <a:p>
+            <a:endParaRPr kumimoji="1" lang="zh-CN" altLang="en-US" dirty="0"/>
+          </a:p>
+        </p:txBody>
+      </p:sp>
+    </p:spTree>
+    <p:extLst>
+      <p:ext uri="{BB962C8B-B14F-4D97-AF65-F5344CB8AC3E}">
+        <p14:creationId xmlns:p14="http://schemas.microsoft.com/office/powerpoint/2010/main" val="805443359"/>
+      </p:ext>
+    </p:extLst>
+  </p:cSld>
+  <p:clrMapOvr>
+    <a:masterClrMapping/>
+  </p:clrMapOvr>
+</p:sld>
+</file>
+
+<file path=ppt/slides/slide77.xml><?xml version="1.0" encoding="utf-8"?>
 <p:sld xmlns:a="http://schemas.openxmlformats.org/drawingml/2006/main" xmlns:r="http://schemas.openxmlformats.org/officeDocument/2006/relationships" xmlns:p="http://schemas.openxmlformats.org/presentationml/2006/main">
   <p:cSld>
     <p:spTree>

--- a/Web前端教学记录.pptx
+++ b/Web前端教学记录.pptx
@@ -81,7 +81,10 @@
     <p:sldId id="330" r:id="rId75"/>
     <p:sldId id="331" r:id="rId76"/>
     <p:sldId id="332" r:id="rId77"/>
-    <p:sldId id="292" r:id="rId78"/>
+    <p:sldId id="333" r:id="rId78"/>
+    <p:sldId id="334" r:id="rId79"/>
+    <p:sldId id="335" r:id="rId80"/>
+    <p:sldId id="292" r:id="rId81"/>
   </p:sldIdLst>
   <p:sldSz cx="9144000" cy="6858000" type="screen4x3"/>
   <p:notesSz cx="6858000" cy="9144000"/>
@@ -303,7 +306,14 @@
             <p14:sldId id="332"/>
           </p14:sldIdLst>
         </p14:section>
-        <p14:section name="附加作业" id="{0276C1FC-4F12-C44C-A604-00B09FC2FBCB}">
+        <p14:section name="前端工程化" id="{3AE0ECDA-F88A-6B49-97A4-CF3EB69ED630}">
+          <p14:sldIdLst>
+            <p14:sldId id="333"/>
+            <p14:sldId id="334"/>
+            <p14:sldId id="335"/>
+          </p14:sldIdLst>
+        </p14:section>
+        <p14:section name="实战项目" id="{0276C1FC-4F12-C44C-A604-00B09FC2FBCB}">
           <p14:sldIdLst>
             <p14:sldId id="292"/>
           </p14:sldIdLst>
@@ -12285,7 +12295,18 @@
               <a:rPr kumimoji="1" lang="zh-CN" altLang="en-US" dirty="0" smtClean="0"/>
               <a:t>用于侦听无类型事件</a:t>
             </a:r>
-            <a:endParaRPr kumimoji="1" lang="en-US" altLang="zh-CN" smtClean="0"/>
+            <a:endParaRPr kumimoji="1" lang="en-US" altLang="zh-CN" dirty="0" smtClean="0"/>
+          </a:p>
+          <a:p>
+            <a:r>
+              <a:rPr kumimoji="1" lang="en-US" altLang="zh-CN" dirty="0" err="1" smtClean="0"/>
+              <a:t>addEventListener</a:t>
+            </a:r>
+            <a:r>
+              <a:rPr kumimoji="1" lang="zh-CN" altLang="en-US" dirty="0" smtClean="0"/>
+              <a:t>用于侦听有类型的事件</a:t>
+            </a:r>
+            <a:endParaRPr kumimoji="1" lang="en-US" altLang="zh-CN" dirty="0" smtClean="0"/>
           </a:p>
           <a:p>
             <a:endParaRPr kumimoji="1" lang="zh-CN" altLang="en-US" dirty="0"/>
@@ -12339,7 +12360,7 @@
           <a:p>
             <a:r>
               <a:rPr kumimoji="1" lang="zh-CN" altLang="en-US" dirty="0" smtClean="0"/>
-              <a:t>实战项目</a:t>
+              <a:t>常用构建工具</a:t>
             </a:r>
             <a:endParaRPr kumimoji="1" lang="zh-CN" altLang="en-US" dirty="0"/>
           </a:p>
@@ -12361,30 +12382,311 @@
           <a:lstStyle/>
           <a:p>
             <a:r>
-              <a:rPr kumimoji="1" lang="zh-CN" altLang="en-US" dirty="0" smtClean="0"/>
-              <a:t>科目一考试系统</a:t>
-            </a:r>
-            <a:endParaRPr kumimoji="1" lang="zh-CN" altLang="en-US" dirty="0"/>
+              <a:rPr kumimoji="1" lang="en-US" altLang="zh-CN" dirty="0"/>
+              <a:t>g</a:t>
+            </a:r>
+            <a:r>
+              <a:rPr kumimoji="1" lang="en-US" altLang="zh-CN" dirty="0" smtClean="0"/>
+              <a:t>runt</a:t>
+            </a:r>
+          </a:p>
+          <a:p>
+            <a:r>
+              <a:rPr kumimoji="1" lang="en-US" altLang="zh-CN" dirty="0" smtClean="0"/>
+              <a:t>gulp</a:t>
+            </a:r>
+          </a:p>
+          <a:p>
+            <a:r>
+              <a:rPr kumimoji="1" lang="en-US" altLang="zh-CN" dirty="0" err="1" smtClean="0"/>
+              <a:t>fis</a:t>
+            </a:r>
+            <a:endParaRPr kumimoji="1" lang="en-US" altLang="zh-CN" dirty="0" smtClean="0"/>
+          </a:p>
+          <a:p>
+            <a:r>
+              <a:rPr kumimoji="1" lang="en-US" altLang="zh-CN" dirty="0" err="1" smtClean="0"/>
+              <a:t>webpack</a:t>
+            </a:r>
+            <a:endParaRPr kumimoji="1" lang="en-US" altLang="zh-CN" dirty="0" smtClean="0"/>
           </a:p>
         </p:txBody>
       </p:sp>
     </p:spTree>
     <p:extLst>
       <p:ext uri="{BB962C8B-B14F-4D97-AF65-F5344CB8AC3E}">
-        <p14:creationId xmlns:p14="http://schemas.microsoft.com/office/powerpoint/2010/main" val="1032089496"/>
+        <p14:creationId xmlns:p14="http://schemas.microsoft.com/office/powerpoint/2010/main" val="3527363253"/>
       </p:ext>
     </p:extLst>
   </p:cSld>
   <p:clrMapOvr>
     <a:masterClrMapping/>
   </p:clrMapOvr>
-  <p:timing>
-    <p:tnLst>
-      <p:par>
-        <p:cTn xmlns:p14="http://schemas.microsoft.com/office/powerpoint/2010/main" id="1" dur="indefinite" restart="never" nodeType="tmRoot"/>
-      </p:par>
-    </p:tnLst>
-  </p:timing>
+</p:sld>
+</file>
+
+<file path=ppt/slides/slide78.xml><?xml version="1.0" encoding="utf-8"?>
+<p:sld xmlns:a="http://schemas.openxmlformats.org/drawingml/2006/main" xmlns:r="http://schemas.openxmlformats.org/officeDocument/2006/relationships" xmlns:p="http://schemas.openxmlformats.org/presentationml/2006/main">
+  <p:cSld>
+    <p:spTree>
+      <p:nvGrpSpPr>
+        <p:cNvPr id="1" name=""/>
+        <p:cNvGrpSpPr/>
+        <p:nvPr/>
+      </p:nvGrpSpPr>
+      <p:grpSpPr>
+        <a:xfrm>
+          <a:off x="0" y="0"/>
+          <a:ext cx="0" cy="0"/>
+          <a:chOff x="0" y="0"/>
+          <a:chExt cx="0" cy="0"/>
+        </a:xfrm>
+      </p:grpSpPr>
+      <p:sp>
+        <p:nvSpPr>
+          <p:cNvPr id="2" name="标题 1"/>
+          <p:cNvSpPr>
+            <a:spLocks noGrp="1"/>
+          </p:cNvSpPr>
+          <p:nvPr>
+            <p:ph type="title"/>
+          </p:nvPr>
+        </p:nvSpPr>
+        <p:spPr/>
+        <p:txBody>
+          <a:bodyPr/>
+          <a:lstStyle/>
+          <a:p>
+            <a:r>
+              <a:rPr kumimoji="1" lang="zh-CN" altLang="en-US" dirty="0" smtClean="0"/>
+              <a:t>常用包管理器</a:t>
+            </a:r>
+            <a:endParaRPr kumimoji="1" lang="zh-CN" altLang="en-US" dirty="0"/>
+          </a:p>
+        </p:txBody>
+      </p:sp>
+      <p:sp>
+        <p:nvSpPr>
+          <p:cNvPr id="3" name="内容占位符 2"/>
+          <p:cNvSpPr>
+            <a:spLocks noGrp="1"/>
+          </p:cNvSpPr>
+          <p:nvPr>
+            <p:ph idx="1"/>
+          </p:nvPr>
+        </p:nvSpPr>
+        <p:spPr/>
+        <p:txBody>
+          <a:bodyPr/>
+          <a:lstStyle/>
+          <a:p>
+            <a:r>
+              <a:rPr kumimoji="1" lang="en-US" altLang="zh-CN" dirty="0" err="1" smtClean="0"/>
+              <a:t>npm</a:t>
+            </a:r>
+            <a:endParaRPr kumimoji="1" lang="en-US" altLang="zh-CN" dirty="0" smtClean="0"/>
+          </a:p>
+          <a:p>
+            <a:r>
+              <a:rPr kumimoji="1" lang="en-US" altLang="zh-CN" dirty="0" smtClean="0"/>
+              <a:t>bower</a:t>
+            </a:r>
+            <a:endParaRPr kumimoji="1" lang="zh-CN" altLang="en-US" dirty="0"/>
+          </a:p>
+        </p:txBody>
+      </p:sp>
+    </p:spTree>
+    <p:extLst>
+      <p:ext uri="{BB962C8B-B14F-4D97-AF65-F5344CB8AC3E}">
+        <p14:creationId xmlns:p14="http://schemas.microsoft.com/office/powerpoint/2010/main" val="2657324293"/>
+      </p:ext>
+    </p:extLst>
+  </p:cSld>
+  <p:clrMapOvr>
+    <a:masterClrMapping/>
+  </p:clrMapOvr>
+</p:sld>
+</file>
+
+<file path=ppt/slides/slide79.xml><?xml version="1.0" encoding="utf-8"?>
+<p:sld xmlns:a="http://schemas.openxmlformats.org/drawingml/2006/main" xmlns:r="http://schemas.openxmlformats.org/officeDocument/2006/relationships" xmlns:p="http://schemas.openxmlformats.org/presentationml/2006/main">
+  <p:cSld>
+    <p:spTree>
+      <p:nvGrpSpPr>
+        <p:cNvPr id="1" name=""/>
+        <p:cNvGrpSpPr/>
+        <p:nvPr/>
+      </p:nvGrpSpPr>
+      <p:grpSpPr>
+        <a:xfrm>
+          <a:off x="0" y="0"/>
+          <a:ext cx="0" cy="0"/>
+          <a:chOff x="0" y="0"/>
+          <a:chExt cx="0" cy="0"/>
+        </a:xfrm>
+      </p:grpSpPr>
+      <p:sp>
+        <p:nvSpPr>
+          <p:cNvPr id="2" name="标题 1"/>
+          <p:cNvSpPr>
+            <a:spLocks noGrp="1"/>
+          </p:cNvSpPr>
+          <p:nvPr>
+            <p:ph type="title"/>
+          </p:nvPr>
+        </p:nvSpPr>
+        <p:spPr/>
+        <p:txBody>
+          <a:bodyPr/>
+          <a:lstStyle/>
+          <a:p>
+            <a:r>
+              <a:rPr kumimoji="1" lang="zh-CN" altLang="en-US" dirty="0" smtClean="0"/>
+              <a:t>工程生成工具（脚手架）</a:t>
+            </a:r>
+            <a:endParaRPr kumimoji="1" lang="zh-CN" altLang="en-US" dirty="0"/>
+          </a:p>
+        </p:txBody>
+      </p:sp>
+      <p:sp>
+        <p:nvSpPr>
+          <p:cNvPr id="3" name="内容占位符 2"/>
+          <p:cNvSpPr>
+            <a:spLocks noGrp="1"/>
+          </p:cNvSpPr>
+          <p:nvPr>
+            <p:ph idx="1"/>
+          </p:nvPr>
+        </p:nvSpPr>
+        <p:spPr>
+          <a:xfrm>
+            <a:off x="457200" y="1600200"/>
+            <a:ext cx="8229600" cy="773989"/>
+          </a:xfrm>
+        </p:spPr>
+        <p:txBody>
+          <a:bodyPr/>
+          <a:lstStyle/>
+          <a:p>
+            <a:r>
+              <a:rPr kumimoji="1" lang="en-US" altLang="zh-CN" dirty="0" smtClean="0"/>
+              <a:t>Yeoman</a:t>
+            </a:r>
+            <a:endParaRPr kumimoji="1" lang="zh-CN" altLang="en-US" dirty="0"/>
+          </a:p>
+        </p:txBody>
+      </p:sp>
+      <p:sp>
+        <p:nvSpPr>
+          <p:cNvPr id="4" name="文本框 3"/>
+          <p:cNvSpPr txBox="1"/>
+          <p:nvPr/>
+        </p:nvSpPr>
+        <p:spPr>
+          <a:xfrm>
+            <a:off x="457200" y="2374189"/>
+            <a:ext cx="8229600" cy="2677656"/>
+          </a:xfrm>
+          <a:prstGeom prst="rect">
+            <a:avLst/>
+          </a:prstGeom>
+          <a:noFill/>
+        </p:spPr>
+        <p:txBody>
+          <a:bodyPr wrap="square" rtlCol="0">
+            <a:spAutoFit/>
+          </a:bodyPr>
+          <a:lstStyle/>
+          <a:p>
+            <a:r>
+              <a:rPr kumimoji="1" lang="zh-CN" altLang="en-US" sz="2800" dirty="0" smtClean="0"/>
+              <a:t>创建</a:t>
+            </a:r>
+            <a:r>
+              <a:rPr kumimoji="1" lang="en-US" altLang="zh-CN" sz="2800" dirty="0" smtClean="0"/>
+              <a:t>angular</a:t>
+            </a:r>
+            <a:r>
+              <a:rPr kumimoji="1" lang="zh-CN" altLang="en-US" sz="2800" dirty="0" smtClean="0"/>
+              <a:t>工程示例流程</a:t>
+            </a:r>
+            <a:endParaRPr kumimoji="1" lang="en-US" altLang="zh-CN" sz="2800" dirty="0" smtClean="0"/>
+          </a:p>
+          <a:p>
+            <a:pPr marL="342900" indent="-342900">
+              <a:buFont typeface="+mj-lt"/>
+              <a:buAutoNum type="arabicPeriod"/>
+            </a:pPr>
+            <a:r>
+              <a:rPr kumimoji="1" lang="en-US" altLang="zh-CN" sz="2800" dirty="0" err="1" smtClean="0"/>
+              <a:t>npm</a:t>
+            </a:r>
+            <a:r>
+              <a:rPr kumimoji="1" lang="en-US" altLang="zh-CN" sz="2800" dirty="0" smtClean="0"/>
+              <a:t> install generator-angular</a:t>
+            </a:r>
+          </a:p>
+          <a:p>
+            <a:pPr marL="342900" indent="-342900">
+              <a:buFont typeface="+mj-lt"/>
+              <a:buAutoNum type="arabicPeriod"/>
+            </a:pPr>
+            <a:r>
+              <a:rPr kumimoji="1" lang="en-US" altLang="zh-CN" sz="2800" dirty="0" err="1" smtClean="0"/>
+              <a:t>yo</a:t>
+            </a:r>
+            <a:r>
+              <a:rPr kumimoji="1" lang="en-US" altLang="zh-CN" sz="2800" dirty="0" smtClean="0"/>
+              <a:t> angular</a:t>
+            </a:r>
+          </a:p>
+          <a:p>
+            <a:pPr marL="342900" indent="-342900">
+              <a:buFont typeface="+mj-lt"/>
+              <a:buAutoNum type="arabicPeriod"/>
+            </a:pPr>
+            <a:r>
+              <a:rPr kumimoji="1" lang="en-US" altLang="zh-CN" sz="2800" dirty="0" err="1" smtClean="0"/>
+              <a:t>npm</a:t>
+            </a:r>
+            <a:r>
+              <a:rPr kumimoji="1" lang="en-US" altLang="zh-CN" sz="2800" dirty="0" smtClean="0"/>
+              <a:t> install</a:t>
+            </a:r>
+          </a:p>
+          <a:p>
+            <a:pPr marL="342900" indent="-342900">
+              <a:buFont typeface="+mj-lt"/>
+              <a:buAutoNum type="arabicPeriod"/>
+            </a:pPr>
+            <a:r>
+              <a:rPr kumimoji="1" lang="en-US" altLang="zh-CN" sz="2800" dirty="0" smtClean="0"/>
+              <a:t>bower install</a:t>
+            </a:r>
+          </a:p>
+          <a:p>
+            <a:pPr marL="342900" indent="-342900">
+              <a:buFont typeface="+mj-lt"/>
+              <a:buAutoNum type="arabicPeriod"/>
+            </a:pPr>
+            <a:r>
+              <a:rPr kumimoji="1" lang="en-US" altLang="zh-CN" sz="2800" dirty="0" smtClean="0"/>
+              <a:t>gulp</a:t>
+            </a:r>
+            <a:endParaRPr kumimoji="1" lang="zh-CN" altLang="en-US" sz="2800" dirty="0"/>
+          </a:p>
+        </p:txBody>
+      </p:sp>
+    </p:spTree>
+    <p:extLst>
+      <p:ext uri="{BB962C8B-B14F-4D97-AF65-F5344CB8AC3E}">
+        <p14:creationId xmlns:p14="http://schemas.microsoft.com/office/powerpoint/2010/main" val="3143943082"/>
+      </p:ext>
+    </p:extLst>
+  </p:cSld>
+  <p:clrMapOvr>
+    <a:masterClrMapping/>
+  </p:clrMapOvr>
 </p:sld>
 </file>
 
@@ -12494,6 +12796,96 @@
     <p:extLst>
       <p:ext uri="{BB962C8B-B14F-4D97-AF65-F5344CB8AC3E}">
         <p14:creationId xmlns:p14="http://schemas.microsoft.com/office/powerpoint/2010/main" val="1777505850"/>
+      </p:ext>
+    </p:extLst>
+  </p:cSld>
+  <p:clrMapOvr>
+    <a:masterClrMapping/>
+  </p:clrMapOvr>
+  <p:timing>
+    <p:tnLst>
+      <p:par>
+        <p:cTn xmlns:p14="http://schemas.microsoft.com/office/powerpoint/2010/main" id="1" dur="indefinite" restart="never" nodeType="tmRoot"/>
+      </p:par>
+    </p:tnLst>
+  </p:timing>
+</p:sld>
+</file>
+
+<file path=ppt/slides/slide80.xml><?xml version="1.0" encoding="utf-8"?>
+<p:sld xmlns:a="http://schemas.openxmlformats.org/drawingml/2006/main" xmlns:r="http://schemas.openxmlformats.org/officeDocument/2006/relationships" xmlns:p="http://schemas.openxmlformats.org/presentationml/2006/main">
+  <p:cSld>
+    <p:spTree>
+      <p:nvGrpSpPr>
+        <p:cNvPr id="1" name=""/>
+        <p:cNvGrpSpPr/>
+        <p:nvPr/>
+      </p:nvGrpSpPr>
+      <p:grpSpPr>
+        <a:xfrm>
+          <a:off x="0" y="0"/>
+          <a:ext cx="0" cy="0"/>
+          <a:chOff x="0" y="0"/>
+          <a:chExt cx="0" cy="0"/>
+        </a:xfrm>
+      </p:grpSpPr>
+      <p:sp>
+        <p:nvSpPr>
+          <p:cNvPr id="2" name="标题 1"/>
+          <p:cNvSpPr>
+            <a:spLocks noGrp="1"/>
+          </p:cNvSpPr>
+          <p:nvPr>
+            <p:ph type="title"/>
+          </p:nvPr>
+        </p:nvSpPr>
+        <p:spPr/>
+        <p:txBody>
+          <a:bodyPr/>
+          <a:lstStyle/>
+          <a:p>
+            <a:r>
+              <a:rPr kumimoji="1" lang="zh-CN" altLang="en-US" dirty="0" smtClean="0"/>
+              <a:t>实战项目</a:t>
+            </a:r>
+            <a:endParaRPr kumimoji="1" lang="zh-CN" altLang="en-US" dirty="0"/>
+          </a:p>
+        </p:txBody>
+      </p:sp>
+      <p:sp>
+        <p:nvSpPr>
+          <p:cNvPr id="3" name="内容占位符 2"/>
+          <p:cNvSpPr>
+            <a:spLocks noGrp="1"/>
+          </p:cNvSpPr>
+          <p:nvPr>
+            <p:ph idx="1"/>
+          </p:nvPr>
+        </p:nvSpPr>
+        <p:spPr/>
+        <p:txBody>
+          <a:bodyPr/>
+          <a:lstStyle/>
+          <a:p>
+            <a:r>
+              <a:rPr kumimoji="1" lang="zh-CN" altLang="en-US" dirty="0" smtClean="0"/>
+              <a:t>科目一考试系统</a:t>
+            </a:r>
+            <a:endParaRPr kumimoji="1" lang="en-US" altLang="zh-CN" dirty="0" smtClean="0"/>
+          </a:p>
+          <a:p>
+            <a:r>
+              <a:rPr kumimoji="1" lang="en-US" altLang="en-US" dirty="0" smtClean="0"/>
+              <a:t>实时客服系统</a:t>
+            </a:r>
+            <a:endParaRPr kumimoji="1" lang="zh-CN" altLang="en-US" dirty="0"/>
+          </a:p>
+        </p:txBody>
+      </p:sp>
+    </p:spTree>
+    <p:extLst>
+      <p:ext uri="{BB962C8B-B14F-4D97-AF65-F5344CB8AC3E}">
+        <p14:creationId xmlns:p14="http://schemas.microsoft.com/office/powerpoint/2010/main" val="1032089496"/>
       </p:ext>
     </p:extLst>
   </p:cSld>

--- a/Web前端教学记录.pptx
+++ b/Web前端教学记录.pptx
@@ -505,7 +505,7 @@
           <a:p>
             <a:fld id="{C635D755-6113-1D4F-8A58-71A4F06ADD9C}" type="datetimeFigureOut">
               <a:rPr kumimoji="1" lang="zh-CN" altLang="en-US" smtClean="0"/>
-              <a:t>7/25/16</a:t>
+              <a:t>7/27/16</a:t>
             </a:fld>
             <a:endParaRPr kumimoji="1" lang="zh-CN" altLang="en-US"/>
           </a:p>
@@ -675,7 +675,7 @@
           <a:p>
             <a:fld id="{C635D755-6113-1D4F-8A58-71A4F06ADD9C}" type="datetimeFigureOut">
               <a:rPr kumimoji="1" lang="zh-CN" altLang="en-US" smtClean="0"/>
-              <a:t>7/25/16</a:t>
+              <a:t>7/27/16</a:t>
             </a:fld>
             <a:endParaRPr kumimoji="1" lang="zh-CN" altLang="en-US"/>
           </a:p>
@@ -855,7 +855,7 @@
           <a:p>
             <a:fld id="{C635D755-6113-1D4F-8A58-71A4F06ADD9C}" type="datetimeFigureOut">
               <a:rPr kumimoji="1" lang="zh-CN" altLang="en-US" smtClean="0"/>
-              <a:t>7/25/16</a:t>
+              <a:t>7/27/16</a:t>
             </a:fld>
             <a:endParaRPr kumimoji="1" lang="zh-CN" altLang="en-US"/>
           </a:p>
@@ -1025,7 +1025,7 @@
           <a:p>
             <a:fld id="{C635D755-6113-1D4F-8A58-71A4F06ADD9C}" type="datetimeFigureOut">
               <a:rPr kumimoji="1" lang="zh-CN" altLang="en-US" smtClean="0"/>
-              <a:t>7/25/16</a:t>
+              <a:t>7/27/16</a:t>
             </a:fld>
             <a:endParaRPr kumimoji="1" lang="zh-CN" altLang="en-US"/>
           </a:p>
@@ -1271,7 +1271,7 @@
           <a:p>
             <a:fld id="{C635D755-6113-1D4F-8A58-71A4F06ADD9C}" type="datetimeFigureOut">
               <a:rPr kumimoji="1" lang="zh-CN" altLang="en-US" smtClean="0"/>
-              <a:t>7/25/16</a:t>
+              <a:t>7/27/16</a:t>
             </a:fld>
             <a:endParaRPr kumimoji="1" lang="zh-CN" altLang="en-US"/>
           </a:p>
@@ -1559,7 +1559,7 @@
           <a:p>
             <a:fld id="{C635D755-6113-1D4F-8A58-71A4F06ADD9C}" type="datetimeFigureOut">
               <a:rPr kumimoji="1" lang="zh-CN" altLang="en-US" smtClean="0"/>
-              <a:t>7/25/16</a:t>
+              <a:t>7/27/16</a:t>
             </a:fld>
             <a:endParaRPr kumimoji="1" lang="zh-CN" altLang="en-US"/>
           </a:p>
@@ -1981,7 +1981,7 @@
           <a:p>
             <a:fld id="{C635D755-6113-1D4F-8A58-71A4F06ADD9C}" type="datetimeFigureOut">
               <a:rPr kumimoji="1" lang="zh-CN" altLang="en-US" smtClean="0"/>
-              <a:t>7/25/16</a:t>
+              <a:t>7/27/16</a:t>
             </a:fld>
             <a:endParaRPr kumimoji="1" lang="zh-CN" altLang="en-US"/>
           </a:p>
@@ -2099,7 +2099,7 @@
           <a:p>
             <a:fld id="{C635D755-6113-1D4F-8A58-71A4F06ADD9C}" type="datetimeFigureOut">
               <a:rPr kumimoji="1" lang="zh-CN" altLang="en-US" smtClean="0"/>
-              <a:t>7/25/16</a:t>
+              <a:t>7/27/16</a:t>
             </a:fld>
             <a:endParaRPr kumimoji="1" lang="zh-CN" altLang="en-US"/>
           </a:p>
@@ -2194,7 +2194,7 @@
           <a:p>
             <a:fld id="{C635D755-6113-1D4F-8A58-71A4F06ADD9C}" type="datetimeFigureOut">
               <a:rPr kumimoji="1" lang="zh-CN" altLang="en-US" smtClean="0"/>
-              <a:t>7/25/16</a:t>
+              <a:t>7/27/16</a:t>
             </a:fld>
             <a:endParaRPr kumimoji="1" lang="zh-CN" altLang="en-US"/>
           </a:p>
@@ -2471,7 +2471,7 @@
           <a:p>
             <a:fld id="{C635D755-6113-1D4F-8A58-71A4F06ADD9C}" type="datetimeFigureOut">
               <a:rPr kumimoji="1" lang="zh-CN" altLang="en-US" smtClean="0"/>
-              <a:t>7/25/16</a:t>
+              <a:t>7/27/16</a:t>
             </a:fld>
             <a:endParaRPr kumimoji="1" lang="zh-CN" altLang="en-US"/>
           </a:p>
@@ -2724,7 +2724,7 @@
           <a:p>
             <a:fld id="{C635D755-6113-1D4F-8A58-71A4F06ADD9C}" type="datetimeFigureOut">
               <a:rPr kumimoji="1" lang="zh-CN" altLang="en-US" smtClean="0"/>
-              <a:t>7/25/16</a:t>
+              <a:t>7/27/16</a:t>
             </a:fld>
             <a:endParaRPr kumimoji="1" lang="zh-CN" altLang="en-US"/>
           </a:p>
@@ -2937,7 +2937,7 @@
           <a:p>
             <a:fld id="{C635D755-6113-1D4F-8A58-71A4F06ADD9C}" type="datetimeFigureOut">
               <a:rPr kumimoji="1" lang="zh-CN" altLang="en-US" smtClean="0"/>
-              <a:t>7/25/16</a:t>
+              <a:t>7/27/16</a:t>
             </a:fld>
             <a:endParaRPr kumimoji="1" lang="zh-CN" altLang="en-US"/>
           </a:p>
@@ -12876,7 +12876,21 @@
           <a:p>
             <a:r>
               <a:rPr kumimoji="1" lang="en-US" altLang="en-US" dirty="0" smtClean="0"/>
-              <a:t>实时客服系统</a:t>
+              <a:t>实时客服</a:t>
+            </a:r>
+            <a:r>
+              <a:rPr kumimoji="1" lang="en-US" altLang="en-US" dirty="0" smtClean="0"/>
+              <a:t>系统</a:t>
+            </a:r>
+          </a:p>
+          <a:p>
+            <a:r>
+              <a:rPr kumimoji="1" lang="en-US" altLang="zh-CN" dirty="0" smtClean="0"/>
+              <a:t>2D</a:t>
+            </a:r>
+            <a:r>
+              <a:rPr kumimoji="1" lang="zh-CN" altLang="en-US" dirty="0" smtClean="0"/>
+              <a:t>游戏引擎项目</a:t>
             </a:r>
             <a:endParaRPr kumimoji="1" lang="zh-CN" altLang="en-US" dirty="0"/>
           </a:p>

--- a/Web前端教学记录.pptx
+++ b/Web前端教学记录.pptx
@@ -505,7 +505,7 @@
           <a:p>
             <a:fld id="{C635D755-6113-1D4F-8A58-71A4F06ADD9C}" type="datetimeFigureOut">
               <a:rPr kumimoji="1" lang="zh-CN" altLang="en-US" smtClean="0"/>
-              <a:t>7/27/16</a:t>
+              <a:t>7/28/16</a:t>
             </a:fld>
             <a:endParaRPr kumimoji="1" lang="zh-CN" altLang="en-US"/>
           </a:p>
@@ -675,7 +675,7 @@
           <a:p>
             <a:fld id="{C635D755-6113-1D4F-8A58-71A4F06ADD9C}" type="datetimeFigureOut">
               <a:rPr kumimoji="1" lang="zh-CN" altLang="en-US" smtClean="0"/>
-              <a:t>7/27/16</a:t>
+              <a:t>7/28/16</a:t>
             </a:fld>
             <a:endParaRPr kumimoji="1" lang="zh-CN" altLang="en-US"/>
           </a:p>
@@ -855,7 +855,7 @@
           <a:p>
             <a:fld id="{C635D755-6113-1D4F-8A58-71A4F06ADD9C}" type="datetimeFigureOut">
               <a:rPr kumimoji="1" lang="zh-CN" altLang="en-US" smtClean="0"/>
-              <a:t>7/27/16</a:t>
+              <a:t>7/28/16</a:t>
             </a:fld>
             <a:endParaRPr kumimoji="1" lang="zh-CN" altLang="en-US"/>
           </a:p>
@@ -1025,7 +1025,7 @@
           <a:p>
             <a:fld id="{C635D755-6113-1D4F-8A58-71A4F06ADD9C}" type="datetimeFigureOut">
               <a:rPr kumimoji="1" lang="zh-CN" altLang="en-US" smtClean="0"/>
-              <a:t>7/27/16</a:t>
+              <a:t>7/28/16</a:t>
             </a:fld>
             <a:endParaRPr kumimoji="1" lang="zh-CN" altLang="en-US"/>
           </a:p>
@@ -1271,7 +1271,7 @@
           <a:p>
             <a:fld id="{C635D755-6113-1D4F-8A58-71A4F06ADD9C}" type="datetimeFigureOut">
               <a:rPr kumimoji="1" lang="zh-CN" altLang="en-US" smtClean="0"/>
-              <a:t>7/27/16</a:t>
+              <a:t>7/28/16</a:t>
             </a:fld>
             <a:endParaRPr kumimoji="1" lang="zh-CN" altLang="en-US"/>
           </a:p>
@@ -1559,7 +1559,7 @@
           <a:p>
             <a:fld id="{C635D755-6113-1D4F-8A58-71A4F06ADD9C}" type="datetimeFigureOut">
               <a:rPr kumimoji="1" lang="zh-CN" altLang="en-US" smtClean="0"/>
-              <a:t>7/27/16</a:t>
+              <a:t>7/28/16</a:t>
             </a:fld>
             <a:endParaRPr kumimoji="1" lang="zh-CN" altLang="en-US"/>
           </a:p>
@@ -1981,7 +1981,7 @@
           <a:p>
             <a:fld id="{C635D755-6113-1D4F-8A58-71A4F06ADD9C}" type="datetimeFigureOut">
               <a:rPr kumimoji="1" lang="zh-CN" altLang="en-US" smtClean="0"/>
-              <a:t>7/27/16</a:t>
+              <a:t>7/28/16</a:t>
             </a:fld>
             <a:endParaRPr kumimoji="1" lang="zh-CN" altLang="en-US"/>
           </a:p>
@@ -2099,7 +2099,7 @@
           <a:p>
             <a:fld id="{C635D755-6113-1D4F-8A58-71A4F06ADD9C}" type="datetimeFigureOut">
               <a:rPr kumimoji="1" lang="zh-CN" altLang="en-US" smtClean="0"/>
-              <a:t>7/27/16</a:t>
+              <a:t>7/28/16</a:t>
             </a:fld>
             <a:endParaRPr kumimoji="1" lang="zh-CN" altLang="en-US"/>
           </a:p>
@@ -2194,7 +2194,7 @@
           <a:p>
             <a:fld id="{C635D755-6113-1D4F-8A58-71A4F06ADD9C}" type="datetimeFigureOut">
               <a:rPr kumimoji="1" lang="zh-CN" altLang="en-US" smtClean="0"/>
-              <a:t>7/27/16</a:t>
+              <a:t>7/28/16</a:t>
             </a:fld>
             <a:endParaRPr kumimoji="1" lang="zh-CN" altLang="en-US"/>
           </a:p>
@@ -2471,7 +2471,7 @@
           <a:p>
             <a:fld id="{C635D755-6113-1D4F-8A58-71A4F06ADD9C}" type="datetimeFigureOut">
               <a:rPr kumimoji="1" lang="zh-CN" altLang="en-US" smtClean="0"/>
-              <a:t>7/27/16</a:t>
+              <a:t>7/28/16</a:t>
             </a:fld>
             <a:endParaRPr kumimoji="1" lang="zh-CN" altLang="en-US"/>
           </a:p>
@@ -2724,7 +2724,7 @@
           <a:p>
             <a:fld id="{C635D755-6113-1D4F-8A58-71A4F06ADD9C}" type="datetimeFigureOut">
               <a:rPr kumimoji="1" lang="zh-CN" altLang="en-US" smtClean="0"/>
-              <a:t>7/27/16</a:t>
+              <a:t>7/28/16</a:t>
             </a:fld>
             <a:endParaRPr kumimoji="1" lang="zh-CN" altLang="en-US"/>
           </a:p>
@@ -2937,7 +2937,7 @@
           <a:p>
             <a:fld id="{C635D755-6113-1D4F-8A58-71A4F06ADD9C}" type="datetimeFigureOut">
               <a:rPr kumimoji="1" lang="zh-CN" altLang="en-US" smtClean="0"/>
-              <a:t>7/27/16</a:t>
+              <a:t>7/28/16</a:t>
             </a:fld>
             <a:endParaRPr kumimoji="1" lang="zh-CN" altLang="en-US"/>
           </a:p>
@@ -12876,11 +12876,7 @@
           <a:p>
             <a:r>
               <a:rPr kumimoji="1" lang="en-US" altLang="en-US" dirty="0" smtClean="0"/>
-              <a:t>实时客服</a:t>
-            </a:r>
-            <a:r>
-              <a:rPr kumimoji="1" lang="en-US" altLang="en-US" dirty="0" smtClean="0"/>
-              <a:t>系统</a:t>
+              <a:t>实时客服系统</a:t>
             </a:r>
           </a:p>
           <a:p>
@@ -12891,6 +12887,25 @@
             <a:r>
               <a:rPr kumimoji="1" lang="zh-CN" altLang="en-US" dirty="0" smtClean="0"/>
               <a:t>游戏引擎项目</a:t>
+            </a:r>
+            <a:endParaRPr kumimoji="1" lang="en-US" altLang="zh-CN" dirty="0" smtClean="0"/>
+          </a:p>
+          <a:p>
+            <a:r>
+              <a:rPr kumimoji="1" lang="en-US" altLang="zh-CN" dirty="0" smtClean="0"/>
+              <a:t>What(without html application </a:t>
+            </a:r>
+            <a:r>
+              <a:rPr lang="en-US" altLang="zh-CN" dirty="0"/>
+              <a:t>technology</a:t>
+            </a:r>
+            <a:r>
+              <a:rPr kumimoji="1" lang="en-US" altLang="zh-CN" dirty="0" smtClean="0"/>
+              <a:t>)</a:t>
+            </a:r>
+            <a:r>
+              <a:rPr kumimoji="1" lang="zh-CN" altLang="en-US" dirty="0" smtClean="0"/>
+              <a:t>项目</a:t>
             </a:r>
             <a:endParaRPr kumimoji="1" lang="zh-CN" altLang="en-US" dirty="0"/>
           </a:p>
